--- a/Presentation.pptx
+++ b/Presentation.pptx
@@ -5,18 +5,19 @@
     <p:sldMasterId id="2147483648" r:id="rId1"/>
   </p:sldMasterIdLst>
   <p:sldIdLst>
-    <p:sldId id="256" r:id="rId2"/>
-    <p:sldId id="257" r:id="rId3"/>
-    <p:sldId id="262" r:id="rId4"/>
-    <p:sldId id="263" r:id="rId5"/>
-    <p:sldId id="261" r:id="rId6"/>
-    <p:sldId id="264" r:id="rId7"/>
-    <p:sldId id="265" r:id="rId8"/>
-    <p:sldId id="266" r:id="rId9"/>
-    <p:sldId id="267" r:id="rId10"/>
-    <p:sldId id="258" r:id="rId11"/>
-    <p:sldId id="259" r:id="rId12"/>
-    <p:sldId id="260" r:id="rId13"/>
+    <p:sldId id="268" r:id="rId2"/>
+    <p:sldId id="269" r:id="rId3"/>
+    <p:sldId id="257" r:id="rId4"/>
+    <p:sldId id="262" r:id="rId5"/>
+    <p:sldId id="263" r:id="rId6"/>
+    <p:sldId id="261" r:id="rId7"/>
+    <p:sldId id="264" r:id="rId8"/>
+    <p:sldId id="265" r:id="rId9"/>
+    <p:sldId id="266" r:id="rId10"/>
+    <p:sldId id="267" r:id="rId11"/>
+    <p:sldId id="258" r:id="rId12"/>
+    <p:sldId id="259" r:id="rId13"/>
+    <p:sldId id="260" r:id="rId14"/>
   </p:sldIdLst>
   <p:sldSz cx="12192000" cy="6858000"/>
   <p:notesSz cx="6858000" cy="9144000"/>
@@ -124,6 +125,757 @@
 </file>
 
 <file path=ppt/diagrams/colors1.xml><?xml version="1.0" encoding="utf-8"?>
+<dgm:colorsDef xmlns:dgm="http://schemas.openxmlformats.org/drawingml/2006/diagram" xmlns:a="http://schemas.openxmlformats.org/drawingml/2006/main" uniqueId="urn:microsoft.com/office/officeart/2005/8/colors/accent0_3">
+  <dgm:title val=""/>
+  <dgm:desc val=""/>
+  <dgm:catLst>
+    <dgm:cat type="mainScheme" pri="10300"/>
+  </dgm:catLst>
+  <dgm:styleLbl name="node0">
+    <dgm:fillClrLst meth="repeat">
+      <a:schemeClr val="dk2"/>
+    </dgm:fillClrLst>
+    <dgm:linClrLst meth="repeat">
+      <a:schemeClr val="lt2"/>
+    </dgm:linClrLst>
+    <dgm:effectClrLst/>
+    <dgm:txLinClrLst/>
+    <dgm:txFillClrLst/>
+    <dgm:txEffectClrLst/>
+  </dgm:styleLbl>
+  <dgm:styleLbl name="alignNode1">
+    <dgm:fillClrLst meth="repeat">
+      <a:schemeClr val="dk2"/>
+    </dgm:fillClrLst>
+    <dgm:linClrLst meth="repeat">
+      <a:schemeClr val="dk2"/>
+    </dgm:linClrLst>
+    <dgm:effectClrLst/>
+    <dgm:txLinClrLst/>
+    <dgm:txFillClrLst/>
+    <dgm:txEffectClrLst/>
+  </dgm:styleLbl>
+  <dgm:styleLbl name="node1">
+    <dgm:fillClrLst meth="repeat">
+      <a:schemeClr val="dk2"/>
+    </dgm:fillClrLst>
+    <dgm:linClrLst meth="repeat">
+      <a:schemeClr val="lt2"/>
+    </dgm:linClrLst>
+    <dgm:effectClrLst/>
+    <dgm:txLinClrLst/>
+    <dgm:txFillClrLst/>
+    <dgm:txEffectClrLst/>
+  </dgm:styleLbl>
+  <dgm:styleLbl name="lnNode1">
+    <dgm:fillClrLst meth="repeat">
+      <a:schemeClr val="dk2"/>
+    </dgm:fillClrLst>
+    <dgm:linClrLst meth="repeat">
+      <a:schemeClr val="lt2"/>
+    </dgm:linClrLst>
+    <dgm:effectClrLst/>
+    <dgm:txLinClrLst/>
+    <dgm:txFillClrLst/>
+    <dgm:txEffectClrLst/>
+  </dgm:styleLbl>
+  <dgm:styleLbl name="vennNode1">
+    <dgm:fillClrLst meth="repeat">
+      <a:schemeClr val="dk2">
+        <a:alpha val="50000"/>
+      </a:schemeClr>
+    </dgm:fillClrLst>
+    <dgm:linClrLst meth="repeat">
+      <a:schemeClr val="lt2"/>
+    </dgm:linClrLst>
+    <dgm:effectClrLst/>
+    <dgm:txLinClrLst/>
+    <dgm:txFillClrLst/>
+    <dgm:txEffectClrLst/>
+  </dgm:styleLbl>
+  <dgm:styleLbl name="node2">
+    <dgm:fillClrLst meth="repeat">
+      <a:schemeClr val="dk2"/>
+    </dgm:fillClrLst>
+    <dgm:linClrLst meth="repeat">
+      <a:schemeClr val="lt2"/>
+    </dgm:linClrLst>
+    <dgm:effectClrLst/>
+    <dgm:txLinClrLst/>
+    <dgm:txFillClrLst/>
+    <dgm:txEffectClrLst/>
+  </dgm:styleLbl>
+  <dgm:styleLbl name="node3">
+    <dgm:fillClrLst meth="repeat">
+      <a:schemeClr val="dk2"/>
+    </dgm:fillClrLst>
+    <dgm:linClrLst meth="repeat">
+      <a:schemeClr val="lt2"/>
+    </dgm:linClrLst>
+    <dgm:effectClrLst/>
+    <dgm:txLinClrLst/>
+    <dgm:txFillClrLst/>
+    <dgm:txEffectClrLst/>
+  </dgm:styleLbl>
+  <dgm:styleLbl name="node4">
+    <dgm:fillClrLst meth="repeat">
+      <a:schemeClr val="dk2"/>
+    </dgm:fillClrLst>
+    <dgm:linClrLst meth="repeat">
+      <a:schemeClr val="lt2"/>
+    </dgm:linClrLst>
+    <dgm:effectClrLst/>
+    <dgm:txLinClrLst/>
+    <dgm:txFillClrLst/>
+    <dgm:txEffectClrLst/>
+  </dgm:styleLbl>
+  <dgm:styleLbl name="fgImgPlace1">
+    <dgm:fillClrLst meth="repeat">
+      <a:schemeClr val="dk2">
+        <a:tint val="50000"/>
+      </a:schemeClr>
+    </dgm:fillClrLst>
+    <dgm:linClrLst meth="repeat">
+      <a:schemeClr val="lt2"/>
+    </dgm:linClrLst>
+    <dgm:effectClrLst/>
+    <dgm:txLinClrLst/>
+    <dgm:txFillClrLst meth="repeat">
+      <a:schemeClr val="lt2"/>
+    </dgm:txFillClrLst>
+    <dgm:txEffectClrLst/>
+  </dgm:styleLbl>
+  <dgm:styleLbl name="alignImgPlace1">
+    <dgm:fillClrLst meth="repeat">
+      <a:schemeClr val="dk2">
+        <a:tint val="50000"/>
+      </a:schemeClr>
+    </dgm:fillClrLst>
+    <dgm:linClrLst meth="repeat">
+      <a:schemeClr val="dk2">
+        <a:shade val="80000"/>
+      </a:schemeClr>
+    </dgm:linClrLst>
+    <dgm:effectClrLst/>
+    <dgm:txLinClrLst/>
+    <dgm:txFillClrLst meth="repeat">
+      <a:schemeClr val="lt2"/>
+    </dgm:txFillClrLst>
+    <dgm:txEffectClrLst/>
+  </dgm:styleLbl>
+  <dgm:styleLbl name="bgImgPlace1">
+    <dgm:fillClrLst meth="repeat">
+      <a:schemeClr val="dk2">
+        <a:tint val="50000"/>
+      </a:schemeClr>
+    </dgm:fillClrLst>
+    <dgm:linClrLst meth="repeat">
+      <a:schemeClr val="dk2">
+        <a:shade val="80000"/>
+      </a:schemeClr>
+    </dgm:linClrLst>
+    <dgm:effectClrLst/>
+    <dgm:txLinClrLst/>
+    <dgm:txFillClrLst meth="repeat">
+      <a:schemeClr val="lt2"/>
+    </dgm:txFillClrLst>
+    <dgm:txEffectClrLst/>
+  </dgm:styleLbl>
+  <dgm:styleLbl name="sibTrans2D1">
+    <dgm:fillClrLst meth="repeat">
+      <a:schemeClr val="dk2">
+        <a:tint val="60000"/>
+      </a:schemeClr>
+    </dgm:fillClrLst>
+    <dgm:linClrLst meth="repeat">
+      <a:schemeClr val="dk2">
+        <a:tint val="60000"/>
+      </a:schemeClr>
+    </dgm:linClrLst>
+    <dgm:effectClrLst/>
+    <dgm:txLinClrLst/>
+    <dgm:txFillClrLst/>
+    <dgm:txEffectClrLst/>
+  </dgm:styleLbl>
+  <dgm:styleLbl name="fgSibTrans2D1">
+    <dgm:fillClrLst meth="repeat">
+      <a:schemeClr val="dk2">
+        <a:tint val="60000"/>
+      </a:schemeClr>
+    </dgm:fillClrLst>
+    <dgm:linClrLst meth="repeat">
+      <a:schemeClr val="dk2">
+        <a:tint val="60000"/>
+      </a:schemeClr>
+    </dgm:linClrLst>
+    <dgm:effectClrLst/>
+    <dgm:txLinClrLst/>
+    <dgm:txFillClrLst/>
+    <dgm:txEffectClrLst/>
+  </dgm:styleLbl>
+  <dgm:styleLbl name="bgSibTrans2D1">
+    <dgm:fillClrLst meth="repeat">
+      <a:schemeClr val="dk2">
+        <a:tint val="60000"/>
+      </a:schemeClr>
+    </dgm:fillClrLst>
+    <dgm:linClrLst meth="repeat">
+      <a:schemeClr val="dk2">
+        <a:tint val="60000"/>
+      </a:schemeClr>
+    </dgm:linClrLst>
+    <dgm:effectClrLst/>
+    <dgm:txLinClrLst/>
+    <dgm:txFillClrLst/>
+    <dgm:txEffectClrLst/>
+  </dgm:styleLbl>
+  <dgm:styleLbl name="sibTrans1D1">
+    <dgm:fillClrLst meth="repeat">
+      <a:schemeClr val="dk2"/>
+    </dgm:fillClrLst>
+    <dgm:linClrLst meth="repeat">
+      <a:schemeClr val="dk2"/>
+    </dgm:linClrLst>
+    <dgm:effectClrLst/>
+    <dgm:txLinClrLst/>
+    <dgm:txFillClrLst meth="repeat">
+      <a:schemeClr val="lt2"/>
+    </dgm:txFillClrLst>
+    <dgm:txEffectClrLst/>
+  </dgm:styleLbl>
+  <dgm:styleLbl name="callout">
+    <dgm:fillClrLst meth="repeat">
+      <a:schemeClr val="dk2"/>
+    </dgm:fillClrLst>
+    <dgm:linClrLst meth="repeat">
+      <a:schemeClr val="dk2">
+        <a:tint val="50000"/>
+      </a:schemeClr>
+    </dgm:linClrLst>
+    <dgm:effectClrLst/>
+    <dgm:txLinClrLst/>
+    <dgm:txFillClrLst meth="repeat">
+      <a:schemeClr val="lt2"/>
+    </dgm:txFillClrLst>
+    <dgm:txEffectClrLst/>
+  </dgm:styleLbl>
+  <dgm:styleLbl name="asst0">
+    <dgm:fillClrLst meth="repeat">
+      <a:schemeClr val="dk2"/>
+    </dgm:fillClrLst>
+    <dgm:linClrLst meth="repeat">
+      <a:schemeClr val="lt2"/>
+    </dgm:linClrLst>
+    <dgm:effectClrLst/>
+    <dgm:txLinClrLst/>
+    <dgm:txFillClrLst/>
+    <dgm:txEffectClrLst/>
+  </dgm:styleLbl>
+  <dgm:styleLbl name="asst1">
+    <dgm:fillClrLst meth="repeat">
+      <a:schemeClr val="dk2"/>
+    </dgm:fillClrLst>
+    <dgm:linClrLst meth="repeat">
+      <a:schemeClr val="lt2"/>
+    </dgm:linClrLst>
+    <dgm:effectClrLst/>
+    <dgm:txLinClrLst/>
+    <dgm:txFillClrLst/>
+    <dgm:txEffectClrLst/>
+  </dgm:styleLbl>
+  <dgm:styleLbl name="asst2">
+    <dgm:fillClrLst meth="repeat">
+      <a:schemeClr val="dk2"/>
+    </dgm:fillClrLst>
+    <dgm:linClrLst meth="repeat">
+      <a:schemeClr val="lt2"/>
+    </dgm:linClrLst>
+    <dgm:effectClrLst/>
+    <dgm:txLinClrLst/>
+    <dgm:txFillClrLst/>
+    <dgm:txEffectClrLst/>
+  </dgm:styleLbl>
+  <dgm:styleLbl name="asst3">
+    <dgm:fillClrLst meth="repeat">
+      <a:schemeClr val="dk2"/>
+    </dgm:fillClrLst>
+    <dgm:linClrLst meth="repeat">
+      <a:schemeClr val="lt2"/>
+    </dgm:linClrLst>
+    <dgm:effectClrLst/>
+    <dgm:txLinClrLst/>
+    <dgm:txFillClrLst/>
+    <dgm:txEffectClrLst/>
+  </dgm:styleLbl>
+  <dgm:styleLbl name="asst4">
+    <dgm:fillClrLst meth="repeat">
+      <a:schemeClr val="dk2"/>
+    </dgm:fillClrLst>
+    <dgm:linClrLst meth="repeat">
+      <a:schemeClr val="lt2"/>
+    </dgm:linClrLst>
+    <dgm:effectClrLst/>
+    <dgm:txLinClrLst/>
+    <dgm:txFillClrLst/>
+    <dgm:txEffectClrLst/>
+  </dgm:styleLbl>
+  <dgm:styleLbl name="parChTrans2D1">
+    <dgm:fillClrLst meth="repeat">
+      <a:schemeClr val="dk2">
+        <a:tint val="60000"/>
+      </a:schemeClr>
+    </dgm:fillClrLst>
+    <dgm:linClrLst meth="repeat">
+      <a:schemeClr val="dk2">
+        <a:tint val="60000"/>
+      </a:schemeClr>
+    </dgm:linClrLst>
+    <dgm:effectClrLst/>
+    <dgm:txLinClrLst/>
+    <dgm:txFillClrLst meth="repeat">
+      <a:schemeClr val="lt2"/>
+    </dgm:txFillClrLst>
+    <dgm:txEffectClrLst/>
+  </dgm:styleLbl>
+  <dgm:styleLbl name="parChTrans2D2">
+    <dgm:fillClrLst meth="repeat">
+      <a:schemeClr val="dk2"/>
+    </dgm:fillClrLst>
+    <dgm:linClrLst meth="repeat">
+      <a:schemeClr val="dk2"/>
+    </dgm:linClrLst>
+    <dgm:effectClrLst/>
+    <dgm:txLinClrLst/>
+    <dgm:txFillClrLst meth="repeat">
+      <a:schemeClr val="lt2"/>
+    </dgm:txFillClrLst>
+    <dgm:txEffectClrLst/>
+  </dgm:styleLbl>
+  <dgm:styleLbl name="parChTrans2D3">
+    <dgm:fillClrLst meth="repeat">
+      <a:schemeClr val="dk2"/>
+    </dgm:fillClrLst>
+    <dgm:linClrLst meth="repeat">
+      <a:schemeClr val="dk2"/>
+    </dgm:linClrLst>
+    <dgm:effectClrLst/>
+    <dgm:txLinClrLst/>
+    <dgm:txFillClrLst meth="repeat">
+      <a:schemeClr val="lt2"/>
+    </dgm:txFillClrLst>
+    <dgm:txEffectClrLst/>
+  </dgm:styleLbl>
+  <dgm:styleLbl name="parChTrans2D4">
+    <dgm:fillClrLst meth="repeat">
+      <a:schemeClr val="dk2"/>
+    </dgm:fillClrLst>
+    <dgm:linClrLst meth="repeat">
+      <a:schemeClr val="dk2"/>
+    </dgm:linClrLst>
+    <dgm:effectClrLst/>
+    <dgm:txLinClrLst/>
+    <dgm:txFillClrLst meth="repeat">
+      <a:schemeClr val="lt2"/>
+    </dgm:txFillClrLst>
+    <dgm:txEffectClrLst/>
+  </dgm:styleLbl>
+  <dgm:styleLbl name="parChTrans1D1">
+    <dgm:fillClrLst meth="repeat">
+      <a:schemeClr val="dk2"/>
+    </dgm:fillClrLst>
+    <dgm:linClrLst meth="repeat">
+      <a:schemeClr val="dk2">
+        <a:shade val="60000"/>
+      </a:schemeClr>
+    </dgm:linClrLst>
+    <dgm:effectClrLst/>
+    <dgm:txLinClrLst/>
+    <dgm:txFillClrLst meth="repeat">
+      <a:schemeClr val="tx1"/>
+    </dgm:txFillClrLst>
+    <dgm:txEffectClrLst/>
+  </dgm:styleLbl>
+  <dgm:styleLbl name="parChTrans1D2">
+    <dgm:fillClrLst meth="repeat">
+      <a:schemeClr val="dk2"/>
+    </dgm:fillClrLst>
+    <dgm:linClrLst meth="repeat">
+      <a:schemeClr val="dk2">
+        <a:shade val="60000"/>
+      </a:schemeClr>
+    </dgm:linClrLst>
+    <dgm:effectClrLst/>
+    <dgm:txLinClrLst/>
+    <dgm:txFillClrLst meth="repeat">
+      <a:schemeClr val="tx1"/>
+    </dgm:txFillClrLst>
+    <dgm:txEffectClrLst/>
+  </dgm:styleLbl>
+  <dgm:styleLbl name="parChTrans1D3">
+    <dgm:fillClrLst meth="repeat">
+      <a:schemeClr val="dk2"/>
+    </dgm:fillClrLst>
+    <dgm:linClrLst meth="repeat">
+      <a:schemeClr val="dk2">
+        <a:shade val="80000"/>
+      </a:schemeClr>
+    </dgm:linClrLst>
+    <dgm:effectClrLst/>
+    <dgm:txLinClrLst/>
+    <dgm:txFillClrLst meth="repeat">
+      <a:schemeClr val="tx1"/>
+    </dgm:txFillClrLst>
+    <dgm:txEffectClrLst/>
+  </dgm:styleLbl>
+  <dgm:styleLbl name="parChTrans1D4">
+    <dgm:fillClrLst meth="repeat">
+      <a:schemeClr val="dk2"/>
+    </dgm:fillClrLst>
+    <dgm:linClrLst meth="repeat">
+      <a:schemeClr val="dk2">
+        <a:shade val="80000"/>
+      </a:schemeClr>
+    </dgm:linClrLst>
+    <dgm:effectClrLst/>
+    <dgm:txLinClrLst/>
+    <dgm:txFillClrLst meth="repeat">
+      <a:schemeClr val="tx1"/>
+    </dgm:txFillClrLst>
+    <dgm:txEffectClrLst/>
+  </dgm:styleLbl>
+  <dgm:styleLbl name="fgAcc1">
+    <dgm:fillClrLst meth="repeat">
+      <a:schemeClr val="lt2">
+        <a:alpha val="90000"/>
+      </a:schemeClr>
+    </dgm:fillClrLst>
+    <dgm:linClrLst meth="repeat">
+      <a:schemeClr val="dk2"/>
+    </dgm:linClrLst>
+    <dgm:effectClrLst/>
+    <dgm:txLinClrLst/>
+    <dgm:txFillClrLst meth="repeat">
+      <a:schemeClr val="dk1"/>
+    </dgm:txFillClrLst>
+    <dgm:txEffectClrLst/>
+  </dgm:styleLbl>
+  <dgm:styleLbl name="conFgAcc1">
+    <dgm:fillClrLst meth="repeat">
+      <a:schemeClr val="lt2">
+        <a:alpha val="90000"/>
+      </a:schemeClr>
+    </dgm:fillClrLst>
+    <dgm:linClrLst meth="repeat">
+      <a:schemeClr val="dk2"/>
+    </dgm:linClrLst>
+    <dgm:effectClrLst/>
+    <dgm:txLinClrLst/>
+    <dgm:txFillClrLst meth="repeat">
+      <a:schemeClr val="dk1"/>
+    </dgm:txFillClrLst>
+    <dgm:txEffectClrLst/>
+  </dgm:styleLbl>
+  <dgm:styleLbl name="alignAcc1">
+    <dgm:fillClrLst meth="repeat">
+      <a:schemeClr val="lt2">
+        <a:alpha val="90000"/>
+      </a:schemeClr>
+    </dgm:fillClrLst>
+    <dgm:linClrLst meth="repeat">
+      <a:schemeClr val="dk2"/>
+    </dgm:linClrLst>
+    <dgm:effectClrLst/>
+    <dgm:txLinClrLst/>
+    <dgm:txFillClrLst meth="repeat">
+      <a:schemeClr val="dk1"/>
+    </dgm:txFillClrLst>
+    <dgm:txEffectClrLst/>
+  </dgm:styleLbl>
+  <dgm:styleLbl name="trAlignAcc1">
+    <dgm:fillClrLst meth="repeat">
+      <a:schemeClr val="lt2">
+        <a:alpha val="40000"/>
+      </a:schemeClr>
+    </dgm:fillClrLst>
+    <dgm:linClrLst meth="repeat">
+      <a:schemeClr val="dk2"/>
+    </dgm:linClrLst>
+    <dgm:effectClrLst/>
+    <dgm:txLinClrLst/>
+    <dgm:txFillClrLst meth="repeat">
+      <a:schemeClr val="dk1"/>
+    </dgm:txFillClrLst>
+    <dgm:txEffectClrLst/>
+  </dgm:styleLbl>
+  <dgm:styleLbl name="bgAcc1">
+    <dgm:fillClrLst meth="repeat">
+      <a:schemeClr val="lt2">
+        <a:alpha val="90000"/>
+      </a:schemeClr>
+    </dgm:fillClrLst>
+    <dgm:linClrLst meth="repeat">
+      <a:schemeClr val="dk2"/>
+    </dgm:linClrLst>
+    <dgm:effectClrLst/>
+    <dgm:txLinClrLst/>
+    <dgm:txFillClrLst meth="repeat">
+      <a:schemeClr val="dk1"/>
+    </dgm:txFillClrLst>
+    <dgm:txEffectClrLst/>
+  </dgm:styleLbl>
+  <dgm:styleLbl name="solidFgAcc1">
+    <dgm:fillClrLst meth="repeat">
+      <a:schemeClr val="lt2"/>
+    </dgm:fillClrLst>
+    <dgm:linClrLst meth="repeat">
+      <a:schemeClr val="dk2"/>
+    </dgm:linClrLst>
+    <dgm:effectClrLst/>
+    <dgm:txLinClrLst/>
+    <dgm:txFillClrLst meth="repeat">
+      <a:schemeClr val="dk1"/>
+    </dgm:txFillClrLst>
+    <dgm:txEffectClrLst/>
+  </dgm:styleLbl>
+  <dgm:styleLbl name="solidAlignAcc1">
+    <dgm:fillClrLst meth="repeat">
+      <a:schemeClr val="lt2"/>
+    </dgm:fillClrLst>
+    <dgm:linClrLst meth="repeat">
+      <a:schemeClr val="dk2"/>
+    </dgm:linClrLst>
+    <dgm:effectClrLst/>
+    <dgm:txLinClrLst/>
+    <dgm:txFillClrLst meth="repeat">
+      <a:schemeClr val="dk1"/>
+    </dgm:txFillClrLst>
+    <dgm:txEffectClrLst/>
+  </dgm:styleLbl>
+  <dgm:styleLbl name="solidBgAcc1">
+    <dgm:fillClrLst meth="repeat">
+      <a:schemeClr val="lt2"/>
+    </dgm:fillClrLst>
+    <dgm:linClrLst meth="repeat">
+      <a:schemeClr val="dk2"/>
+    </dgm:linClrLst>
+    <dgm:effectClrLst/>
+    <dgm:txLinClrLst/>
+    <dgm:txFillClrLst meth="repeat">
+      <a:schemeClr val="dk1"/>
+    </dgm:txFillClrLst>
+    <dgm:txEffectClrLst/>
+  </dgm:styleLbl>
+  <dgm:styleLbl name="fgAccFollowNode1">
+    <dgm:fillClrLst meth="repeat">
+      <a:schemeClr val="dk2">
+        <a:alpha val="90000"/>
+        <a:tint val="40000"/>
+      </a:schemeClr>
+    </dgm:fillClrLst>
+    <dgm:linClrLst meth="repeat">
+      <a:schemeClr val="dk2">
+        <a:alpha val="90000"/>
+        <a:tint val="40000"/>
+      </a:schemeClr>
+    </dgm:linClrLst>
+    <dgm:effectClrLst/>
+    <dgm:txLinClrLst/>
+    <dgm:txFillClrLst meth="repeat">
+      <a:schemeClr val="dk1"/>
+    </dgm:txFillClrLst>
+    <dgm:txEffectClrLst/>
+  </dgm:styleLbl>
+  <dgm:styleLbl name="alignAccFollowNode1">
+    <dgm:fillClrLst meth="repeat">
+      <a:schemeClr val="dk2">
+        <a:alpha val="90000"/>
+        <a:tint val="40000"/>
+      </a:schemeClr>
+    </dgm:fillClrLst>
+    <dgm:linClrLst meth="repeat">
+      <a:schemeClr val="dk2">
+        <a:alpha val="90000"/>
+        <a:tint val="40000"/>
+      </a:schemeClr>
+    </dgm:linClrLst>
+    <dgm:effectClrLst/>
+    <dgm:txLinClrLst/>
+    <dgm:txFillClrLst meth="repeat">
+      <a:schemeClr val="dk1"/>
+    </dgm:txFillClrLst>
+    <dgm:txEffectClrLst/>
+  </dgm:styleLbl>
+  <dgm:styleLbl name="bgAccFollowNode1">
+    <dgm:fillClrLst meth="repeat">
+      <a:schemeClr val="dk2">
+        <a:alpha val="90000"/>
+        <a:tint val="40000"/>
+      </a:schemeClr>
+    </dgm:fillClrLst>
+    <dgm:linClrLst meth="repeat">
+      <a:schemeClr val="dk2">
+        <a:alpha val="90000"/>
+        <a:tint val="40000"/>
+      </a:schemeClr>
+    </dgm:linClrLst>
+    <dgm:effectClrLst/>
+    <dgm:txLinClrLst/>
+    <dgm:txFillClrLst meth="repeat">
+      <a:schemeClr val="dk1"/>
+    </dgm:txFillClrLst>
+    <dgm:txEffectClrLst/>
+  </dgm:styleLbl>
+  <dgm:styleLbl name="fgAcc0">
+    <dgm:fillClrLst meth="repeat">
+      <a:schemeClr val="lt2">
+        <a:alpha val="90000"/>
+      </a:schemeClr>
+    </dgm:fillClrLst>
+    <dgm:linClrLst meth="repeat">
+      <a:schemeClr val="dk2"/>
+    </dgm:linClrLst>
+    <dgm:effectClrLst/>
+    <dgm:txLinClrLst/>
+    <dgm:txFillClrLst meth="repeat">
+      <a:schemeClr val="dk1"/>
+    </dgm:txFillClrLst>
+    <dgm:txEffectClrLst/>
+  </dgm:styleLbl>
+  <dgm:styleLbl name="fgAcc2">
+    <dgm:fillClrLst meth="repeat">
+      <a:schemeClr val="lt2">
+        <a:alpha val="90000"/>
+      </a:schemeClr>
+    </dgm:fillClrLst>
+    <dgm:linClrLst meth="repeat">
+      <a:schemeClr val="dk2"/>
+    </dgm:linClrLst>
+    <dgm:effectClrLst/>
+    <dgm:txLinClrLst/>
+    <dgm:txFillClrLst meth="repeat">
+      <a:schemeClr val="dk1"/>
+    </dgm:txFillClrLst>
+    <dgm:txEffectClrLst/>
+  </dgm:styleLbl>
+  <dgm:styleLbl name="fgAcc3">
+    <dgm:fillClrLst meth="repeat">
+      <a:schemeClr val="lt2">
+        <a:alpha val="90000"/>
+      </a:schemeClr>
+    </dgm:fillClrLst>
+    <dgm:linClrLst meth="repeat">
+      <a:schemeClr val="dk2"/>
+    </dgm:linClrLst>
+    <dgm:effectClrLst/>
+    <dgm:txLinClrLst/>
+    <dgm:txFillClrLst meth="repeat">
+      <a:schemeClr val="dk1"/>
+    </dgm:txFillClrLst>
+    <dgm:txEffectClrLst/>
+  </dgm:styleLbl>
+  <dgm:styleLbl name="fgAcc4">
+    <dgm:fillClrLst meth="repeat">
+      <a:schemeClr val="lt2">
+        <a:alpha val="90000"/>
+      </a:schemeClr>
+    </dgm:fillClrLst>
+    <dgm:linClrLst meth="repeat">
+      <a:schemeClr val="dk2"/>
+    </dgm:linClrLst>
+    <dgm:effectClrLst/>
+    <dgm:txLinClrLst/>
+    <dgm:txFillClrLst meth="repeat">
+      <a:schemeClr val="dk1"/>
+    </dgm:txFillClrLst>
+    <dgm:txEffectClrLst/>
+  </dgm:styleLbl>
+  <dgm:styleLbl name="bgShp">
+    <dgm:fillClrLst meth="repeat">
+      <a:schemeClr val="dk2">
+        <a:tint val="40000"/>
+      </a:schemeClr>
+    </dgm:fillClrLst>
+    <dgm:linClrLst meth="repeat">
+      <a:schemeClr val="dk2"/>
+    </dgm:linClrLst>
+    <dgm:effectClrLst/>
+    <dgm:txLinClrLst/>
+    <dgm:txFillClrLst meth="repeat">
+      <a:schemeClr val="dk1"/>
+    </dgm:txFillClrLst>
+    <dgm:txEffectClrLst/>
+  </dgm:styleLbl>
+  <dgm:styleLbl name="dkBgShp">
+    <dgm:fillClrLst meth="repeat">
+      <a:schemeClr val="dk2">
+        <a:shade val="80000"/>
+      </a:schemeClr>
+    </dgm:fillClrLst>
+    <dgm:linClrLst meth="repeat">
+      <a:schemeClr val="dk2"/>
+    </dgm:linClrLst>
+    <dgm:effectClrLst/>
+    <dgm:txLinClrLst/>
+    <dgm:txFillClrLst meth="repeat">
+      <a:schemeClr val="lt1"/>
+    </dgm:txFillClrLst>
+    <dgm:txEffectClrLst/>
+  </dgm:styleLbl>
+  <dgm:styleLbl name="trBgShp">
+    <dgm:fillClrLst meth="repeat">
+      <a:schemeClr val="dk2">
+        <a:tint val="50000"/>
+        <a:alpha val="40000"/>
+      </a:schemeClr>
+    </dgm:fillClrLst>
+    <dgm:linClrLst meth="repeat">
+      <a:schemeClr val="dk2"/>
+    </dgm:linClrLst>
+    <dgm:effectClrLst/>
+    <dgm:txLinClrLst/>
+    <dgm:txFillClrLst meth="repeat">
+      <a:schemeClr val="lt1"/>
+    </dgm:txFillClrLst>
+    <dgm:txEffectClrLst/>
+  </dgm:styleLbl>
+  <dgm:styleLbl name="fgShp">
+    <dgm:fillClrLst meth="repeat">
+      <a:schemeClr val="dk2">
+        <a:tint val="60000"/>
+      </a:schemeClr>
+    </dgm:fillClrLst>
+    <dgm:linClrLst meth="repeat">
+      <a:schemeClr val="lt2"/>
+    </dgm:linClrLst>
+    <dgm:effectClrLst/>
+    <dgm:txLinClrLst/>
+    <dgm:txFillClrLst meth="repeat">
+      <a:schemeClr val="dk1"/>
+    </dgm:txFillClrLst>
+    <dgm:txEffectClrLst/>
+  </dgm:styleLbl>
+  <dgm:styleLbl name="revTx">
+    <dgm:fillClrLst meth="repeat">
+      <a:schemeClr val="lt2">
+        <a:alpha val="0"/>
+      </a:schemeClr>
+    </dgm:fillClrLst>
+    <dgm:linClrLst meth="repeat">
+      <a:schemeClr val="dk1">
+        <a:alpha val="0"/>
+      </a:schemeClr>
+    </dgm:linClrLst>
+    <dgm:effectClrLst/>
+    <dgm:txLinClrLst/>
+    <dgm:txFillClrLst meth="repeat">
+      <a:schemeClr val="tx1"/>
+    </dgm:txFillClrLst>
+    <dgm:txEffectClrLst/>
+  </dgm:styleLbl>
+</dgm:colorsDef>
+</file>
+
+<file path=ppt/diagrams/colors2.xml><?xml version="1.0" encoding="utf-8"?>
 <dgm:colorsDef xmlns:dgm="http://schemas.openxmlformats.org/drawingml/2006/diagram" xmlns:a="http://schemas.openxmlformats.org/drawingml/2006/main" uniqueId="urn:microsoft.com/office/officeart/2018/5/colors/Iconchunking_neutralbg_colorful2">
   <dgm:title val=""/>
   <dgm:desc val=""/>
@@ -907,7 +1659,7 @@
 </dgm:colorsDef>
 </file>
 
-<file path=ppt/diagrams/colors2.xml><?xml version="1.0" encoding="utf-8"?>
+<file path=ppt/diagrams/colors3.xml><?xml version="1.0" encoding="utf-8"?>
 <dgm:colorsDef xmlns:dgm="http://schemas.openxmlformats.org/drawingml/2006/diagram" xmlns:a="http://schemas.openxmlformats.org/drawingml/2006/main" uniqueId="urn:microsoft.com/office/officeart/2018/5/colors/Iconchunking_neutralicontext_colorful1">
   <dgm:title val=""/>
   <dgm:desc val=""/>
@@ -1828,7 +2580,7 @@
 </dgm:colorsDef>
 </file>
 
-<file path=ppt/diagrams/colors3.xml><?xml version="1.0" encoding="utf-8"?>
+<file path=ppt/diagrams/colors4.xml><?xml version="1.0" encoding="utf-8"?>
 <dgm:colorsDef xmlns:dgm="http://schemas.openxmlformats.org/drawingml/2006/diagram" xmlns:a="http://schemas.openxmlformats.org/drawingml/2006/main" uniqueId="urn:microsoft.com/office/officeart/2005/8/colors/colorful5">
   <dgm:title val=""/>
   <dgm:desc val=""/>
@@ -2613,6 +3365,376 @@
 <file path=ppt/diagrams/data1.xml><?xml version="1.0" encoding="utf-8"?>
 <dgm:dataModel xmlns:dgm="http://schemas.openxmlformats.org/drawingml/2006/diagram" xmlns:a="http://schemas.openxmlformats.org/drawingml/2006/main">
   <dgm:ptLst>
+    <dgm:pt modelId="{A05FBA57-CCBB-4C0E-AEDC-525AE5190DCB}" type="doc">
+      <dgm:prSet loTypeId="urn:microsoft.com/office/officeart/2005/8/layout/vProcess5" loCatId="process" qsTypeId="urn:microsoft.com/office/officeart/2005/8/quickstyle/simple1" qsCatId="simple" csTypeId="urn:microsoft.com/office/officeart/2005/8/colors/accent0_3" csCatId="mainScheme"/>
+      <dgm:spPr/>
+      <dgm:t>
+        <a:bodyPr/>
+        <a:lstStyle/>
+        <a:p>
+          <a:endParaRPr lang="en-US"/>
+        </a:p>
+      </dgm:t>
+    </dgm:pt>
+    <dgm:pt modelId="{55293997-21D7-4C20-A4E6-ECA33D045BA5}">
+      <dgm:prSet/>
+      <dgm:spPr/>
+      <dgm:t>
+        <a:bodyPr/>
+        <a:lstStyle/>
+        <a:p>
+          <a:r>
+            <a:rPr lang="en-US"/>
+            <a:t>Brief information about the HRMS</a:t>
+          </a:r>
+        </a:p>
+      </dgm:t>
+    </dgm:pt>
+    <dgm:pt modelId="{291F18F8-B723-4BB9-9C27-76E508CA56A0}" type="parTrans" cxnId="{DA4D4548-1D5F-4511-8B63-67AF3CB04B03}">
+      <dgm:prSet/>
+      <dgm:spPr/>
+      <dgm:t>
+        <a:bodyPr/>
+        <a:lstStyle/>
+        <a:p>
+          <a:endParaRPr lang="en-US"/>
+        </a:p>
+      </dgm:t>
+    </dgm:pt>
+    <dgm:pt modelId="{305E8134-6D9A-40F6-8C0A-5FD7B2BACF61}" type="sibTrans" cxnId="{DA4D4548-1D5F-4511-8B63-67AF3CB04B03}">
+      <dgm:prSet/>
+      <dgm:spPr/>
+      <dgm:t>
+        <a:bodyPr/>
+        <a:lstStyle/>
+        <a:p>
+          <a:endParaRPr lang="en-US"/>
+        </a:p>
+      </dgm:t>
+    </dgm:pt>
+    <dgm:pt modelId="{20F88353-8D6A-4504-98A0-0D45EC742ECB}">
+      <dgm:prSet/>
+      <dgm:spPr/>
+      <dgm:t>
+        <a:bodyPr/>
+        <a:lstStyle/>
+        <a:p>
+          <a:r>
+            <a:rPr lang="en-US"/>
+            <a:t>Describing functional and nonfunctional requirements </a:t>
+          </a:r>
+        </a:p>
+      </dgm:t>
+    </dgm:pt>
+    <dgm:pt modelId="{56570351-49C5-4DDF-8BA2-18915B423BF0}" type="parTrans" cxnId="{D6661B35-29CF-40DF-8546-849DF05FF920}">
+      <dgm:prSet/>
+      <dgm:spPr/>
+      <dgm:t>
+        <a:bodyPr/>
+        <a:lstStyle/>
+        <a:p>
+          <a:endParaRPr lang="en-US"/>
+        </a:p>
+      </dgm:t>
+    </dgm:pt>
+    <dgm:pt modelId="{6C206DAC-998C-4C38-BE11-3A94D9F518C7}" type="sibTrans" cxnId="{D6661B35-29CF-40DF-8546-849DF05FF920}">
+      <dgm:prSet/>
+      <dgm:spPr/>
+      <dgm:t>
+        <a:bodyPr/>
+        <a:lstStyle/>
+        <a:p>
+          <a:endParaRPr lang="en-US"/>
+        </a:p>
+      </dgm:t>
+    </dgm:pt>
+    <dgm:pt modelId="{AEE7238F-DCF4-4436-BC7D-EBCAC574035D}">
+      <dgm:prSet/>
+      <dgm:spPr/>
+      <dgm:t>
+        <a:bodyPr/>
+        <a:lstStyle/>
+        <a:p>
+          <a:r>
+            <a:rPr lang="en-US"/>
+            <a:t>Describing the diagrams</a:t>
+          </a:r>
+        </a:p>
+      </dgm:t>
+    </dgm:pt>
+    <dgm:pt modelId="{DACE1E6C-54E3-4535-9F96-69CB37716EFC}" type="parTrans" cxnId="{24FDFFEB-889B-4636-91FA-EB84EAA9E7CE}">
+      <dgm:prSet/>
+      <dgm:spPr/>
+      <dgm:t>
+        <a:bodyPr/>
+        <a:lstStyle/>
+        <a:p>
+          <a:endParaRPr lang="en-US"/>
+        </a:p>
+      </dgm:t>
+    </dgm:pt>
+    <dgm:pt modelId="{4230C9A3-34FE-4B19-995D-0DBF8895FD9B}" type="sibTrans" cxnId="{24FDFFEB-889B-4636-91FA-EB84EAA9E7CE}">
+      <dgm:prSet/>
+      <dgm:spPr/>
+      <dgm:t>
+        <a:bodyPr/>
+        <a:lstStyle/>
+        <a:p>
+          <a:endParaRPr lang="en-US"/>
+        </a:p>
+      </dgm:t>
+    </dgm:pt>
+    <dgm:pt modelId="{C60D1013-DF47-4260-A7D1-42259F943B55}">
+      <dgm:prSet/>
+      <dgm:spPr/>
+      <dgm:t>
+        <a:bodyPr/>
+        <a:lstStyle/>
+        <a:p>
+          <a:r>
+            <a:rPr lang="en-US"/>
+            <a:t>Describing the design phase such as classes and methods, data management layer, user interface layer and physical architecture layer</a:t>
+          </a:r>
+        </a:p>
+      </dgm:t>
+    </dgm:pt>
+    <dgm:pt modelId="{41429136-D7BF-40DB-9FCF-7C1C1BB6015E}" type="parTrans" cxnId="{935283AF-0397-4F8D-A358-FD9F9B6B433C}">
+      <dgm:prSet/>
+      <dgm:spPr/>
+      <dgm:t>
+        <a:bodyPr/>
+        <a:lstStyle/>
+        <a:p>
+          <a:endParaRPr lang="en-US"/>
+        </a:p>
+      </dgm:t>
+    </dgm:pt>
+    <dgm:pt modelId="{CE31FFBB-5EDE-42D2-BFEE-3E75E89C4447}" type="sibTrans" cxnId="{935283AF-0397-4F8D-A358-FD9F9B6B433C}">
+      <dgm:prSet/>
+      <dgm:spPr/>
+      <dgm:t>
+        <a:bodyPr/>
+        <a:lstStyle/>
+        <a:p>
+          <a:endParaRPr lang="en-US"/>
+        </a:p>
+      </dgm:t>
+    </dgm:pt>
+    <dgm:pt modelId="{23FA4926-45E8-4147-A035-CDFBC93B4385}">
+      <dgm:prSet/>
+      <dgm:spPr/>
+      <dgm:t>
+        <a:bodyPr/>
+        <a:lstStyle/>
+        <a:p>
+          <a:r>
+            <a:rPr lang="en-US"/>
+            <a:t>Demonstrate the prototype of the software</a:t>
+          </a:r>
+        </a:p>
+      </dgm:t>
+    </dgm:pt>
+    <dgm:pt modelId="{477C1E5E-8E07-4ED7-B688-52712141283A}" type="parTrans" cxnId="{8F941847-2D53-45A9-8895-2CE6D01F12F4}">
+      <dgm:prSet/>
+      <dgm:spPr/>
+      <dgm:t>
+        <a:bodyPr/>
+        <a:lstStyle/>
+        <a:p>
+          <a:endParaRPr lang="en-US"/>
+        </a:p>
+      </dgm:t>
+    </dgm:pt>
+    <dgm:pt modelId="{1BA5C5AC-970E-425B-B3F1-2F071961966E}" type="sibTrans" cxnId="{8F941847-2D53-45A9-8895-2CE6D01F12F4}">
+      <dgm:prSet/>
+      <dgm:spPr/>
+      <dgm:t>
+        <a:bodyPr/>
+        <a:lstStyle/>
+        <a:p>
+          <a:endParaRPr lang="en-US"/>
+        </a:p>
+      </dgm:t>
+    </dgm:pt>
+    <dgm:pt modelId="{C6B1F817-B7F6-4ABE-B420-D1A5F732C1FB}" type="pres">
+      <dgm:prSet presAssocID="{A05FBA57-CCBB-4C0E-AEDC-525AE5190DCB}" presName="outerComposite" presStyleCnt="0">
+        <dgm:presLayoutVars>
+          <dgm:chMax val="5"/>
+          <dgm:dir/>
+          <dgm:resizeHandles val="exact"/>
+        </dgm:presLayoutVars>
+      </dgm:prSet>
+      <dgm:spPr/>
+    </dgm:pt>
+    <dgm:pt modelId="{27140A86-0EFA-4C19-9F80-691B1AC0FDA2}" type="pres">
+      <dgm:prSet presAssocID="{A05FBA57-CCBB-4C0E-AEDC-525AE5190DCB}" presName="dummyMaxCanvas" presStyleCnt="0">
+        <dgm:presLayoutVars/>
+      </dgm:prSet>
+      <dgm:spPr/>
+    </dgm:pt>
+    <dgm:pt modelId="{89AB1829-62C4-4783-8500-9EFBD7745C44}" type="pres">
+      <dgm:prSet presAssocID="{A05FBA57-CCBB-4C0E-AEDC-525AE5190DCB}" presName="FiveNodes_1" presStyleLbl="node1" presStyleIdx="0" presStyleCnt="5">
+        <dgm:presLayoutVars>
+          <dgm:bulletEnabled val="1"/>
+        </dgm:presLayoutVars>
+      </dgm:prSet>
+      <dgm:spPr/>
+    </dgm:pt>
+    <dgm:pt modelId="{F33F2D94-E69B-42FE-B245-6C6101D01694}" type="pres">
+      <dgm:prSet presAssocID="{A05FBA57-CCBB-4C0E-AEDC-525AE5190DCB}" presName="FiveNodes_2" presStyleLbl="node1" presStyleIdx="1" presStyleCnt="5">
+        <dgm:presLayoutVars>
+          <dgm:bulletEnabled val="1"/>
+        </dgm:presLayoutVars>
+      </dgm:prSet>
+      <dgm:spPr/>
+    </dgm:pt>
+    <dgm:pt modelId="{B455C915-BABD-421A-B58B-492C62CA59DE}" type="pres">
+      <dgm:prSet presAssocID="{A05FBA57-CCBB-4C0E-AEDC-525AE5190DCB}" presName="FiveNodes_3" presStyleLbl="node1" presStyleIdx="2" presStyleCnt="5">
+        <dgm:presLayoutVars>
+          <dgm:bulletEnabled val="1"/>
+        </dgm:presLayoutVars>
+      </dgm:prSet>
+      <dgm:spPr/>
+    </dgm:pt>
+    <dgm:pt modelId="{35E1A689-C98E-4638-880F-22474894A3DF}" type="pres">
+      <dgm:prSet presAssocID="{A05FBA57-CCBB-4C0E-AEDC-525AE5190DCB}" presName="FiveNodes_4" presStyleLbl="node1" presStyleIdx="3" presStyleCnt="5">
+        <dgm:presLayoutVars>
+          <dgm:bulletEnabled val="1"/>
+        </dgm:presLayoutVars>
+      </dgm:prSet>
+      <dgm:spPr/>
+    </dgm:pt>
+    <dgm:pt modelId="{3CF516EF-CECD-49AF-A434-33AB85C9A6AC}" type="pres">
+      <dgm:prSet presAssocID="{A05FBA57-CCBB-4C0E-AEDC-525AE5190DCB}" presName="FiveNodes_5" presStyleLbl="node1" presStyleIdx="4" presStyleCnt="5">
+        <dgm:presLayoutVars>
+          <dgm:bulletEnabled val="1"/>
+        </dgm:presLayoutVars>
+      </dgm:prSet>
+      <dgm:spPr/>
+    </dgm:pt>
+    <dgm:pt modelId="{CE0FE26F-B406-46BF-A169-A8258B4E01EF}" type="pres">
+      <dgm:prSet presAssocID="{A05FBA57-CCBB-4C0E-AEDC-525AE5190DCB}" presName="FiveConn_1-2" presStyleLbl="fgAccFollowNode1" presStyleIdx="0" presStyleCnt="4">
+        <dgm:presLayoutVars>
+          <dgm:bulletEnabled val="1"/>
+        </dgm:presLayoutVars>
+      </dgm:prSet>
+      <dgm:spPr/>
+    </dgm:pt>
+    <dgm:pt modelId="{57248EC6-B357-4079-B17E-43807579BF49}" type="pres">
+      <dgm:prSet presAssocID="{A05FBA57-CCBB-4C0E-AEDC-525AE5190DCB}" presName="FiveConn_2-3" presStyleLbl="fgAccFollowNode1" presStyleIdx="1" presStyleCnt="4">
+        <dgm:presLayoutVars>
+          <dgm:bulletEnabled val="1"/>
+        </dgm:presLayoutVars>
+      </dgm:prSet>
+      <dgm:spPr/>
+    </dgm:pt>
+    <dgm:pt modelId="{0B578B55-8485-42D2-8A4C-58C2B019D675}" type="pres">
+      <dgm:prSet presAssocID="{A05FBA57-CCBB-4C0E-AEDC-525AE5190DCB}" presName="FiveConn_3-4" presStyleLbl="fgAccFollowNode1" presStyleIdx="2" presStyleCnt="4">
+        <dgm:presLayoutVars>
+          <dgm:bulletEnabled val="1"/>
+        </dgm:presLayoutVars>
+      </dgm:prSet>
+      <dgm:spPr/>
+    </dgm:pt>
+    <dgm:pt modelId="{FB61D434-3785-4EA2-8DE9-033C35922AEC}" type="pres">
+      <dgm:prSet presAssocID="{A05FBA57-CCBB-4C0E-AEDC-525AE5190DCB}" presName="FiveConn_4-5" presStyleLbl="fgAccFollowNode1" presStyleIdx="3" presStyleCnt="4">
+        <dgm:presLayoutVars>
+          <dgm:bulletEnabled val="1"/>
+        </dgm:presLayoutVars>
+      </dgm:prSet>
+      <dgm:spPr/>
+    </dgm:pt>
+    <dgm:pt modelId="{99372C25-E96A-4FEB-B267-4B16292D545C}" type="pres">
+      <dgm:prSet presAssocID="{A05FBA57-CCBB-4C0E-AEDC-525AE5190DCB}" presName="FiveNodes_1_text" presStyleLbl="node1" presStyleIdx="4" presStyleCnt="5">
+        <dgm:presLayoutVars>
+          <dgm:bulletEnabled val="1"/>
+        </dgm:presLayoutVars>
+      </dgm:prSet>
+      <dgm:spPr/>
+    </dgm:pt>
+    <dgm:pt modelId="{2F56F60F-16E4-4EA8-BDBA-62947AC58469}" type="pres">
+      <dgm:prSet presAssocID="{A05FBA57-CCBB-4C0E-AEDC-525AE5190DCB}" presName="FiveNodes_2_text" presStyleLbl="node1" presStyleIdx="4" presStyleCnt="5">
+        <dgm:presLayoutVars>
+          <dgm:bulletEnabled val="1"/>
+        </dgm:presLayoutVars>
+      </dgm:prSet>
+      <dgm:spPr/>
+    </dgm:pt>
+    <dgm:pt modelId="{240310F9-56EE-48D1-9D00-03C807AB29B1}" type="pres">
+      <dgm:prSet presAssocID="{A05FBA57-CCBB-4C0E-AEDC-525AE5190DCB}" presName="FiveNodes_3_text" presStyleLbl="node1" presStyleIdx="4" presStyleCnt="5">
+        <dgm:presLayoutVars>
+          <dgm:bulletEnabled val="1"/>
+        </dgm:presLayoutVars>
+      </dgm:prSet>
+      <dgm:spPr/>
+    </dgm:pt>
+    <dgm:pt modelId="{E7704124-4D87-43C2-AACD-F067D62B5300}" type="pres">
+      <dgm:prSet presAssocID="{A05FBA57-CCBB-4C0E-AEDC-525AE5190DCB}" presName="FiveNodes_4_text" presStyleLbl="node1" presStyleIdx="4" presStyleCnt="5">
+        <dgm:presLayoutVars>
+          <dgm:bulletEnabled val="1"/>
+        </dgm:presLayoutVars>
+      </dgm:prSet>
+      <dgm:spPr/>
+    </dgm:pt>
+    <dgm:pt modelId="{BB515875-656A-4583-90BC-811E64B19633}" type="pres">
+      <dgm:prSet presAssocID="{A05FBA57-CCBB-4C0E-AEDC-525AE5190DCB}" presName="FiveNodes_5_text" presStyleLbl="node1" presStyleIdx="4" presStyleCnt="5">
+        <dgm:presLayoutVars>
+          <dgm:bulletEnabled val="1"/>
+        </dgm:presLayoutVars>
+      </dgm:prSet>
+      <dgm:spPr/>
+    </dgm:pt>
+  </dgm:ptLst>
+  <dgm:cxnLst>
+    <dgm:cxn modelId="{2D568512-DD05-446E-965C-DF345609BE65}" type="presOf" srcId="{305E8134-6D9A-40F6-8C0A-5FD7B2BACF61}" destId="{CE0FE26F-B406-46BF-A169-A8258B4E01EF}" srcOrd="0" destOrd="0" presId="urn:microsoft.com/office/officeart/2005/8/layout/vProcess5"/>
+    <dgm:cxn modelId="{E0820422-B928-4BC4-AB50-6A8CCF24AA55}" type="presOf" srcId="{CE31FFBB-5EDE-42D2-BFEE-3E75E89C4447}" destId="{FB61D434-3785-4EA2-8DE9-033C35922AEC}" srcOrd="0" destOrd="0" presId="urn:microsoft.com/office/officeart/2005/8/layout/vProcess5"/>
+    <dgm:cxn modelId="{239FDC2B-37AB-4371-A758-3A7203A3C98B}" type="presOf" srcId="{A05FBA57-CCBB-4C0E-AEDC-525AE5190DCB}" destId="{C6B1F817-B7F6-4ABE-B420-D1A5F732C1FB}" srcOrd="0" destOrd="0" presId="urn:microsoft.com/office/officeart/2005/8/layout/vProcess5"/>
+    <dgm:cxn modelId="{8CCF902E-4163-4399-A81F-D529045AE43F}" type="presOf" srcId="{4230C9A3-34FE-4B19-995D-0DBF8895FD9B}" destId="{0B578B55-8485-42D2-8A4C-58C2B019D675}" srcOrd="0" destOrd="0" presId="urn:microsoft.com/office/officeart/2005/8/layout/vProcess5"/>
+    <dgm:cxn modelId="{D6661B35-29CF-40DF-8546-849DF05FF920}" srcId="{A05FBA57-CCBB-4C0E-AEDC-525AE5190DCB}" destId="{20F88353-8D6A-4504-98A0-0D45EC742ECB}" srcOrd="1" destOrd="0" parTransId="{56570351-49C5-4DDF-8BA2-18915B423BF0}" sibTransId="{6C206DAC-998C-4C38-BE11-3A94D9F518C7}"/>
+    <dgm:cxn modelId="{18487B66-7B55-4DDA-9D4B-E8701F34DC95}" type="presOf" srcId="{55293997-21D7-4C20-A4E6-ECA33D045BA5}" destId="{89AB1829-62C4-4783-8500-9EFBD7745C44}" srcOrd="0" destOrd="0" presId="urn:microsoft.com/office/officeart/2005/8/layout/vProcess5"/>
+    <dgm:cxn modelId="{8F941847-2D53-45A9-8895-2CE6D01F12F4}" srcId="{A05FBA57-CCBB-4C0E-AEDC-525AE5190DCB}" destId="{23FA4926-45E8-4147-A035-CDFBC93B4385}" srcOrd="4" destOrd="0" parTransId="{477C1E5E-8E07-4ED7-B688-52712141283A}" sibTransId="{1BA5C5AC-970E-425B-B3F1-2F071961966E}"/>
+    <dgm:cxn modelId="{DA4D4548-1D5F-4511-8B63-67AF3CB04B03}" srcId="{A05FBA57-CCBB-4C0E-AEDC-525AE5190DCB}" destId="{55293997-21D7-4C20-A4E6-ECA33D045BA5}" srcOrd="0" destOrd="0" parTransId="{291F18F8-B723-4BB9-9C27-76E508CA56A0}" sibTransId="{305E8134-6D9A-40F6-8C0A-5FD7B2BACF61}"/>
+    <dgm:cxn modelId="{852BED59-3D04-4BFB-B5B0-E192B1D9DBEA}" type="presOf" srcId="{C60D1013-DF47-4260-A7D1-42259F943B55}" destId="{E7704124-4D87-43C2-AACD-F067D62B5300}" srcOrd="1" destOrd="0" presId="urn:microsoft.com/office/officeart/2005/8/layout/vProcess5"/>
+    <dgm:cxn modelId="{79455794-9286-4907-89A3-B911DF62B56C}" type="presOf" srcId="{55293997-21D7-4C20-A4E6-ECA33D045BA5}" destId="{99372C25-E96A-4FEB-B267-4B16292D545C}" srcOrd="1" destOrd="0" presId="urn:microsoft.com/office/officeart/2005/8/layout/vProcess5"/>
+    <dgm:cxn modelId="{D9A8119D-0947-4EF6-88BB-1DA467830E00}" type="presOf" srcId="{20F88353-8D6A-4504-98A0-0D45EC742ECB}" destId="{2F56F60F-16E4-4EA8-BDBA-62947AC58469}" srcOrd="1" destOrd="0" presId="urn:microsoft.com/office/officeart/2005/8/layout/vProcess5"/>
+    <dgm:cxn modelId="{935283AF-0397-4F8D-A358-FD9F9B6B433C}" srcId="{A05FBA57-CCBB-4C0E-AEDC-525AE5190DCB}" destId="{C60D1013-DF47-4260-A7D1-42259F943B55}" srcOrd="3" destOrd="0" parTransId="{41429136-D7BF-40DB-9FCF-7C1C1BB6015E}" sibTransId="{CE31FFBB-5EDE-42D2-BFEE-3E75E89C4447}"/>
+    <dgm:cxn modelId="{16569EB5-5000-46C1-9258-DD8FB098310A}" type="presOf" srcId="{AEE7238F-DCF4-4436-BC7D-EBCAC574035D}" destId="{240310F9-56EE-48D1-9D00-03C807AB29B1}" srcOrd="1" destOrd="0" presId="urn:microsoft.com/office/officeart/2005/8/layout/vProcess5"/>
+    <dgm:cxn modelId="{CDB922BB-A3A2-405D-923B-2BB5E8DC8A0F}" type="presOf" srcId="{23FA4926-45E8-4147-A035-CDFBC93B4385}" destId="{BB515875-656A-4583-90BC-811E64B19633}" srcOrd="1" destOrd="0" presId="urn:microsoft.com/office/officeart/2005/8/layout/vProcess5"/>
+    <dgm:cxn modelId="{49F419C8-9760-488F-A39C-0DD5791029FA}" type="presOf" srcId="{AEE7238F-DCF4-4436-BC7D-EBCAC574035D}" destId="{B455C915-BABD-421A-B58B-492C62CA59DE}" srcOrd="0" destOrd="0" presId="urn:microsoft.com/office/officeart/2005/8/layout/vProcess5"/>
+    <dgm:cxn modelId="{1C2DFDC8-51F4-4EB7-86B7-5A299A89227E}" type="presOf" srcId="{23FA4926-45E8-4147-A035-CDFBC93B4385}" destId="{3CF516EF-CECD-49AF-A434-33AB85C9A6AC}" srcOrd="0" destOrd="0" presId="urn:microsoft.com/office/officeart/2005/8/layout/vProcess5"/>
+    <dgm:cxn modelId="{BE8BAFCA-28E2-451B-B52C-FA9C65028D1D}" type="presOf" srcId="{6C206DAC-998C-4C38-BE11-3A94D9F518C7}" destId="{57248EC6-B357-4079-B17E-43807579BF49}" srcOrd="0" destOrd="0" presId="urn:microsoft.com/office/officeart/2005/8/layout/vProcess5"/>
+    <dgm:cxn modelId="{80986CDE-58F9-4400-BC91-46A248855DC5}" type="presOf" srcId="{20F88353-8D6A-4504-98A0-0D45EC742ECB}" destId="{F33F2D94-E69B-42FE-B245-6C6101D01694}" srcOrd="0" destOrd="0" presId="urn:microsoft.com/office/officeart/2005/8/layout/vProcess5"/>
+    <dgm:cxn modelId="{24FDFFEB-889B-4636-91FA-EB84EAA9E7CE}" srcId="{A05FBA57-CCBB-4C0E-AEDC-525AE5190DCB}" destId="{AEE7238F-DCF4-4436-BC7D-EBCAC574035D}" srcOrd="2" destOrd="0" parTransId="{DACE1E6C-54E3-4535-9F96-69CB37716EFC}" sibTransId="{4230C9A3-34FE-4B19-995D-0DBF8895FD9B}"/>
+    <dgm:cxn modelId="{4E3608F0-4D4D-41A6-B8A2-3A9B6D10938E}" type="presOf" srcId="{C60D1013-DF47-4260-A7D1-42259F943B55}" destId="{35E1A689-C98E-4638-880F-22474894A3DF}" srcOrd="0" destOrd="0" presId="urn:microsoft.com/office/officeart/2005/8/layout/vProcess5"/>
+    <dgm:cxn modelId="{663DE712-97AA-4B03-90AB-999C80C49158}" type="presParOf" srcId="{C6B1F817-B7F6-4ABE-B420-D1A5F732C1FB}" destId="{27140A86-0EFA-4C19-9F80-691B1AC0FDA2}" srcOrd="0" destOrd="0" presId="urn:microsoft.com/office/officeart/2005/8/layout/vProcess5"/>
+    <dgm:cxn modelId="{A7CF3E1A-04A3-4EEF-B455-AA232B65D0B7}" type="presParOf" srcId="{C6B1F817-B7F6-4ABE-B420-D1A5F732C1FB}" destId="{89AB1829-62C4-4783-8500-9EFBD7745C44}" srcOrd="1" destOrd="0" presId="urn:microsoft.com/office/officeart/2005/8/layout/vProcess5"/>
+    <dgm:cxn modelId="{6E66D791-0D9F-4CFD-B99C-4AF240586EF2}" type="presParOf" srcId="{C6B1F817-B7F6-4ABE-B420-D1A5F732C1FB}" destId="{F33F2D94-E69B-42FE-B245-6C6101D01694}" srcOrd="2" destOrd="0" presId="urn:microsoft.com/office/officeart/2005/8/layout/vProcess5"/>
+    <dgm:cxn modelId="{BAA90180-97DE-43CD-A1F0-755497B3CFFC}" type="presParOf" srcId="{C6B1F817-B7F6-4ABE-B420-D1A5F732C1FB}" destId="{B455C915-BABD-421A-B58B-492C62CA59DE}" srcOrd="3" destOrd="0" presId="urn:microsoft.com/office/officeart/2005/8/layout/vProcess5"/>
+    <dgm:cxn modelId="{F1A5CE4D-E297-4889-B127-84F7926C2F8B}" type="presParOf" srcId="{C6B1F817-B7F6-4ABE-B420-D1A5F732C1FB}" destId="{35E1A689-C98E-4638-880F-22474894A3DF}" srcOrd="4" destOrd="0" presId="urn:microsoft.com/office/officeart/2005/8/layout/vProcess5"/>
+    <dgm:cxn modelId="{08F5C824-A202-4713-A498-1F84CC33AA6E}" type="presParOf" srcId="{C6B1F817-B7F6-4ABE-B420-D1A5F732C1FB}" destId="{3CF516EF-CECD-49AF-A434-33AB85C9A6AC}" srcOrd="5" destOrd="0" presId="urn:microsoft.com/office/officeart/2005/8/layout/vProcess5"/>
+    <dgm:cxn modelId="{375F8E00-FC9F-4612-A416-D6791FD1DDF9}" type="presParOf" srcId="{C6B1F817-B7F6-4ABE-B420-D1A5F732C1FB}" destId="{CE0FE26F-B406-46BF-A169-A8258B4E01EF}" srcOrd="6" destOrd="0" presId="urn:microsoft.com/office/officeart/2005/8/layout/vProcess5"/>
+    <dgm:cxn modelId="{60F716A4-1452-4681-98AA-E1F7C963B528}" type="presParOf" srcId="{C6B1F817-B7F6-4ABE-B420-D1A5F732C1FB}" destId="{57248EC6-B357-4079-B17E-43807579BF49}" srcOrd="7" destOrd="0" presId="urn:microsoft.com/office/officeart/2005/8/layout/vProcess5"/>
+    <dgm:cxn modelId="{998B9F97-F9D5-4769-9BE6-2E4D958DA0F8}" type="presParOf" srcId="{C6B1F817-B7F6-4ABE-B420-D1A5F732C1FB}" destId="{0B578B55-8485-42D2-8A4C-58C2B019D675}" srcOrd="8" destOrd="0" presId="urn:microsoft.com/office/officeart/2005/8/layout/vProcess5"/>
+    <dgm:cxn modelId="{5B5A8C97-3C70-4FE1-9F77-E2F4D8EDB543}" type="presParOf" srcId="{C6B1F817-B7F6-4ABE-B420-D1A5F732C1FB}" destId="{FB61D434-3785-4EA2-8DE9-033C35922AEC}" srcOrd="9" destOrd="0" presId="urn:microsoft.com/office/officeart/2005/8/layout/vProcess5"/>
+    <dgm:cxn modelId="{81AF9E02-62B8-4F28-B78A-1A33DBAD5C38}" type="presParOf" srcId="{C6B1F817-B7F6-4ABE-B420-D1A5F732C1FB}" destId="{99372C25-E96A-4FEB-B267-4B16292D545C}" srcOrd="10" destOrd="0" presId="urn:microsoft.com/office/officeart/2005/8/layout/vProcess5"/>
+    <dgm:cxn modelId="{277200B5-9D2B-477B-BA24-CA92F3ED3E16}" type="presParOf" srcId="{C6B1F817-B7F6-4ABE-B420-D1A5F732C1FB}" destId="{2F56F60F-16E4-4EA8-BDBA-62947AC58469}" srcOrd="11" destOrd="0" presId="urn:microsoft.com/office/officeart/2005/8/layout/vProcess5"/>
+    <dgm:cxn modelId="{8F018890-B3B2-4090-8B0C-273AB0C08072}" type="presParOf" srcId="{C6B1F817-B7F6-4ABE-B420-D1A5F732C1FB}" destId="{240310F9-56EE-48D1-9D00-03C807AB29B1}" srcOrd="12" destOrd="0" presId="urn:microsoft.com/office/officeart/2005/8/layout/vProcess5"/>
+    <dgm:cxn modelId="{CEB69A14-BE5B-4391-B722-AFF4551402A9}" type="presParOf" srcId="{C6B1F817-B7F6-4ABE-B420-D1A5F732C1FB}" destId="{E7704124-4D87-43C2-AACD-F067D62B5300}" srcOrd="13" destOrd="0" presId="urn:microsoft.com/office/officeart/2005/8/layout/vProcess5"/>
+    <dgm:cxn modelId="{795F5CB7-C8BC-4BC8-8E60-6C3CB770059B}" type="presParOf" srcId="{C6B1F817-B7F6-4ABE-B420-D1A5F732C1FB}" destId="{BB515875-656A-4583-90BC-811E64B19633}" srcOrd="14" destOrd="0" presId="urn:microsoft.com/office/officeart/2005/8/layout/vProcess5"/>
+  </dgm:cxnLst>
+  <dgm:bg/>
+  <dgm:whole/>
+  <dgm:extLst>
+    <a:ext uri="http://schemas.microsoft.com/office/drawing/2008/diagram">
+      <dsp:dataModelExt xmlns:dsp="http://schemas.microsoft.com/office/drawing/2008/diagram" relId="rId6" minVer="http://schemas.openxmlformats.org/drawingml/2006/diagram"/>
+    </a:ext>
+  </dgm:extLst>
+</dgm:dataModel>
+</file>
+
+<file path=ppt/diagrams/data2.xml><?xml version="1.0" encoding="utf-8"?>
+<dgm:dataModel xmlns:dgm="http://schemas.openxmlformats.org/drawingml/2006/diagram" xmlns:a="http://schemas.openxmlformats.org/drawingml/2006/main">
+  <dgm:ptLst>
     <dgm:pt modelId="{D4F88A68-1326-4175-B3C7-5C3913C8E232}" type="doc">
       <dgm:prSet loTypeId="urn:microsoft.com/office/officeart/2018/2/layout/IconLabelDescriptionList" loCatId="icon" qsTypeId="urn:microsoft.com/office/officeart/2005/8/quickstyle/simple1" qsCatId="simple" csTypeId="urn:microsoft.com/office/officeart/2018/5/colors/Iconchunking_neutralbg_colorful2" csCatId="colorful" phldr="1"/>
       <dgm:spPr/>
@@ -2632,6 +3754,9 @@
         <a:lstStyle/>
         <a:p>
           <a:pPr>
+            <a:lnSpc>
+              <a:spcPct val="100000"/>
+            </a:lnSpc>
             <a:defRPr b="1"/>
           </a:pPr>
           <a:r>
@@ -2671,6 +3796,11 @@
         <a:bodyPr/>
         <a:lstStyle/>
         <a:p>
+          <a:pPr>
+            <a:lnSpc>
+              <a:spcPct val="100000"/>
+            </a:lnSpc>
+          </a:pPr>
           <a:r>
             <a:rPr lang="en-GB"/>
             <a:t>Employees should be able to register to the system.</a:t>
@@ -2708,6 +3838,11 @@
         <a:bodyPr/>
         <a:lstStyle/>
         <a:p>
+          <a:pPr>
+            <a:lnSpc>
+              <a:spcPct val="100000"/>
+            </a:lnSpc>
+          </a:pPr>
           <a:r>
             <a:rPr lang="en-GB"/>
             <a:t>Employees should be able to login into the system.</a:t>
@@ -2745,6 +3880,11 @@
         <a:bodyPr/>
         <a:lstStyle/>
         <a:p>
+          <a:pPr>
+            <a:lnSpc>
+              <a:spcPct val="100000"/>
+            </a:lnSpc>
+          </a:pPr>
           <a:r>
             <a:rPr lang="en-GB"/>
             <a:t>Employees or HR should be able to modify the data in the system.</a:t>
@@ -2782,6 +3922,11 @@
         <a:bodyPr/>
         <a:lstStyle/>
         <a:p>
+          <a:pPr>
+            <a:lnSpc>
+              <a:spcPct val="100000"/>
+            </a:lnSpc>
+          </a:pPr>
           <a:r>
             <a:rPr lang="en-GB"/>
             <a:t>System should be able to add the employees to the system/database.</a:t>
@@ -2820,6 +3965,9 @@
         <a:lstStyle/>
         <a:p>
           <a:pPr>
+            <a:lnSpc>
+              <a:spcPct val="100000"/>
+            </a:lnSpc>
             <a:defRPr b="1"/>
           </a:pPr>
           <a:r>
@@ -2859,6 +4007,11 @@
         <a:bodyPr/>
         <a:lstStyle/>
         <a:p>
+          <a:pPr>
+            <a:lnSpc>
+              <a:spcPct val="100000"/>
+            </a:lnSpc>
+          </a:pPr>
           <a:r>
             <a:rPr lang="en-GB"/>
             <a:t>The number of online employees should be at most 50.</a:t>
@@ -2896,6 +4049,11 @@
         <a:bodyPr/>
         <a:lstStyle/>
         <a:p>
+          <a:pPr>
+            <a:lnSpc>
+              <a:spcPct val="100000"/>
+            </a:lnSpc>
+          </a:pPr>
           <a:r>
             <a:rPr lang="en-GB"/>
             <a:t>There should not be any restrictions on the # of user added to database.</a:t>
@@ -2933,6 +4091,11 @@
         <a:bodyPr/>
         <a:lstStyle/>
         <a:p>
+          <a:pPr>
+            <a:lnSpc>
+              <a:spcPct val="100000"/>
+            </a:lnSpc>
+          </a:pPr>
           <a:r>
             <a:rPr lang="en-GB"/>
             <a:t>The system should have a user-friendly homepage which means all links should be able to find in three clicks.</a:t>
@@ -3088,38 +4251,38 @@
     </dgm:pt>
   </dgm:ptLst>
   <dgm:cxnLst>
-    <dgm:cxn modelId="{D3A9150C-3560-47C1-989E-8753D78A5743}" type="presOf" srcId="{67D016CB-AFBC-48E0-A279-F908CDAD5C44}" destId="{46A4CC5B-3DB9-4C96-AE74-9F45EE88048F}" srcOrd="0" destOrd="1" presId="urn:microsoft.com/office/officeart/2018/2/layout/IconLabelDescriptionList"/>
+    <dgm:cxn modelId="{7FFC410D-111C-4CA9-B7EA-82623254E67A}" type="presOf" srcId="{76ED28F7-7A17-4B96-8448-42D46673B430}" destId="{46A4CC5B-3DB9-4C96-AE74-9F45EE88048F}" srcOrd="0" destOrd="2" presId="urn:microsoft.com/office/officeart/2018/2/layout/IconLabelDescriptionList"/>
     <dgm:cxn modelId="{2A874115-0EE3-442E-9C87-756A1FDDD5A5}" srcId="{DF3F09F6-46F6-481A-8674-318B6609948F}" destId="{3DB24654-A41B-4E4B-BB57-988CAA769A6D}" srcOrd="0" destOrd="0" parTransId="{1F37149F-DEE7-4C2E-8D19-3B75F6747289}" sibTransId="{D75FF5AF-5866-47DC-8866-11AD0BFAF78A}"/>
     <dgm:cxn modelId="{D3727F3A-F7BC-4B1F-8614-B6C78129F8CC}" srcId="{DF3F09F6-46F6-481A-8674-318B6609948F}" destId="{A2E2286D-4D3F-4C7A-BE2D-779C703ED9AC}" srcOrd="2" destOrd="0" parTransId="{29D185E7-2042-48E9-8B1F-C1E96807F504}" sibTransId="{B4C765A2-6FCF-48E3-9476-BC300E0CE6A6}"/>
-    <dgm:cxn modelId="{F3E97D45-24A9-4608-83F8-92CC89470BA5}" type="presOf" srcId="{3DB24654-A41B-4E4B-BB57-988CAA769A6D}" destId="{8D315DCE-E8F0-46E1-B825-4959B7C360BE}" srcOrd="0" destOrd="0" presId="urn:microsoft.com/office/officeart/2018/2/layout/IconLabelDescriptionList"/>
-    <dgm:cxn modelId="{CF6A6266-6C80-402C-950B-FB1F250BB604}" type="presOf" srcId="{2C730B20-F46F-4ECA-A2AA-5375392525D0}" destId="{46A4CC5B-3DB9-4C96-AE74-9F45EE88048F}" srcOrd="0" destOrd="0" presId="urn:microsoft.com/office/officeart/2018/2/layout/IconLabelDescriptionList"/>
-    <dgm:cxn modelId="{EFE9466A-A084-4604-A37B-E2A6952852EE}" type="presOf" srcId="{DA787230-87AD-4776-BBAA-69E2F3EEF77D}" destId="{46A4CC5B-3DB9-4C96-AE74-9F45EE88048F}" srcOrd="0" destOrd="3" presId="urn:microsoft.com/office/officeart/2018/2/layout/IconLabelDescriptionList"/>
+    <dgm:cxn modelId="{EA7F8F47-858A-4DA0-BE52-DA9D65927AD6}" type="presOf" srcId="{2C730B20-F46F-4ECA-A2AA-5375392525D0}" destId="{46A4CC5B-3DB9-4C96-AE74-9F45EE88048F}" srcOrd="0" destOrd="0" presId="urn:microsoft.com/office/officeart/2018/2/layout/IconLabelDescriptionList"/>
     <dgm:cxn modelId="{2E259A4A-673B-4D5B-892A-47BF62FBD48B}" srcId="{F999C3A5-24F2-4D82-87FD-5A5CEED98D18}" destId="{76ED28F7-7A17-4B96-8448-42D46673B430}" srcOrd="2" destOrd="0" parTransId="{DCDDB5DF-A071-4BBE-A5A1-F75C290F2604}" sibTransId="{61DB819C-275E-47C0-B1F8-58253DF48955}"/>
+    <dgm:cxn modelId="{BF877751-D17F-4DC0-8A61-3F1DF094D14C}" type="presOf" srcId="{F999C3A5-24F2-4D82-87FD-5A5CEED98D18}" destId="{F789FB9C-3A38-4E8A-8BBB-636E8BE0659D}" srcOrd="0" destOrd="0" presId="urn:microsoft.com/office/officeart/2018/2/layout/IconLabelDescriptionList"/>
     <dgm:cxn modelId="{4A16FE52-0867-4A39-8B41-EC718D69F0DA}" srcId="{F999C3A5-24F2-4D82-87FD-5A5CEED98D18}" destId="{DA787230-87AD-4776-BBAA-69E2F3EEF77D}" srcOrd="3" destOrd="0" parTransId="{5C509B84-3B64-4E84-9E5F-164E5AA985F5}" sibTransId="{DD0CCBB4-AD53-4A7A-A5C3-CB4B63CC8874}"/>
-    <dgm:cxn modelId="{8D54B453-6E37-4D01-AC99-E7E3AA986EE6}" type="presOf" srcId="{DF3F09F6-46F6-481A-8674-318B6609948F}" destId="{0DA369D7-2FBC-42C6-A63F-62A385B70FDC}" srcOrd="0" destOrd="0" presId="urn:microsoft.com/office/officeart/2018/2/layout/IconLabelDescriptionList"/>
-    <dgm:cxn modelId="{5D78B356-7143-4D3A-BEE2-F9BB1D06D43F}" type="presOf" srcId="{F999C3A5-24F2-4D82-87FD-5A5CEED98D18}" destId="{F789FB9C-3A38-4E8A-8BBB-636E8BE0659D}" srcOrd="0" destOrd="0" presId="urn:microsoft.com/office/officeart/2018/2/layout/IconLabelDescriptionList"/>
+    <dgm:cxn modelId="{64D4D455-0583-4B2F-B5E5-5A77D6A27B3C}" type="presOf" srcId="{A2E2286D-4D3F-4C7A-BE2D-779C703ED9AC}" destId="{8D315DCE-E8F0-46E1-B825-4959B7C360BE}" srcOrd="0" destOrd="2" presId="urn:microsoft.com/office/officeart/2018/2/layout/IconLabelDescriptionList"/>
+    <dgm:cxn modelId="{E13E698B-4B38-4C55-B425-0B37F9846504}" type="presOf" srcId="{3DB24654-A41B-4E4B-BB57-988CAA769A6D}" destId="{8D315DCE-E8F0-46E1-B825-4959B7C360BE}" srcOrd="0" destOrd="0" presId="urn:microsoft.com/office/officeart/2018/2/layout/IconLabelDescriptionList"/>
     <dgm:cxn modelId="{6765AB91-D727-472C-8B71-A907A3164FDA}" srcId="{D4F88A68-1326-4175-B3C7-5C3913C8E232}" destId="{F999C3A5-24F2-4D82-87FD-5A5CEED98D18}" srcOrd="0" destOrd="0" parTransId="{0688F6D8-CF66-480C-8840-C13F35A7DB47}" sibTransId="{4AB10520-EB40-4F32-BF1F-741B6B58A676}"/>
     <dgm:cxn modelId="{1F773B94-71FD-4BB9-8326-A89472AF96AA}" srcId="{F999C3A5-24F2-4D82-87FD-5A5CEED98D18}" destId="{67D016CB-AFBC-48E0-A279-F908CDAD5C44}" srcOrd="1" destOrd="0" parTransId="{70564801-C48A-420E-B874-38BBE84986B7}" sibTransId="{A6F0A8B0-2E0B-4B6B-BE88-49EDB2AC1527}"/>
     <dgm:cxn modelId="{E4344C9D-5F7B-4C87-B180-B09ECDCB1918}" srcId="{DF3F09F6-46F6-481A-8674-318B6609948F}" destId="{B64AF782-B47C-493F-9F44-159781D89F46}" srcOrd="1" destOrd="0" parTransId="{51FA409A-C711-42C4-AE55-A7228E3B23CD}" sibTransId="{6A3F9B3E-AE99-4232-8A79-EAF6A6823475}"/>
-    <dgm:cxn modelId="{706A37B2-846E-441B-A20B-BF2A966DD200}" type="presOf" srcId="{B64AF782-B47C-493F-9F44-159781D89F46}" destId="{8D315DCE-E8F0-46E1-B825-4959B7C360BE}" srcOrd="0" destOrd="1" presId="urn:microsoft.com/office/officeart/2018/2/layout/IconLabelDescriptionList"/>
-    <dgm:cxn modelId="{B30BC5B3-3633-4317-A237-989970B43470}" type="presOf" srcId="{A2E2286D-4D3F-4C7A-BE2D-779C703ED9AC}" destId="{8D315DCE-E8F0-46E1-B825-4959B7C360BE}" srcOrd="0" destOrd="2" presId="urn:microsoft.com/office/officeart/2018/2/layout/IconLabelDescriptionList"/>
-    <dgm:cxn modelId="{4CA98EBB-19F1-432B-B80B-3FA7D1CF6777}" type="presOf" srcId="{D4F88A68-1326-4175-B3C7-5C3913C8E232}" destId="{5B99DA4F-46AD-4483-A989-D91B15844C8A}" srcOrd="0" destOrd="0" presId="urn:microsoft.com/office/officeart/2018/2/layout/IconLabelDescriptionList"/>
+    <dgm:cxn modelId="{A5CD6BB5-25DF-4EE8-BFFF-4A020DEB305F}" type="presOf" srcId="{DF3F09F6-46F6-481A-8674-318B6609948F}" destId="{0DA369D7-2FBC-42C6-A63F-62A385B70FDC}" srcOrd="0" destOrd="0" presId="urn:microsoft.com/office/officeart/2018/2/layout/IconLabelDescriptionList"/>
+    <dgm:cxn modelId="{B369C5C7-675C-4A9A-A2E4-7711B7DEABCD}" type="presOf" srcId="{67D016CB-AFBC-48E0-A279-F908CDAD5C44}" destId="{46A4CC5B-3DB9-4C96-AE74-9F45EE88048F}" srcOrd="0" destOrd="1" presId="urn:microsoft.com/office/officeart/2018/2/layout/IconLabelDescriptionList"/>
     <dgm:cxn modelId="{8FFC0CCA-1C88-4CEF-8130-EBC05AF95337}" srcId="{D4F88A68-1326-4175-B3C7-5C3913C8E232}" destId="{DF3F09F6-46F6-481A-8674-318B6609948F}" srcOrd="1" destOrd="0" parTransId="{ECB9DA4E-D719-4C13-ADC9-B7484F63B395}" sibTransId="{6DF188D2-9399-4827-B528-D92C948B8E95}"/>
+    <dgm:cxn modelId="{87A833CB-AD88-4C55-B5B3-35C61C2A6D95}" type="presOf" srcId="{B64AF782-B47C-493F-9F44-159781D89F46}" destId="{8D315DCE-E8F0-46E1-B825-4959B7C360BE}" srcOrd="0" destOrd="1" presId="urn:microsoft.com/office/officeart/2018/2/layout/IconLabelDescriptionList"/>
     <dgm:cxn modelId="{C02300D6-F547-41A6-A4C3-C1D00961DB51}" srcId="{F999C3A5-24F2-4D82-87FD-5A5CEED98D18}" destId="{2C730B20-F46F-4ECA-A2AA-5375392525D0}" srcOrd="0" destOrd="0" parTransId="{5DD886D8-937A-4244-BEF7-9C5E3DD8A828}" sibTransId="{E58E7374-B0C8-453E-99B8-71F336E6655B}"/>
-    <dgm:cxn modelId="{75B8FBE7-E671-419E-A7D4-317773397093}" type="presOf" srcId="{76ED28F7-7A17-4B96-8448-42D46673B430}" destId="{46A4CC5B-3DB9-4C96-AE74-9F45EE88048F}" srcOrd="0" destOrd="2" presId="urn:microsoft.com/office/officeart/2018/2/layout/IconLabelDescriptionList"/>
-    <dgm:cxn modelId="{0301D1EB-B8C0-4D75-B3CA-9662C2B1374A}" type="presParOf" srcId="{5B99DA4F-46AD-4483-A989-D91B15844C8A}" destId="{C3905DA3-D08C-421F-8B66-8032BD43196A}" srcOrd="0" destOrd="0" presId="urn:microsoft.com/office/officeart/2018/2/layout/IconLabelDescriptionList"/>
-    <dgm:cxn modelId="{8AD3F137-93C8-434E-83D6-8BB00596E28B}" type="presParOf" srcId="{C3905DA3-D08C-421F-8B66-8032BD43196A}" destId="{E25685B5-8B00-4D2C-8023-CDACC359A24D}" srcOrd="0" destOrd="0" presId="urn:microsoft.com/office/officeart/2018/2/layout/IconLabelDescriptionList"/>
-    <dgm:cxn modelId="{0B240FA1-2068-4922-BE09-2A36D7362C2C}" type="presParOf" srcId="{C3905DA3-D08C-421F-8B66-8032BD43196A}" destId="{0820B7E3-3F9F-4C77-B4DD-424F09857E5A}" srcOrd="1" destOrd="0" presId="urn:microsoft.com/office/officeart/2018/2/layout/IconLabelDescriptionList"/>
-    <dgm:cxn modelId="{B335E862-8E0A-4679-858A-C5BE2ADEA9D2}" type="presParOf" srcId="{C3905DA3-D08C-421F-8B66-8032BD43196A}" destId="{F789FB9C-3A38-4E8A-8BBB-636E8BE0659D}" srcOrd="2" destOrd="0" presId="urn:microsoft.com/office/officeart/2018/2/layout/IconLabelDescriptionList"/>
-    <dgm:cxn modelId="{40C7B9B8-3F22-4F14-8165-E2B947F46F76}" type="presParOf" srcId="{C3905DA3-D08C-421F-8B66-8032BD43196A}" destId="{AFE3A611-883B-4FB3-9E28-F75B51137ACB}" srcOrd="3" destOrd="0" presId="urn:microsoft.com/office/officeart/2018/2/layout/IconLabelDescriptionList"/>
-    <dgm:cxn modelId="{C26046EB-199D-4FA0-87D6-112518685069}" type="presParOf" srcId="{C3905DA3-D08C-421F-8B66-8032BD43196A}" destId="{46A4CC5B-3DB9-4C96-AE74-9F45EE88048F}" srcOrd="4" destOrd="0" presId="urn:microsoft.com/office/officeart/2018/2/layout/IconLabelDescriptionList"/>
-    <dgm:cxn modelId="{7D23C714-4FD8-4A40-8887-EC9AA5F9E7FF}" type="presParOf" srcId="{5B99DA4F-46AD-4483-A989-D91B15844C8A}" destId="{8C05E853-6900-4ABF-A6C6-7A8F7B957BCD}" srcOrd="1" destOrd="0" presId="urn:microsoft.com/office/officeart/2018/2/layout/IconLabelDescriptionList"/>
-    <dgm:cxn modelId="{0BFCC42C-819F-47BF-B1B9-3BEC2E8B542B}" type="presParOf" srcId="{5B99DA4F-46AD-4483-A989-D91B15844C8A}" destId="{EBF3B287-EB43-41C3-96B7-059FFBC341A8}" srcOrd="2" destOrd="0" presId="urn:microsoft.com/office/officeart/2018/2/layout/IconLabelDescriptionList"/>
-    <dgm:cxn modelId="{DF5B8CA2-B993-4E53-9D22-7D37313443B4}" type="presParOf" srcId="{EBF3B287-EB43-41C3-96B7-059FFBC341A8}" destId="{7868EA6F-5412-4371-B01C-11B0FBB4F12B}" srcOrd="0" destOrd="0" presId="urn:microsoft.com/office/officeart/2018/2/layout/IconLabelDescriptionList"/>
-    <dgm:cxn modelId="{195BFBFF-A052-4969-A7C3-F929454D8344}" type="presParOf" srcId="{EBF3B287-EB43-41C3-96B7-059FFBC341A8}" destId="{5C4D4B13-491B-4412-92BE-54F26965A8DE}" srcOrd="1" destOrd="0" presId="urn:microsoft.com/office/officeart/2018/2/layout/IconLabelDescriptionList"/>
-    <dgm:cxn modelId="{4634A3E5-E58A-455A-A4C5-F915FBF2D406}" type="presParOf" srcId="{EBF3B287-EB43-41C3-96B7-059FFBC341A8}" destId="{0DA369D7-2FBC-42C6-A63F-62A385B70FDC}" srcOrd="2" destOrd="0" presId="urn:microsoft.com/office/officeart/2018/2/layout/IconLabelDescriptionList"/>
-    <dgm:cxn modelId="{ECD19E17-8E17-4C13-810B-4C5E283E45E2}" type="presParOf" srcId="{EBF3B287-EB43-41C3-96B7-059FFBC341A8}" destId="{02A3993D-403D-4FA3-B56B-67A432EC760A}" srcOrd="3" destOrd="0" presId="urn:microsoft.com/office/officeart/2018/2/layout/IconLabelDescriptionList"/>
-    <dgm:cxn modelId="{42FCF131-1A51-4B68-AFA7-B6298548F455}" type="presParOf" srcId="{EBF3B287-EB43-41C3-96B7-059FFBC341A8}" destId="{8D315DCE-E8F0-46E1-B825-4959B7C360BE}" srcOrd="4" destOrd="0" presId="urn:microsoft.com/office/officeart/2018/2/layout/IconLabelDescriptionList"/>
+    <dgm:cxn modelId="{3A6897E5-37C3-4F70-B879-453A5493E5E1}" type="presOf" srcId="{D4F88A68-1326-4175-B3C7-5C3913C8E232}" destId="{5B99DA4F-46AD-4483-A989-D91B15844C8A}" srcOrd="0" destOrd="0" presId="urn:microsoft.com/office/officeart/2018/2/layout/IconLabelDescriptionList"/>
+    <dgm:cxn modelId="{6C3349F9-5933-45CA-BD88-F9D675B59F48}" type="presOf" srcId="{DA787230-87AD-4776-BBAA-69E2F3EEF77D}" destId="{46A4CC5B-3DB9-4C96-AE74-9F45EE88048F}" srcOrd="0" destOrd="3" presId="urn:microsoft.com/office/officeart/2018/2/layout/IconLabelDescriptionList"/>
+    <dgm:cxn modelId="{E825DFEE-4876-4C56-A61A-6EBFFFC842D6}" type="presParOf" srcId="{5B99DA4F-46AD-4483-A989-D91B15844C8A}" destId="{C3905DA3-D08C-421F-8B66-8032BD43196A}" srcOrd="0" destOrd="0" presId="urn:microsoft.com/office/officeart/2018/2/layout/IconLabelDescriptionList"/>
+    <dgm:cxn modelId="{2DD8D160-7849-447F-BFC5-188AD7E07DEE}" type="presParOf" srcId="{C3905DA3-D08C-421F-8B66-8032BD43196A}" destId="{E25685B5-8B00-4D2C-8023-CDACC359A24D}" srcOrd="0" destOrd="0" presId="urn:microsoft.com/office/officeart/2018/2/layout/IconLabelDescriptionList"/>
+    <dgm:cxn modelId="{9155FA97-162F-457E-BC6C-79EC88E6F388}" type="presParOf" srcId="{C3905DA3-D08C-421F-8B66-8032BD43196A}" destId="{0820B7E3-3F9F-4C77-B4DD-424F09857E5A}" srcOrd="1" destOrd="0" presId="urn:microsoft.com/office/officeart/2018/2/layout/IconLabelDescriptionList"/>
+    <dgm:cxn modelId="{32677F21-6009-4266-87A4-FBEE8A946307}" type="presParOf" srcId="{C3905DA3-D08C-421F-8B66-8032BD43196A}" destId="{F789FB9C-3A38-4E8A-8BBB-636E8BE0659D}" srcOrd="2" destOrd="0" presId="urn:microsoft.com/office/officeart/2018/2/layout/IconLabelDescriptionList"/>
+    <dgm:cxn modelId="{3EE8D1A5-81F2-4431-ABF1-C6DCEA14B623}" type="presParOf" srcId="{C3905DA3-D08C-421F-8B66-8032BD43196A}" destId="{AFE3A611-883B-4FB3-9E28-F75B51137ACB}" srcOrd="3" destOrd="0" presId="urn:microsoft.com/office/officeart/2018/2/layout/IconLabelDescriptionList"/>
+    <dgm:cxn modelId="{EA5750C9-06B5-4F07-B1FE-64A326BD275F}" type="presParOf" srcId="{C3905DA3-D08C-421F-8B66-8032BD43196A}" destId="{46A4CC5B-3DB9-4C96-AE74-9F45EE88048F}" srcOrd="4" destOrd="0" presId="urn:microsoft.com/office/officeart/2018/2/layout/IconLabelDescriptionList"/>
+    <dgm:cxn modelId="{CCC75E6F-CE76-4EB2-9CBE-56E085AE7604}" type="presParOf" srcId="{5B99DA4F-46AD-4483-A989-D91B15844C8A}" destId="{8C05E853-6900-4ABF-A6C6-7A8F7B957BCD}" srcOrd="1" destOrd="0" presId="urn:microsoft.com/office/officeart/2018/2/layout/IconLabelDescriptionList"/>
+    <dgm:cxn modelId="{CA72CB98-2D42-44F1-8E18-54F7362CB9F3}" type="presParOf" srcId="{5B99DA4F-46AD-4483-A989-D91B15844C8A}" destId="{EBF3B287-EB43-41C3-96B7-059FFBC341A8}" srcOrd="2" destOrd="0" presId="urn:microsoft.com/office/officeart/2018/2/layout/IconLabelDescriptionList"/>
+    <dgm:cxn modelId="{9558C466-5C6F-40EF-B97D-849408C89DD0}" type="presParOf" srcId="{EBF3B287-EB43-41C3-96B7-059FFBC341A8}" destId="{7868EA6F-5412-4371-B01C-11B0FBB4F12B}" srcOrd="0" destOrd="0" presId="urn:microsoft.com/office/officeart/2018/2/layout/IconLabelDescriptionList"/>
+    <dgm:cxn modelId="{F9DC73C9-FABE-4E41-B226-1A4EAEAD3FD9}" type="presParOf" srcId="{EBF3B287-EB43-41C3-96B7-059FFBC341A8}" destId="{5C4D4B13-491B-4412-92BE-54F26965A8DE}" srcOrd="1" destOrd="0" presId="urn:microsoft.com/office/officeart/2018/2/layout/IconLabelDescriptionList"/>
+    <dgm:cxn modelId="{EFC14F89-6786-4AD7-B875-E93E745384CF}" type="presParOf" srcId="{EBF3B287-EB43-41C3-96B7-059FFBC341A8}" destId="{0DA369D7-2FBC-42C6-A63F-62A385B70FDC}" srcOrd="2" destOrd="0" presId="urn:microsoft.com/office/officeart/2018/2/layout/IconLabelDescriptionList"/>
+    <dgm:cxn modelId="{73B9945E-6D7A-4A3F-AC5E-8FED63815808}" type="presParOf" srcId="{EBF3B287-EB43-41C3-96B7-059FFBC341A8}" destId="{02A3993D-403D-4FA3-B56B-67A432EC760A}" srcOrd="3" destOrd="0" presId="urn:microsoft.com/office/officeart/2018/2/layout/IconLabelDescriptionList"/>
+    <dgm:cxn modelId="{C0F48DE8-F5C1-4D35-8E3B-574C60D60645}" type="presParOf" srcId="{EBF3B287-EB43-41C3-96B7-059FFBC341A8}" destId="{8D315DCE-E8F0-46E1-B825-4959B7C360BE}" srcOrd="4" destOrd="0" presId="urn:microsoft.com/office/officeart/2018/2/layout/IconLabelDescriptionList"/>
   </dgm:cxnLst>
   <dgm:bg/>
   <dgm:whole/>
@@ -3131,7 +4294,7 @@
 </dgm:dataModel>
 </file>
 
-<file path=ppt/diagrams/data2.xml><?xml version="1.0" encoding="utf-8"?>
+<file path=ppt/diagrams/data3.xml><?xml version="1.0" encoding="utf-8"?>
 <dgm:dataModel xmlns:dgm="http://schemas.openxmlformats.org/drawingml/2006/diagram" xmlns:a="http://schemas.openxmlformats.org/drawingml/2006/main">
   <dgm:ptLst>
     <dgm:pt modelId="{D2C86EFE-6D9F-4477-A76E-689FA2AFC8E3}" type="doc">
@@ -3357,7 +4520,7 @@
 </dgm:dataModel>
 </file>
 
-<file path=ppt/diagrams/data3.xml><?xml version="1.0" encoding="utf-8"?>
+<file path=ppt/diagrams/data4.xml><?xml version="1.0" encoding="utf-8"?>
 <dgm:dataModel xmlns:dgm="http://schemas.openxmlformats.org/drawingml/2006/diagram" xmlns:a="http://schemas.openxmlformats.org/drawingml/2006/main">
   <dgm:ptLst>
     <dgm:pt modelId="{B598DA57-BD9D-476C-97C4-92B6E3F11856}" type="doc">
@@ -3598,6 +4761,738 @@
       <dsp:cNvGrpSpPr/>
     </dsp:nvGrpSpPr>
     <dsp:grpSpPr/>
+    <dsp:sp modelId="{89AB1829-62C4-4783-8500-9EFBD7745C44}">
+      <dsp:nvSpPr>
+        <dsp:cNvPr id="0" name=""/>
+        <dsp:cNvSpPr/>
+      </dsp:nvSpPr>
+      <dsp:spPr>
+        <a:xfrm>
+          <a:off x="0" y="0"/>
+          <a:ext cx="4689030" cy="1002982"/>
+        </a:xfrm>
+        <a:prstGeom prst="roundRect">
+          <a:avLst>
+            <a:gd name="adj" fmla="val 10000"/>
+          </a:avLst>
+        </a:prstGeom>
+        <a:solidFill>
+          <a:schemeClr val="dk2">
+            <a:hueOff val="0"/>
+            <a:satOff val="0"/>
+            <a:lumOff val="0"/>
+            <a:alphaOff val="0"/>
+          </a:schemeClr>
+        </a:solidFill>
+        <a:ln w="12700" cap="flat" cmpd="sng" algn="ctr">
+          <a:solidFill>
+            <a:schemeClr val="lt2">
+              <a:hueOff val="0"/>
+              <a:satOff val="0"/>
+              <a:lumOff val="0"/>
+              <a:alphaOff val="0"/>
+            </a:schemeClr>
+          </a:solidFill>
+          <a:prstDash val="solid"/>
+          <a:miter lim="800000"/>
+        </a:ln>
+        <a:effectLst/>
+      </dsp:spPr>
+      <dsp:style>
+        <a:lnRef idx="2">
+          <a:scrgbClr r="0" g="0" b="0"/>
+        </a:lnRef>
+        <a:fillRef idx="1">
+          <a:scrgbClr r="0" g="0" b="0"/>
+        </a:fillRef>
+        <a:effectRef idx="0">
+          <a:scrgbClr r="0" g="0" b="0"/>
+        </a:effectRef>
+        <a:fontRef idx="minor">
+          <a:schemeClr val="lt1"/>
+        </a:fontRef>
+      </dsp:style>
+      <dsp:txBody>
+        <a:bodyPr spcFirstLastPara="0" vert="horz" wrap="square" lIns="57150" tIns="57150" rIns="57150" bIns="57150" numCol="1" spcCol="1270" anchor="ctr" anchorCtr="0">
+          <a:noAutofit/>
+        </a:bodyPr>
+        <a:lstStyle/>
+        <a:p>
+          <a:pPr marL="0" lvl="0" indent="0" algn="l" defTabSz="666750">
+            <a:lnSpc>
+              <a:spcPct val="90000"/>
+            </a:lnSpc>
+            <a:spcBef>
+              <a:spcPct val="0"/>
+            </a:spcBef>
+            <a:spcAft>
+              <a:spcPct val="35000"/>
+            </a:spcAft>
+            <a:buNone/>
+          </a:pPr>
+          <a:r>
+            <a:rPr lang="en-US" sz="1500" kern="1200"/>
+            <a:t>Brief information about the HRMS</a:t>
+          </a:r>
+        </a:p>
+      </dsp:txBody>
+      <dsp:txXfrm>
+        <a:off x="29376" y="29376"/>
+        <a:ext cx="3489385" cy="944230"/>
+      </dsp:txXfrm>
+    </dsp:sp>
+    <dsp:sp modelId="{F33F2D94-E69B-42FE-B245-6C6101D01694}">
+      <dsp:nvSpPr>
+        <dsp:cNvPr id="0" name=""/>
+        <dsp:cNvSpPr/>
+      </dsp:nvSpPr>
+      <dsp:spPr>
+        <a:xfrm>
+          <a:off x="350154" y="1142285"/>
+          <a:ext cx="4689030" cy="1002982"/>
+        </a:xfrm>
+        <a:prstGeom prst="roundRect">
+          <a:avLst>
+            <a:gd name="adj" fmla="val 10000"/>
+          </a:avLst>
+        </a:prstGeom>
+        <a:solidFill>
+          <a:schemeClr val="dk2">
+            <a:hueOff val="0"/>
+            <a:satOff val="0"/>
+            <a:lumOff val="0"/>
+            <a:alphaOff val="0"/>
+          </a:schemeClr>
+        </a:solidFill>
+        <a:ln w="12700" cap="flat" cmpd="sng" algn="ctr">
+          <a:solidFill>
+            <a:schemeClr val="lt2">
+              <a:hueOff val="0"/>
+              <a:satOff val="0"/>
+              <a:lumOff val="0"/>
+              <a:alphaOff val="0"/>
+            </a:schemeClr>
+          </a:solidFill>
+          <a:prstDash val="solid"/>
+          <a:miter lim="800000"/>
+        </a:ln>
+        <a:effectLst/>
+      </dsp:spPr>
+      <dsp:style>
+        <a:lnRef idx="2">
+          <a:scrgbClr r="0" g="0" b="0"/>
+        </a:lnRef>
+        <a:fillRef idx="1">
+          <a:scrgbClr r="0" g="0" b="0"/>
+        </a:fillRef>
+        <a:effectRef idx="0">
+          <a:scrgbClr r="0" g="0" b="0"/>
+        </a:effectRef>
+        <a:fontRef idx="minor">
+          <a:schemeClr val="lt1"/>
+        </a:fontRef>
+      </dsp:style>
+      <dsp:txBody>
+        <a:bodyPr spcFirstLastPara="0" vert="horz" wrap="square" lIns="57150" tIns="57150" rIns="57150" bIns="57150" numCol="1" spcCol="1270" anchor="ctr" anchorCtr="0">
+          <a:noAutofit/>
+        </a:bodyPr>
+        <a:lstStyle/>
+        <a:p>
+          <a:pPr marL="0" lvl="0" indent="0" algn="l" defTabSz="666750">
+            <a:lnSpc>
+              <a:spcPct val="90000"/>
+            </a:lnSpc>
+            <a:spcBef>
+              <a:spcPct val="0"/>
+            </a:spcBef>
+            <a:spcAft>
+              <a:spcPct val="35000"/>
+            </a:spcAft>
+            <a:buNone/>
+          </a:pPr>
+          <a:r>
+            <a:rPr lang="en-US" sz="1500" kern="1200"/>
+            <a:t>Describing functional and nonfunctional requirements </a:t>
+          </a:r>
+        </a:p>
+      </dsp:txBody>
+      <dsp:txXfrm>
+        <a:off x="379530" y="1171661"/>
+        <a:ext cx="3628184" cy="944230"/>
+      </dsp:txXfrm>
+    </dsp:sp>
+    <dsp:sp modelId="{B455C915-BABD-421A-B58B-492C62CA59DE}">
+      <dsp:nvSpPr>
+        <dsp:cNvPr id="0" name=""/>
+        <dsp:cNvSpPr/>
+      </dsp:nvSpPr>
+      <dsp:spPr>
+        <a:xfrm>
+          <a:off x="700309" y="2284571"/>
+          <a:ext cx="4689030" cy="1002982"/>
+        </a:xfrm>
+        <a:prstGeom prst="roundRect">
+          <a:avLst>
+            <a:gd name="adj" fmla="val 10000"/>
+          </a:avLst>
+        </a:prstGeom>
+        <a:solidFill>
+          <a:schemeClr val="dk2">
+            <a:hueOff val="0"/>
+            <a:satOff val="0"/>
+            <a:lumOff val="0"/>
+            <a:alphaOff val="0"/>
+          </a:schemeClr>
+        </a:solidFill>
+        <a:ln w="12700" cap="flat" cmpd="sng" algn="ctr">
+          <a:solidFill>
+            <a:schemeClr val="lt2">
+              <a:hueOff val="0"/>
+              <a:satOff val="0"/>
+              <a:lumOff val="0"/>
+              <a:alphaOff val="0"/>
+            </a:schemeClr>
+          </a:solidFill>
+          <a:prstDash val="solid"/>
+          <a:miter lim="800000"/>
+        </a:ln>
+        <a:effectLst/>
+      </dsp:spPr>
+      <dsp:style>
+        <a:lnRef idx="2">
+          <a:scrgbClr r="0" g="0" b="0"/>
+        </a:lnRef>
+        <a:fillRef idx="1">
+          <a:scrgbClr r="0" g="0" b="0"/>
+        </a:fillRef>
+        <a:effectRef idx="0">
+          <a:scrgbClr r="0" g="0" b="0"/>
+        </a:effectRef>
+        <a:fontRef idx="minor">
+          <a:schemeClr val="lt1"/>
+        </a:fontRef>
+      </dsp:style>
+      <dsp:txBody>
+        <a:bodyPr spcFirstLastPara="0" vert="horz" wrap="square" lIns="57150" tIns="57150" rIns="57150" bIns="57150" numCol="1" spcCol="1270" anchor="ctr" anchorCtr="0">
+          <a:noAutofit/>
+        </a:bodyPr>
+        <a:lstStyle/>
+        <a:p>
+          <a:pPr marL="0" lvl="0" indent="0" algn="l" defTabSz="666750">
+            <a:lnSpc>
+              <a:spcPct val="90000"/>
+            </a:lnSpc>
+            <a:spcBef>
+              <a:spcPct val="0"/>
+            </a:spcBef>
+            <a:spcAft>
+              <a:spcPct val="35000"/>
+            </a:spcAft>
+            <a:buNone/>
+          </a:pPr>
+          <a:r>
+            <a:rPr lang="en-US" sz="1500" kern="1200"/>
+            <a:t>Describing the diagrams</a:t>
+          </a:r>
+        </a:p>
+      </dsp:txBody>
+      <dsp:txXfrm>
+        <a:off x="729685" y="2313947"/>
+        <a:ext cx="3628185" cy="944230"/>
+      </dsp:txXfrm>
+    </dsp:sp>
+    <dsp:sp modelId="{35E1A689-C98E-4638-880F-22474894A3DF}">
+      <dsp:nvSpPr>
+        <dsp:cNvPr id="0" name=""/>
+        <dsp:cNvSpPr/>
+      </dsp:nvSpPr>
+      <dsp:spPr>
+        <a:xfrm>
+          <a:off x="1050464" y="3426856"/>
+          <a:ext cx="4689030" cy="1002982"/>
+        </a:xfrm>
+        <a:prstGeom prst="roundRect">
+          <a:avLst>
+            <a:gd name="adj" fmla="val 10000"/>
+          </a:avLst>
+        </a:prstGeom>
+        <a:solidFill>
+          <a:schemeClr val="dk2">
+            <a:hueOff val="0"/>
+            <a:satOff val="0"/>
+            <a:lumOff val="0"/>
+            <a:alphaOff val="0"/>
+          </a:schemeClr>
+        </a:solidFill>
+        <a:ln w="12700" cap="flat" cmpd="sng" algn="ctr">
+          <a:solidFill>
+            <a:schemeClr val="lt2">
+              <a:hueOff val="0"/>
+              <a:satOff val="0"/>
+              <a:lumOff val="0"/>
+              <a:alphaOff val="0"/>
+            </a:schemeClr>
+          </a:solidFill>
+          <a:prstDash val="solid"/>
+          <a:miter lim="800000"/>
+        </a:ln>
+        <a:effectLst/>
+      </dsp:spPr>
+      <dsp:style>
+        <a:lnRef idx="2">
+          <a:scrgbClr r="0" g="0" b="0"/>
+        </a:lnRef>
+        <a:fillRef idx="1">
+          <a:scrgbClr r="0" g="0" b="0"/>
+        </a:fillRef>
+        <a:effectRef idx="0">
+          <a:scrgbClr r="0" g="0" b="0"/>
+        </a:effectRef>
+        <a:fontRef idx="minor">
+          <a:schemeClr val="lt1"/>
+        </a:fontRef>
+      </dsp:style>
+      <dsp:txBody>
+        <a:bodyPr spcFirstLastPara="0" vert="horz" wrap="square" lIns="57150" tIns="57150" rIns="57150" bIns="57150" numCol="1" spcCol="1270" anchor="ctr" anchorCtr="0">
+          <a:noAutofit/>
+        </a:bodyPr>
+        <a:lstStyle/>
+        <a:p>
+          <a:pPr marL="0" lvl="0" indent="0" algn="l" defTabSz="666750">
+            <a:lnSpc>
+              <a:spcPct val="90000"/>
+            </a:lnSpc>
+            <a:spcBef>
+              <a:spcPct val="0"/>
+            </a:spcBef>
+            <a:spcAft>
+              <a:spcPct val="35000"/>
+            </a:spcAft>
+            <a:buNone/>
+          </a:pPr>
+          <a:r>
+            <a:rPr lang="en-US" sz="1500" kern="1200"/>
+            <a:t>Describing the design phase such as classes and methods, data management layer, user interface layer and physical architecture layer</a:t>
+          </a:r>
+        </a:p>
+      </dsp:txBody>
+      <dsp:txXfrm>
+        <a:off x="1079840" y="3456232"/>
+        <a:ext cx="3628184" cy="944230"/>
+      </dsp:txXfrm>
+    </dsp:sp>
+    <dsp:sp modelId="{3CF516EF-CECD-49AF-A434-33AB85C9A6AC}">
+      <dsp:nvSpPr>
+        <dsp:cNvPr id="0" name=""/>
+        <dsp:cNvSpPr/>
+      </dsp:nvSpPr>
+      <dsp:spPr>
+        <a:xfrm>
+          <a:off x="1400619" y="4569142"/>
+          <a:ext cx="4689030" cy="1002982"/>
+        </a:xfrm>
+        <a:prstGeom prst="roundRect">
+          <a:avLst>
+            <a:gd name="adj" fmla="val 10000"/>
+          </a:avLst>
+        </a:prstGeom>
+        <a:solidFill>
+          <a:schemeClr val="dk2">
+            <a:hueOff val="0"/>
+            <a:satOff val="0"/>
+            <a:lumOff val="0"/>
+            <a:alphaOff val="0"/>
+          </a:schemeClr>
+        </a:solidFill>
+        <a:ln w="12700" cap="flat" cmpd="sng" algn="ctr">
+          <a:solidFill>
+            <a:schemeClr val="lt2">
+              <a:hueOff val="0"/>
+              <a:satOff val="0"/>
+              <a:lumOff val="0"/>
+              <a:alphaOff val="0"/>
+            </a:schemeClr>
+          </a:solidFill>
+          <a:prstDash val="solid"/>
+          <a:miter lim="800000"/>
+        </a:ln>
+        <a:effectLst/>
+      </dsp:spPr>
+      <dsp:style>
+        <a:lnRef idx="2">
+          <a:scrgbClr r="0" g="0" b="0"/>
+        </a:lnRef>
+        <a:fillRef idx="1">
+          <a:scrgbClr r="0" g="0" b="0"/>
+        </a:fillRef>
+        <a:effectRef idx="0">
+          <a:scrgbClr r="0" g="0" b="0"/>
+        </a:effectRef>
+        <a:fontRef idx="minor">
+          <a:schemeClr val="lt1"/>
+        </a:fontRef>
+      </dsp:style>
+      <dsp:txBody>
+        <a:bodyPr spcFirstLastPara="0" vert="horz" wrap="square" lIns="57150" tIns="57150" rIns="57150" bIns="57150" numCol="1" spcCol="1270" anchor="ctr" anchorCtr="0">
+          <a:noAutofit/>
+        </a:bodyPr>
+        <a:lstStyle/>
+        <a:p>
+          <a:pPr marL="0" lvl="0" indent="0" algn="l" defTabSz="666750">
+            <a:lnSpc>
+              <a:spcPct val="90000"/>
+            </a:lnSpc>
+            <a:spcBef>
+              <a:spcPct val="0"/>
+            </a:spcBef>
+            <a:spcAft>
+              <a:spcPct val="35000"/>
+            </a:spcAft>
+            <a:buNone/>
+          </a:pPr>
+          <a:r>
+            <a:rPr lang="en-US" sz="1500" kern="1200"/>
+            <a:t>Demonstrate the prototype of the software</a:t>
+          </a:r>
+        </a:p>
+      </dsp:txBody>
+      <dsp:txXfrm>
+        <a:off x="1429995" y="4598518"/>
+        <a:ext cx="3628184" cy="944230"/>
+      </dsp:txXfrm>
+    </dsp:sp>
+    <dsp:sp modelId="{CE0FE26F-B406-46BF-A169-A8258B4E01EF}">
+      <dsp:nvSpPr>
+        <dsp:cNvPr id="0" name=""/>
+        <dsp:cNvSpPr/>
+      </dsp:nvSpPr>
+      <dsp:spPr>
+        <a:xfrm>
+          <a:off x="4037091" y="732734"/>
+          <a:ext cx="651938" cy="651938"/>
+        </a:xfrm>
+        <a:prstGeom prst="downArrow">
+          <a:avLst>
+            <a:gd name="adj1" fmla="val 55000"/>
+            <a:gd name="adj2" fmla="val 45000"/>
+          </a:avLst>
+        </a:prstGeom>
+        <a:solidFill>
+          <a:schemeClr val="dk2">
+            <a:alpha val="90000"/>
+            <a:tint val="40000"/>
+            <a:hueOff val="0"/>
+            <a:satOff val="0"/>
+            <a:lumOff val="0"/>
+            <a:alphaOff val="0"/>
+          </a:schemeClr>
+        </a:solidFill>
+        <a:ln w="12700" cap="flat" cmpd="sng" algn="ctr">
+          <a:solidFill>
+            <a:schemeClr val="dk2">
+              <a:alpha val="90000"/>
+              <a:tint val="40000"/>
+              <a:hueOff val="0"/>
+              <a:satOff val="0"/>
+              <a:lumOff val="0"/>
+              <a:alphaOff val="0"/>
+            </a:schemeClr>
+          </a:solidFill>
+          <a:prstDash val="solid"/>
+          <a:miter lim="800000"/>
+        </a:ln>
+        <a:effectLst/>
+      </dsp:spPr>
+      <dsp:style>
+        <a:lnRef idx="2">
+          <a:scrgbClr r="0" g="0" b="0"/>
+        </a:lnRef>
+        <a:fillRef idx="1">
+          <a:scrgbClr r="0" g="0" b="0"/>
+        </a:fillRef>
+        <a:effectRef idx="0">
+          <a:scrgbClr r="0" g="0" b="0"/>
+        </a:effectRef>
+        <a:fontRef idx="minor"/>
+      </dsp:style>
+      <dsp:txBody>
+        <a:bodyPr spcFirstLastPara="0" vert="horz" wrap="square" lIns="36830" tIns="36830" rIns="36830" bIns="36830" numCol="1" spcCol="1270" anchor="ctr" anchorCtr="0">
+          <a:noAutofit/>
+        </a:bodyPr>
+        <a:lstStyle/>
+        <a:p>
+          <a:pPr marL="0" lvl="0" indent="0" algn="ctr" defTabSz="1289050">
+            <a:lnSpc>
+              <a:spcPct val="90000"/>
+            </a:lnSpc>
+            <a:spcBef>
+              <a:spcPct val="0"/>
+            </a:spcBef>
+            <a:spcAft>
+              <a:spcPct val="35000"/>
+            </a:spcAft>
+            <a:buNone/>
+          </a:pPr>
+          <a:endParaRPr lang="en-US" sz="2900" kern="1200"/>
+        </a:p>
+      </dsp:txBody>
+      <dsp:txXfrm>
+        <a:off x="4183777" y="732734"/>
+        <a:ext cx="358566" cy="490583"/>
+      </dsp:txXfrm>
+    </dsp:sp>
+    <dsp:sp modelId="{57248EC6-B357-4079-B17E-43807579BF49}">
+      <dsp:nvSpPr>
+        <dsp:cNvPr id="0" name=""/>
+        <dsp:cNvSpPr/>
+      </dsp:nvSpPr>
+      <dsp:spPr>
+        <a:xfrm>
+          <a:off x="4387246" y="1875020"/>
+          <a:ext cx="651938" cy="651938"/>
+        </a:xfrm>
+        <a:prstGeom prst="downArrow">
+          <a:avLst>
+            <a:gd name="adj1" fmla="val 55000"/>
+            <a:gd name="adj2" fmla="val 45000"/>
+          </a:avLst>
+        </a:prstGeom>
+        <a:solidFill>
+          <a:schemeClr val="dk2">
+            <a:alpha val="90000"/>
+            <a:tint val="40000"/>
+            <a:hueOff val="0"/>
+            <a:satOff val="0"/>
+            <a:lumOff val="0"/>
+            <a:alphaOff val="0"/>
+          </a:schemeClr>
+        </a:solidFill>
+        <a:ln w="12700" cap="flat" cmpd="sng" algn="ctr">
+          <a:solidFill>
+            <a:schemeClr val="dk2">
+              <a:alpha val="90000"/>
+              <a:tint val="40000"/>
+              <a:hueOff val="0"/>
+              <a:satOff val="0"/>
+              <a:lumOff val="0"/>
+              <a:alphaOff val="0"/>
+            </a:schemeClr>
+          </a:solidFill>
+          <a:prstDash val="solid"/>
+          <a:miter lim="800000"/>
+        </a:ln>
+        <a:effectLst/>
+      </dsp:spPr>
+      <dsp:style>
+        <a:lnRef idx="2">
+          <a:scrgbClr r="0" g="0" b="0"/>
+        </a:lnRef>
+        <a:fillRef idx="1">
+          <a:scrgbClr r="0" g="0" b="0"/>
+        </a:fillRef>
+        <a:effectRef idx="0">
+          <a:scrgbClr r="0" g="0" b="0"/>
+        </a:effectRef>
+        <a:fontRef idx="minor"/>
+      </dsp:style>
+      <dsp:txBody>
+        <a:bodyPr spcFirstLastPara="0" vert="horz" wrap="square" lIns="36830" tIns="36830" rIns="36830" bIns="36830" numCol="1" spcCol="1270" anchor="ctr" anchorCtr="0">
+          <a:noAutofit/>
+        </a:bodyPr>
+        <a:lstStyle/>
+        <a:p>
+          <a:pPr marL="0" lvl="0" indent="0" algn="ctr" defTabSz="1289050">
+            <a:lnSpc>
+              <a:spcPct val="90000"/>
+            </a:lnSpc>
+            <a:spcBef>
+              <a:spcPct val="0"/>
+            </a:spcBef>
+            <a:spcAft>
+              <a:spcPct val="35000"/>
+            </a:spcAft>
+            <a:buNone/>
+          </a:pPr>
+          <a:endParaRPr lang="en-US" sz="2900" kern="1200"/>
+        </a:p>
+      </dsp:txBody>
+      <dsp:txXfrm>
+        <a:off x="4533932" y="1875020"/>
+        <a:ext cx="358566" cy="490583"/>
+      </dsp:txXfrm>
+    </dsp:sp>
+    <dsp:sp modelId="{0B578B55-8485-42D2-8A4C-58C2B019D675}">
+      <dsp:nvSpPr>
+        <dsp:cNvPr id="0" name=""/>
+        <dsp:cNvSpPr/>
+      </dsp:nvSpPr>
+      <dsp:spPr>
+        <a:xfrm>
+          <a:off x="4737401" y="3000589"/>
+          <a:ext cx="651938" cy="651938"/>
+        </a:xfrm>
+        <a:prstGeom prst="downArrow">
+          <a:avLst>
+            <a:gd name="adj1" fmla="val 55000"/>
+            <a:gd name="adj2" fmla="val 45000"/>
+          </a:avLst>
+        </a:prstGeom>
+        <a:solidFill>
+          <a:schemeClr val="dk2">
+            <a:alpha val="90000"/>
+            <a:tint val="40000"/>
+            <a:hueOff val="0"/>
+            <a:satOff val="0"/>
+            <a:lumOff val="0"/>
+            <a:alphaOff val="0"/>
+          </a:schemeClr>
+        </a:solidFill>
+        <a:ln w="12700" cap="flat" cmpd="sng" algn="ctr">
+          <a:solidFill>
+            <a:schemeClr val="dk2">
+              <a:alpha val="90000"/>
+              <a:tint val="40000"/>
+              <a:hueOff val="0"/>
+              <a:satOff val="0"/>
+              <a:lumOff val="0"/>
+              <a:alphaOff val="0"/>
+            </a:schemeClr>
+          </a:solidFill>
+          <a:prstDash val="solid"/>
+          <a:miter lim="800000"/>
+        </a:ln>
+        <a:effectLst/>
+      </dsp:spPr>
+      <dsp:style>
+        <a:lnRef idx="2">
+          <a:scrgbClr r="0" g="0" b="0"/>
+        </a:lnRef>
+        <a:fillRef idx="1">
+          <a:scrgbClr r="0" g="0" b="0"/>
+        </a:fillRef>
+        <a:effectRef idx="0">
+          <a:scrgbClr r="0" g="0" b="0"/>
+        </a:effectRef>
+        <a:fontRef idx="minor"/>
+      </dsp:style>
+      <dsp:txBody>
+        <a:bodyPr spcFirstLastPara="0" vert="horz" wrap="square" lIns="36830" tIns="36830" rIns="36830" bIns="36830" numCol="1" spcCol="1270" anchor="ctr" anchorCtr="0">
+          <a:noAutofit/>
+        </a:bodyPr>
+        <a:lstStyle/>
+        <a:p>
+          <a:pPr marL="0" lvl="0" indent="0" algn="ctr" defTabSz="1289050">
+            <a:lnSpc>
+              <a:spcPct val="90000"/>
+            </a:lnSpc>
+            <a:spcBef>
+              <a:spcPct val="0"/>
+            </a:spcBef>
+            <a:spcAft>
+              <a:spcPct val="35000"/>
+            </a:spcAft>
+            <a:buNone/>
+          </a:pPr>
+          <a:endParaRPr lang="en-US" sz="2900" kern="1200"/>
+        </a:p>
+      </dsp:txBody>
+      <dsp:txXfrm>
+        <a:off x="4884087" y="3000589"/>
+        <a:ext cx="358566" cy="490583"/>
+      </dsp:txXfrm>
+    </dsp:sp>
+    <dsp:sp modelId="{FB61D434-3785-4EA2-8DE9-033C35922AEC}">
+      <dsp:nvSpPr>
+        <dsp:cNvPr id="0" name=""/>
+        <dsp:cNvSpPr/>
+      </dsp:nvSpPr>
+      <dsp:spPr>
+        <a:xfrm>
+          <a:off x="5087556" y="4154019"/>
+          <a:ext cx="651938" cy="651938"/>
+        </a:xfrm>
+        <a:prstGeom prst="downArrow">
+          <a:avLst>
+            <a:gd name="adj1" fmla="val 55000"/>
+            <a:gd name="adj2" fmla="val 45000"/>
+          </a:avLst>
+        </a:prstGeom>
+        <a:solidFill>
+          <a:schemeClr val="dk2">
+            <a:alpha val="90000"/>
+            <a:tint val="40000"/>
+            <a:hueOff val="0"/>
+            <a:satOff val="0"/>
+            <a:lumOff val="0"/>
+            <a:alphaOff val="0"/>
+          </a:schemeClr>
+        </a:solidFill>
+        <a:ln w="12700" cap="flat" cmpd="sng" algn="ctr">
+          <a:solidFill>
+            <a:schemeClr val="dk2">
+              <a:alpha val="90000"/>
+              <a:tint val="40000"/>
+              <a:hueOff val="0"/>
+              <a:satOff val="0"/>
+              <a:lumOff val="0"/>
+              <a:alphaOff val="0"/>
+            </a:schemeClr>
+          </a:solidFill>
+          <a:prstDash val="solid"/>
+          <a:miter lim="800000"/>
+        </a:ln>
+        <a:effectLst/>
+      </dsp:spPr>
+      <dsp:style>
+        <a:lnRef idx="2">
+          <a:scrgbClr r="0" g="0" b="0"/>
+        </a:lnRef>
+        <a:fillRef idx="1">
+          <a:scrgbClr r="0" g="0" b="0"/>
+        </a:fillRef>
+        <a:effectRef idx="0">
+          <a:scrgbClr r="0" g="0" b="0"/>
+        </a:effectRef>
+        <a:fontRef idx="minor"/>
+      </dsp:style>
+      <dsp:txBody>
+        <a:bodyPr spcFirstLastPara="0" vert="horz" wrap="square" lIns="36830" tIns="36830" rIns="36830" bIns="36830" numCol="1" spcCol="1270" anchor="ctr" anchorCtr="0">
+          <a:noAutofit/>
+        </a:bodyPr>
+        <a:lstStyle/>
+        <a:p>
+          <a:pPr marL="0" lvl="0" indent="0" algn="ctr" defTabSz="1289050">
+            <a:lnSpc>
+              <a:spcPct val="90000"/>
+            </a:lnSpc>
+            <a:spcBef>
+              <a:spcPct val="0"/>
+            </a:spcBef>
+            <a:spcAft>
+              <a:spcPct val="35000"/>
+            </a:spcAft>
+            <a:buNone/>
+          </a:pPr>
+          <a:endParaRPr lang="en-US" sz="2900" kern="1200"/>
+        </a:p>
+      </dsp:txBody>
+      <dsp:txXfrm>
+        <a:off x="5234242" y="4154019"/>
+        <a:ext cx="358566" cy="490583"/>
+      </dsp:txXfrm>
+    </dsp:sp>
+  </dsp:spTree>
+</dsp:drawing>
+</file>
+
+<file path=ppt/diagrams/drawing2.xml><?xml version="1.0" encoding="utf-8"?>
+<dsp:drawing xmlns:dgm="http://schemas.openxmlformats.org/drawingml/2006/diagram" xmlns:dsp="http://schemas.microsoft.com/office/drawing/2008/diagram" xmlns:a="http://schemas.openxmlformats.org/drawingml/2006/main">
+  <dsp:spTree>
+    <dsp:nvGrpSpPr>
+      <dsp:cNvPr id="0" name=""/>
+      <dsp:cNvGrpSpPr/>
+    </dsp:nvGrpSpPr>
+    <dsp:grpSpPr/>
     <dsp:sp modelId="{E25685B5-8B00-4D2C-8023-CDACC359A24D}">
       <dsp:nvSpPr>
         <dsp:cNvPr id="0" name=""/>
@@ -3606,7 +5501,7 @@
       <dsp:spPr>
         <a:xfrm>
           <a:off x="564387" y="0"/>
-          <a:ext cx="1510523" cy="1413130"/>
+          <a:ext cx="1510523" cy="1360499"/>
         </a:xfrm>
         <a:prstGeom prst="rect">
           <a:avLst/>
@@ -3655,8 +5550,8 @@
       </dsp:nvSpPr>
       <dsp:spPr>
         <a:xfrm>
-          <a:off x="564387" y="1588174"/>
-          <a:ext cx="4315781" cy="605627"/>
+          <a:off x="564387" y="1529023"/>
+          <a:ext cx="4315781" cy="583071"/>
         </a:xfrm>
         <a:prstGeom prst="rect">
           <a:avLst/>
@@ -3687,7 +5582,7 @@
         <a:p>
           <a:pPr marL="0" lvl="0" indent="0" algn="l" defTabSz="1200150">
             <a:lnSpc>
-              <a:spcPct val="90000"/>
+              <a:spcPct val="100000"/>
             </a:lnSpc>
             <a:spcBef>
               <a:spcPct val="0"/>
@@ -3706,8 +5601,8 @@
         </a:p>
       </dsp:txBody>
       <dsp:txXfrm>
-        <a:off x="564387" y="1588174"/>
-        <a:ext cx="4315781" cy="605627"/>
+        <a:off x="564387" y="1529023"/>
+        <a:ext cx="4315781" cy="583071"/>
       </dsp:txXfrm>
     </dsp:sp>
     <dsp:sp modelId="{46A4CC5B-3DB9-4C96-AE74-9F45EE88048F}">
@@ -3717,8 +5612,8 @@
       </dsp:nvSpPr>
       <dsp:spPr>
         <a:xfrm>
-          <a:off x="564387" y="2275217"/>
-          <a:ext cx="4315781" cy="2076120"/>
+          <a:off x="564387" y="2190477"/>
+          <a:ext cx="4315781" cy="2160860"/>
         </a:xfrm>
         <a:prstGeom prst="rect">
           <a:avLst/>
@@ -3749,7 +5644,7 @@
         <a:p>
           <a:pPr marL="0" lvl="0" indent="0" algn="l" defTabSz="755650">
             <a:lnSpc>
-              <a:spcPct val="90000"/>
+              <a:spcPct val="100000"/>
             </a:lnSpc>
             <a:spcBef>
               <a:spcPct val="0"/>
@@ -3768,7 +5663,7 @@
         <a:p>
           <a:pPr marL="0" lvl="0" indent="0" algn="l" defTabSz="755650">
             <a:lnSpc>
-              <a:spcPct val="90000"/>
+              <a:spcPct val="100000"/>
             </a:lnSpc>
             <a:spcBef>
               <a:spcPct val="0"/>
@@ -3787,7 +5682,7 @@
         <a:p>
           <a:pPr marL="0" lvl="0" indent="0" algn="l" defTabSz="755650">
             <a:lnSpc>
-              <a:spcPct val="90000"/>
+              <a:spcPct val="100000"/>
             </a:lnSpc>
             <a:spcBef>
               <a:spcPct val="0"/>
@@ -3806,7 +5701,7 @@
         <a:p>
           <a:pPr marL="0" lvl="0" indent="0" algn="l" defTabSz="755650">
             <a:lnSpc>
-              <a:spcPct val="90000"/>
+              <a:spcPct val="100000"/>
             </a:lnSpc>
             <a:spcBef>
               <a:spcPct val="0"/>
@@ -3824,8 +5719,8 @@
         </a:p>
       </dsp:txBody>
       <dsp:txXfrm>
-        <a:off x="564387" y="2275217"/>
-        <a:ext cx="4315781" cy="2076120"/>
+        <a:off x="564387" y="2190477"/>
+        <a:ext cx="4315781" cy="2160860"/>
       </dsp:txXfrm>
     </dsp:sp>
     <dsp:sp modelId="{7868EA6F-5412-4371-B01C-11B0FBB4F12B}">
@@ -3836,7 +5731,7 @@
       <dsp:spPr>
         <a:xfrm>
           <a:off x="5635430" y="0"/>
-          <a:ext cx="1510523" cy="1413130"/>
+          <a:ext cx="1510523" cy="1360499"/>
         </a:xfrm>
         <a:prstGeom prst="rect">
           <a:avLst/>
@@ -3885,8 +5780,8 @@
       </dsp:nvSpPr>
       <dsp:spPr>
         <a:xfrm>
-          <a:off x="5635430" y="1588174"/>
-          <a:ext cx="4315781" cy="605627"/>
+          <a:off x="5635430" y="1529023"/>
+          <a:ext cx="4315781" cy="583071"/>
         </a:xfrm>
         <a:prstGeom prst="rect">
           <a:avLst/>
@@ -3917,7 +5812,7 @@
         <a:p>
           <a:pPr marL="0" lvl="0" indent="0" algn="l" defTabSz="1200150">
             <a:lnSpc>
-              <a:spcPct val="90000"/>
+              <a:spcPct val="100000"/>
             </a:lnSpc>
             <a:spcBef>
               <a:spcPct val="0"/>
@@ -3936,8 +5831,8 @@
         </a:p>
       </dsp:txBody>
       <dsp:txXfrm>
-        <a:off x="5635430" y="1588174"/>
-        <a:ext cx="4315781" cy="605627"/>
+        <a:off x="5635430" y="1529023"/>
+        <a:ext cx="4315781" cy="583071"/>
       </dsp:txXfrm>
     </dsp:sp>
     <dsp:sp modelId="{8D315DCE-E8F0-46E1-B825-4959B7C360BE}">
@@ -3947,8 +5842,8 @@
       </dsp:nvSpPr>
       <dsp:spPr>
         <a:xfrm>
-          <a:off x="5635430" y="2275217"/>
-          <a:ext cx="4315781" cy="2076120"/>
+          <a:off x="5635430" y="2190477"/>
+          <a:ext cx="4315781" cy="2160860"/>
         </a:xfrm>
         <a:prstGeom prst="rect">
           <a:avLst/>
@@ -3979,7 +5874,7 @@
         <a:p>
           <a:pPr marL="0" lvl="0" indent="0" algn="l" defTabSz="755650">
             <a:lnSpc>
-              <a:spcPct val="90000"/>
+              <a:spcPct val="100000"/>
             </a:lnSpc>
             <a:spcBef>
               <a:spcPct val="0"/>
@@ -3998,7 +5893,7 @@
         <a:p>
           <a:pPr marL="0" lvl="0" indent="0" algn="l" defTabSz="755650">
             <a:lnSpc>
-              <a:spcPct val="90000"/>
+              <a:spcPct val="100000"/>
             </a:lnSpc>
             <a:spcBef>
               <a:spcPct val="0"/>
@@ -4017,7 +5912,7 @@
         <a:p>
           <a:pPr marL="0" lvl="0" indent="0" algn="l" defTabSz="755650">
             <a:lnSpc>
-              <a:spcPct val="90000"/>
+              <a:spcPct val="100000"/>
             </a:lnSpc>
             <a:spcBef>
               <a:spcPct val="0"/>
@@ -4035,15 +5930,15 @@
         </a:p>
       </dsp:txBody>
       <dsp:txXfrm>
-        <a:off x="5635430" y="2275217"/>
-        <a:ext cx="4315781" cy="2076120"/>
+        <a:off x="5635430" y="2190477"/>
+        <a:ext cx="4315781" cy="2160860"/>
       </dsp:txXfrm>
     </dsp:sp>
   </dsp:spTree>
 </dsp:drawing>
 </file>
 
-<file path=ppt/diagrams/drawing2.xml><?xml version="1.0" encoding="utf-8"?>
+<file path=ppt/diagrams/drawing3.xml><?xml version="1.0" encoding="utf-8"?>
 <dsp:drawing xmlns:dgm="http://schemas.openxmlformats.org/drawingml/2006/diagram" xmlns:dsp="http://schemas.microsoft.com/office/drawing/2008/diagram" xmlns:a="http://schemas.openxmlformats.org/drawingml/2006/main">
   <dsp:spTree>
     <dsp:nvGrpSpPr>
@@ -4357,7 +6252,7 @@
 </dsp:drawing>
 </file>
 
-<file path=ppt/diagrams/drawing3.xml><?xml version="1.0" encoding="utf-8"?>
+<file path=ppt/diagrams/drawing4.xml><?xml version="1.0" encoding="utf-8"?>
 <dsp:drawing xmlns:dgm="http://schemas.openxmlformats.org/drawingml/2006/diagram" xmlns:dsp="http://schemas.microsoft.com/office/drawing/2008/diagram" xmlns:a="http://schemas.openxmlformats.org/drawingml/2006/main">
   <dsp:spTree>
     <dsp:nvGrpSpPr>
@@ -4652,6 +6547,1232 @@
 </file>
 
 <file path=ppt/diagrams/layout1.xml><?xml version="1.0" encoding="utf-8"?>
+<dgm:layoutDef xmlns:dgm="http://schemas.openxmlformats.org/drawingml/2006/diagram" xmlns:a="http://schemas.openxmlformats.org/drawingml/2006/main" uniqueId="urn:microsoft.com/office/officeart/2005/8/layout/vProcess5">
+  <dgm:title val=""/>
+  <dgm:desc val=""/>
+  <dgm:catLst>
+    <dgm:cat type="process" pri="14000"/>
+  </dgm:catLst>
+  <dgm:sampData>
+    <dgm:dataModel>
+      <dgm:ptLst>
+        <dgm:pt modelId="0" type="doc"/>
+        <dgm:pt modelId="1">
+          <dgm:prSet phldr="1"/>
+        </dgm:pt>
+        <dgm:pt modelId="2">
+          <dgm:prSet phldr="1"/>
+        </dgm:pt>
+        <dgm:pt modelId="3">
+          <dgm:prSet phldr="1"/>
+        </dgm:pt>
+      </dgm:ptLst>
+      <dgm:cxnLst>
+        <dgm:cxn modelId="5" srcId="0" destId="1" srcOrd="0" destOrd="0"/>
+        <dgm:cxn modelId="6" srcId="0" destId="2" srcOrd="1" destOrd="0"/>
+        <dgm:cxn modelId="7" srcId="0" destId="3" srcOrd="2" destOrd="0"/>
+      </dgm:cxnLst>
+      <dgm:bg/>
+      <dgm:whole/>
+    </dgm:dataModel>
+  </dgm:sampData>
+  <dgm:styleData>
+    <dgm:dataModel>
+      <dgm:ptLst>
+        <dgm:pt modelId="0" type="doc"/>
+        <dgm:pt modelId="1"/>
+        <dgm:pt modelId="2"/>
+      </dgm:ptLst>
+      <dgm:cxnLst>
+        <dgm:cxn modelId="3" srcId="0" destId="1" srcOrd="0" destOrd="0"/>
+        <dgm:cxn modelId="4" srcId="0" destId="2" srcOrd="1" destOrd="0"/>
+      </dgm:cxnLst>
+      <dgm:bg/>
+      <dgm:whole/>
+    </dgm:dataModel>
+  </dgm:styleData>
+  <dgm:clrData>
+    <dgm:dataModel>
+      <dgm:ptLst>
+        <dgm:pt modelId="0" type="doc"/>
+        <dgm:pt modelId="1"/>
+        <dgm:pt modelId="2"/>
+        <dgm:pt modelId="3"/>
+        <dgm:pt modelId="4"/>
+      </dgm:ptLst>
+      <dgm:cxnLst>
+        <dgm:cxn modelId="6" srcId="0" destId="1" srcOrd="0" destOrd="0"/>
+        <dgm:cxn modelId="7" srcId="0" destId="2" srcOrd="1" destOrd="0"/>
+        <dgm:cxn modelId="8" srcId="0" destId="3" srcOrd="2" destOrd="0"/>
+        <dgm:cxn modelId="9" srcId="0" destId="4" srcOrd="3" destOrd="0"/>
+      </dgm:cxnLst>
+      <dgm:bg/>
+      <dgm:whole/>
+    </dgm:dataModel>
+  </dgm:clrData>
+  <dgm:layoutNode name="outerComposite">
+    <dgm:varLst>
+      <dgm:chMax val="5"/>
+      <dgm:dir/>
+      <dgm:resizeHandles val="exact"/>
+    </dgm:varLst>
+    <dgm:alg type="composite"/>
+    <dgm:shape xmlns:r="http://schemas.openxmlformats.org/officeDocument/2006/relationships" r:blip="">
+      <dgm:adjLst/>
+    </dgm:shape>
+    <dgm:presOf/>
+    <dgm:choose name="Name0">
+      <dgm:if name="Name1" func="var" arg="dir" op="equ" val="norm">
+        <dgm:constrLst>
+          <dgm:constr type="primFontSz" for="ch" ptType="node" op="equ" val="65"/>
+          <dgm:constr type="w" for="ch" forName="dummyMaxCanvas" refType="w"/>
+          <dgm:constr type="h" for="ch" forName="dummyMaxCanvas" refType="h"/>
+          <dgm:constr type="w" for="ch" forName="OneNode_1" refType="w"/>
+          <dgm:constr type="h" for="ch" forName="OneNode_1" refType="h" fact="0.5"/>
+          <dgm:constr type="ctrY" for="ch" forName="OneNode_1" refType="h" fact="0.5"/>
+          <dgm:constr type="w" for="ch" forName="TwoNodes_1" refType="w" fact="0.85"/>
+          <dgm:constr type="h" for="ch" forName="TwoNodes_1" refType="h" fact="0.45"/>
+          <dgm:constr type="t" for="ch" forName="TwoNodes_1"/>
+          <dgm:constr type="l" for="ch" forName="TwoNodes_1"/>
+          <dgm:constr type="w" for="ch" forName="TwoNodes_2" refType="w" fact="0.85"/>
+          <dgm:constr type="h" for="ch" forName="TwoNodes_2" refType="h" fact="0.45"/>
+          <dgm:constr type="b" for="ch" forName="TwoNodes_2" refType="h"/>
+          <dgm:constr type="r" for="ch" forName="TwoNodes_2" refType="w"/>
+          <dgm:constr type="w" for="ch" forName="TwoConn_1-2" refType="h" refFor="ch" refForName="TwoNodes_1" fact="0.65"/>
+          <dgm:constr type="h" for="ch" forName="TwoConn_1-2" refType="h" refFor="ch" refForName="TwoNodes_1" fact="0.65"/>
+          <dgm:constr type="ctrY" for="ch" forName="TwoConn_1-2" refType="h" fact="0.5"/>
+          <dgm:constr type="r" for="ch" forName="TwoConn_1-2" refType="r" refFor="ch" refForName="TwoNodes_1"/>
+          <dgm:constr type="r" for="ch" forName="TwoNodes_1_text" refType="l" refFor="ch" refForName="TwoConn_1-2"/>
+          <dgm:constr type="rOff" for="ch" forName="TwoNodes_1_text" refType="w" refFor="ch" refForName="TwoConn_1-2" fact="-0.5"/>
+          <dgm:constr type="t" for="ch" forName="TwoNodes_1_text" refType="t" refFor="ch" refForName="TwoNodes_1"/>
+          <dgm:constr type="b" for="ch" forName="TwoNodes_1_text" refType="b" refFor="ch" refForName="TwoNodes_1"/>
+          <dgm:constr type="l" for="ch" forName="TwoNodes_1_text" refType="l" refFor="ch" refForName="TwoNodes_1"/>
+          <dgm:constr type="r" for="ch" forName="TwoNodes_2_text" refType="l" refFor="ch" refForName="TwoConn_1-2"/>
+          <dgm:constr type="t" for="ch" forName="TwoNodes_2_text" refType="t" refFor="ch" refForName="TwoNodes_2"/>
+          <dgm:constr type="b" for="ch" forName="TwoNodes_2_text" refType="b" refFor="ch" refForName="TwoNodes_2"/>
+          <dgm:constr type="l" for="ch" forName="TwoNodes_2_text" refType="l" refFor="ch" refForName="TwoNodes_2"/>
+          <dgm:constr type="w" for="ch" forName="ThreeNodes_1" refType="w" fact="0.85"/>
+          <dgm:constr type="h" for="ch" forName="ThreeNodes_1" refType="h" fact="0.3"/>
+          <dgm:constr type="t" for="ch" forName="ThreeNodes_1"/>
+          <dgm:constr type="l" for="ch" forName="ThreeNodes_1"/>
+          <dgm:constr type="w" for="ch" forName="ThreeNodes_2" refType="w" fact="0.85"/>
+          <dgm:constr type="h" for="ch" forName="ThreeNodes_2" refType="h" fact="0.3"/>
+          <dgm:constr type="ctrY" for="ch" forName="ThreeNodes_2" refType="h" fact="0.5"/>
+          <dgm:constr type="ctrX" for="ch" forName="ThreeNodes_2" refType="w" fact="0.5"/>
+          <dgm:constr type="w" for="ch" forName="ThreeNodes_3" refType="w" fact="0.85"/>
+          <dgm:constr type="h" for="ch" forName="ThreeNodes_3" refType="h" fact="0.3"/>
+          <dgm:constr type="b" for="ch" forName="ThreeNodes_3" refType="h"/>
+          <dgm:constr type="r" for="ch" forName="ThreeNodes_3" refType="w"/>
+          <dgm:constr type="w" for="ch" forName="ThreeConn_1-2" refType="h" refFor="ch" refForName="ThreeNodes_1" fact="0.65"/>
+          <dgm:constr type="h" for="ch" forName="ThreeConn_1-2" refType="h" refFor="ch" refForName="ThreeNodes_1" fact="0.65"/>
+          <dgm:constr type="ctrY" for="ch" forName="ThreeConn_1-2" refType="h" fact="0.325"/>
+          <dgm:constr type="r" for="ch" forName="ThreeConn_1-2" refType="r" refFor="ch" refForName="ThreeNodes_1"/>
+          <dgm:constr type="w" for="ch" forName="ThreeConn_2-3" refType="h" refFor="ch" refForName="ThreeNodes_2" fact="0.65"/>
+          <dgm:constr type="h" for="ch" forName="ThreeConn_2-3" refType="h" refFor="ch" refForName="ThreeNodes_2" fact="0.65"/>
+          <dgm:constr type="ctrY" for="ch" forName="ThreeConn_2-3" refType="h" fact="0.673"/>
+          <dgm:constr type="r" for="ch" forName="ThreeConn_2-3" refType="r" refFor="ch" refForName="ThreeNodes_2"/>
+          <dgm:constr type="r" for="ch" forName="ThreeNodes_1_text" refType="l" refFor="ch" refForName="ThreeConn_1-2"/>
+          <dgm:constr type="rOff" for="ch" forName="ThreeNodes_1_text" refType="w" refFor="ch" refForName="ThreeConn_1-2" fact="-0.57"/>
+          <dgm:constr type="t" for="ch" forName="ThreeNodes_1_text" refType="t" refFor="ch" refForName="ThreeNodes_1"/>
+          <dgm:constr type="b" for="ch" forName="ThreeNodes_1_text" refType="b" refFor="ch" refForName="ThreeNodes_1"/>
+          <dgm:constr type="l" for="ch" forName="ThreeNodes_1_text" refType="l" refFor="ch" refForName="ThreeNodes_1"/>
+          <dgm:constr type="r" for="ch" forName="ThreeNodes_2_text" refType="l" refFor="ch" refForName="ThreeConn_1-2"/>
+          <dgm:constr type="t" for="ch" forName="ThreeNodes_2_text" refType="t" refFor="ch" refForName="ThreeNodes_2"/>
+          <dgm:constr type="b" for="ch" forName="ThreeNodes_2_text" refType="b" refFor="ch" refForName="ThreeNodes_2"/>
+          <dgm:constr type="l" for="ch" forName="ThreeNodes_2_text" refType="l" refFor="ch" refForName="ThreeNodes_2"/>
+          <dgm:constr type="r" for="ch" forName="ThreeNodes_3_text" refType="l" refFor="ch" refForName="ThreeConn_2-3"/>
+          <dgm:constr type="t" for="ch" forName="ThreeNodes_3_text" refType="t" refFor="ch" refForName="ThreeNodes_3"/>
+          <dgm:constr type="b" for="ch" forName="ThreeNodes_3_text" refType="b" refFor="ch" refForName="ThreeNodes_3"/>
+          <dgm:constr type="l" for="ch" forName="ThreeNodes_3_text" refType="l" refFor="ch" refForName="ThreeNodes_3"/>
+          <dgm:constr type="w" for="ch" forName="FourNodes_1" refType="w" fact="0.8"/>
+          <dgm:constr type="h" for="ch" forName="FourNodes_1" refType="h" fact="0.22"/>
+          <dgm:constr type="t" for="ch" forName="FourNodes_1"/>
+          <dgm:constr type="l" for="ch" forName="FourNodes_1"/>
+          <dgm:constr type="w" for="ch" forName="FourNodes_2" refType="w" fact="0.8"/>
+          <dgm:constr type="h" for="ch" forName="FourNodes_2" refType="h" fact="0.22"/>
+          <dgm:constr type="ctrY" for="ch" forName="FourNodes_2" refType="h" fact="0.37"/>
+          <dgm:constr type="ctrX" for="ch" forName="FourNodes_2" refType="w" fact="0.467"/>
+          <dgm:constr type="w" for="ch" forName="FourNodes_3" refType="w" fact="0.8"/>
+          <dgm:constr type="h" for="ch" forName="FourNodes_3" refType="h" fact="0.22"/>
+          <dgm:constr type="ctrY" for="ch" forName="FourNodes_3" refType="h" fact="0.63"/>
+          <dgm:constr type="ctrX" for="ch" forName="FourNodes_3" refType="w" fact="0.533"/>
+          <dgm:constr type="w" for="ch" forName="FourNodes_4" refType="w" fact="0.8"/>
+          <dgm:constr type="h" for="ch" forName="FourNodes_4" refType="h" fact="0.22"/>
+          <dgm:constr type="b" for="ch" forName="FourNodes_4" refType="h"/>
+          <dgm:constr type="r" for="ch" forName="FourNodes_4" refType="w"/>
+          <dgm:constr type="w" for="ch" forName="FourConn_1-2" refType="h" refFor="ch" refForName="FourNodes_1" fact="0.65"/>
+          <dgm:constr type="h" for="ch" forName="FourConn_1-2" refType="h" refFor="ch" refForName="FourNodes_1" fact="0.65"/>
+          <dgm:constr type="ctrY" for="ch" forName="FourConn_1-2" refType="h" fact="0.24"/>
+          <dgm:constr type="r" for="ch" forName="FourConn_1-2" refType="r" refFor="ch" refForName="FourNodes_1"/>
+          <dgm:constr type="w" for="ch" forName="FourConn_2-3" refType="h" refFor="ch" refForName="FourNodes_2" fact="0.65"/>
+          <dgm:constr type="h" for="ch" forName="FourConn_2-3" refType="h" refFor="ch" refForName="FourNodes_2" fact="0.65"/>
+          <dgm:constr type="ctrY" for="ch" forName="FourConn_2-3" refType="h" fact="0.5"/>
+          <dgm:constr type="r" for="ch" forName="FourConn_2-3" refType="r" refFor="ch" refForName="FourNodes_2"/>
+          <dgm:constr type="w" for="ch" forName="FourConn_3-4" refType="h" refFor="ch" refForName="FourNodes_3" fact="0.65"/>
+          <dgm:constr type="h" for="ch" forName="FourConn_3-4" refType="h" refFor="ch" refForName="FourNodes_3" fact="0.65"/>
+          <dgm:constr type="ctrY" for="ch" forName="FourConn_3-4" refType="h" fact="0.76"/>
+          <dgm:constr type="r" for="ch" forName="FourConn_3-4" refType="r" refFor="ch" refForName="FourNodes_3"/>
+          <dgm:constr type="r" for="ch" forName="FourNodes_1_text" refType="l" refFor="ch" refForName="FourConn_1-2"/>
+          <dgm:constr type="rOff" for="ch" forName="FourNodes_1_text" refType="w" refFor="ch" refForName="FourConn_1-2" fact="-0.7"/>
+          <dgm:constr type="t" for="ch" forName="FourNodes_1_text" refType="t" refFor="ch" refForName="FourNodes_1"/>
+          <dgm:constr type="b" for="ch" forName="FourNodes_1_text" refType="b" refFor="ch" refForName="FourNodes_1"/>
+          <dgm:constr type="l" for="ch" forName="FourNodes_1_text" refType="l" refFor="ch" refForName="FourNodes_1"/>
+          <dgm:constr type="r" for="ch" forName="FourNodes_2_text" refType="l" refFor="ch" refForName="FourConn_1-2"/>
+          <dgm:constr type="t" for="ch" forName="FourNodes_2_text" refType="t" refFor="ch" refForName="FourNodes_2"/>
+          <dgm:constr type="b" for="ch" forName="FourNodes_2_text" refType="b" refFor="ch" refForName="FourNodes_2"/>
+          <dgm:constr type="l" for="ch" forName="FourNodes_2_text" refType="l" refFor="ch" refForName="FourNodes_2"/>
+          <dgm:constr type="r" for="ch" forName="FourNodes_3_text" refType="l" refFor="ch" refForName="FourConn_2-3"/>
+          <dgm:constr type="t" for="ch" forName="FourNodes_3_text" refType="t" refFor="ch" refForName="FourNodes_3"/>
+          <dgm:constr type="b" for="ch" forName="FourNodes_3_text" refType="b" refFor="ch" refForName="FourNodes_3"/>
+          <dgm:constr type="l" for="ch" forName="FourNodes_3_text" refType="l" refFor="ch" refForName="FourNodes_3"/>
+          <dgm:constr type="r" for="ch" forName="FourNodes_4_text" refType="l" refFor="ch" refForName="FourConn_3-4"/>
+          <dgm:constr type="t" for="ch" forName="FourNodes_4_text" refType="t" refFor="ch" refForName="FourNodes_4"/>
+          <dgm:constr type="b" for="ch" forName="FourNodes_4_text" refType="b" refFor="ch" refForName="FourNodes_4"/>
+          <dgm:constr type="l" for="ch" forName="FourNodes_4_text" refType="l" refFor="ch" refForName="FourNodes_4"/>
+          <dgm:constr type="w" for="ch" forName="FiveNodes_1" refType="w" fact="0.77"/>
+          <dgm:constr type="h" for="ch" forName="FiveNodes_1" refType="h" fact="0.18"/>
+          <dgm:constr type="t" for="ch" forName="FiveNodes_1"/>
+          <dgm:constr type="l" for="ch" forName="FiveNodes_1"/>
+          <dgm:constr type="w" for="ch" forName="FiveNodes_2" refType="w" fact="0.77"/>
+          <dgm:constr type="h" for="ch" forName="FiveNodes_2" refType="h" fact="0.18"/>
+          <dgm:constr type="ctrY" for="ch" forName="FiveNodes_2" refType="h" fact="0.295"/>
+          <dgm:constr type="ctrX" for="ch" forName="FiveNodes_2" refType="w" fact="0.4425"/>
+          <dgm:constr type="w" for="ch" forName="FiveNodes_3" refType="w" fact="0.77"/>
+          <dgm:constr type="h" for="ch" forName="FiveNodes_3" refType="h" fact="0.18"/>
+          <dgm:constr type="ctrY" for="ch" forName="FiveNodes_3" refType="h" fact="0.5"/>
+          <dgm:constr type="ctrX" for="ch" forName="FiveNodes_3" refType="w" fact="0.5"/>
+          <dgm:constr type="w" for="ch" forName="FiveNodes_4" refType="w" fact="0.77"/>
+          <dgm:constr type="h" for="ch" forName="FiveNodes_4" refType="h" fact="0.18"/>
+          <dgm:constr type="ctrY" for="ch" forName="FiveNodes_4" refType="h" fact="0.705"/>
+          <dgm:constr type="ctrX" for="ch" forName="FiveNodes_4" refType="w" fact="0.5575"/>
+          <dgm:constr type="w" for="ch" forName="FiveNodes_5" refType="w" fact="0.77"/>
+          <dgm:constr type="h" for="ch" forName="FiveNodes_5" refType="h" fact="0.18"/>
+          <dgm:constr type="b" for="ch" forName="FiveNodes_5" refType="h"/>
+          <dgm:constr type="r" for="ch" forName="FiveNodes_5" refType="w"/>
+          <dgm:constr type="w" for="ch" forName="FiveConn_1-2" refType="h" refFor="ch" refForName="FiveNodes_1" fact="0.65"/>
+          <dgm:constr type="h" for="ch" forName="FiveConn_1-2" refType="h" refFor="ch" refForName="FiveNodes_1" fact="0.65"/>
+          <dgm:constr type="ctrY" for="ch" forName="FiveConn_1-2" refType="h" fact="0.19"/>
+          <dgm:constr type="r" for="ch" forName="FiveConn_1-2" refType="r" refFor="ch" refForName="FiveNodes_1"/>
+          <dgm:constr type="w" for="ch" forName="FiveConn_2-3" refType="h" refFor="ch" refForName="FiveNodes_2" fact="0.65"/>
+          <dgm:constr type="h" for="ch" forName="FiveConn_2-3" refType="h" refFor="ch" refForName="FiveNodes_2" fact="0.65"/>
+          <dgm:constr type="ctrY" for="ch" forName="FiveConn_2-3" refType="h" fact="0.395"/>
+          <dgm:constr type="r" for="ch" forName="FiveConn_2-3" refType="r" refFor="ch" refForName="FiveNodes_2"/>
+          <dgm:constr type="w" for="ch" forName="FiveConn_3-4" refType="h" refFor="ch" refForName="FiveNodes_3" fact="0.65"/>
+          <dgm:constr type="h" for="ch" forName="FiveConn_3-4" refType="h" refFor="ch" refForName="FiveNodes_3" fact="0.65"/>
+          <dgm:constr type="ctrY" for="ch" forName="FiveConn_3-4" refType="h" fact="0.597"/>
+          <dgm:constr type="r" for="ch" forName="FiveConn_3-4" refType="r" refFor="ch" refForName="FiveNodes_3"/>
+          <dgm:constr type="w" for="ch" forName="FiveConn_4-5" refType="h" refFor="ch" refForName="FiveNodes_4" fact="0.65"/>
+          <dgm:constr type="h" for="ch" forName="FiveConn_4-5" refType="h" refFor="ch" refForName="FiveNodes_4" fact="0.65"/>
+          <dgm:constr type="ctrY" for="ch" forName="FiveConn_4-5" refType="h" fact="0.804"/>
+          <dgm:constr type="r" for="ch" forName="FiveConn_4-5" refType="r" refFor="ch" refForName="FiveNodes_4"/>
+          <dgm:constr type="r" for="ch" forName="FiveNodes_1_text" refType="l" refFor="ch" refForName="FiveConn_1-2"/>
+          <dgm:constr type="rOff" for="ch" forName="FiveNodes_1_text" refType="w" refFor="ch" refForName="FiveConn_1-2" fact="-0.75"/>
+          <dgm:constr type="t" for="ch" forName="FiveNodes_1_text" refType="t" refFor="ch" refForName="FiveNodes_1"/>
+          <dgm:constr type="b" for="ch" forName="FiveNodes_1_text" refType="b" refFor="ch" refForName="FiveNodes_1"/>
+          <dgm:constr type="l" for="ch" forName="FiveNodes_1_text" refType="l" refFor="ch" refForName="FiveNodes_1"/>
+          <dgm:constr type="r" for="ch" forName="FiveNodes_2_text" refType="l" refFor="ch" refForName="FiveConn_1-2"/>
+          <dgm:constr type="t" for="ch" forName="FiveNodes_2_text" refType="t" refFor="ch" refForName="FiveNodes_2"/>
+          <dgm:constr type="b" for="ch" forName="FiveNodes_2_text" refType="b" refFor="ch" refForName="FiveNodes_2"/>
+          <dgm:constr type="l" for="ch" forName="FiveNodes_2_text" refType="l" refFor="ch" refForName="FiveNodes_2"/>
+          <dgm:constr type="r" for="ch" forName="FiveNodes_3_text" refType="l" refFor="ch" refForName="FiveConn_2-3"/>
+          <dgm:constr type="t" for="ch" forName="FiveNodes_3_text" refType="t" refFor="ch" refForName="FiveNodes_3"/>
+          <dgm:constr type="b" for="ch" forName="FiveNodes_3_text" refType="b" refFor="ch" refForName="FiveNodes_3"/>
+          <dgm:constr type="l" for="ch" forName="FiveNodes_3_text" refType="l" refFor="ch" refForName="FiveNodes_3"/>
+          <dgm:constr type="r" for="ch" forName="FiveNodes_4_text" refType="l" refFor="ch" refForName="FiveConn_3-4"/>
+          <dgm:constr type="t" for="ch" forName="FiveNodes_4_text" refType="t" refFor="ch" refForName="FiveNodes_4"/>
+          <dgm:constr type="b" for="ch" forName="FiveNodes_4_text" refType="b" refFor="ch" refForName="FiveNodes_4"/>
+          <dgm:constr type="l" for="ch" forName="FiveNodes_4_text" refType="l" refFor="ch" refForName="FiveNodes_4"/>
+          <dgm:constr type="r" for="ch" forName="FiveNodes_5_text" refType="l" refFor="ch" refForName="FiveConn_4-5"/>
+          <dgm:constr type="t" for="ch" forName="FiveNodes_5_text" refType="t" refFor="ch" refForName="FiveNodes_5"/>
+          <dgm:constr type="b" for="ch" forName="FiveNodes_5_text" refType="b" refFor="ch" refForName="FiveNodes_5"/>
+          <dgm:constr type="l" for="ch" forName="FiveNodes_5_text" refType="l" refFor="ch" refForName="FiveNodes_5"/>
+        </dgm:constrLst>
+      </dgm:if>
+      <dgm:else name="Name2">
+        <dgm:constrLst>
+          <dgm:constr type="primFontSz" for="ch" ptType="node" op="equ" val="65"/>
+          <dgm:constr type="w" for="ch" forName="dummyMaxCanvas" refType="w"/>
+          <dgm:constr type="h" for="ch" forName="dummyMaxCanvas" refType="h"/>
+          <dgm:constr type="w" for="ch" forName="OneNode_1" refType="w"/>
+          <dgm:constr type="h" for="ch" forName="OneNode_1" refType="h" fact="0.5"/>
+          <dgm:constr type="ctrY" for="ch" forName="OneNode_1" refType="h" fact="0.5"/>
+          <dgm:constr type="w" for="ch" forName="TwoNodes_1" refType="w" fact="0.85"/>
+          <dgm:constr type="h" for="ch" forName="TwoNodes_1" refType="h" fact="0.45"/>
+          <dgm:constr type="t" for="ch" forName="TwoNodes_1"/>
+          <dgm:constr type="r" for="ch" forName="TwoNodes_1" refType="w"/>
+          <dgm:constr type="w" for="ch" forName="TwoNodes_2" refType="w" fact="0.85"/>
+          <dgm:constr type="h" for="ch" forName="TwoNodes_2" refType="h" fact="0.45"/>
+          <dgm:constr type="b" for="ch" forName="TwoNodes_2" refType="h"/>
+          <dgm:constr type="l" for="ch" forName="TwoNodes_2"/>
+          <dgm:constr type="w" for="ch" forName="TwoConn_1-2" refType="h" refFor="ch" refForName="TwoNodes_1" fact="0.65"/>
+          <dgm:constr type="h" for="ch" forName="TwoConn_1-2" refType="h" refFor="ch" refForName="TwoNodes_1" fact="0.65"/>
+          <dgm:constr type="ctrY" for="ch" forName="TwoConn_1-2" refType="h" fact="0.5"/>
+          <dgm:constr type="l" for="ch" forName="TwoConn_1-2" refType="l" refFor="ch" refForName="TwoNodes_1"/>
+          <dgm:constr type="l" for="ch" forName="TwoNodes_1_text" refType="r" refFor="ch" refForName="TwoConn_1-2"/>
+          <dgm:constr type="lOff" for="ch" forName="TwoNodes_1_text" refType="w" refFor="ch" refForName="TwoConn_1-2" fact="0.5"/>
+          <dgm:constr type="t" for="ch" forName="TwoNodes_1_text" refType="t" refFor="ch" refForName="TwoNodes_1"/>
+          <dgm:constr type="b" for="ch" forName="TwoNodes_1_text" refType="b" refFor="ch" refForName="TwoNodes_1"/>
+          <dgm:constr type="r" for="ch" forName="TwoNodes_1_text" refType="r" refFor="ch" refForName="TwoNodes_1"/>
+          <dgm:constr type="l" for="ch" forName="TwoNodes_2_text" refType="r" refFor="ch" refForName="TwoConn_1-2"/>
+          <dgm:constr type="t" for="ch" forName="TwoNodes_2_text" refType="t" refFor="ch" refForName="TwoNodes_2"/>
+          <dgm:constr type="b" for="ch" forName="TwoNodes_2_text" refType="b" refFor="ch" refForName="TwoNodes_2"/>
+          <dgm:constr type="r" for="ch" forName="TwoNodes_2_text" refType="r" refFor="ch" refForName="TwoNodes_2"/>
+          <dgm:constr type="w" for="ch" forName="ThreeNodes_1" refType="w" fact="0.85"/>
+          <dgm:constr type="h" for="ch" forName="ThreeNodes_1" refType="h" fact="0.3"/>
+          <dgm:constr type="t" for="ch" forName="ThreeNodes_1"/>
+          <dgm:constr type="r" for="ch" forName="ThreeNodes_1" refType="w"/>
+          <dgm:constr type="w" for="ch" forName="ThreeNodes_2" refType="w" fact="0.85"/>
+          <dgm:constr type="h" for="ch" forName="ThreeNodes_2" refType="h" fact="0.3"/>
+          <dgm:constr type="ctrY" for="ch" forName="ThreeNodes_2" refType="h" fact="0.5"/>
+          <dgm:constr type="ctrX" for="ch" forName="ThreeNodes_2" refType="w" fact="0.5"/>
+          <dgm:constr type="w" for="ch" forName="ThreeNodes_3" refType="w" fact="0.85"/>
+          <dgm:constr type="h" for="ch" forName="ThreeNodes_3" refType="h" fact="0.3"/>
+          <dgm:constr type="b" for="ch" forName="ThreeNodes_3" refType="h"/>
+          <dgm:constr type="l" for="ch" forName="ThreeNodes_3"/>
+          <dgm:constr type="w" for="ch" forName="ThreeConn_1-2" refType="h" refFor="ch" refForName="ThreeNodes_1" fact="0.65"/>
+          <dgm:constr type="h" for="ch" forName="ThreeConn_1-2" refType="h" refFor="ch" refForName="ThreeNodes_1" fact="0.65"/>
+          <dgm:constr type="ctrY" for="ch" forName="ThreeConn_1-2" refType="h" fact="0.325"/>
+          <dgm:constr type="l" for="ch" forName="ThreeConn_1-2" refType="l" refFor="ch" refForName="ThreeNodes_1"/>
+          <dgm:constr type="w" for="ch" forName="ThreeConn_2-3" refType="h" refFor="ch" refForName="ThreeNodes_2" fact="0.65"/>
+          <dgm:constr type="h" for="ch" forName="ThreeConn_2-3" refType="h" refFor="ch" refForName="ThreeNodes_2" fact="0.65"/>
+          <dgm:constr type="ctrY" for="ch" forName="ThreeConn_2-3" refType="h" fact="0.673"/>
+          <dgm:constr type="l" for="ch" forName="ThreeConn_2-3" refType="l" refFor="ch" refForName="ThreeNodes_2"/>
+          <dgm:constr type="l" for="ch" forName="ThreeNodes_1_text" refType="r" refFor="ch" refForName="ThreeConn_1-2"/>
+          <dgm:constr type="lOff" for="ch" forName="ThreeNodes_1_text" refType="w" refFor="ch" refForName="ThreeConn_1-2" fact="0.55"/>
+          <dgm:constr type="t" for="ch" forName="ThreeNodes_1_text" refType="t" refFor="ch" refForName="ThreeNodes_1"/>
+          <dgm:constr type="b" for="ch" forName="ThreeNodes_1_text" refType="b" refFor="ch" refForName="ThreeNodes_1"/>
+          <dgm:constr type="r" for="ch" forName="ThreeNodes_1_text" refType="r" refFor="ch" refForName="ThreeNodes_1"/>
+          <dgm:constr type="l" for="ch" forName="ThreeNodes_2_text" refType="r" refFor="ch" refForName="ThreeConn_1-2"/>
+          <dgm:constr type="t" for="ch" forName="ThreeNodes_2_text" refType="t" refFor="ch" refForName="ThreeNodes_2"/>
+          <dgm:constr type="b" for="ch" forName="ThreeNodes_2_text" refType="b" refFor="ch" refForName="ThreeNodes_2"/>
+          <dgm:constr type="r" for="ch" forName="ThreeNodes_2_text" refType="r" refFor="ch" refForName="ThreeNodes_2"/>
+          <dgm:constr type="l" for="ch" forName="ThreeNodes_3_text" refType="r" refFor="ch" refForName="ThreeConn_2-3"/>
+          <dgm:constr type="t" for="ch" forName="ThreeNodes_3_text" refType="t" refFor="ch" refForName="ThreeNodes_3"/>
+          <dgm:constr type="b" for="ch" forName="ThreeNodes_3_text" refType="b" refFor="ch" refForName="ThreeNodes_3"/>
+          <dgm:constr type="r" for="ch" forName="ThreeNodes_3_text" refType="r" refFor="ch" refForName="ThreeNodes_3"/>
+          <dgm:constr type="w" for="ch" forName="FourNodes_1" refType="w" fact="0.8"/>
+          <dgm:constr type="h" for="ch" forName="FourNodes_1" refType="h" fact="0.22"/>
+          <dgm:constr type="t" for="ch" forName="FourNodes_1"/>
+          <dgm:constr type="r" for="ch" forName="FourNodes_1" refType="w"/>
+          <dgm:constr type="w" for="ch" forName="FourNodes_2" refType="w" fact="0.8"/>
+          <dgm:constr type="h" for="ch" forName="FourNodes_2" refType="h" fact="0.22"/>
+          <dgm:constr type="ctrY" for="ch" forName="FourNodes_2" refType="h" fact="0.37"/>
+          <dgm:constr type="ctrX" for="ch" forName="FourNodes_2" refType="w" fact="0.533"/>
+          <dgm:constr type="w" for="ch" forName="FourNodes_3" refType="w" fact="0.8"/>
+          <dgm:constr type="h" for="ch" forName="FourNodes_3" refType="h" fact="0.22"/>
+          <dgm:constr type="ctrY" for="ch" forName="FourNodes_3" refType="h" fact="0.63"/>
+          <dgm:constr type="ctrX" for="ch" forName="FourNodes_3" refType="w" fact="0.467"/>
+          <dgm:constr type="w" for="ch" forName="FourNodes_4" refType="w" fact="0.8"/>
+          <dgm:constr type="h" for="ch" forName="FourNodes_4" refType="h" fact="0.22"/>
+          <dgm:constr type="b" for="ch" forName="FourNodes_4" refType="h"/>
+          <dgm:constr type="l" for="ch" forName="FourNodes_4"/>
+          <dgm:constr type="w" for="ch" forName="FourConn_1-2" refType="h" refFor="ch" refForName="FourNodes_1" fact="0.65"/>
+          <dgm:constr type="h" for="ch" forName="FourConn_1-2" refType="h" refFor="ch" refForName="FourNodes_1" fact="0.65"/>
+          <dgm:constr type="ctrY" for="ch" forName="FourConn_1-2" refType="h" fact="0.24"/>
+          <dgm:constr type="l" for="ch" forName="FourConn_1-2" refType="l" refFor="ch" refForName="FourNodes_1"/>
+          <dgm:constr type="w" for="ch" forName="FourConn_2-3" refType="h" refFor="ch" refForName="FourNodes_2" fact="0.65"/>
+          <dgm:constr type="h" for="ch" forName="FourConn_2-3" refType="h" refFor="ch" refForName="FourNodes_2" fact="0.65"/>
+          <dgm:constr type="ctrY" for="ch" forName="FourConn_2-3" refType="h" fact="0.5"/>
+          <dgm:constr type="l" for="ch" forName="FourConn_2-3" refType="l" refFor="ch" refForName="FourNodes_2"/>
+          <dgm:constr type="w" for="ch" forName="FourConn_3-4" refType="h" refFor="ch" refForName="FourNodes_3" fact="0.65"/>
+          <dgm:constr type="h" for="ch" forName="FourConn_3-4" refType="h" refFor="ch" refForName="FourNodes_3" fact="0.65"/>
+          <dgm:constr type="ctrY" for="ch" forName="FourConn_3-4" refType="h" fact="0.76"/>
+          <dgm:constr type="l" for="ch" forName="FourConn_3-4" refType="l" refFor="ch" refForName="FourNodes_3"/>
+          <dgm:constr type="l" for="ch" forName="FourNodes_1_text" refType="r" refFor="ch" refForName="FourConn_1-2"/>
+          <dgm:constr type="lOff" for="ch" forName="FourNodes_1_text" refType="w" refFor="ch" refForName="FourConn_1-2" fact="0.69"/>
+          <dgm:constr type="t" for="ch" forName="FourNodes_1_text" refType="t" refFor="ch" refForName="FourNodes_1"/>
+          <dgm:constr type="b" for="ch" forName="FourNodes_1_text" refType="b" refFor="ch" refForName="FourNodes_1"/>
+          <dgm:constr type="r" for="ch" forName="FourNodes_1_text" refType="r" refFor="ch" refForName="FourNodes_1"/>
+          <dgm:constr type="l" for="ch" forName="FourNodes_2_text" refType="r" refFor="ch" refForName="FourConn_1-2"/>
+          <dgm:constr type="t" for="ch" forName="FourNodes_2_text" refType="t" refFor="ch" refForName="FourNodes_2"/>
+          <dgm:constr type="b" for="ch" forName="FourNodes_2_text" refType="b" refFor="ch" refForName="FourNodes_2"/>
+          <dgm:constr type="r" for="ch" forName="FourNodes_2_text" refType="r" refFor="ch" refForName="FourNodes_2"/>
+          <dgm:constr type="l" for="ch" forName="FourNodes_3_text" refType="r" refFor="ch" refForName="FourConn_2-3"/>
+          <dgm:constr type="t" for="ch" forName="FourNodes_3_text" refType="t" refFor="ch" refForName="FourNodes_3"/>
+          <dgm:constr type="b" for="ch" forName="FourNodes_3_text" refType="b" refFor="ch" refForName="FourNodes_3"/>
+          <dgm:constr type="r" for="ch" forName="FourNodes_3_text" refType="r" refFor="ch" refForName="FourNodes_3"/>
+          <dgm:constr type="l" for="ch" forName="FourNodes_4_text" refType="r" refFor="ch" refForName="FourConn_3-4"/>
+          <dgm:constr type="t" for="ch" forName="FourNodes_4_text" refType="t" refFor="ch" refForName="FourNodes_4"/>
+          <dgm:constr type="b" for="ch" forName="FourNodes_4_text" refType="b" refFor="ch" refForName="FourNodes_4"/>
+          <dgm:constr type="r" for="ch" forName="FourNodes_4_text" refType="r" refFor="ch" refForName="FourNodes_4"/>
+          <dgm:constr type="w" for="ch" forName="FiveNodes_1" refType="w" fact="0.77"/>
+          <dgm:constr type="h" for="ch" forName="FiveNodes_1" refType="h" fact="0.18"/>
+          <dgm:constr type="t" for="ch" forName="FiveNodes_1"/>
+          <dgm:constr type="r" for="ch" forName="FiveNodes_1" refType="w"/>
+          <dgm:constr type="w" for="ch" forName="FiveNodes_2" refType="w" fact="0.77"/>
+          <dgm:constr type="h" for="ch" forName="FiveNodes_2" refType="h" fact="0.18"/>
+          <dgm:constr type="ctrY" for="ch" forName="FiveNodes_2" refType="h" fact="0.295"/>
+          <dgm:constr type="ctrX" for="ch" forName="FiveNodes_2" refType="w" fact="0.5575"/>
+          <dgm:constr type="w" for="ch" forName="FiveNodes_3" refType="w" fact="0.77"/>
+          <dgm:constr type="h" for="ch" forName="FiveNodes_3" refType="h" fact="0.18"/>
+          <dgm:constr type="ctrY" for="ch" forName="FiveNodes_3" refType="h" fact="0.5"/>
+          <dgm:constr type="ctrX" for="ch" forName="FiveNodes_3" refType="w" fact="0.5"/>
+          <dgm:constr type="w" for="ch" forName="FiveNodes_4" refType="w" fact="0.77"/>
+          <dgm:constr type="h" for="ch" forName="FiveNodes_4" refType="h" fact="0.18"/>
+          <dgm:constr type="ctrY" for="ch" forName="FiveNodes_4" refType="h" fact="0.705"/>
+          <dgm:constr type="ctrX" for="ch" forName="FiveNodes_4" refType="w" fact="0.4425"/>
+          <dgm:constr type="w" for="ch" forName="FiveNodes_5" refType="w" fact="0.77"/>
+          <dgm:constr type="h" for="ch" forName="FiveNodes_5" refType="h" fact="0.18"/>
+          <dgm:constr type="b" for="ch" forName="FiveNodes_5" refType="h"/>
+          <dgm:constr type="l" for="ch" forName="FiveNodes_5"/>
+          <dgm:constr type="w" for="ch" forName="FiveConn_1-2" refType="h" refFor="ch" refForName="FiveNodes_1" fact="0.65"/>
+          <dgm:constr type="h" for="ch" forName="FiveConn_1-2" refType="h" refFor="ch" refForName="FiveNodes_1" fact="0.65"/>
+          <dgm:constr type="ctrY" for="ch" forName="FiveConn_1-2" refType="h" fact="0.19"/>
+          <dgm:constr type="l" for="ch" forName="FiveConn_1-2" refType="l" refFor="ch" refForName="FiveNodes_1"/>
+          <dgm:constr type="w" for="ch" forName="FiveConn_2-3" refType="h" refFor="ch" refForName="FiveNodes_2" fact="0.65"/>
+          <dgm:constr type="h" for="ch" forName="FiveConn_2-3" refType="h" refFor="ch" refForName="FiveNodes_2" fact="0.65"/>
+          <dgm:constr type="ctrY" for="ch" forName="FiveConn_2-3" refType="h" fact="0.395"/>
+          <dgm:constr type="l" for="ch" forName="FiveConn_2-3" refType="l" refFor="ch" refForName="FiveNodes_2"/>
+          <dgm:constr type="w" for="ch" forName="FiveConn_3-4" refType="h" refFor="ch" refForName="FiveNodes_3" fact="0.65"/>
+          <dgm:constr type="h" for="ch" forName="FiveConn_3-4" refType="h" refFor="ch" refForName="FiveNodes_3" fact="0.65"/>
+          <dgm:constr type="ctrY" for="ch" forName="FiveConn_3-4" refType="h" fact="0.597"/>
+          <dgm:constr type="l" for="ch" forName="FiveConn_3-4" refType="l" refFor="ch" refForName="FiveNodes_3"/>
+          <dgm:constr type="w" for="ch" forName="FiveConn_4-5" refType="h" refFor="ch" refForName="FiveNodes_4" fact="0.65"/>
+          <dgm:constr type="h" for="ch" forName="FiveConn_4-5" refType="h" refFor="ch" refForName="FiveNodes_4" fact="0.65"/>
+          <dgm:constr type="ctrY" for="ch" forName="FiveConn_4-5" refType="h" fact="0.804"/>
+          <dgm:constr type="l" for="ch" forName="FiveConn_4-5" refType="l" refFor="ch" refForName="FiveNodes_4"/>
+          <dgm:constr type="l" for="ch" forName="FiveNodes_1_text" refType="r" refFor="ch" refForName="FiveConn_1-2"/>
+          <dgm:constr type="lOff" for="ch" forName="FiveNodes_1_text" refType="w" refFor="ch" refForName="FiveConn_1-2" fact="0.73"/>
+          <dgm:constr type="t" for="ch" forName="FiveNodes_1_text" refType="t" refFor="ch" refForName="FiveNodes_1"/>
+          <dgm:constr type="b" for="ch" forName="FiveNodes_1_text" refType="b" refFor="ch" refForName="FiveNodes_1"/>
+          <dgm:constr type="r" for="ch" forName="FiveNodes_1_text" refType="r" refFor="ch" refForName="FiveNodes_1"/>
+          <dgm:constr type="l" for="ch" forName="FiveNodes_2_text" refType="r" refFor="ch" refForName="FiveConn_1-2"/>
+          <dgm:constr type="t" for="ch" forName="FiveNodes_2_text" refType="t" refFor="ch" refForName="FiveNodes_2"/>
+          <dgm:constr type="b" for="ch" forName="FiveNodes_2_text" refType="b" refFor="ch" refForName="FiveNodes_2"/>
+          <dgm:constr type="r" for="ch" forName="FiveNodes_2_text" refType="r" refFor="ch" refForName="FiveNodes_2"/>
+          <dgm:constr type="l" for="ch" forName="FiveNodes_3_text" refType="r" refFor="ch" refForName="FiveConn_2-3"/>
+          <dgm:constr type="t" for="ch" forName="FiveNodes_3_text" refType="t" refFor="ch" refForName="FiveNodes_3"/>
+          <dgm:constr type="b" for="ch" forName="FiveNodes_3_text" refType="b" refFor="ch" refForName="FiveNodes_3"/>
+          <dgm:constr type="r" for="ch" forName="FiveNodes_3_text" refType="r" refFor="ch" refForName="FiveNodes_3"/>
+          <dgm:constr type="l" for="ch" forName="FiveNodes_4_text" refType="r" refFor="ch" refForName="FiveConn_3-4"/>
+          <dgm:constr type="t" for="ch" forName="FiveNodes_4_text" refType="t" refFor="ch" refForName="FiveNodes_4"/>
+          <dgm:constr type="b" for="ch" forName="FiveNodes_4_text" refType="b" refFor="ch" refForName="FiveNodes_4"/>
+          <dgm:constr type="r" for="ch" forName="FiveNodes_4_text" refType="r" refFor="ch" refForName="FiveNodes_4"/>
+          <dgm:constr type="l" for="ch" forName="FiveNodes_5_text" refType="r" refFor="ch" refForName="FiveConn_4-5"/>
+          <dgm:constr type="t" for="ch" forName="FiveNodes_5_text" refType="t" refFor="ch" refForName="FiveNodes_5"/>
+          <dgm:constr type="b" for="ch" forName="FiveNodes_5_text" refType="b" refFor="ch" refForName="FiveNodes_5"/>
+          <dgm:constr type="r" for="ch" forName="FiveNodes_5_text" refType="r" refFor="ch" refForName="FiveNodes_5"/>
+        </dgm:constrLst>
+      </dgm:else>
+    </dgm:choose>
+    <dgm:ruleLst/>
+    <dgm:layoutNode name="dummyMaxCanvas">
+      <dgm:varLst/>
+      <dgm:alg type="sp"/>
+      <dgm:shape xmlns:r="http://schemas.openxmlformats.org/officeDocument/2006/relationships" r:blip="">
+        <dgm:adjLst/>
+      </dgm:shape>
+      <dgm:presOf/>
+      <dgm:constrLst/>
+      <dgm:ruleLst/>
+    </dgm:layoutNode>
+    <dgm:choose name="Name3">
+      <dgm:if name="Name4" axis="ch" ptType="node" func="cnt" op="equ" val="1">
+        <dgm:layoutNode name="OneNode_1">
+          <dgm:varLst>
+            <dgm:bulletEnabled val="1"/>
+          </dgm:varLst>
+          <dgm:alg type="tx"/>
+          <dgm:shape xmlns:r="http://schemas.openxmlformats.org/officeDocument/2006/relationships" type="roundRect" r:blip="">
+            <dgm:adjLst>
+              <dgm:adj idx="1" val="0.1"/>
+            </dgm:adjLst>
+          </dgm:shape>
+          <dgm:presOf axis="ch desOrSelf" ptType="node node" st="1 1" cnt="1 0"/>
+          <dgm:constrLst>
+            <dgm:constr type="lMarg" refType="primFontSz" fact="0.3"/>
+            <dgm:constr type="rMarg" refType="primFontSz" fact="0.3"/>
+            <dgm:constr type="tMarg" refType="primFontSz" fact="0.3"/>
+            <dgm:constr type="bMarg" refType="primFontSz" fact="0.3"/>
+          </dgm:constrLst>
+          <dgm:ruleLst>
+            <dgm:rule type="primFontSz" val="5" fact="NaN" max="NaN"/>
+          </dgm:ruleLst>
+        </dgm:layoutNode>
+      </dgm:if>
+      <dgm:else name="Name5">
+        <dgm:choose name="Name6">
+          <dgm:if name="Name7" axis="ch" ptType="node" func="cnt" op="equ" val="2">
+            <dgm:layoutNode name="TwoNodes_1">
+              <dgm:varLst>
+                <dgm:bulletEnabled val="1"/>
+              </dgm:varLst>
+              <dgm:alg type="sp"/>
+              <dgm:shape xmlns:r="http://schemas.openxmlformats.org/officeDocument/2006/relationships" type="roundRect" r:blip="">
+                <dgm:adjLst>
+                  <dgm:adj idx="1" val="0.1"/>
+                </dgm:adjLst>
+              </dgm:shape>
+              <dgm:presOf axis="ch desOrSelf" ptType="node node" st="1 1" cnt="1 0"/>
+              <dgm:constrLst/>
+              <dgm:ruleLst/>
+            </dgm:layoutNode>
+            <dgm:layoutNode name="TwoNodes_2">
+              <dgm:varLst>
+                <dgm:bulletEnabled val="1"/>
+              </dgm:varLst>
+              <dgm:alg type="sp"/>
+              <dgm:shape xmlns:r="http://schemas.openxmlformats.org/officeDocument/2006/relationships" type="roundRect" r:blip="">
+                <dgm:adjLst>
+                  <dgm:adj idx="1" val="0.1"/>
+                </dgm:adjLst>
+              </dgm:shape>
+              <dgm:presOf axis="ch desOrSelf" ptType="node node" st="2 1" cnt="1 0"/>
+              <dgm:constrLst/>
+              <dgm:ruleLst/>
+            </dgm:layoutNode>
+            <dgm:layoutNode name="TwoConn_1-2" styleLbl="fgAccFollowNode1">
+              <dgm:varLst>
+                <dgm:bulletEnabled val="1"/>
+              </dgm:varLst>
+              <dgm:alg type="tx"/>
+              <dgm:shape xmlns:r="http://schemas.openxmlformats.org/officeDocument/2006/relationships" type="downArrow" r:blip="">
+                <dgm:adjLst>
+                  <dgm:adj idx="1" val="0.55"/>
+                  <dgm:adj idx="2" val="0.45"/>
+                </dgm:adjLst>
+              </dgm:shape>
+              <dgm:presOf axis="ch" ptType="sibTrans" cnt="1"/>
+              <dgm:constrLst>
+                <dgm:constr type="lMarg" refType="primFontSz" fact="0.1"/>
+                <dgm:constr type="rMarg" refType="primFontSz" fact="0.1"/>
+                <dgm:constr type="tMarg" refType="primFontSz" fact="0.1"/>
+                <dgm:constr type="bMarg" refType="primFontSz" fact="0.1"/>
+              </dgm:constrLst>
+              <dgm:ruleLst>
+                <dgm:rule type="primFontSz" val="5" fact="NaN" max="NaN"/>
+              </dgm:ruleLst>
+            </dgm:layoutNode>
+            <dgm:layoutNode name="TwoNodes_1_text">
+              <dgm:varLst>
+                <dgm:bulletEnabled val="1"/>
+              </dgm:varLst>
+              <dgm:alg type="tx">
+                <dgm:param type="parTxLTRAlign" val="l"/>
+                <dgm:param type="txAnchorVertCh" val="mid"/>
+              </dgm:alg>
+              <dgm:shape xmlns:r="http://schemas.openxmlformats.org/officeDocument/2006/relationships" type="roundRect" r:blip="" hideGeom="1">
+                <dgm:adjLst>
+                  <dgm:adj idx="1" val="0.1"/>
+                </dgm:adjLst>
+              </dgm:shape>
+              <dgm:presOf axis="ch desOrSelf" ptType="node node" st="1 1" cnt="1 0"/>
+              <dgm:constrLst>
+                <dgm:constr type="lMarg" refType="primFontSz" fact="0.3"/>
+                <dgm:constr type="rMarg" refType="primFontSz" fact="0.3"/>
+                <dgm:constr type="tMarg" refType="primFontSz" fact="0.3"/>
+                <dgm:constr type="bMarg" refType="primFontSz" fact="0.3"/>
+              </dgm:constrLst>
+              <dgm:ruleLst>
+                <dgm:rule type="primFontSz" val="5" fact="NaN" max="NaN"/>
+              </dgm:ruleLst>
+            </dgm:layoutNode>
+            <dgm:layoutNode name="TwoNodes_2_text">
+              <dgm:varLst>
+                <dgm:bulletEnabled val="1"/>
+              </dgm:varLst>
+              <dgm:alg type="tx">
+                <dgm:param type="parTxLTRAlign" val="l"/>
+                <dgm:param type="txAnchorVertCh" val="mid"/>
+              </dgm:alg>
+              <dgm:shape xmlns:r="http://schemas.openxmlformats.org/officeDocument/2006/relationships" type="roundRect" r:blip="" hideGeom="1">
+                <dgm:adjLst>
+                  <dgm:adj idx="1" val="0.1"/>
+                </dgm:adjLst>
+              </dgm:shape>
+              <dgm:presOf axis="ch desOrSelf" ptType="node node" st="2 1" cnt="1 0"/>
+              <dgm:constrLst>
+                <dgm:constr type="lMarg" refType="primFontSz" fact="0.3"/>
+                <dgm:constr type="rMarg" refType="primFontSz" fact="0.3"/>
+                <dgm:constr type="tMarg" refType="primFontSz" fact="0.3"/>
+                <dgm:constr type="bMarg" refType="primFontSz" fact="0.3"/>
+              </dgm:constrLst>
+              <dgm:ruleLst>
+                <dgm:rule type="primFontSz" val="5" fact="NaN" max="NaN"/>
+              </dgm:ruleLst>
+            </dgm:layoutNode>
+          </dgm:if>
+          <dgm:else name="Name8">
+            <dgm:choose name="Name9">
+              <dgm:if name="Name10" axis="ch" ptType="node" func="cnt" op="equ" val="3">
+                <dgm:layoutNode name="ThreeNodes_1">
+                  <dgm:varLst>
+                    <dgm:bulletEnabled val="1"/>
+                  </dgm:varLst>
+                  <dgm:alg type="sp"/>
+                  <dgm:shape xmlns:r="http://schemas.openxmlformats.org/officeDocument/2006/relationships" type="roundRect" r:blip="">
+                    <dgm:adjLst>
+                      <dgm:adj idx="1" val="0.1"/>
+                    </dgm:adjLst>
+                  </dgm:shape>
+                  <dgm:presOf axis="ch desOrSelf" ptType="node node" st="1 1" cnt="1 0"/>
+                  <dgm:constrLst/>
+                  <dgm:ruleLst/>
+                </dgm:layoutNode>
+                <dgm:layoutNode name="ThreeNodes_2">
+                  <dgm:varLst>
+                    <dgm:bulletEnabled val="1"/>
+                  </dgm:varLst>
+                  <dgm:alg type="sp"/>
+                  <dgm:shape xmlns:r="http://schemas.openxmlformats.org/officeDocument/2006/relationships" type="roundRect" r:blip="">
+                    <dgm:adjLst>
+                      <dgm:adj idx="1" val="0.1"/>
+                    </dgm:adjLst>
+                  </dgm:shape>
+                  <dgm:presOf axis="ch desOrSelf" ptType="node node" st="2 1" cnt="1 0"/>
+                  <dgm:constrLst/>
+                  <dgm:ruleLst/>
+                </dgm:layoutNode>
+                <dgm:layoutNode name="ThreeNodes_3">
+                  <dgm:varLst>
+                    <dgm:bulletEnabled val="1"/>
+                  </dgm:varLst>
+                  <dgm:alg type="sp"/>
+                  <dgm:shape xmlns:r="http://schemas.openxmlformats.org/officeDocument/2006/relationships" type="roundRect" r:blip="">
+                    <dgm:adjLst>
+                      <dgm:adj idx="1" val="0.1"/>
+                    </dgm:adjLst>
+                  </dgm:shape>
+                  <dgm:presOf axis="ch desOrSelf" ptType="node node" st="3 1" cnt="1 0"/>
+                  <dgm:constrLst/>
+                  <dgm:ruleLst/>
+                </dgm:layoutNode>
+                <dgm:layoutNode name="ThreeConn_1-2" styleLbl="fgAccFollowNode1">
+                  <dgm:varLst>
+                    <dgm:bulletEnabled val="1"/>
+                  </dgm:varLst>
+                  <dgm:alg type="tx"/>
+                  <dgm:shape xmlns:r="http://schemas.openxmlformats.org/officeDocument/2006/relationships" type="downArrow" r:blip="">
+                    <dgm:adjLst>
+                      <dgm:adj idx="1" val="0.55"/>
+                      <dgm:adj idx="2" val="0.45"/>
+                    </dgm:adjLst>
+                  </dgm:shape>
+                  <dgm:presOf axis="ch" ptType="sibTrans" cnt="1"/>
+                  <dgm:constrLst>
+                    <dgm:constr type="lMarg" refType="primFontSz" fact="0.1"/>
+                    <dgm:constr type="rMarg" refType="primFontSz" fact="0.1"/>
+                    <dgm:constr type="tMarg" refType="primFontSz" fact="0.1"/>
+                    <dgm:constr type="bMarg" refType="primFontSz" fact="0.1"/>
+                  </dgm:constrLst>
+                  <dgm:ruleLst>
+                    <dgm:rule type="primFontSz" val="5" fact="NaN" max="NaN"/>
+                  </dgm:ruleLst>
+                </dgm:layoutNode>
+                <dgm:layoutNode name="ThreeConn_2-3" styleLbl="fgAccFollowNode1">
+                  <dgm:varLst>
+                    <dgm:bulletEnabled val="1"/>
+                  </dgm:varLst>
+                  <dgm:alg type="tx"/>
+                  <dgm:shape xmlns:r="http://schemas.openxmlformats.org/officeDocument/2006/relationships" type="downArrow" r:blip="">
+                    <dgm:adjLst>
+                      <dgm:adj idx="1" val="0.55"/>
+                      <dgm:adj idx="2" val="0.45"/>
+                    </dgm:adjLst>
+                  </dgm:shape>
+                  <dgm:presOf axis="ch" ptType="sibTrans" st="2" cnt="1"/>
+                  <dgm:constrLst>
+                    <dgm:constr type="lMarg" refType="primFontSz" fact="0.1"/>
+                    <dgm:constr type="rMarg" refType="primFontSz" fact="0.1"/>
+                    <dgm:constr type="tMarg" refType="primFontSz" fact="0.1"/>
+                    <dgm:constr type="bMarg" refType="primFontSz" fact="0.1"/>
+                  </dgm:constrLst>
+                  <dgm:ruleLst>
+                    <dgm:rule type="primFontSz" val="5" fact="NaN" max="NaN"/>
+                  </dgm:ruleLst>
+                </dgm:layoutNode>
+                <dgm:layoutNode name="ThreeNodes_1_text">
+                  <dgm:varLst>
+                    <dgm:bulletEnabled val="1"/>
+                  </dgm:varLst>
+                  <dgm:alg type="tx">
+                    <dgm:param type="parTxLTRAlign" val="l"/>
+                    <dgm:param type="txAnchorVertCh" val="mid"/>
+                  </dgm:alg>
+                  <dgm:shape xmlns:r="http://schemas.openxmlformats.org/officeDocument/2006/relationships" type="roundRect" r:blip="" hideGeom="1">
+                    <dgm:adjLst>
+                      <dgm:adj idx="1" val="0.1"/>
+                    </dgm:adjLst>
+                  </dgm:shape>
+                  <dgm:presOf axis="ch desOrSelf" ptType="node node" st="1 1" cnt="1 0"/>
+                  <dgm:constrLst>
+                    <dgm:constr type="lMarg" refType="primFontSz" fact="0.3"/>
+                    <dgm:constr type="rMarg" refType="primFontSz" fact="0.3"/>
+                    <dgm:constr type="tMarg" refType="primFontSz" fact="0.3"/>
+                    <dgm:constr type="bMarg" refType="primFontSz" fact="0.3"/>
+                  </dgm:constrLst>
+                  <dgm:ruleLst>
+                    <dgm:rule type="primFontSz" val="5" fact="NaN" max="NaN"/>
+                  </dgm:ruleLst>
+                </dgm:layoutNode>
+                <dgm:layoutNode name="ThreeNodes_2_text">
+                  <dgm:varLst>
+                    <dgm:bulletEnabled val="1"/>
+                  </dgm:varLst>
+                  <dgm:alg type="tx">
+                    <dgm:param type="parTxLTRAlign" val="l"/>
+                    <dgm:param type="txAnchorVertCh" val="mid"/>
+                  </dgm:alg>
+                  <dgm:shape xmlns:r="http://schemas.openxmlformats.org/officeDocument/2006/relationships" type="roundRect" r:blip="" hideGeom="1">
+                    <dgm:adjLst>
+                      <dgm:adj idx="1" val="0.1"/>
+                    </dgm:adjLst>
+                  </dgm:shape>
+                  <dgm:presOf axis="ch desOrSelf" ptType="node node" st="2 1" cnt="1 0"/>
+                  <dgm:constrLst>
+                    <dgm:constr type="lMarg" refType="primFontSz" fact="0.3"/>
+                    <dgm:constr type="rMarg" refType="primFontSz" fact="0.3"/>
+                    <dgm:constr type="tMarg" refType="primFontSz" fact="0.3"/>
+                    <dgm:constr type="bMarg" refType="primFontSz" fact="0.3"/>
+                  </dgm:constrLst>
+                  <dgm:ruleLst>
+                    <dgm:rule type="primFontSz" val="5" fact="NaN" max="NaN"/>
+                  </dgm:ruleLst>
+                </dgm:layoutNode>
+                <dgm:layoutNode name="ThreeNodes_3_text">
+                  <dgm:varLst>
+                    <dgm:bulletEnabled val="1"/>
+                  </dgm:varLst>
+                  <dgm:alg type="tx">
+                    <dgm:param type="parTxLTRAlign" val="l"/>
+                    <dgm:param type="txAnchorVertCh" val="mid"/>
+                  </dgm:alg>
+                  <dgm:shape xmlns:r="http://schemas.openxmlformats.org/officeDocument/2006/relationships" type="roundRect" r:blip="" hideGeom="1">
+                    <dgm:adjLst>
+                      <dgm:adj idx="1" val="0.1"/>
+                    </dgm:adjLst>
+                  </dgm:shape>
+                  <dgm:presOf axis="ch desOrSelf" ptType="node node" st="3 1" cnt="1 0"/>
+                  <dgm:constrLst>
+                    <dgm:constr type="lMarg" refType="primFontSz" fact="0.3"/>
+                    <dgm:constr type="rMarg" refType="primFontSz" fact="0.3"/>
+                    <dgm:constr type="tMarg" refType="primFontSz" fact="0.3"/>
+                    <dgm:constr type="bMarg" refType="primFontSz" fact="0.3"/>
+                  </dgm:constrLst>
+                  <dgm:ruleLst>
+                    <dgm:rule type="primFontSz" val="5" fact="NaN" max="NaN"/>
+                  </dgm:ruleLst>
+                </dgm:layoutNode>
+              </dgm:if>
+              <dgm:else name="Name11">
+                <dgm:choose name="Name12">
+                  <dgm:if name="Name13" axis="ch" ptType="node" func="cnt" op="equ" val="4">
+                    <dgm:layoutNode name="FourNodes_1">
+                      <dgm:varLst>
+                        <dgm:bulletEnabled val="1"/>
+                      </dgm:varLst>
+                      <dgm:alg type="sp"/>
+                      <dgm:shape xmlns:r="http://schemas.openxmlformats.org/officeDocument/2006/relationships" type="roundRect" r:blip="">
+                        <dgm:adjLst>
+                          <dgm:adj idx="1" val="0.1"/>
+                        </dgm:adjLst>
+                      </dgm:shape>
+                      <dgm:presOf axis="ch desOrSelf" ptType="node node" st="1 1" cnt="1 0"/>
+                      <dgm:constrLst/>
+                      <dgm:ruleLst/>
+                    </dgm:layoutNode>
+                    <dgm:layoutNode name="FourNodes_2">
+                      <dgm:varLst>
+                        <dgm:bulletEnabled val="1"/>
+                      </dgm:varLst>
+                      <dgm:alg type="sp"/>
+                      <dgm:shape xmlns:r="http://schemas.openxmlformats.org/officeDocument/2006/relationships" type="roundRect" r:blip="">
+                        <dgm:adjLst>
+                          <dgm:adj idx="1" val="0.1"/>
+                        </dgm:adjLst>
+                      </dgm:shape>
+                      <dgm:presOf axis="ch desOrSelf" ptType="node node" st="2 1" cnt="1 0"/>
+                      <dgm:constrLst/>
+                      <dgm:ruleLst/>
+                    </dgm:layoutNode>
+                    <dgm:layoutNode name="FourNodes_3">
+                      <dgm:varLst>
+                        <dgm:bulletEnabled val="1"/>
+                      </dgm:varLst>
+                      <dgm:alg type="sp"/>
+                      <dgm:shape xmlns:r="http://schemas.openxmlformats.org/officeDocument/2006/relationships" type="roundRect" r:blip="">
+                        <dgm:adjLst>
+                          <dgm:adj idx="1" val="0.1"/>
+                        </dgm:adjLst>
+                      </dgm:shape>
+                      <dgm:presOf axis="ch desOrSelf" ptType="node node" st="3 1" cnt="1 0"/>
+                      <dgm:constrLst/>
+                      <dgm:ruleLst/>
+                    </dgm:layoutNode>
+                    <dgm:layoutNode name="FourNodes_4">
+                      <dgm:varLst>
+                        <dgm:bulletEnabled val="1"/>
+                      </dgm:varLst>
+                      <dgm:alg type="sp"/>
+                      <dgm:shape xmlns:r="http://schemas.openxmlformats.org/officeDocument/2006/relationships" type="roundRect" r:blip="">
+                        <dgm:adjLst>
+                          <dgm:adj idx="1" val="0.1"/>
+                        </dgm:adjLst>
+                      </dgm:shape>
+                      <dgm:presOf axis="ch desOrSelf" ptType="node node" st="4 1" cnt="1 0"/>
+                      <dgm:constrLst/>
+                      <dgm:ruleLst/>
+                    </dgm:layoutNode>
+                    <dgm:layoutNode name="FourConn_1-2" styleLbl="fgAccFollowNode1">
+                      <dgm:varLst>
+                        <dgm:bulletEnabled val="1"/>
+                      </dgm:varLst>
+                      <dgm:alg type="tx"/>
+                      <dgm:shape xmlns:r="http://schemas.openxmlformats.org/officeDocument/2006/relationships" type="downArrow" r:blip="">
+                        <dgm:adjLst>
+                          <dgm:adj idx="1" val="0.55"/>
+                          <dgm:adj idx="2" val="0.45"/>
+                        </dgm:adjLst>
+                      </dgm:shape>
+                      <dgm:presOf axis="ch" ptType="sibTrans" cnt="1"/>
+                      <dgm:constrLst>
+                        <dgm:constr type="lMarg" refType="primFontSz" fact="0.1"/>
+                        <dgm:constr type="rMarg" refType="primFontSz" fact="0.1"/>
+                        <dgm:constr type="tMarg" refType="primFontSz" fact="0.1"/>
+                        <dgm:constr type="bMarg" refType="primFontSz" fact="0.1"/>
+                      </dgm:constrLst>
+                      <dgm:ruleLst>
+                        <dgm:rule type="primFontSz" val="5" fact="NaN" max="NaN"/>
+                      </dgm:ruleLst>
+                    </dgm:layoutNode>
+                    <dgm:layoutNode name="FourConn_2-3" styleLbl="fgAccFollowNode1">
+                      <dgm:varLst>
+                        <dgm:bulletEnabled val="1"/>
+                      </dgm:varLst>
+                      <dgm:alg type="tx"/>
+                      <dgm:shape xmlns:r="http://schemas.openxmlformats.org/officeDocument/2006/relationships" type="downArrow" r:blip="">
+                        <dgm:adjLst>
+                          <dgm:adj idx="1" val="0.55"/>
+                          <dgm:adj idx="2" val="0.45"/>
+                        </dgm:adjLst>
+                      </dgm:shape>
+                      <dgm:presOf axis="ch" ptType="sibTrans" st="2" cnt="1"/>
+                      <dgm:constrLst>
+                        <dgm:constr type="lMarg" refType="primFontSz" fact="0.1"/>
+                        <dgm:constr type="rMarg" refType="primFontSz" fact="0.1"/>
+                        <dgm:constr type="tMarg" refType="primFontSz" fact="0.1"/>
+                        <dgm:constr type="bMarg" refType="primFontSz" fact="0.1"/>
+                      </dgm:constrLst>
+                      <dgm:ruleLst>
+                        <dgm:rule type="primFontSz" val="5" fact="NaN" max="NaN"/>
+                      </dgm:ruleLst>
+                    </dgm:layoutNode>
+                    <dgm:layoutNode name="FourConn_3-4" styleLbl="fgAccFollowNode1">
+                      <dgm:varLst>
+                        <dgm:bulletEnabled val="1"/>
+                      </dgm:varLst>
+                      <dgm:alg type="tx"/>
+                      <dgm:shape xmlns:r="http://schemas.openxmlformats.org/officeDocument/2006/relationships" type="downArrow" r:blip="">
+                        <dgm:adjLst>
+                          <dgm:adj idx="1" val="0.55"/>
+                          <dgm:adj idx="2" val="0.45"/>
+                        </dgm:adjLst>
+                      </dgm:shape>
+                      <dgm:presOf axis="ch" ptType="sibTrans" st="3" cnt="1"/>
+                      <dgm:constrLst>
+                        <dgm:constr type="lMarg" refType="primFontSz" fact="0.1"/>
+                        <dgm:constr type="rMarg" refType="primFontSz" fact="0.1"/>
+                        <dgm:constr type="tMarg" refType="primFontSz" fact="0.1"/>
+                        <dgm:constr type="bMarg" refType="primFontSz" fact="0.1"/>
+                      </dgm:constrLst>
+                      <dgm:ruleLst>
+                        <dgm:rule type="primFontSz" val="5" fact="NaN" max="NaN"/>
+                      </dgm:ruleLst>
+                    </dgm:layoutNode>
+                    <dgm:layoutNode name="FourNodes_1_text">
+                      <dgm:varLst>
+                        <dgm:bulletEnabled val="1"/>
+                      </dgm:varLst>
+                      <dgm:alg type="tx">
+                        <dgm:param type="parTxLTRAlign" val="l"/>
+                        <dgm:param type="txAnchorVertCh" val="mid"/>
+                      </dgm:alg>
+                      <dgm:shape xmlns:r="http://schemas.openxmlformats.org/officeDocument/2006/relationships" type="roundRect" r:blip="" hideGeom="1">
+                        <dgm:adjLst>
+                          <dgm:adj idx="1" val="0.1"/>
+                        </dgm:adjLst>
+                      </dgm:shape>
+                      <dgm:presOf axis="ch desOrSelf" ptType="node node" st="1 1" cnt="1 0"/>
+                      <dgm:constrLst>
+                        <dgm:constr type="lMarg" refType="primFontSz" fact="0.3"/>
+                        <dgm:constr type="rMarg" refType="primFontSz" fact="0.3"/>
+                        <dgm:constr type="tMarg" refType="primFontSz" fact="0.3"/>
+                        <dgm:constr type="bMarg" refType="primFontSz" fact="0.3"/>
+                      </dgm:constrLst>
+                      <dgm:ruleLst>
+                        <dgm:rule type="primFontSz" val="5" fact="NaN" max="NaN"/>
+                      </dgm:ruleLst>
+                    </dgm:layoutNode>
+                    <dgm:layoutNode name="FourNodes_2_text">
+                      <dgm:varLst>
+                        <dgm:bulletEnabled val="1"/>
+                      </dgm:varLst>
+                      <dgm:alg type="tx">
+                        <dgm:param type="parTxLTRAlign" val="l"/>
+                        <dgm:param type="txAnchorVertCh" val="mid"/>
+                      </dgm:alg>
+                      <dgm:shape xmlns:r="http://schemas.openxmlformats.org/officeDocument/2006/relationships" type="roundRect" r:blip="" hideGeom="1">
+                        <dgm:adjLst>
+                          <dgm:adj idx="1" val="0.1"/>
+                        </dgm:adjLst>
+                      </dgm:shape>
+                      <dgm:presOf axis="ch desOrSelf" ptType="node node" st="2 1" cnt="1 0"/>
+                      <dgm:constrLst>
+                        <dgm:constr type="lMarg" refType="primFontSz" fact="0.3"/>
+                        <dgm:constr type="rMarg" refType="primFontSz" fact="0.3"/>
+                        <dgm:constr type="tMarg" refType="primFontSz" fact="0.3"/>
+                        <dgm:constr type="bMarg" refType="primFontSz" fact="0.3"/>
+                      </dgm:constrLst>
+                      <dgm:ruleLst>
+                        <dgm:rule type="primFontSz" val="5" fact="NaN" max="NaN"/>
+                      </dgm:ruleLst>
+                    </dgm:layoutNode>
+                    <dgm:layoutNode name="FourNodes_3_text">
+                      <dgm:varLst>
+                        <dgm:bulletEnabled val="1"/>
+                      </dgm:varLst>
+                      <dgm:alg type="tx">
+                        <dgm:param type="parTxLTRAlign" val="l"/>
+                        <dgm:param type="txAnchorVertCh" val="mid"/>
+                      </dgm:alg>
+                      <dgm:shape xmlns:r="http://schemas.openxmlformats.org/officeDocument/2006/relationships" type="roundRect" r:blip="" hideGeom="1">
+                        <dgm:adjLst>
+                          <dgm:adj idx="1" val="0.1"/>
+                        </dgm:adjLst>
+                      </dgm:shape>
+                      <dgm:presOf axis="ch desOrSelf" ptType="node node" st="3 1" cnt="1 0"/>
+                      <dgm:constrLst>
+                        <dgm:constr type="lMarg" refType="primFontSz" fact="0.3"/>
+                        <dgm:constr type="rMarg" refType="primFontSz" fact="0.3"/>
+                        <dgm:constr type="tMarg" refType="primFontSz" fact="0.3"/>
+                        <dgm:constr type="bMarg" refType="primFontSz" fact="0.3"/>
+                      </dgm:constrLst>
+                      <dgm:ruleLst>
+                        <dgm:rule type="primFontSz" val="5" fact="NaN" max="NaN"/>
+                      </dgm:ruleLst>
+                    </dgm:layoutNode>
+                    <dgm:layoutNode name="FourNodes_4_text">
+                      <dgm:varLst>
+                        <dgm:bulletEnabled val="1"/>
+                      </dgm:varLst>
+                      <dgm:alg type="tx">
+                        <dgm:param type="parTxLTRAlign" val="l"/>
+                        <dgm:param type="txAnchorVertCh" val="mid"/>
+                      </dgm:alg>
+                      <dgm:shape xmlns:r="http://schemas.openxmlformats.org/officeDocument/2006/relationships" type="roundRect" r:blip="" hideGeom="1">
+                        <dgm:adjLst>
+                          <dgm:adj idx="1" val="0.1"/>
+                        </dgm:adjLst>
+                      </dgm:shape>
+                      <dgm:presOf axis="ch desOrSelf" ptType="node node" st="4 1" cnt="1 0"/>
+                      <dgm:constrLst>
+                        <dgm:constr type="lMarg" refType="primFontSz" fact="0.3"/>
+                        <dgm:constr type="rMarg" refType="primFontSz" fact="0.3"/>
+                        <dgm:constr type="tMarg" refType="primFontSz" fact="0.3"/>
+                        <dgm:constr type="bMarg" refType="primFontSz" fact="0.3"/>
+                      </dgm:constrLst>
+                      <dgm:ruleLst>
+                        <dgm:rule type="primFontSz" val="5" fact="NaN" max="NaN"/>
+                      </dgm:ruleLst>
+                    </dgm:layoutNode>
+                  </dgm:if>
+                  <dgm:else name="Name14">
+                    <dgm:choose name="Name15">
+                      <dgm:if name="Name16" axis="ch" ptType="node" func="cnt" op="gte" val="5">
+                        <dgm:layoutNode name="FiveNodes_1">
+                          <dgm:varLst>
+                            <dgm:bulletEnabled val="1"/>
+                          </dgm:varLst>
+                          <dgm:alg type="sp"/>
+                          <dgm:shape xmlns:r="http://schemas.openxmlformats.org/officeDocument/2006/relationships" type="roundRect" r:blip="">
+                            <dgm:adjLst>
+                              <dgm:adj idx="1" val="0.1"/>
+                            </dgm:adjLst>
+                          </dgm:shape>
+                          <dgm:presOf axis="ch desOrSelf" ptType="node node" st="1 1" cnt="1 0"/>
+                          <dgm:constrLst/>
+                          <dgm:ruleLst/>
+                        </dgm:layoutNode>
+                        <dgm:layoutNode name="FiveNodes_2">
+                          <dgm:varLst>
+                            <dgm:bulletEnabled val="1"/>
+                          </dgm:varLst>
+                          <dgm:alg type="sp"/>
+                          <dgm:shape xmlns:r="http://schemas.openxmlformats.org/officeDocument/2006/relationships" type="roundRect" r:blip="">
+                            <dgm:adjLst>
+                              <dgm:adj idx="1" val="0.1"/>
+                            </dgm:adjLst>
+                          </dgm:shape>
+                          <dgm:presOf axis="ch desOrSelf" ptType="node node" st="2 1" cnt="1 0"/>
+                          <dgm:constrLst/>
+                          <dgm:ruleLst/>
+                        </dgm:layoutNode>
+                        <dgm:layoutNode name="FiveNodes_3">
+                          <dgm:varLst>
+                            <dgm:bulletEnabled val="1"/>
+                          </dgm:varLst>
+                          <dgm:alg type="sp"/>
+                          <dgm:shape xmlns:r="http://schemas.openxmlformats.org/officeDocument/2006/relationships" type="roundRect" r:blip="">
+                            <dgm:adjLst>
+                              <dgm:adj idx="1" val="0.1"/>
+                            </dgm:adjLst>
+                          </dgm:shape>
+                          <dgm:presOf axis="ch desOrSelf" ptType="node node" st="3 1" cnt="1 0"/>
+                          <dgm:constrLst/>
+                          <dgm:ruleLst/>
+                        </dgm:layoutNode>
+                        <dgm:layoutNode name="FiveNodes_4">
+                          <dgm:varLst>
+                            <dgm:bulletEnabled val="1"/>
+                          </dgm:varLst>
+                          <dgm:alg type="sp"/>
+                          <dgm:shape xmlns:r="http://schemas.openxmlformats.org/officeDocument/2006/relationships" type="roundRect" r:blip="">
+                            <dgm:adjLst>
+                              <dgm:adj idx="1" val="0.1"/>
+                            </dgm:adjLst>
+                          </dgm:shape>
+                          <dgm:presOf axis="ch desOrSelf" ptType="node node" st="4 1" cnt="1 0"/>
+                          <dgm:constrLst/>
+                          <dgm:ruleLst/>
+                        </dgm:layoutNode>
+                        <dgm:layoutNode name="FiveNodes_5">
+                          <dgm:varLst>
+                            <dgm:bulletEnabled val="1"/>
+                          </dgm:varLst>
+                          <dgm:alg type="sp"/>
+                          <dgm:shape xmlns:r="http://schemas.openxmlformats.org/officeDocument/2006/relationships" type="roundRect" r:blip="">
+                            <dgm:adjLst>
+                              <dgm:adj idx="1" val="0.1"/>
+                            </dgm:adjLst>
+                          </dgm:shape>
+                          <dgm:presOf axis="ch desOrSelf" ptType="node node" st="5 1" cnt="1 0"/>
+                          <dgm:constrLst/>
+                          <dgm:ruleLst/>
+                        </dgm:layoutNode>
+                        <dgm:layoutNode name="FiveConn_1-2" styleLbl="fgAccFollowNode1">
+                          <dgm:varLst>
+                            <dgm:bulletEnabled val="1"/>
+                          </dgm:varLst>
+                          <dgm:alg type="tx"/>
+                          <dgm:shape xmlns:r="http://schemas.openxmlformats.org/officeDocument/2006/relationships" type="downArrow" r:blip="">
+                            <dgm:adjLst>
+                              <dgm:adj idx="1" val="0.55"/>
+                              <dgm:adj idx="2" val="0.45"/>
+                            </dgm:adjLst>
+                          </dgm:shape>
+                          <dgm:presOf axis="ch" ptType="sibTrans" cnt="1"/>
+                          <dgm:constrLst>
+                            <dgm:constr type="lMarg" refType="primFontSz" fact="0.1"/>
+                            <dgm:constr type="rMarg" refType="primFontSz" fact="0.1"/>
+                            <dgm:constr type="tMarg" refType="primFontSz" fact="0.1"/>
+                            <dgm:constr type="bMarg" refType="primFontSz" fact="0.1"/>
+                          </dgm:constrLst>
+                          <dgm:ruleLst>
+                            <dgm:rule type="primFontSz" val="5" fact="NaN" max="NaN"/>
+                          </dgm:ruleLst>
+                        </dgm:layoutNode>
+                        <dgm:layoutNode name="FiveConn_2-3" styleLbl="fgAccFollowNode1">
+                          <dgm:varLst>
+                            <dgm:bulletEnabled val="1"/>
+                          </dgm:varLst>
+                          <dgm:alg type="tx"/>
+                          <dgm:shape xmlns:r="http://schemas.openxmlformats.org/officeDocument/2006/relationships" type="downArrow" r:blip="">
+                            <dgm:adjLst>
+                              <dgm:adj idx="1" val="0.55"/>
+                              <dgm:adj idx="2" val="0.45"/>
+                            </dgm:adjLst>
+                          </dgm:shape>
+                          <dgm:presOf axis="ch" ptType="sibTrans" st="2" cnt="1"/>
+                          <dgm:constrLst>
+                            <dgm:constr type="lMarg" refType="primFontSz" fact="0.1"/>
+                            <dgm:constr type="rMarg" refType="primFontSz" fact="0.1"/>
+                            <dgm:constr type="tMarg" refType="primFontSz" fact="0.1"/>
+                            <dgm:constr type="bMarg" refType="primFontSz" fact="0.1"/>
+                          </dgm:constrLst>
+                          <dgm:ruleLst>
+                            <dgm:rule type="primFontSz" val="5" fact="NaN" max="NaN"/>
+                          </dgm:ruleLst>
+                        </dgm:layoutNode>
+                        <dgm:layoutNode name="FiveConn_3-4" styleLbl="fgAccFollowNode1">
+                          <dgm:varLst>
+                            <dgm:bulletEnabled val="1"/>
+                          </dgm:varLst>
+                          <dgm:alg type="tx"/>
+                          <dgm:shape xmlns:r="http://schemas.openxmlformats.org/officeDocument/2006/relationships" type="downArrow" r:blip="">
+                            <dgm:adjLst>
+                              <dgm:adj idx="1" val="0.55"/>
+                              <dgm:adj idx="2" val="0.45"/>
+                            </dgm:adjLst>
+                          </dgm:shape>
+                          <dgm:presOf axis="ch" ptType="sibTrans" st="3" cnt="1"/>
+                          <dgm:constrLst>
+                            <dgm:constr type="lMarg" refType="primFontSz" fact="0.1"/>
+                            <dgm:constr type="rMarg" refType="primFontSz" fact="0.1"/>
+                            <dgm:constr type="tMarg" refType="primFontSz" fact="0.1"/>
+                            <dgm:constr type="bMarg" refType="primFontSz" fact="0.1"/>
+                          </dgm:constrLst>
+                          <dgm:ruleLst>
+                            <dgm:rule type="primFontSz" val="5" fact="NaN" max="NaN"/>
+                          </dgm:ruleLst>
+                        </dgm:layoutNode>
+                        <dgm:layoutNode name="FiveConn_4-5" styleLbl="fgAccFollowNode1">
+                          <dgm:varLst>
+                            <dgm:bulletEnabled val="1"/>
+                          </dgm:varLst>
+                          <dgm:alg type="tx"/>
+                          <dgm:shape xmlns:r="http://schemas.openxmlformats.org/officeDocument/2006/relationships" type="downArrow" r:blip="">
+                            <dgm:adjLst>
+                              <dgm:adj idx="1" val="0.55"/>
+                              <dgm:adj idx="2" val="0.45"/>
+                            </dgm:adjLst>
+                          </dgm:shape>
+                          <dgm:presOf axis="ch" ptType="sibTrans" st="4" cnt="1"/>
+                          <dgm:constrLst>
+                            <dgm:constr type="lMarg" refType="primFontSz" fact="0.1"/>
+                            <dgm:constr type="rMarg" refType="primFontSz" fact="0.1"/>
+                            <dgm:constr type="tMarg" refType="primFontSz" fact="0.1"/>
+                            <dgm:constr type="bMarg" refType="primFontSz" fact="0.1"/>
+                          </dgm:constrLst>
+                          <dgm:ruleLst>
+                            <dgm:rule type="primFontSz" val="5" fact="NaN" max="NaN"/>
+                          </dgm:ruleLst>
+                        </dgm:layoutNode>
+                        <dgm:layoutNode name="FiveNodes_1_text">
+                          <dgm:varLst>
+                            <dgm:bulletEnabled val="1"/>
+                          </dgm:varLst>
+                          <dgm:alg type="tx">
+                            <dgm:param type="parTxLTRAlign" val="l"/>
+                            <dgm:param type="txAnchorVertCh" val="mid"/>
+                          </dgm:alg>
+                          <dgm:shape xmlns:r="http://schemas.openxmlformats.org/officeDocument/2006/relationships" type="roundRect" r:blip="" hideGeom="1">
+                            <dgm:adjLst>
+                              <dgm:adj idx="1" val="0.1"/>
+                            </dgm:adjLst>
+                          </dgm:shape>
+                          <dgm:presOf axis="ch desOrSelf" ptType="node node" st="1 1" cnt="1 0"/>
+                          <dgm:constrLst>
+                            <dgm:constr type="lMarg" refType="primFontSz" fact="0.3"/>
+                            <dgm:constr type="rMarg" refType="primFontSz" fact="0.3"/>
+                            <dgm:constr type="tMarg" refType="primFontSz" fact="0.3"/>
+                            <dgm:constr type="bMarg" refType="primFontSz" fact="0.3"/>
+                          </dgm:constrLst>
+                          <dgm:ruleLst>
+                            <dgm:rule type="primFontSz" val="5" fact="NaN" max="NaN"/>
+                          </dgm:ruleLst>
+                        </dgm:layoutNode>
+                        <dgm:layoutNode name="FiveNodes_2_text">
+                          <dgm:varLst>
+                            <dgm:bulletEnabled val="1"/>
+                          </dgm:varLst>
+                          <dgm:alg type="tx">
+                            <dgm:param type="parTxLTRAlign" val="l"/>
+                            <dgm:param type="txAnchorVertCh" val="mid"/>
+                          </dgm:alg>
+                          <dgm:shape xmlns:r="http://schemas.openxmlformats.org/officeDocument/2006/relationships" type="roundRect" r:blip="" hideGeom="1">
+                            <dgm:adjLst>
+                              <dgm:adj idx="1" val="0.1"/>
+                            </dgm:adjLst>
+                          </dgm:shape>
+                          <dgm:presOf axis="ch desOrSelf" ptType="node node" st="2 1" cnt="1 0"/>
+                          <dgm:constrLst>
+                            <dgm:constr type="lMarg" refType="primFontSz" fact="0.3"/>
+                            <dgm:constr type="rMarg" refType="primFontSz" fact="0.3"/>
+                            <dgm:constr type="tMarg" refType="primFontSz" fact="0.3"/>
+                            <dgm:constr type="bMarg" refType="primFontSz" fact="0.3"/>
+                          </dgm:constrLst>
+                          <dgm:ruleLst>
+                            <dgm:rule type="primFontSz" val="5" fact="NaN" max="NaN"/>
+                          </dgm:ruleLst>
+                        </dgm:layoutNode>
+                        <dgm:layoutNode name="FiveNodes_3_text">
+                          <dgm:varLst>
+                            <dgm:bulletEnabled val="1"/>
+                          </dgm:varLst>
+                          <dgm:alg type="tx">
+                            <dgm:param type="parTxLTRAlign" val="l"/>
+                            <dgm:param type="txAnchorVertCh" val="mid"/>
+                          </dgm:alg>
+                          <dgm:shape xmlns:r="http://schemas.openxmlformats.org/officeDocument/2006/relationships" type="roundRect" r:blip="" hideGeom="1">
+                            <dgm:adjLst>
+                              <dgm:adj idx="1" val="0.1"/>
+                            </dgm:adjLst>
+                          </dgm:shape>
+                          <dgm:presOf axis="ch desOrSelf" ptType="node node" st="3 1" cnt="1 0"/>
+                          <dgm:constrLst>
+                            <dgm:constr type="lMarg" refType="primFontSz" fact="0.3"/>
+                            <dgm:constr type="rMarg" refType="primFontSz" fact="0.3"/>
+                            <dgm:constr type="tMarg" refType="primFontSz" fact="0.3"/>
+                            <dgm:constr type="bMarg" refType="primFontSz" fact="0.3"/>
+                          </dgm:constrLst>
+                          <dgm:ruleLst>
+                            <dgm:rule type="primFontSz" val="5" fact="NaN" max="NaN"/>
+                          </dgm:ruleLst>
+                        </dgm:layoutNode>
+                        <dgm:layoutNode name="FiveNodes_4_text">
+                          <dgm:varLst>
+                            <dgm:bulletEnabled val="1"/>
+                          </dgm:varLst>
+                          <dgm:alg type="tx">
+                            <dgm:param type="parTxLTRAlign" val="l"/>
+                            <dgm:param type="txAnchorVertCh" val="mid"/>
+                          </dgm:alg>
+                          <dgm:shape xmlns:r="http://schemas.openxmlformats.org/officeDocument/2006/relationships" type="roundRect" r:blip="" hideGeom="1">
+                            <dgm:adjLst>
+                              <dgm:adj idx="1" val="0.1"/>
+                            </dgm:adjLst>
+                          </dgm:shape>
+                          <dgm:presOf axis="ch desOrSelf" ptType="node node" st="4 1" cnt="1 0"/>
+                          <dgm:constrLst>
+                            <dgm:constr type="lMarg" refType="primFontSz" fact="0.3"/>
+                            <dgm:constr type="rMarg" refType="primFontSz" fact="0.3"/>
+                            <dgm:constr type="tMarg" refType="primFontSz" fact="0.3"/>
+                            <dgm:constr type="bMarg" refType="primFontSz" fact="0.3"/>
+                          </dgm:constrLst>
+                          <dgm:ruleLst>
+                            <dgm:rule type="primFontSz" val="5" fact="NaN" max="NaN"/>
+                          </dgm:ruleLst>
+                        </dgm:layoutNode>
+                        <dgm:layoutNode name="FiveNodes_5_text">
+                          <dgm:varLst>
+                            <dgm:bulletEnabled val="1"/>
+                          </dgm:varLst>
+                          <dgm:alg type="tx">
+                            <dgm:param type="parTxLTRAlign" val="l"/>
+                            <dgm:param type="txAnchorVertCh" val="mid"/>
+                          </dgm:alg>
+                          <dgm:shape xmlns:r="http://schemas.openxmlformats.org/officeDocument/2006/relationships" type="roundRect" r:blip="" hideGeom="1">
+                            <dgm:adjLst>
+                              <dgm:adj idx="1" val="0.1"/>
+                            </dgm:adjLst>
+                          </dgm:shape>
+                          <dgm:presOf axis="ch desOrSelf" ptType="node node" st="5 1" cnt="1 0"/>
+                          <dgm:constrLst>
+                            <dgm:constr type="lMarg" refType="primFontSz" fact="0.3"/>
+                            <dgm:constr type="rMarg" refType="primFontSz" fact="0.3"/>
+                            <dgm:constr type="tMarg" refType="primFontSz" fact="0.3"/>
+                            <dgm:constr type="bMarg" refType="primFontSz" fact="0.3"/>
+                          </dgm:constrLst>
+                          <dgm:ruleLst>
+                            <dgm:rule type="primFontSz" val="5" fact="NaN" max="NaN"/>
+                          </dgm:ruleLst>
+                        </dgm:layoutNode>
+                      </dgm:if>
+                      <dgm:else name="Name17"/>
+                    </dgm:choose>
+                  </dgm:else>
+                </dgm:choose>
+              </dgm:else>
+            </dgm:choose>
+          </dgm:else>
+        </dgm:choose>
+      </dgm:else>
+    </dgm:choose>
+  </dgm:layoutNode>
+</dgm:layoutDef>
+</file>
+
+<file path=ppt/diagrams/layout2.xml><?xml version="1.0" encoding="utf-8"?>
 <dgm:layoutDef xmlns:dgm="http://schemas.openxmlformats.org/drawingml/2006/diagram" xmlns:a="http://schemas.openxmlformats.org/drawingml/2006/main" uniqueId="urn:microsoft.com/office/officeart/2018/2/layout/IconLabelDescriptionList">
   <dgm:title val="Icon Label Description List"/>
   <dgm:desc val="Use to show non-sequential or grouped chunks of information. The placeholder holds an icon or small picture, and corresponding text boxes show Level 1 and Level 2 text respectively. Works well for minimal Level 1 text accompanied by lengthier Level two text."/>
@@ -4860,7 +7981,7 @@
 </dgm:layoutDef>
 </file>
 
-<file path=ppt/diagrams/layout2.xml><?xml version="1.0" encoding="utf-8"?>
+<file path=ppt/diagrams/layout3.xml><?xml version="1.0" encoding="utf-8"?>
 <dgm:layoutDef xmlns:dgm="http://schemas.openxmlformats.org/drawingml/2006/diagram" xmlns:a="http://schemas.openxmlformats.org/drawingml/2006/main" uniqueId="urn:microsoft.com/office/officeart/2018/2/layout/IconVerticalSolidList">
   <dgm:title val="Icon Vertical Solid List"/>
   <dgm:desc val="Use to show a series of visuals from top to bottom with Level 1 or Level 1 and Level 2 text grouped in a shape. Works best with icons or small pictures with lengthier descriptions."/>
@@ -5154,7 +8275,7 @@
 </dgm:layoutDef>
 </file>
 
-<file path=ppt/diagrams/layout3.xml><?xml version="1.0" encoding="utf-8"?>
+<file path=ppt/diagrams/layout4.xml><?xml version="1.0" encoding="utf-8"?>
 <dgm:layoutDef xmlns:dgm="http://schemas.openxmlformats.org/drawingml/2006/diagram" xmlns:a="http://schemas.openxmlformats.org/drawingml/2006/main" uniqueId="urn:microsoft.com/office/officeart/2005/8/layout/vList2">
   <dgm:title val=""/>
   <dgm:desc val=""/>
@@ -8423,6 +11544,1040 @@
 </dgm:styleDef>
 </file>
 
+<file path=ppt/diagrams/quickStyle4.xml><?xml version="1.0" encoding="utf-8"?>
+<dgm:styleDef xmlns:dgm="http://schemas.openxmlformats.org/drawingml/2006/diagram" xmlns:a="http://schemas.openxmlformats.org/drawingml/2006/main" uniqueId="urn:microsoft.com/office/officeart/2005/8/quickstyle/simple1">
+  <dgm:title val=""/>
+  <dgm:desc val=""/>
+  <dgm:catLst>
+    <dgm:cat type="simple" pri="10100"/>
+  </dgm:catLst>
+  <dgm:scene3d>
+    <a:camera prst="orthographicFront"/>
+    <a:lightRig rig="threePt" dir="t"/>
+  </dgm:scene3d>
+  <dgm:styleLbl name="node0">
+    <dgm:scene3d>
+      <a:camera prst="orthographicFront"/>
+      <a:lightRig rig="threePt" dir="t"/>
+    </dgm:scene3d>
+    <dgm:sp3d/>
+    <dgm:txPr/>
+    <dgm:style>
+      <a:lnRef idx="2">
+        <a:scrgbClr r="0" g="0" b="0"/>
+      </a:lnRef>
+      <a:fillRef idx="1">
+        <a:scrgbClr r="0" g="0" b="0"/>
+      </a:fillRef>
+      <a:effectRef idx="0">
+        <a:scrgbClr r="0" g="0" b="0"/>
+      </a:effectRef>
+      <a:fontRef idx="minor">
+        <a:schemeClr val="lt1"/>
+      </a:fontRef>
+    </dgm:style>
+  </dgm:styleLbl>
+  <dgm:styleLbl name="lnNode1">
+    <dgm:scene3d>
+      <a:camera prst="orthographicFront"/>
+      <a:lightRig rig="threePt" dir="t"/>
+    </dgm:scene3d>
+    <dgm:sp3d/>
+    <dgm:txPr/>
+    <dgm:style>
+      <a:lnRef idx="2">
+        <a:scrgbClr r="0" g="0" b="0"/>
+      </a:lnRef>
+      <a:fillRef idx="1">
+        <a:scrgbClr r="0" g="0" b="0"/>
+      </a:fillRef>
+      <a:effectRef idx="0">
+        <a:scrgbClr r="0" g="0" b="0"/>
+      </a:effectRef>
+      <a:fontRef idx="minor">
+        <a:schemeClr val="lt1"/>
+      </a:fontRef>
+    </dgm:style>
+  </dgm:styleLbl>
+  <dgm:styleLbl name="vennNode1">
+    <dgm:scene3d>
+      <a:camera prst="orthographicFront"/>
+      <a:lightRig rig="threePt" dir="t"/>
+    </dgm:scene3d>
+    <dgm:sp3d/>
+    <dgm:txPr/>
+    <dgm:style>
+      <a:lnRef idx="2">
+        <a:scrgbClr r="0" g="0" b="0"/>
+      </a:lnRef>
+      <a:fillRef idx="1">
+        <a:scrgbClr r="0" g="0" b="0"/>
+      </a:fillRef>
+      <a:effectRef idx="0">
+        <a:scrgbClr r="0" g="0" b="0"/>
+      </a:effectRef>
+      <a:fontRef idx="minor">
+        <a:schemeClr val="tx1"/>
+      </a:fontRef>
+    </dgm:style>
+  </dgm:styleLbl>
+  <dgm:styleLbl name="alignNode1">
+    <dgm:scene3d>
+      <a:camera prst="orthographicFront"/>
+      <a:lightRig rig="threePt" dir="t"/>
+    </dgm:scene3d>
+    <dgm:sp3d/>
+    <dgm:txPr/>
+    <dgm:style>
+      <a:lnRef idx="2">
+        <a:scrgbClr r="0" g="0" b="0"/>
+      </a:lnRef>
+      <a:fillRef idx="1">
+        <a:scrgbClr r="0" g="0" b="0"/>
+      </a:fillRef>
+      <a:effectRef idx="0">
+        <a:scrgbClr r="0" g="0" b="0"/>
+      </a:effectRef>
+      <a:fontRef idx="minor">
+        <a:schemeClr val="lt1"/>
+      </a:fontRef>
+    </dgm:style>
+  </dgm:styleLbl>
+  <dgm:styleLbl name="node1">
+    <dgm:scene3d>
+      <a:camera prst="orthographicFront"/>
+      <a:lightRig rig="threePt" dir="t"/>
+    </dgm:scene3d>
+    <dgm:sp3d/>
+    <dgm:txPr/>
+    <dgm:style>
+      <a:lnRef idx="2">
+        <a:scrgbClr r="0" g="0" b="0"/>
+      </a:lnRef>
+      <a:fillRef idx="1">
+        <a:scrgbClr r="0" g="0" b="0"/>
+      </a:fillRef>
+      <a:effectRef idx="0">
+        <a:scrgbClr r="0" g="0" b="0"/>
+      </a:effectRef>
+      <a:fontRef idx="minor">
+        <a:schemeClr val="lt1"/>
+      </a:fontRef>
+    </dgm:style>
+  </dgm:styleLbl>
+  <dgm:styleLbl name="node2">
+    <dgm:scene3d>
+      <a:camera prst="orthographicFront"/>
+      <a:lightRig rig="threePt" dir="t"/>
+    </dgm:scene3d>
+    <dgm:sp3d/>
+    <dgm:txPr/>
+    <dgm:style>
+      <a:lnRef idx="2">
+        <a:scrgbClr r="0" g="0" b="0"/>
+      </a:lnRef>
+      <a:fillRef idx="1">
+        <a:scrgbClr r="0" g="0" b="0"/>
+      </a:fillRef>
+      <a:effectRef idx="0">
+        <a:scrgbClr r="0" g="0" b="0"/>
+      </a:effectRef>
+      <a:fontRef idx="minor">
+        <a:schemeClr val="lt1"/>
+      </a:fontRef>
+    </dgm:style>
+  </dgm:styleLbl>
+  <dgm:styleLbl name="node3">
+    <dgm:scene3d>
+      <a:camera prst="orthographicFront"/>
+      <a:lightRig rig="threePt" dir="t"/>
+    </dgm:scene3d>
+    <dgm:sp3d/>
+    <dgm:txPr/>
+    <dgm:style>
+      <a:lnRef idx="2">
+        <a:scrgbClr r="0" g="0" b="0"/>
+      </a:lnRef>
+      <a:fillRef idx="1">
+        <a:scrgbClr r="0" g="0" b="0"/>
+      </a:fillRef>
+      <a:effectRef idx="0">
+        <a:scrgbClr r="0" g="0" b="0"/>
+      </a:effectRef>
+      <a:fontRef idx="minor">
+        <a:schemeClr val="lt1"/>
+      </a:fontRef>
+    </dgm:style>
+  </dgm:styleLbl>
+  <dgm:styleLbl name="node4">
+    <dgm:scene3d>
+      <a:camera prst="orthographicFront"/>
+      <a:lightRig rig="threePt" dir="t"/>
+    </dgm:scene3d>
+    <dgm:sp3d/>
+    <dgm:txPr/>
+    <dgm:style>
+      <a:lnRef idx="2">
+        <a:scrgbClr r="0" g="0" b="0"/>
+      </a:lnRef>
+      <a:fillRef idx="1">
+        <a:scrgbClr r="0" g="0" b="0"/>
+      </a:fillRef>
+      <a:effectRef idx="0">
+        <a:scrgbClr r="0" g="0" b="0"/>
+      </a:effectRef>
+      <a:fontRef idx="minor">
+        <a:schemeClr val="lt1"/>
+      </a:fontRef>
+    </dgm:style>
+  </dgm:styleLbl>
+  <dgm:styleLbl name="fgImgPlace1">
+    <dgm:scene3d>
+      <a:camera prst="orthographicFront"/>
+      <a:lightRig rig="threePt" dir="t"/>
+    </dgm:scene3d>
+    <dgm:sp3d/>
+    <dgm:txPr/>
+    <dgm:style>
+      <a:lnRef idx="2">
+        <a:scrgbClr r="0" g="0" b="0"/>
+      </a:lnRef>
+      <a:fillRef idx="1">
+        <a:scrgbClr r="0" g="0" b="0"/>
+      </a:fillRef>
+      <a:effectRef idx="0">
+        <a:scrgbClr r="0" g="0" b="0"/>
+      </a:effectRef>
+      <a:fontRef idx="minor"/>
+    </dgm:style>
+  </dgm:styleLbl>
+  <dgm:styleLbl name="alignImgPlace1">
+    <dgm:scene3d>
+      <a:camera prst="orthographicFront"/>
+      <a:lightRig rig="threePt" dir="t"/>
+    </dgm:scene3d>
+    <dgm:sp3d/>
+    <dgm:txPr/>
+    <dgm:style>
+      <a:lnRef idx="2">
+        <a:scrgbClr r="0" g="0" b="0"/>
+      </a:lnRef>
+      <a:fillRef idx="1">
+        <a:scrgbClr r="0" g="0" b="0"/>
+      </a:fillRef>
+      <a:effectRef idx="0">
+        <a:scrgbClr r="0" g="0" b="0"/>
+      </a:effectRef>
+      <a:fontRef idx="minor"/>
+    </dgm:style>
+  </dgm:styleLbl>
+  <dgm:styleLbl name="bgImgPlace1">
+    <dgm:scene3d>
+      <a:camera prst="orthographicFront"/>
+      <a:lightRig rig="threePt" dir="t"/>
+    </dgm:scene3d>
+    <dgm:sp3d/>
+    <dgm:txPr/>
+    <dgm:style>
+      <a:lnRef idx="2">
+        <a:scrgbClr r="0" g="0" b="0"/>
+      </a:lnRef>
+      <a:fillRef idx="1">
+        <a:scrgbClr r="0" g="0" b="0"/>
+      </a:fillRef>
+      <a:effectRef idx="0">
+        <a:scrgbClr r="0" g="0" b="0"/>
+      </a:effectRef>
+      <a:fontRef idx="minor"/>
+    </dgm:style>
+  </dgm:styleLbl>
+  <dgm:styleLbl name="sibTrans2D1">
+    <dgm:scene3d>
+      <a:camera prst="orthographicFront"/>
+      <a:lightRig rig="threePt" dir="t"/>
+    </dgm:scene3d>
+    <dgm:sp3d/>
+    <dgm:txPr/>
+    <dgm:style>
+      <a:lnRef idx="0">
+        <a:scrgbClr r="0" g="0" b="0"/>
+      </a:lnRef>
+      <a:fillRef idx="1">
+        <a:scrgbClr r="0" g="0" b="0"/>
+      </a:fillRef>
+      <a:effectRef idx="0">
+        <a:scrgbClr r="0" g="0" b="0"/>
+      </a:effectRef>
+      <a:fontRef idx="minor">
+        <a:schemeClr val="lt1"/>
+      </a:fontRef>
+    </dgm:style>
+  </dgm:styleLbl>
+  <dgm:styleLbl name="fgSibTrans2D1">
+    <dgm:scene3d>
+      <a:camera prst="orthographicFront"/>
+      <a:lightRig rig="threePt" dir="t"/>
+    </dgm:scene3d>
+    <dgm:sp3d/>
+    <dgm:txPr/>
+    <dgm:style>
+      <a:lnRef idx="0">
+        <a:scrgbClr r="0" g="0" b="0"/>
+      </a:lnRef>
+      <a:fillRef idx="1">
+        <a:scrgbClr r="0" g="0" b="0"/>
+      </a:fillRef>
+      <a:effectRef idx="0">
+        <a:scrgbClr r="0" g="0" b="0"/>
+      </a:effectRef>
+      <a:fontRef idx="minor">
+        <a:schemeClr val="lt1"/>
+      </a:fontRef>
+    </dgm:style>
+  </dgm:styleLbl>
+  <dgm:styleLbl name="bgSibTrans2D1">
+    <dgm:scene3d>
+      <a:camera prst="orthographicFront"/>
+      <a:lightRig rig="threePt" dir="t"/>
+    </dgm:scene3d>
+    <dgm:sp3d/>
+    <dgm:txPr/>
+    <dgm:style>
+      <a:lnRef idx="0">
+        <a:scrgbClr r="0" g="0" b="0"/>
+      </a:lnRef>
+      <a:fillRef idx="1">
+        <a:scrgbClr r="0" g="0" b="0"/>
+      </a:fillRef>
+      <a:effectRef idx="0">
+        <a:scrgbClr r="0" g="0" b="0"/>
+      </a:effectRef>
+      <a:fontRef idx="minor">
+        <a:schemeClr val="lt1"/>
+      </a:fontRef>
+    </dgm:style>
+  </dgm:styleLbl>
+  <dgm:styleLbl name="sibTrans1D1">
+    <dgm:scene3d>
+      <a:camera prst="orthographicFront"/>
+      <a:lightRig rig="threePt" dir="t"/>
+    </dgm:scene3d>
+    <dgm:sp3d/>
+    <dgm:txPr/>
+    <dgm:style>
+      <a:lnRef idx="1">
+        <a:scrgbClr r="0" g="0" b="0"/>
+      </a:lnRef>
+      <a:fillRef idx="0">
+        <a:scrgbClr r="0" g="0" b="0"/>
+      </a:fillRef>
+      <a:effectRef idx="0">
+        <a:scrgbClr r="0" g="0" b="0"/>
+      </a:effectRef>
+      <a:fontRef idx="minor"/>
+    </dgm:style>
+  </dgm:styleLbl>
+  <dgm:styleLbl name="callout">
+    <dgm:scene3d>
+      <a:camera prst="orthographicFront"/>
+      <a:lightRig rig="threePt" dir="t"/>
+    </dgm:scene3d>
+    <dgm:sp3d/>
+    <dgm:txPr/>
+    <dgm:style>
+      <a:lnRef idx="2">
+        <a:scrgbClr r="0" g="0" b="0"/>
+      </a:lnRef>
+      <a:fillRef idx="1">
+        <a:scrgbClr r="0" g="0" b="0"/>
+      </a:fillRef>
+      <a:effectRef idx="0">
+        <a:scrgbClr r="0" g="0" b="0"/>
+      </a:effectRef>
+      <a:fontRef idx="minor"/>
+    </dgm:style>
+  </dgm:styleLbl>
+  <dgm:styleLbl name="asst0">
+    <dgm:scene3d>
+      <a:camera prst="orthographicFront"/>
+      <a:lightRig rig="threePt" dir="t"/>
+    </dgm:scene3d>
+    <dgm:sp3d/>
+    <dgm:txPr/>
+    <dgm:style>
+      <a:lnRef idx="2">
+        <a:scrgbClr r="0" g="0" b="0"/>
+      </a:lnRef>
+      <a:fillRef idx="1">
+        <a:scrgbClr r="0" g="0" b="0"/>
+      </a:fillRef>
+      <a:effectRef idx="0">
+        <a:scrgbClr r="0" g="0" b="0"/>
+      </a:effectRef>
+      <a:fontRef idx="minor">
+        <a:schemeClr val="lt1"/>
+      </a:fontRef>
+    </dgm:style>
+  </dgm:styleLbl>
+  <dgm:styleLbl name="asst1">
+    <dgm:scene3d>
+      <a:camera prst="orthographicFront"/>
+      <a:lightRig rig="threePt" dir="t"/>
+    </dgm:scene3d>
+    <dgm:sp3d/>
+    <dgm:txPr/>
+    <dgm:style>
+      <a:lnRef idx="2">
+        <a:scrgbClr r="0" g="0" b="0"/>
+      </a:lnRef>
+      <a:fillRef idx="1">
+        <a:scrgbClr r="0" g="0" b="0"/>
+      </a:fillRef>
+      <a:effectRef idx="0">
+        <a:scrgbClr r="0" g="0" b="0"/>
+      </a:effectRef>
+      <a:fontRef idx="minor">
+        <a:schemeClr val="lt1"/>
+      </a:fontRef>
+    </dgm:style>
+  </dgm:styleLbl>
+  <dgm:styleLbl name="asst2">
+    <dgm:scene3d>
+      <a:camera prst="orthographicFront"/>
+      <a:lightRig rig="threePt" dir="t"/>
+    </dgm:scene3d>
+    <dgm:sp3d/>
+    <dgm:txPr/>
+    <dgm:style>
+      <a:lnRef idx="2">
+        <a:scrgbClr r="0" g="0" b="0"/>
+      </a:lnRef>
+      <a:fillRef idx="1">
+        <a:scrgbClr r="0" g="0" b="0"/>
+      </a:fillRef>
+      <a:effectRef idx="0">
+        <a:scrgbClr r="0" g="0" b="0"/>
+      </a:effectRef>
+      <a:fontRef idx="minor">
+        <a:schemeClr val="lt1"/>
+      </a:fontRef>
+    </dgm:style>
+  </dgm:styleLbl>
+  <dgm:styleLbl name="asst3">
+    <dgm:scene3d>
+      <a:camera prst="orthographicFront"/>
+      <a:lightRig rig="threePt" dir="t"/>
+    </dgm:scene3d>
+    <dgm:sp3d/>
+    <dgm:txPr/>
+    <dgm:style>
+      <a:lnRef idx="2">
+        <a:scrgbClr r="0" g="0" b="0"/>
+      </a:lnRef>
+      <a:fillRef idx="1">
+        <a:scrgbClr r="0" g="0" b="0"/>
+      </a:fillRef>
+      <a:effectRef idx="0">
+        <a:scrgbClr r="0" g="0" b="0"/>
+      </a:effectRef>
+      <a:fontRef idx="minor">
+        <a:schemeClr val="lt1"/>
+      </a:fontRef>
+    </dgm:style>
+  </dgm:styleLbl>
+  <dgm:styleLbl name="asst4">
+    <dgm:scene3d>
+      <a:camera prst="orthographicFront"/>
+      <a:lightRig rig="threePt" dir="t"/>
+    </dgm:scene3d>
+    <dgm:sp3d/>
+    <dgm:txPr/>
+    <dgm:style>
+      <a:lnRef idx="2">
+        <a:scrgbClr r="0" g="0" b="0"/>
+      </a:lnRef>
+      <a:fillRef idx="1">
+        <a:scrgbClr r="0" g="0" b="0"/>
+      </a:fillRef>
+      <a:effectRef idx="0">
+        <a:scrgbClr r="0" g="0" b="0"/>
+      </a:effectRef>
+      <a:fontRef idx="minor">
+        <a:schemeClr val="lt1"/>
+      </a:fontRef>
+    </dgm:style>
+  </dgm:styleLbl>
+  <dgm:styleLbl name="parChTrans2D1">
+    <dgm:scene3d>
+      <a:camera prst="orthographicFront"/>
+      <a:lightRig rig="threePt" dir="t"/>
+    </dgm:scene3d>
+    <dgm:sp3d/>
+    <dgm:txPr/>
+    <dgm:style>
+      <a:lnRef idx="2">
+        <a:scrgbClr r="0" g="0" b="0"/>
+      </a:lnRef>
+      <a:fillRef idx="1">
+        <a:scrgbClr r="0" g="0" b="0"/>
+      </a:fillRef>
+      <a:effectRef idx="0">
+        <a:scrgbClr r="0" g="0" b="0"/>
+      </a:effectRef>
+      <a:fontRef idx="minor">
+        <a:schemeClr val="lt1"/>
+      </a:fontRef>
+    </dgm:style>
+  </dgm:styleLbl>
+  <dgm:styleLbl name="parChTrans2D2">
+    <dgm:scene3d>
+      <a:camera prst="orthographicFront"/>
+      <a:lightRig rig="threePt" dir="t"/>
+    </dgm:scene3d>
+    <dgm:sp3d/>
+    <dgm:txPr/>
+    <dgm:style>
+      <a:lnRef idx="2">
+        <a:scrgbClr r="0" g="0" b="0"/>
+      </a:lnRef>
+      <a:fillRef idx="1">
+        <a:scrgbClr r="0" g="0" b="0"/>
+      </a:fillRef>
+      <a:effectRef idx="0">
+        <a:scrgbClr r="0" g="0" b="0"/>
+      </a:effectRef>
+      <a:fontRef idx="minor">
+        <a:schemeClr val="lt1"/>
+      </a:fontRef>
+    </dgm:style>
+  </dgm:styleLbl>
+  <dgm:styleLbl name="parChTrans2D3">
+    <dgm:scene3d>
+      <a:camera prst="orthographicFront"/>
+      <a:lightRig rig="threePt" dir="t"/>
+    </dgm:scene3d>
+    <dgm:sp3d/>
+    <dgm:txPr/>
+    <dgm:style>
+      <a:lnRef idx="2">
+        <a:scrgbClr r="0" g="0" b="0"/>
+      </a:lnRef>
+      <a:fillRef idx="1">
+        <a:scrgbClr r="0" g="0" b="0"/>
+      </a:fillRef>
+      <a:effectRef idx="0">
+        <a:scrgbClr r="0" g="0" b="0"/>
+      </a:effectRef>
+      <a:fontRef idx="minor">
+        <a:schemeClr val="lt1"/>
+      </a:fontRef>
+    </dgm:style>
+  </dgm:styleLbl>
+  <dgm:styleLbl name="parChTrans2D4">
+    <dgm:scene3d>
+      <a:camera prst="orthographicFront"/>
+      <a:lightRig rig="threePt" dir="t"/>
+    </dgm:scene3d>
+    <dgm:sp3d/>
+    <dgm:txPr/>
+    <dgm:style>
+      <a:lnRef idx="2">
+        <a:scrgbClr r="0" g="0" b="0"/>
+      </a:lnRef>
+      <a:fillRef idx="1">
+        <a:scrgbClr r="0" g="0" b="0"/>
+      </a:fillRef>
+      <a:effectRef idx="0">
+        <a:scrgbClr r="0" g="0" b="0"/>
+      </a:effectRef>
+      <a:fontRef idx="minor">
+        <a:schemeClr val="lt1"/>
+      </a:fontRef>
+    </dgm:style>
+  </dgm:styleLbl>
+  <dgm:styleLbl name="parChTrans1D1">
+    <dgm:scene3d>
+      <a:camera prst="orthographicFront"/>
+      <a:lightRig rig="threePt" dir="t"/>
+    </dgm:scene3d>
+    <dgm:sp3d/>
+    <dgm:txPr/>
+    <dgm:style>
+      <a:lnRef idx="2">
+        <a:scrgbClr r="0" g="0" b="0"/>
+      </a:lnRef>
+      <a:fillRef idx="0">
+        <a:scrgbClr r="0" g="0" b="0"/>
+      </a:fillRef>
+      <a:effectRef idx="0">
+        <a:scrgbClr r="0" g="0" b="0"/>
+      </a:effectRef>
+      <a:fontRef idx="minor"/>
+    </dgm:style>
+  </dgm:styleLbl>
+  <dgm:styleLbl name="parChTrans1D2">
+    <dgm:scene3d>
+      <a:camera prst="orthographicFront"/>
+      <a:lightRig rig="threePt" dir="t"/>
+    </dgm:scene3d>
+    <dgm:sp3d/>
+    <dgm:txPr/>
+    <dgm:style>
+      <a:lnRef idx="2">
+        <a:scrgbClr r="0" g="0" b="0"/>
+      </a:lnRef>
+      <a:fillRef idx="0">
+        <a:scrgbClr r="0" g="0" b="0"/>
+      </a:fillRef>
+      <a:effectRef idx="0">
+        <a:scrgbClr r="0" g="0" b="0"/>
+      </a:effectRef>
+      <a:fontRef idx="minor"/>
+    </dgm:style>
+  </dgm:styleLbl>
+  <dgm:styleLbl name="parChTrans1D3">
+    <dgm:scene3d>
+      <a:camera prst="orthographicFront"/>
+      <a:lightRig rig="threePt" dir="t"/>
+    </dgm:scene3d>
+    <dgm:sp3d/>
+    <dgm:txPr/>
+    <dgm:style>
+      <a:lnRef idx="2">
+        <a:scrgbClr r="0" g="0" b="0"/>
+      </a:lnRef>
+      <a:fillRef idx="0">
+        <a:scrgbClr r="0" g="0" b="0"/>
+      </a:fillRef>
+      <a:effectRef idx="0">
+        <a:scrgbClr r="0" g="0" b="0"/>
+      </a:effectRef>
+      <a:fontRef idx="minor"/>
+    </dgm:style>
+  </dgm:styleLbl>
+  <dgm:styleLbl name="parChTrans1D4">
+    <dgm:scene3d>
+      <a:camera prst="orthographicFront"/>
+      <a:lightRig rig="threePt" dir="t"/>
+    </dgm:scene3d>
+    <dgm:sp3d/>
+    <dgm:txPr/>
+    <dgm:style>
+      <a:lnRef idx="2">
+        <a:scrgbClr r="0" g="0" b="0"/>
+      </a:lnRef>
+      <a:fillRef idx="0">
+        <a:scrgbClr r="0" g="0" b="0"/>
+      </a:fillRef>
+      <a:effectRef idx="0">
+        <a:scrgbClr r="0" g="0" b="0"/>
+      </a:effectRef>
+      <a:fontRef idx="minor"/>
+    </dgm:style>
+  </dgm:styleLbl>
+  <dgm:styleLbl name="fgAcc1">
+    <dgm:scene3d>
+      <a:camera prst="orthographicFront"/>
+      <a:lightRig rig="threePt" dir="t"/>
+    </dgm:scene3d>
+    <dgm:sp3d/>
+    <dgm:txPr/>
+    <dgm:style>
+      <a:lnRef idx="2">
+        <a:scrgbClr r="0" g="0" b="0"/>
+      </a:lnRef>
+      <a:fillRef idx="1">
+        <a:scrgbClr r="0" g="0" b="0"/>
+      </a:fillRef>
+      <a:effectRef idx="0">
+        <a:scrgbClr r="0" g="0" b="0"/>
+      </a:effectRef>
+      <a:fontRef idx="minor"/>
+    </dgm:style>
+  </dgm:styleLbl>
+  <dgm:styleLbl name="conFgAcc1">
+    <dgm:scene3d>
+      <a:camera prst="orthographicFront"/>
+      <a:lightRig rig="threePt" dir="t"/>
+    </dgm:scene3d>
+    <dgm:sp3d/>
+    <dgm:txPr/>
+    <dgm:style>
+      <a:lnRef idx="2">
+        <a:scrgbClr r="0" g="0" b="0"/>
+      </a:lnRef>
+      <a:fillRef idx="1">
+        <a:scrgbClr r="0" g="0" b="0"/>
+      </a:fillRef>
+      <a:effectRef idx="0">
+        <a:scrgbClr r="0" g="0" b="0"/>
+      </a:effectRef>
+      <a:fontRef idx="minor"/>
+    </dgm:style>
+  </dgm:styleLbl>
+  <dgm:styleLbl name="alignAcc1">
+    <dgm:scene3d>
+      <a:camera prst="orthographicFront"/>
+      <a:lightRig rig="threePt" dir="t"/>
+    </dgm:scene3d>
+    <dgm:sp3d/>
+    <dgm:txPr/>
+    <dgm:style>
+      <a:lnRef idx="2">
+        <a:scrgbClr r="0" g="0" b="0"/>
+      </a:lnRef>
+      <a:fillRef idx="1">
+        <a:scrgbClr r="0" g="0" b="0"/>
+      </a:fillRef>
+      <a:effectRef idx="0">
+        <a:scrgbClr r="0" g="0" b="0"/>
+      </a:effectRef>
+      <a:fontRef idx="minor"/>
+    </dgm:style>
+  </dgm:styleLbl>
+  <dgm:styleLbl name="trAlignAcc1">
+    <dgm:scene3d>
+      <a:camera prst="orthographicFront"/>
+      <a:lightRig rig="threePt" dir="t"/>
+    </dgm:scene3d>
+    <dgm:sp3d/>
+    <dgm:txPr/>
+    <dgm:style>
+      <a:lnRef idx="1">
+        <a:scrgbClr r="0" g="0" b="0"/>
+      </a:lnRef>
+      <a:fillRef idx="1">
+        <a:scrgbClr r="0" g="0" b="0"/>
+      </a:fillRef>
+      <a:effectRef idx="0">
+        <a:scrgbClr r="0" g="0" b="0"/>
+      </a:effectRef>
+      <a:fontRef idx="minor"/>
+    </dgm:style>
+  </dgm:styleLbl>
+  <dgm:styleLbl name="bgAcc1">
+    <dgm:scene3d>
+      <a:camera prst="orthographicFront"/>
+      <a:lightRig rig="threePt" dir="t"/>
+    </dgm:scene3d>
+    <dgm:sp3d/>
+    <dgm:txPr/>
+    <dgm:style>
+      <a:lnRef idx="2">
+        <a:scrgbClr r="0" g="0" b="0"/>
+      </a:lnRef>
+      <a:fillRef idx="1">
+        <a:scrgbClr r="0" g="0" b="0"/>
+      </a:fillRef>
+      <a:effectRef idx="0">
+        <a:scrgbClr r="0" g="0" b="0"/>
+      </a:effectRef>
+      <a:fontRef idx="minor"/>
+    </dgm:style>
+  </dgm:styleLbl>
+  <dgm:styleLbl name="solidFgAcc1">
+    <dgm:scene3d>
+      <a:camera prst="orthographicFront"/>
+      <a:lightRig rig="threePt" dir="t"/>
+    </dgm:scene3d>
+    <dgm:sp3d/>
+    <dgm:txPr/>
+    <dgm:style>
+      <a:lnRef idx="2">
+        <a:scrgbClr r="0" g="0" b="0"/>
+      </a:lnRef>
+      <a:fillRef idx="1">
+        <a:scrgbClr r="0" g="0" b="0"/>
+      </a:fillRef>
+      <a:effectRef idx="0">
+        <a:scrgbClr r="0" g="0" b="0"/>
+      </a:effectRef>
+      <a:fontRef idx="minor"/>
+    </dgm:style>
+  </dgm:styleLbl>
+  <dgm:styleLbl name="solidAlignAcc1">
+    <dgm:scene3d>
+      <a:camera prst="orthographicFront"/>
+      <a:lightRig rig="threePt" dir="t"/>
+    </dgm:scene3d>
+    <dgm:sp3d/>
+    <dgm:txPr/>
+    <dgm:style>
+      <a:lnRef idx="2">
+        <a:scrgbClr r="0" g="0" b="0"/>
+      </a:lnRef>
+      <a:fillRef idx="1">
+        <a:scrgbClr r="0" g="0" b="0"/>
+      </a:fillRef>
+      <a:effectRef idx="0">
+        <a:scrgbClr r="0" g="0" b="0"/>
+      </a:effectRef>
+      <a:fontRef idx="minor"/>
+    </dgm:style>
+  </dgm:styleLbl>
+  <dgm:styleLbl name="solidBgAcc1">
+    <dgm:scene3d>
+      <a:camera prst="orthographicFront"/>
+      <a:lightRig rig="threePt" dir="t"/>
+    </dgm:scene3d>
+    <dgm:sp3d/>
+    <dgm:txPr/>
+    <dgm:style>
+      <a:lnRef idx="2">
+        <a:scrgbClr r="0" g="0" b="0"/>
+      </a:lnRef>
+      <a:fillRef idx="1">
+        <a:scrgbClr r="0" g="0" b="0"/>
+      </a:fillRef>
+      <a:effectRef idx="0">
+        <a:scrgbClr r="0" g="0" b="0"/>
+      </a:effectRef>
+      <a:fontRef idx="minor"/>
+    </dgm:style>
+  </dgm:styleLbl>
+  <dgm:styleLbl name="fgAccFollowNode1">
+    <dgm:scene3d>
+      <a:camera prst="orthographicFront"/>
+      <a:lightRig rig="threePt" dir="t"/>
+    </dgm:scene3d>
+    <dgm:sp3d/>
+    <dgm:txPr/>
+    <dgm:style>
+      <a:lnRef idx="2">
+        <a:scrgbClr r="0" g="0" b="0"/>
+      </a:lnRef>
+      <a:fillRef idx="1">
+        <a:scrgbClr r="0" g="0" b="0"/>
+      </a:fillRef>
+      <a:effectRef idx="0">
+        <a:scrgbClr r="0" g="0" b="0"/>
+      </a:effectRef>
+      <a:fontRef idx="minor"/>
+    </dgm:style>
+  </dgm:styleLbl>
+  <dgm:styleLbl name="alignAccFollowNode1">
+    <dgm:scene3d>
+      <a:camera prst="orthographicFront"/>
+      <a:lightRig rig="threePt" dir="t"/>
+    </dgm:scene3d>
+    <dgm:sp3d/>
+    <dgm:txPr/>
+    <dgm:style>
+      <a:lnRef idx="2">
+        <a:scrgbClr r="0" g="0" b="0"/>
+      </a:lnRef>
+      <a:fillRef idx="1">
+        <a:scrgbClr r="0" g="0" b="0"/>
+      </a:fillRef>
+      <a:effectRef idx="0">
+        <a:scrgbClr r="0" g="0" b="0"/>
+      </a:effectRef>
+      <a:fontRef idx="minor"/>
+    </dgm:style>
+  </dgm:styleLbl>
+  <dgm:styleLbl name="bgAccFollowNode1">
+    <dgm:scene3d>
+      <a:camera prst="orthographicFront"/>
+      <a:lightRig rig="threePt" dir="t"/>
+    </dgm:scene3d>
+    <dgm:sp3d/>
+    <dgm:txPr/>
+    <dgm:style>
+      <a:lnRef idx="2">
+        <a:scrgbClr r="0" g="0" b="0"/>
+      </a:lnRef>
+      <a:fillRef idx="1">
+        <a:scrgbClr r="0" g="0" b="0"/>
+      </a:fillRef>
+      <a:effectRef idx="0">
+        <a:scrgbClr r="0" g="0" b="0"/>
+      </a:effectRef>
+      <a:fontRef idx="minor"/>
+    </dgm:style>
+  </dgm:styleLbl>
+  <dgm:styleLbl name="fgAcc0">
+    <dgm:scene3d>
+      <a:camera prst="orthographicFront"/>
+      <a:lightRig rig="threePt" dir="t"/>
+    </dgm:scene3d>
+    <dgm:sp3d/>
+    <dgm:txPr/>
+    <dgm:style>
+      <a:lnRef idx="2">
+        <a:scrgbClr r="0" g="0" b="0"/>
+      </a:lnRef>
+      <a:fillRef idx="1">
+        <a:scrgbClr r="0" g="0" b="0"/>
+      </a:fillRef>
+      <a:effectRef idx="0">
+        <a:scrgbClr r="0" g="0" b="0"/>
+      </a:effectRef>
+      <a:fontRef idx="minor"/>
+    </dgm:style>
+  </dgm:styleLbl>
+  <dgm:styleLbl name="fgAcc2">
+    <dgm:scene3d>
+      <a:camera prst="orthographicFront"/>
+      <a:lightRig rig="threePt" dir="t"/>
+    </dgm:scene3d>
+    <dgm:sp3d/>
+    <dgm:txPr/>
+    <dgm:style>
+      <a:lnRef idx="2">
+        <a:scrgbClr r="0" g="0" b="0"/>
+      </a:lnRef>
+      <a:fillRef idx="1">
+        <a:scrgbClr r="0" g="0" b="0"/>
+      </a:fillRef>
+      <a:effectRef idx="0">
+        <a:scrgbClr r="0" g="0" b="0"/>
+      </a:effectRef>
+      <a:fontRef idx="minor"/>
+    </dgm:style>
+  </dgm:styleLbl>
+  <dgm:styleLbl name="fgAcc3">
+    <dgm:scene3d>
+      <a:camera prst="orthographicFront"/>
+      <a:lightRig rig="threePt" dir="t"/>
+    </dgm:scene3d>
+    <dgm:sp3d/>
+    <dgm:txPr/>
+    <dgm:style>
+      <a:lnRef idx="2">
+        <a:scrgbClr r="0" g="0" b="0"/>
+      </a:lnRef>
+      <a:fillRef idx="1">
+        <a:scrgbClr r="0" g="0" b="0"/>
+      </a:fillRef>
+      <a:effectRef idx="0">
+        <a:scrgbClr r="0" g="0" b="0"/>
+      </a:effectRef>
+      <a:fontRef idx="minor"/>
+    </dgm:style>
+  </dgm:styleLbl>
+  <dgm:styleLbl name="fgAcc4">
+    <dgm:scene3d>
+      <a:camera prst="orthographicFront"/>
+      <a:lightRig rig="threePt" dir="t"/>
+    </dgm:scene3d>
+    <dgm:sp3d/>
+    <dgm:txPr/>
+    <dgm:style>
+      <a:lnRef idx="2">
+        <a:scrgbClr r="0" g="0" b="0"/>
+      </a:lnRef>
+      <a:fillRef idx="1">
+        <a:scrgbClr r="0" g="0" b="0"/>
+      </a:fillRef>
+      <a:effectRef idx="0">
+        <a:scrgbClr r="0" g="0" b="0"/>
+      </a:effectRef>
+      <a:fontRef idx="minor"/>
+    </dgm:style>
+  </dgm:styleLbl>
+  <dgm:styleLbl name="bgShp">
+    <dgm:scene3d>
+      <a:camera prst="orthographicFront"/>
+      <a:lightRig rig="threePt" dir="t"/>
+    </dgm:scene3d>
+    <dgm:sp3d/>
+    <dgm:txPr/>
+    <dgm:style>
+      <a:lnRef idx="0">
+        <a:scrgbClr r="0" g="0" b="0"/>
+      </a:lnRef>
+      <a:fillRef idx="1">
+        <a:scrgbClr r="0" g="0" b="0"/>
+      </a:fillRef>
+      <a:effectRef idx="0">
+        <a:scrgbClr r="0" g="0" b="0"/>
+      </a:effectRef>
+      <a:fontRef idx="minor"/>
+    </dgm:style>
+  </dgm:styleLbl>
+  <dgm:styleLbl name="dkBgShp">
+    <dgm:scene3d>
+      <a:camera prst="orthographicFront"/>
+      <a:lightRig rig="threePt" dir="t"/>
+    </dgm:scene3d>
+    <dgm:sp3d/>
+    <dgm:txPr/>
+    <dgm:style>
+      <a:lnRef idx="0">
+        <a:scrgbClr r="0" g="0" b="0"/>
+      </a:lnRef>
+      <a:fillRef idx="1">
+        <a:scrgbClr r="0" g="0" b="0"/>
+      </a:fillRef>
+      <a:effectRef idx="0">
+        <a:scrgbClr r="0" g="0" b="0"/>
+      </a:effectRef>
+      <a:fontRef idx="minor"/>
+    </dgm:style>
+  </dgm:styleLbl>
+  <dgm:styleLbl name="trBgShp">
+    <dgm:scene3d>
+      <a:camera prst="orthographicFront"/>
+      <a:lightRig rig="threePt" dir="t"/>
+    </dgm:scene3d>
+    <dgm:sp3d/>
+    <dgm:txPr/>
+    <dgm:style>
+      <a:lnRef idx="0">
+        <a:scrgbClr r="0" g="0" b="0"/>
+      </a:lnRef>
+      <a:fillRef idx="1">
+        <a:scrgbClr r="0" g="0" b="0"/>
+      </a:fillRef>
+      <a:effectRef idx="0">
+        <a:scrgbClr r="0" g="0" b="0"/>
+      </a:effectRef>
+      <a:fontRef idx="minor"/>
+    </dgm:style>
+  </dgm:styleLbl>
+  <dgm:styleLbl name="fgShp">
+    <dgm:scene3d>
+      <a:camera prst="orthographicFront"/>
+      <a:lightRig rig="threePt" dir="t"/>
+    </dgm:scene3d>
+    <dgm:sp3d/>
+    <dgm:txPr/>
+    <dgm:style>
+      <a:lnRef idx="2">
+        <a:scrgbClr r="0" g="0" b="0"/>
+      </a:lnRef>
+      <a:fillRef idx="1">
+        <a:scrgbClr r="0" g="0" b="0"/>
+      </a:fillRef>
+      <a:effectRef idx="0">
+        <a:scrgbClr r="0" g="0" b="0"/>
+      </a:effectRef>
+      <a:fontRef idx="minor"/>
+    </dgm:style>
+  </dgm:styleLbl>
+  <dgm:styleLbl name="revTx">
+    <dgm:scene3d>
+      <a:camera prst="orthographicFront"/>
+      <a:lightRig rig="threePt" dir="t"/>
+    </dgm:scene3d>
+    <dgm:sp3d/>
+    <dgm:txPr/>
+    <dgm:style>
+      <a:lnRef idx="0">
+        <a:scrgbClr r="0" g="0" b="0"/>
+      </a:lnRef>
+      <a:fillRef idx="0">
+        <a:scrgbClr r="0" g="0" b="0"/>
+      </a:fillRef>
+      <a:effectRef idx="0">
+        <a:scrgbClr r="0" g="0" b="0"/>
+      </a:effectRef>
+      <a:fontRef idx="minor"/>
+    </dgm:style>
+  </dgm:styleLbl>
+</dgm:styleDef>
+</file>
+
 <file path=ppt/slideLayouts/slideLayout1.xml><?xml version="1.0" encoding="utf-8"?>
 <p:sldLayout xmlns:a="http://schemas.openxmlformats.org/drawingml/2006/main" xmlns:r="http://schemas.openxmlformats.org/officeDocument/2006/relationships" xmlns:p="http://schemas.openxmlformats.org/presentationml/2006/main" type="title" preserve="1">
   <p:cSld name="Title Slide">
@@ -8572,7 +12727,7 @@
           <a:p>
             <a:fld id="{72F6D6FB-D7A1-4729-A49D-7E3DF9EC6E4F}" type="datetimeFigureOut">
               <a:rPr lang="en-GB" smtClean="0"/>
-              <a:t>10/05/2019</a:t>
+              <a:t>11/05/2019</a:t>
             </a:fld>
             <a:endParaRPr lang="en-GB"/>
           </a:p>
@@ -8772,7 +12927,7 @@
           <a:p>
             <a:fld id="{72F6D6FB-D7A1-4729-A49D-7E3DF9EC6E4F}" type="datetimeFigureOut">
               <a:rPr lang="en-GB" smtClean="0"/>
-              <a:t>10/05/2019</a:t>
+              <a:t>11/05/2019</a:t>
             </a:fld>
             <a:endParaRPr lang="en-GB"/>
           </a:p>
@@ -8982,7 +13137,7 @@
           <a:p>
             <a:fld id="{72F6D6FB-D7A1-4729-A49D-7E3DF9EC6E4F}" type="datetimeFigureOut">
               <a:rPr lang="en-GB" smtClean="0"/>
-              <a:t>10/05/2019</a:t>
+              <a:t>11/05/2019</a:t>
             </a:fld>
             <a:endParaRPr lang="en-GB"/>
           </a:p>
@@ -9182,7 +13337,7 @@
           <a:p>
             <a:fld id="{72F6D6FB-D7A1-4729-A49D-7E3DF9EC6E4F}" type="datetimeFigureOut">
               <a:rPr lang="en-GB" smtClean="0"/>
-              <a:t>10/05/2019</a:t>
+              <a:t>11/05/2019</a:t>
             </a:fld>
             <a:endParaRPr lang="en-GB"/>
           </a:p>
@@ -9458,7 +13613,7 @@
           <a:p>
             <a:fld id="{72F6D6FB-D7A1-4729-A49D-7E3DF9EC6E4F}" type="datetimeFigureOut">
               <a:rPr lang="en-GB" smtClean="0"/>
-              <a:t>10/05/2019</a:t>
+              <a:t>11/05/2019</a:t>
             </a:fld>
             <a:endParaRPr lang="en-GB"/>
           </a:p>
@@ -9726,7 +13881,7 @@
           <a:p>
             <a:fld id="{72F6D6FB-D7A1-4729-A49D-7E3DF9EC6E4F}" type="datetimeFigureOut">
               <a:rPr lang="en-GB" smtClean="0"/>
-              <a:t>10/05/2019</a:t>
+              <a:t>11/05/2019</a:t>
             </a:fld>
             <a:endParaRPr lang="en-GB"/>
           </a:p>
@@ -10141,7 +14296,7 @@
           <a:p>
             <a:fld id="{72F6D6FB-D7A1-4729-A49D-7E3DF9EC6E4F}" type="datetimeFigureOut">
               <a:rPr lang="en-GB" smtClean="0"/>
-              <a:t>10/05/2019</a:t>
+              <a:t>11/05/2019</a:t>
             </a:fld>
             <a:endParaRPr lang="en-GB"/>
           </a:p>
@@ -10283,7 +14438,7 @@
           <a:p>
             <a:fld id="{72F6D6FB-D7A1-4729-A49D-7E3DF9EC6E4F}" type="datetimeFigureOut">
               <a:rPr lang="en-GB" smtClean="0"/>
-              <a:t>10/05/2019</a:t>
+              <a:t>11/05/2019</a:t>
             </a:fld>
             <a:endParaRPr lang="en-GB"/>
           </a:p>
@@ -10396,7 +14551,7 @@
           <a:p>
             <a:fld id="{72F6D6FB-D7A1-4729-A49D-7E3DF9EC6E4F}" type="datetimeFigureOut">
               <a:rPr lang="en-GB" smtClean="0"/>
-              <a:t>10/05/2019</a:t>
+              <a:t>11/05/2019</a:t>
             </a:fld>
             <a:endParaRPr lang="en-GB"/>
           </a:p>
@@ -10709,7 +14864,7 @@
           <a:p>
             <a:fld id="{72F6D6FB-D7A1-4729-A49D-7E3DF9EC6E4F}" type="datetimeFigureOut">
               <a:rPr lang="en-GB" smtClean="0"/>
-              <a:t>10/05/2019</a:t>
+              <a:t>11/05/2019</a:t>
             </a:fld>
             <a:endParaRPr lang="en-GB"/>
           </a:p>
@@ -10998,7 +15153,7 @@
           <a:p>
             <a:fld id="{72F6D6FB-D7A1-4729-A49D-7E3DF9EC6E4F}" type="datetimeFigureOut">
               <a:rPr lang="en-GB" smtClean="0"/>
-              <a:t>10/05/2019</a:t>
+              <a:t>11/05/2019</a:t>
             </a:fld>
             <a:endParaRPr lang="en-GB"/>
           </a:p>
@@ -11241,7 +15396,7 @@
           <a:p>
             <a:fld id="{72F6D6FB-D7A1-4729-A49D-7E3DF9EC6E4F}" type="datetimeFigureOut">
               <a:rPr lang="en-GB" smtClean="0"/>
-              <a:t>10/05/2019</a:t>
+              <a:t>11/05/2019</a:t>
             </a:fld>
             <a:endParaRPr lang="en-GB"/>
           </a:p>
@@ -11647,6 +15802,278 @@
     <p:bg>
       <p:bgPr>
         <a:solidFill>
+          <a:schemeClr val="bg1">
+            <a:tint val="95000"/>
+            <a:satMod val="170000"/>
+          </a:schemeClr>
+        </a:solidFill>
+        <a:effectLst/>
+      </p:bgPr>
+    </p:bg>
+    <p:spTree>
+      <p:nvGrpSpPr>
+        <p:cNvPr id="1" name=""/>
+        <p:cNvGrpSpPr/>
+        <p:nvPr/>
+      </p:nvGrpSpPr>
+      <p:grpSpPr>
+        <a:xfrm>
+          <a:off x="0" y="0"/>
+          <a:ext cx="0" cy="0"/>
+          <a:chOff x="0" y="0"/>
+          <a:chExt cx="0" cy="0"/>
+        </a:xfrm>
+      </p:grpSpPr>
+      <p:sp>
+        <p:nvSpPr>
+          <p:cNvPr id="2" name="Title 1">
+            <a:extLst>
+              <a:ext uri="{FF2B5EF4-FFF2-40B4-BE49-F238E27FC236}">
+                <a16:creationId xmlns:a16="http://schemas.microsoft.com/office/drawing/2014/main" id="{9B581829-2001-4CCE-A97D-DA8881BDA10E}"/>
+              </a:ext>
+            </a:extLst>
+          </p:cNvPr>
+          <p:cNvSpPr>
+            <a:spLocks noGrp="1"/>
+          </p:cNvSpPr>
+          <p:nvPr>
+            <p:ph type="ctrTitle"/>
+          </p:nvPr>
+        </p:nvSpPr>
+        <p:spPr>
+          <a:xfrm>
+            <a:off x="1023257" y="965198"/>
+            <a:ext cx="6766078" cy="4927601"/>
+          </a:xfrm>
+        </p:spPr>
+        <p:txBody>
+          <a:bodyPr vert="horz" lIns="91440" tIns="45720" rIns="91440" bIns="45720" rtlCol="0" anchor="ctr">
+            <a:normAutofit/>
+          </a:bodyPr>
+          <a:lstStyle/>
+          <a:p>
+            <a:pPr algn="r"/>
+            <a:r>
+              <a:rPr lang="en-US" kern="1200" dirty="0">
+                <a:latin typeface="+mj-lt"/>
+                <a:ea typeface="+mj-ea"/>
+                <a:cs typeface="+mj-cs"/>
+              </a:rPr>
+              <a:t>Human Resources Management Systems</a:t>
+            </a:r>
+          </a:p>
+        </p:txBody>
+      </p:sp>
+      <p:sp>
+        <p:nvSpPr>
+          <p:cNvPr id="18" name="Rectangle 17">
+            <a:extLst>
+              <a:ext uri="{FF2B5EF4-FFF2-40B4-BE49-F238E27FC236}">
+                <a16:creationId xmlns:a16="http://schemas.microsoft.com/office/drawing/2014/main" id="{793EF0C2-EE57-40DD-B754-BF1477FABABB}"/>
+              </a:ext>
+              <a:ext uri="{C183D7F6-B498-43B3-948B-1728B52AA6E4}">
+                <adec:decorative xmlns:adec="http://schemas.microsoft.com/office/drawing/2017/decorative" val="1"/>
+              </a:ext>
+            </a:extLst>
+          </p:cNvPr>
+          <p:cNvSpPr>
+            <a:spLocks noGrp="1" noRot="1" noChangeAspect="1" noMove="1" noResize="1" noEditPoints="1" noAdjustHandles="1" noChangeArrowheads="1" noChangeShapeType="1" noTextEdit="1"/>
+          </p:cNvSpPr>
+          <p:nvPr>
+            <p:extLst>
+              <p:ext uri="{386F3935-93C4-4BCD-93E2-E3B085C9AB24}">
+                <p16:designElem xmlns:p16="http://schemas.microsoft.com/office/powerpoint/2015/main" val="1"/>
+              </p:ext>
+            </p:extLst>
+          </p:nvPr>
+        </p:nvSpPr>
+        <p:spPr>
+          <a:xfrm>
+            <a:off x="8119870" y="0"/>
+            <a:ext cx="4072130" cy="6858000"/>
+          </a:xfrm>
+          <a:prstGeom prst="rect">
+            <a:avLst/>
+          </a:prstGeom>
+          <a:solidFill>
+            <a:schemeClr val="accent1">
+              <a:alpha val="80000"/>
+            </a:schemeClr>
+          </a:solidFill>
+          <a:ln>
+            <a:noFill/>
+          </a:ln>
+        </p:spPr>
+        <p:style>
+          <a:lnRef idx="2">
+            <a:schemeClr val="accent1">
+              <a:shade val="50000"/>
+            </a:schemeClr>
+          </a:lnRef>
+          <a:fillRef idx="1">
+            <a:schemeClr val="accent1"/>
+          </a:fillRef>
+          <a:effectRef idx="0">
+            <a:schemeClr val="accent1"/>
+          </a:effectRef>
+          <a:fontRef idx="minor">
+            <a:schemeClr val="lt1"/>
+          </a:fontRef>
+        </p:style>
+        <p:txBody>
+          <a:bodyPr rtlCol="0" anchor="ctr"/>
+          <a:lstStyle/>
+          <a:p>
+            <a:pPr algn="ctr"/>
+            <a:endParaRPr lang="en-US"/>
+          </a:p>
+        </p:txBody>
+      </p:sp>
+      <p:sp>
+        <p:nvSpPr>
+          <p:cNvPr id="3" name="Subtitle 2">
+            <a:extLst>
+              <a:ext uri="{FF2B5EF4-FFF2-40B4-BE49-F238E27FC236}">
+                <a16:creationId xmlns:a16="http://schemas.microsoft.com/office/drawing/2014/main" id="{B92CEE4D-46DA-4F74-8DAC-719B7A02887E}"/>
+              </a:ext>
+            </a:extLst>
+          </p:cNvPr>
+          <p:cNvSpPr>
+            <a:spLocks noGrp="1"/>
+          </p:cNvSpPr>
+          <p:nvPr>
+            <p:ph type="subTitle" idx="1"/>
+          </p:nvPr>
+        </p:nvSpPr>
+        <p:spPr>
+          <a:xfrm>
+            <a:off x="8454570" y="965199"/>
+            <a:ext cx="3093963" cy="4927602"/>
+          </a:xfrm>
+        </p:spPr>
+        <p:txBody>
+          <a:bodyPr vert="horz" lIns="91440" tIns="45720" rIns="91440" bIns="45720" rtlCol="0" anchor="ctr">
+            <a:normAutofit/>
+          </a:bodyPr>
+          <a:lstStyle/>
+          <a:p>
+            <a:pPr algn="l"/>
+            <a:r>
+              <a:rPr lang="en-US" sz="2000" dirty="0" err="1">
+                <a:solidFill>
+                  <a:srgbClr val="FFFFFF"/>
+                </a:solidFill>
+              </a:rPr>
+              <a:t>Aytan</a:t>
+            </a:r>
+            <a:r>
+              <a:rPr lang="en-US" sz="2000" dirty="0">
+                <a:solidFill>
+                  <a:srgbClr val="FFFFFF"/>
+                </a:solidFill>
+              </a:rPr>
+              <a:t> </a:t>
+            </a:r>
+            <a:r>
+              <a:rPr lang="en-US" sz="2000" dirty="0" err="1">
+                <a:solidFill>
+                  <a:srgbClr val="FFFFFF"/>
+                </a:solidFill>
+              </a:rPr>
+              <a:t>Babayeva</a:t>
+            </a:r>
+            <a:endParaRPr lang="en-US" sz="2000" dirty="0">
+              <a:solidFill>
+                <a:srgbClr val="FFFFFF"/>
+              </a:solidFill>
+            </a:endParaRPr>
+          </a:p>
+          <a:p>
+            <a:pPr algn="l"/>
+            <a:r>
+              <a:rPr lang="en-US" sz="2000" dirty="0">
+                <a:solidFill>
+                  <a:srgbClr val="FFFFFF"/>
+                </a:solidFill>
+              </a:rPr>
+              <a:t>Mehdi Hajiyev</a:t>
+            </a:r>
+          </a:p>
+          <a:p>
+            <a:pPr algn="l"/>
+            <a:r>
+              <a:rPr lang="en-US" sz="2000" dirty="0">
+                <a:solidFill>
+                  <a:srgbClr val="FFFFFF"/>
+                </a:solidFill>
+              </a:rPr>
+              <a:t>Nijat Mursali</a:t>
+            </a:r>
+          </a:p>
+          <a:p>
+            <a:pPr algn="l"/>
+            <a:r>
+              <a:rPr lang="en-US" sz="2000" dirty="0" err="1">
+                <a:solidFill>
+                  <a:srgbClr val="FFFFFF"/>
+                </a:solidFill>
+              </a:rPr>
+              <a:t>Ismayil</a:t>
+            </a:r>
+            <a:r>
+              <a:rPr lang="en-US" sz="2000" dirty="0">
+                <a:solidFill>
+                  <a:srgbClr val="FFFFFF"/>
+                </a:solidFill>
+              </a:rPr>
+              <a:t> </a:t>
+            </a:r>
+            <a:r>
+              <a:rPr lang="en-US" sz="2000" dirty="0" err="1">
+                <a:solidFill>
+                  <a:srgbClr val="FFFFFF"/>
+                </a:solidFill>
+              </a:rPr>
+              <a:t>Shahaliyev</a:t>
+            </a:r>
+            <a:endParaRPr lang="en-US" sz="2000" dirty="0">
+              <a:solidFill>
+                <a:srgbClr val="FFFFFF"/>
+              </a:solidFill>
+            </a:endParaRPr>
+          </a:p>
+          <a:p>
+            <a:pPr indent="-228600" algn="l">
+              <a:buFont typeface="Arial" panose="020B0604020202020204" pitchFamily="34" charset="0"/>
+              <a:buChar char="•"/>
+            </a:pPr>
+            <a:endParaRPr lang="en-US" sz="2000" dirty="0">
+              <a:solidFill>
+                <a:srgbClr val="FFFFFF"/>
+              </a:solidFill>
+            </a:endParaRPr>
+          </a:p>
+        </p:txBody>
+      </p:sp>
+    </p:spTree>
+    <p:extLst>
+      <p:ext uri="{BB962C8B-B14F-4D97-AF65-F5344CB8AC3E}">
+        <p14:creationId xmlns:p14="http://schemas.microsoft.com/office/powerpoint/2010/main" val="3156021116"/>
+      </p:ext>
+    </p:extLst>
+  </p:cSld>
+  <p:clrMapOvr>
+    <a:overrideClrMapping bg1="dk1" tx1="lt1" bg2="dk2" tx2="lt2" accent1="accent1" accent2="accent2" accent3="accent3" accent4="accent4" accent5="accent5" accent6="accent6" hlink="hlink" folHlink="folHlink"/>
+  </p:clrMapOvr>
+</p:sld>
+</file>
+
+<file path=ppt/slides/slide10.xml><?xml version="1.0" encoding="utf-8"?>
+<p:sld xmlns:a="http://schemas.openxmlformats.org/drawingml/2006/main" xmlns:r="http://schemas.openxmlformats.org/officeDocument/2006/relationships" xmlns:p="http://schemas.openxmlformats.org/presentationml/2006/main">
+  <p:cSld>
+    <p:bg>
+      <p:bgPr>
+        <a:solidFill>
           <a:schemeClr val="bg1"/>
         </a:solidFill>
         <a:effectLst/>
@@ -11668,10 +16095,10 @@
       </p:grpSpPr>
       <p:sp>
         <p:nvSpPr>
-          <p:cNvPr id="26" name="Rectangle 22">
+          <p:cNvPr id="10" name="Rectangle 9">
             <a:extLst>
               <a:ext uri="{FF2B5EF4-FFF2-40B4-BE49-F238E27FC236}">
-                <a16:creationId xmlns:a16="http://schemas.microsoft.com/office/drawing/2014/main" id="{8D70B121-56F4-4848-B38B-182089D909FA}"/>
+                <a16:creationId xmlns:a16="http://schemas.microsoft.com/office/drawing/2014/main" id="{AB45A142-4255-493C-8284-5D566C121B10}"/>
               </a:ext>
               <a:ext uri="{C183D7F6-B498-43B3-948B-1728B52AA6E4}">
                 <adec:decorative xmlns:adec="http://schemas.microsoft.com/office/drawing/2017/decorative" val="1"/>
@@ -11691,19 +16118,23 @@
         </p:nvSpPr>
         <p:spPr bwMode="ltGray">
           <a:xfrm>
-            <a:off x="321564" y="320040"/>
-            <a:ext cx="11548872" cy="6217920"/>
+            <a:off x="336884" y="321177"/>
+            <a:ext cx="4332307" cy="6179552"/>
           </a:xfrm>
           <a:prstGeom prst="rect">
             <a:avLst/>
           </a:prstGeom>
           <a:solidFill>
-            <a:schemeClr val="tx1">
-              <a:alpha val="8000"/>
-            </a:schemeClr>
+            <a:srgbClr val="404040">
+              <a:alpha val="89804"/>
+            </a:srgbClr>
           </a:solidFill>
           <a:ln w="127000" cap="sq" cmpd="thinThick">
-            <a:noFill/>
+            <a:solidFill>
+              <a:srgbClr val="595959">
+                <a:alpha val="80000"/>
+              </a:srgbClr>
+            </a:solidFill>
           </a:ln>
         </p:spPr>
         <p:style>
@@ -11736,7 +16167,7 @@
           <p:cNvPr id="2" name="Title 1">
             <a:extLst>
               <a:ext uri="{FF2B5EF4-FFF2-40B4-BE49-F238E27FC236}">
-                <a16:creationId xmlns:a16="http://schemas.microsoft.com/office/drawing/2014/main" id="{E0D26675-D8EC-49FD-B233-0E7F54171770}"/>
+                <a16:creationId xmlns:a16="http://schemas.microsoft.com/office/drawing/2014/main" id="{C8FC1685-9CE9-4FC7-B8FD-2C646D30D7E1}"/>
               </a:ext>
             </a:extLst>
           </p:cNvPr>
@@ -11744,42 +16175,83 @@
             <a:spLocks noGrp="1"/>
           </p:cNvSpPr>
           <p:nvPr>
-            <p:ph type="ctrTitle"/>
+            <p:ph type="title"/>
           </p:nvPr>
         </p:nvSpPr>
         <p:spPr>
           <a:xfrm>
-            <a:off x="838200" y="963877"/>
-            <a:ext cx="3494362" cy="4930246"/>
+            <a:off x="655721" y="1692613"/>
+            <a:ext cx="3657600" cy="2887579"/>
           </a:xfrm>
         </p:spPr>
         <p:txBody>
-          <a:bodyPr vert="horz" lIns="91440" tIns="45720" rIns="91440" bIns="45720" rtlCol="0" anchor="ctr">
-            <a:normAutofit/>
+          <a:bodyPr vert="horz" lIns="91440" tIns="45720" rIns="91440" bIns="45720" rtlCol="0" anchor="b">
+            <a:normAutofit fontScale="90000"/>
           </a:bodyPr>
           <a:lstStyle/>
           <a:p>
-            <a:pPr algn="r"/>
+            <a:pPr algn="ctr"/>
             <a:r>
-              <a:rPr lang="en-US" sz="4400" kern="1200">
+              <a:rPr lang="en-US" sz="4800" kern="1200" dirty="0">
                 <a:solidFill>
-                  <a:schemeClr val="accent1"/>
+                  <a:srgbClr val="FFFFFF"/>
                 </a:solidFill>
                 <a:latin typeface="+mj-lt"/>
                 <a:ea typeface="+mj-ea"/>
                 <a:cs typeface="+mj-cs"/>
               </a:rPr>
-              <a:t>Introduction</a:t>
+              <a:t>User Interface Layer</a:t>
+            </a:r>
+            <a:br>
+              <a:rPr lang="en-US" sz="4800" kern="1200" dirty="0">
+                <a:solidFill>
+                  <a:srgbClr val="FFFFFF"/>
+                </a:solidFill>
+                <a:latin typeface="+mj-lt"/>
+                <a:ea typeface="+mj-ea"/>
+                <a:cs typeface="+mj-cs"/>
+              </a:rPr>
+            </a:br>
+            <a:br>
+              <a:rPr lang="en-US" sz="4800" kern="1200" dirty="0">
+                <a:solidFill>
+                  <a:srgbClr val="FFFFFF"/>
+                </a:solidFill>
+                <a:latin typeface="+mj-lt"/>
+                <a:ea typeface="+mj-ea"/>
+                <a:cs typeface="+mj-cs"/>
+              </a:rPr>
+            </a:br>
+            <a:br>
+              <a:rPr lang="en-US" sz="4800" kern="1200" dirty="0">
+                <a:solidFill>
+                  <a:srgbClr val="FFFFFF"/>
+                </a:solidFill>
+                <a:latin typeface="+mj-lt"/>
+                <a:ea typeface="+mj-ea"/>
+                <a:cs typeface="+mj-cs"/>
+              </a:rPr>
+            </a:br>
+            <a:r>
+              <a:rPr lang="en-US" sz="4800" kern="1200" dirty="0">
+                <a:solidFill>
+                  <a:srgbClr val="FFFFFF"/>
+                </a:solidFill>
+                <a:latin typeface="+mj-lt"/>
+                <a:ea typeface="+mj-ea"/>
+                <a:cs typeface="+mj-cs"/>
+              </a:rPr>
+              <a:t>Home Page</a:t>
             </a:r>
           </a:p>
         </p:txBody>
       </p:sp>
       <p:cxnSp>
         <p:nvCxnSpPr>
-          <p:cNvPr id="25" name="Straight Connector 24">
+          <p:cNvPr id="12" name="Straight Connector 11">
             <a:extLst>
               <a:ext uri="{FF2B5EF4-FFF2-40B4-BE49-F238E27FC236}">
-                <a16:creationId xmlns:a16="http://schemas.microsoft.com/office/drawing/2014/main" id="{2D72A2C9-F3CA-4216-8BAD-FA4C970C3C4E}"/>
+                <a16:creationId xmlns:a16="http://schemas.microsoft.com/office/drawing/2014/main" id="{38FB9660-F42F-4313-BBC4-47C007FE484C}"/>
               </a:ext>
               <a:ext uri="{C183D7F6-B498-43B3-948B-1728B52AA6E4}">
                 <adec:decorative xmlns:adec="http://schemas.microsoft.com/office/drawing/2017/decorative" val="1"/>
@@ -11799,18 +16271,15 @@
         </p:nvCxnSpPr>
         <p:spPr>
           <a:xfrm>
-            <a:off x="4654296" y="2057400"/>
-            <a:ext cx="0" cy="2743200"/>
+            <a:off x="1191126" y="3910267"/>
+            <a:ext cx="2586790" cy="0"/>
           </a:xfrm>
           <a:prstGeom prst="line">
             <a:avLst/>
           </a:prstGeom>
-          <a:ln w="19050">
+          <a:ln w="22225">
             <a:solidFill>
-              <a:schemeClr val="tx1">
-                <a:lumMod val="85000"/>
-                <a:lumOff val="15000"/>
-              </a:schemeClr>
+              <a:srgbClr val="D9D9D9"/>
             </a:solidFill>
           </a:ln>
         </p:spPr>
@@ -11829,79 +16298,48 @@
           </a:fontRef>
         </p:style>
       </p:cxnSp>
-      <p:sp>
-        <p:nvSpPr>
-          <p:cNvPr id="3" name="Subtitle 2">
+      <p:pic>
+        <p:nvPicPr>
+          <p:cNvPr id="5" name="Content Placeholder 4" descr="A screenshot of a social media post&#10;&#10;Description automatically generated">
             <a:extLst>
               <a:ext uri="{FF2B5EF4-FFF2-40B4-BE49-F238E27FC236}">
-                <a16:creationId xmlns:a16="http://schemas.microsoft.com/office/drawing/2014/main" id="{B5DBF1FC-E60B-4658-BA1F-CFADD5C92ACC}"/>
+                <a16:creationId xmlns:a16="http://schemas.microsoft.com/office/drawing/2014/main" id="{6446407D-C3B0-4987-85B4-0250B78BAC1C}"/>
               </a:ext>
             </a:extLst>
           </p:cNvPr>
-          <p:cNvSpPr>
-            <a:spLocks noGrp="1"/>
-          </p:cNvSpPr>
+          <p:cNvPicPr>
+            <a:picLocks noGrp="1" noChangeAspect="1"/>
+          </p:cNvPicPr>
           <p:nvPr>
-            <p:ph type="subTitle" idx="1"/>
+            <p:ph idx="1"/>
           </p:nvPr>
-        </p:nvSpPr>
+        </p:nvPicPr>
+        <p:blipFill>
+          <a:blip r:embed="rId2">
+            <a:extLst>
+              <a:ext uri="{28A0092B-C50C-407E-A947-70E740481C1C}">
+                <a14:useLocalDpi xmlns:a14="http://schemas.microsoft.com/office/drawing/2010/main" val="0"/>
+              </a:ext>
+            </a:extLst>
+          </a:blip>
+          <a:stretch>
+            <a:fillRect/>
+          </a:stretch>
+        </p:blipFill>
         <p:spPr>
           <a:xfrm>
-            <a:off x="4976031" y="963877"/>
-            <a:ext cx="6377769" cy="4930246"/>
+            <a:off x="5153822" y="1565211"/>
+            <a:ext cx="6553545" cy="3735520"/>
           </a:xfrm>
+          <a:prstGeom prst="rect">
+            <a:avLst/>
+          </a:prstGeom>
         </p:spPr>
-        <p:txBody>
-          <a:bodyPr vert="horz" lIns="91440" tIns="45720" rIns="91440" bIns="45720" rtlCol="0" anchor="ctr">
-            <a:normAutofit/>
-          </a:bodyPr>
-          <a:lstStyle/>
-          <a:p>
-            <a:pPr indent="-228600" algn="l">
-              <a:buFont typeface="Arial" panose="020B0604020202020204" pitchFamily="34" charset="0"/>
-              <a:buChar char="•"/>
-            </a:pPr>
-            <a:r>
-              <a:rPr lang="en-US"/>
-              <a:t>Aytan Babayeva</a:t>
-            </a:r>
-          </a:p>
-          <a:p>
-            <a:pPr indent="-228600" algn="l">
-              <a:buFont typeface="Arial" panose="020B0604020202020204" pitchFamily="34" charset="0"/>
-              <a:buChar char="•"/>
-            </a:pPr>
-            <a:r>
-              <a:rPr lang="en-US"/>
-              <a:t>Mehdi Hajiyev</a:t>
-            </a:r>
-          </a:p>
-          <a:p>
-            <a:pPr indent="-228600" algn="l">
-              <a:buFont typeface="Arial" panose="020B0604020202020204" pitchFamily="34" charset="0"/>
-              <a:buChar char="•"/>
-            </a:pPr>
-            <a:r>
-              <a:rPr lang="en-US"/>
-              <a:t>Nijat Mursali</a:t>
-            </a:r>
-          </a:p>
-          <a:p>
-            <a:pPr indent="-228600" algn="l">
-              <a:buFont typeface="Arial" panose="020B0604020202020204" pitchFamily="34" charset="0"/>
-              <a:buChar char="•"/>
-            </a:pPr>
-            <a:r>
-              <a:rPr lang="en-US"/>
-              <a:t>Ismayil Shahaliyev</a:t>
-            </a:r>
-          </a:p>
-        </p:txBody>
-      </p:sp>
+      </p:pic>
     </p:spTree>
     <p:extLst>
       <p:ext uri="{BB962C8B-B14F-4D97-AF65-F5344CB8AC3E}">
-        <p14:creationId xmlns:p14="http://schemas.microsoft.com/office/powerpoint/2010/main" val="112161648"/>
+        <p14:creationId xmlns:p14="http://schemas.microsoft.com/office/powerpoint/2010/main" val="2127735490"/>
       </p:ext>
     </p:extLst>
   </p:cSld>
@@ -11911,7 +16349,7 @@
 </p:sld>
 </file>
 
-<file path=ppt/slides/slide10.xml><?xml version="1.0" encoding="utf-8"?>
+<file path=ppt/slides/slide11.xml><?xml version="1.0" encoding="utf-8"?>
 <p:sld xmlns:a="http://schemas.openxmlformats.org/drawingml/2006/main" xmlns:r="http://schemas.openxmlformats.org/officeDocument/2006/relationships" xmlns:p="http://schemas.openxmlformats.org/presentationml/2006/main">
   <p:cSld>
     <p:bg>
@@ -12168,7 +16606,7 @@
 </p:sld>
 </file>
 
-<file path=ppt/slides/slide11.xml><?xml version="1.0" encoding="utf-8"?>
+<file path=ppt/slides/slide12.xml><?xml version="1.0" encoding="utf-8"?>
 <p:sld xmlns:a="http://schemas.openxmlformats.org/drawingml/2006/main" xmlns:r="http://schemas.openxmlformats.org/officeDocument/2006/relationships" xmlns:p="http://schemas.openxmlformats.org/presentationml/2006/main">
   <p:cSld>
     <p:bg>
@@ -12424,7 +16862,7 @@
 </p:sld>
 </file>
 
-<file path=ppt/slides/slide12.xml><?xml version="1.0" encoding="utf-8"?>
+<file path=ppt/slides/slide13.xml><?xml version="1.0" encoding="utf-8"?>
 <p:sld xmlns:a="http://schemas.openxmlformats.org/drawingml/2006/main" xmlns:r="http://schemas.openxmlformats.org/officeDocument/2006/relationships" xmlns:p="http://schemas.openxmlformats.org/presentationml/2006/main">
   <p:cSld>
     <p:bg>
@@ -13045,6 +17483,303 @@
       </p:grpSpPr>
       <p:sp>
         <p:nvSpPr>
+          <p:cNvPr id="31" name="Rectangle 23">
+            <a:extLst>
+              <a:ext uri="{FF2B5EF4-FFF2-40B4-BE49-F238E27FC236}">
+                <a16:creationId xmlns:a16="http://schemas.microsoft.com/office/drawing/2014/main" id="{BE95D989-81FA-4BAD-9AD5-E46CEDA91B36}"/>
+              </a:ext>
+              <a:ext uri="{C183D7F6-B498-43B3-948B-1728B52AA6E4}">
+                <adec:decorative xmlns:adec="http://schemas.microsoft.com/office/drawing/2017/decorative" val="1"/>
+              </a:ext>
+            </a:extLst>
+          </p:cNvPr>
+          <p:cNvSpPr>
+            <a:spLocks noGrp="1" noRot="1" noChangeAspect="1" noMove="1" noResize="1" noEditPoints="1" noAdjustHandles="1" noChangeArrowheads="1" noChangeShapeType="1" noTextEdit="1"/>
+          </p:cNvSpPr>
+          <p:nvPr>
+            <p:extLst>
+              <p:ext uri="{386F3935-93C4-4BCD-93E2-E3B085C9AB24}">
+                <p16:designElem xmlns:p16="http://schemas.microsoft.com/office/powerpoint/2015/main" val="1"/>
+              </p:ext>
+            </p:extLst>
+          </p:nvPr>
+        </p:nvSpPr>
+        <p:spPr>
+          <a:xfrm>
+            <a:off x="0" y="0"/>
+            <a:ext cx="4654293" cy="6858000"/>
+          </a:xfrm>
+          <a:prstGeom prst="rect">
+            <a:avLst/>
+          </a:prstGeom>
+          <a:solidFill>
+            <a:srgbClr val="404040"/>
+          </a:solidFill>
+          <a:ln>
+            <a:noFill/>
+          </a:ln>
+        </p:spPr>
+        <p:style>
+          <a:lnRef idx="2">
+            <a:schemeClr val="accent1">
+              <a:shade val="50000"/>
+            </a:schemeClr>
+          </a:lnRef>
+          <a:fillRef idx="1">
+            <a:schemeClr val="accent1"/>
+          </a:fillRef>
+          <a:effectRef idx="0">
+            <a:schemeClr val="accent1"/>
+          </a:effectRef>
+          <a:fontRef idx="minor">
+            <a:schemeClr val="lt1"/>
+          </a:fontRef>
+        </p:style>
+        <p:txBody>
+          <a:bodyPr rtlCol="0" anchor="ctr"/>
+          <a:lstStyle/>
+          <a:p>
+            <a:pPr marL="0" marR="0" lvl="0" indent="0" algn="ctr" defTabSz="914400" rtl="0" eaLnBrk="1" fontAlgn="auto" latinLnBrk="0" hangingPunct="1">
+              <a:lnSpc>
+                <a:spcPct val="100000"/>
+              </a:lnSpc>
+              <a:spcBef>
+                <a:spcPts val="0"/>
+              </a:spcBef>
+              <a:spcAft>
+                <a:spcPts val="0"/>
+              </a:spcAft>
+              <a:buClrTx/>
+              <a:buSzTx/>
+              <a:buFontTx/>
+              <a:buNone/>
+              <a:tabLst/>
+              <a:defRPr/>
+            </a:pPr>
+            <a:endParaRPr kumimoji="0" lang="en-US" sz="1800" b="0" i="0" u="none" strike="noStrike" kern="1200" cap="none" spc="0" normalizeH="0" baseline="0" noProof="0">
+              <a:ln>
+                <a:noFill/>
+              </a:ln>
+              <a:solidFill>
+                <a:prstClr val="white"/>
+              </a:solidFill>
+              <a:effectLst/>
+              <a:uLnTx/>
+              <a:uFillTx/>
+              <a:latin typeface="Calibri" panose="020F0502020204030204"/>
+              <a:ea typeface="+mn-ea"/>
+              <a:cs typeface="+mn-cs"/>
+            </a:endParaRPr>
+          </a:p>
+        </p:txBody>
+      </p:sp>
+      <p:sp>
+        <p:nvSpPr>
+          <p:cNvPr id="2" name="Title 1">
+            <a:extLst>
+              <a:ext uri="{FF2B5EF4-FFF2-40B4-BE49-F238E27FC236}">
+                <a16:creationId xmlns:a16="http://schemas.microsoft.com/office/drawing/2014/main" id="{6F67D72E-D718-4C0E-B990-A99CDCA2643A}"/>
+              </a:ext>
+            </a:extLst>
+          </p:cNvPr>
+          <p:cNvSpPr>
+            <a:spLocks noGrp="1"/>
+          </p:cNvSpPr>
+          <p:nvPr>
+            <p:ph type="title"/>
+          </p:nvPr>
+        </p:nvSpPr>
+        <p:spPr>
+          <a:xfrm>
+            <a:off x="838200" y="811161"/>
+            <a:ext cx="3335594" cy="5403370"/>
+          </a:xfrm>
+        </p:spPr>
+        <p:txBody>
+          <a:bodyPr vert="horz" lIns="91440" tIns="45720" rIns="91440" bIns="45720" rtlCol="0">
+            <a:normAutofit/>
+          </a:bodyPr>
+          <a:lstStyle/>
+          <a:p>
+            <a:r>
+              <a:rPr lang="en-US" kern="1200">
+                <a:solidFill>
+                  <a:srgbClr val="FFFFFF"/>
+                </a:solidFill>
+                <a:latin typeface="+mj-lt"/>
+                <a:ea typeface="+mj-ea"/>
+                <a:cs typeface="+mj-cs"/>
+              </a:rPr>
+              <a:t>Objectives</a:t>
+            </a:r>
+          </a:p>
+        </p:txBody>
+      </p:sp>
+      <p:sp>
+        <p:nvSpPr>
+          <p:cNvPr id="26" name="Rectangle 25">
+            <a:extLst>
+              <a:ext uri="{FF2B5EF4-FFF2-40B4-BE49-F238E27FC236}">
+                <a16:creationId xmlns:a16="http://schemas.microsoft.com/office/drawing/2014/main" id="{156189E5-8A3E-4CFD-B71B-CCD0F8495E56}"/>
+              </a:ext>
+              <a:ext uri="{C183D7F6-B498-43B3-948B-1728B52AA6E4}">
+                <adec:decorative xmlns:adec="http://schemas.microsoft.com/office/drawing/2017/decorative" val="1"/>
+              </a:ext>
+            </a:extLst>
+          </p:cNvPr>
+          <p:cNvSpPr>
+            <a:spLocks noGrp="1" noRot="1" noChangeAspect="1" noMove="1" noResize="1" noEditPoints="1" noAdjustHandles="1" noChangeArrowheads="1" noChangeShapeType="1" noTextEdit="1"/>
+          </p:cNvSpPr>
+          <p:nvPr>
+            <p:extLst>
+              <p:ext uri="{386F3935-93C4-4BCD-93E2-E3B085C9AB24}">
+                <p16:designElem xmlns:p16="http://schemas.microsoft.com/office/powerpoint/2015/main" val="1"/>
+              </p:ext>
+            </p:extLst>
+          </p:nvPr>
+        </p:nvSpPr>
+        <p:spPr>
+          <a:xfrm>
+            <a:off x="4654293" y="0"/>
+            <a:ext cx="142074" cy="6858000"/>
+          </a:xfrm>
+          <a:prstGeom prst="rect">
+            <a:avLst/>
+          </a:prstGeom>
+          <a:solidFill>
+            <a:schemeClr val="tx1">
+              <a:alpha val="20000"/>
+            </a:schemeClr>
+          </a:solidFill>
+          <a:ln>
+            <a:noFill/>
+          </a:ln>
+        </p:spPr>
+        <p:style>
+          <a:lnRef idx="2">
+            <a:schemeClr val="accent1">
+              <a:shade val="50000"/>
+            </a:schemeClr>
+          </a:lnRef>
+          <a:fillRef idx="1">
+            <a:schemeClr val="accent1"/>
+          </a:fillRef>
+          <a:effectRef idx="0">
+            <a:schemeClr val="accent1"/>
+          </a:effectRef>
+          <a:fontRef idx="minor">
+            <a:schemeClr val="lt1"/>
+          </a:fontRef>
+        </p:style>
+        <p:txBody>
+          <a:bodyPr rtlCol="0" anchor="ctr"/>
+          <a:lstStyle/>
+          <a:p>
+            <a:pPr marL="0" marR="0" lvl="0" indent="0" algn="ctr" defTabSz="914400" rtl="0" eaLnBrk="1" fontAlgn="auto" latinLnBrk="0" hangingPunct="1">
+              <a:lnSpc>
+                <a:spcPct val="100000"/>
+              </a:lnSpc>
+              <a:spcBef>
+                <a:spcPts val="0"/>
+              </a:spcBef>
+              <a:spcAft>
+                <a:spcPts val="0"/>
+              </a:spcAft>
+              <a:buClrTx/>
+              <a:buSzTx/>
+              <a:buFontTx/>
+              <a:buNone/>
+              <a:tabLst/>
+              <a:defRPr/>
+            </a:pPr>
+            <a:endParaRPr kumimoji="0" lang="en-US" sz="1800" b="0" i="0" u="none" strike="noStrike" kern="1200" cap="none" spc="0" normalizeH="0" baseline="0" noProof="0">
+              <a:ln>
+                <a:noFill/>
+              </a:ln>
+              <a:solidFill>
+                <a:prstClr val="white"/>
+              </a:solidFill>
+              <a:effectLst/>
+              <a:uLnTx/>
+              <a:uFillTx/>
+              <a:latin typeface="Calibri" panose="020F0502020204030204"/>
+              <a:ea typeface="+mn-ea"/>
+              <a:cs typeface="+mn-cs"/>
+            </a:endParaRPr>
+          </a:p>
+        </p:txBody>
+      </p:sp>
+      <p:graphicFrame>
+        <p:nvGraphicFramePr>
+          <p:cNvPr id="5" name="Content Placeholder 2">
+            <a:extLst>
+              <a:ext uri="{FF2B5EF4-FFF2-40B4-BE49-F238E27FC236}">
+                <a16:creationId xmlns:a16="http://schemas.microsoft.com/office/drawing/2014/main" id="{2809C57D-1FD8-4D59-987C-0D32D4B39416}"/>
+              </a:ext>
+            </a:extLst>
+          </p:cNvPr>
+          <p:cNvGraphicFramePr>
+            <a:graphicFrameLocks noGrp="1"/>
+          </p:cNvGraphicFramePr>
+          <p:nvPr>
+            <p:ph idx="1"/>
+            <p:extLst>
+              <p:ext uri="{D42A27DB-BD31-4B8C-83A1-F6EECF244321}">
+                <p14:modId xmlns:p14="http://schemas.microsoft.com/office/powerpoint/2010/main" val="1815540047"/>
+              </p:ext>
+            </p:extLst>
+          </p:nvPr>
+        </p:nvGraphicFramePr>
+        <p:xfrm>
+          <a:off x="5459413" y="642938"/>
+          <a:ext cx="6089650" cy="5572125"/>
+        </p:xfrm>
+        <a:graphic>
+          <a:graphicData uri="http://schemas.openxmlformats.org/drawingml/2006/diagram">
+            <dgm:relIds xmlns:dgm="http://schemas.openxmlformats.org/drawingml/2006/diagram" xmlns:r="http://schemas.openxmlformats.org/officeDocument/2006/relationships" r:dm="rId2" r:lo="rId3" r:qs="rId4" r:cs="rId5"/>
+          </a:graphicData>
+        </a:graphic>
+      </p:graphicFrame>
+    </p:spTree>
+    <p:extLst>
+      <p:ext uri="{BB962C8B-B14F-4D97-AF65-F5344CB8AC3E}">
+        <p14:creationId xmlns:p14="http://schemas.microsoft.com/office/powerpoint/2010/main" val="3625837600"/>
+      </p:ext>
+    </p:extLst>
+  </p:cSld>
+  <p:clrMapOvr>
+    <a:masterClrMapping/>
+  </p:clrMapOvr>
+</p:sld>
+</file>
+
+<file path=ppt/slides/slide3.xml><?xml version="1.0" encoding="utf-8"?>
+<p:sld xmlns:a="http://schemas.openxmlformats.org/drawingml/2006/main" xmlns:r="http://schemas.openxmlformats.org/officeDocument/2006/relationships" xmlns:p="http://schemas.openxmlformats.org/presentationml/2006/main">
+  <p:cSld>
+    <p:bg>
+      <p:bgPr>
+        <a:solidFill>
+          <a:schemeClr val="bg1"/>
+        </a:solidFill>
+        <a:effectLst/>
+      </p:bgPr>
+    </p:bg>
+    <p:spTree>
+      <p:nvGrpSpPr>
+        <p:cNvPr id="1" name=""/>
+        <p:cNvGrpSpPr/>
+        <p:nvPr/>
+      </p:nvGrpSpPr>
+      <p:grpSpPr>
+        <a:xfrm>
+          <a:off x="0" y="0"/>
+          <a:ext cx="0" cy="0"/>
+          <a:chOff x="0" y="0"/>
+          <a:chExt cx="0" cy="0"/>
+        </a:xfrm>
+      </p:grpSpPr>
+      <p:sp>
+        <p:nvSpPr>
           <p:cNvPr id="2" name="Title 1">
             <a:extLst>
               <a:ext uri="{FF2B5EF4-FFF2-40B4-BE49-F238E27FC236}">
@@ -13095,7 +17830,7 @@
             <p:ph idx="1"/>
             <p:extLst>
               <p:ext uri="{D42A27DB-BD31-4B8C-83A1-F6EECF244321}">
-                <p14:modId xmlns:p14="http://schemas.microsoft.com/office/powerpoint/2010/main" val="1731065466"/>
+                <p14:modId xmlns:p14="http://schemas.microsoft.com/office/powerpoint/2010/main" val="1484618674"/>
               </p:ext>
             </p:extLst>
           </p:nvPr>
@@ -13123,7 +17858,7 @@
 </p:sld>
 </file>
 
-<file path=ppt/slides/slide3.xml><?xml version="1.0" encoding="utf-8"?>
+<file path=ppt/slides/slide4.xml><?xml version="1.0" encoding="utf-8"?>
 <p:sld xmlns:a="http://schemas.openxmlformats.org/drawingml/2006/main" xmlns:r="http://schemas.openxmlformats.org/officeDocument/2006/relationships" xmlns:p="http://schemas.openxmlformats.org/presentationml/2006/main">
   <p:cSld>
     <p:bg>
@@ -13364,7 +18099,7 @@
 </p:sld>
 </file>
 
-<file path=ppt/slides/slide4.xml><?xml version="1.0" encoding="utf-8"?>
+<file path=ppt/slides/slide5.xml><?xml version="1.0" encoding="utf-8"?>
 <p:sld xmlns:a="http://schemas.openxmlformats.org/drawingml/2006/main" xmlns:r="http://schemas.openxmlformats.org/officeDocument/2006/relationships" xmlns:p="http://schemas.openxmlformats.org/presentationml/2006/main">
   <p:cSld>
     <p:bg>
@@ -13605,7 +18340,7 @@
 </p:sld>
 </file>
 
-<file path=ppt/slides/slide5.xml><?xml version="1.0" encoding="utf-8"?>
+<file path=ppt/slides/slide6.xml><?xml version="1.0" encoding="utf-8"?>
 <p:sld xmlns:a="http://schemas.openxmlformats.org/drawingml/2006/main" xmlns:r="http://schemas.openxmlformats.org/officeDocument/2006/relationships" xmlns:p="http://schemas.openxmlformats.org/presentationml/2006/main">
   <p:cSld>
     <p:bg>
@@ -13846,7 +18581,7 @@
 </p:sld>
 </file>
 
-<file path=ppt/slides/slide6.xml><?xml version="1.0" encoding="utf-8"?>
+<file path=ppt/slides/slide7.xml><?xml version="1.0" encoding="utf-8"?>
 <p:sld xmlns:a="http://schemas.openxmlformats.org/drawingml/2006/main" xmlns:r="http://schemas.openxmlformats.org/officeDocument/2006/relationships" xmlns:p="http://schemas.openxmlformats.org/presentationml/2006/main">
   <p:cSld>
     <p:bg>
@@ -14440,7 +19175,7 @@
 </p:sld>
 </file>
 
-<file path=ppt/slides/slide7.xml><?xml version="1.0" encoding="utf-8"?>
+<file path=ppt/slides/slide8.xml><?xml version="1.0" encoding="utf-8"?>
 <p:sld xmlns:a="http://schemas.openxmlformats.org/drawingml/2006/main" xmlns:r="http://schemas.openxmlformats.org/officeDocument/2006/relationships" xmlns:p="http://schemas.openxmlformats.org/presentationml/2006/main">
   <p:cSld>
     <p:bg>
@@ -14725,7 +19460,7 @@
 </p:sld>
 </file>
 
-<file path=ppt/slides/slide8.xml><?xml version="1.0" encoding="utf-8"?>
+<file path=ppt/slides/slide9.xml><?xml version="1.0" encoding="utf-8"?>
 <p:sld xmlns:a="http://schemas.openxmlformats.org/drawingml/2006/main" xmlns:r="http://schemas.openxmlformats.org/officeDocument/2006/relationships" xmlns:p="http://schemas.openxmlformats.org/presentationml/2006/main">
   <p:cSld>
     <p:bg>
@@ -14997,287 +19732,6 @@
     <p:extLst>
       <p:ext uri="{BB962C8B-B14F-4D97-AF65-F5344CB8AC3E}">
         <p14:creationId xmlns:p14="http://schemas.microsoft.com/office/powerpoint/2010/main" val="122647720"/>
-      </p:ext>
-    </p:extLst>
-  </p:cSld>
-  <p:clrMapOvr>
-    <a:masterClrMapping/>
-  </p:clrMapOvr>
-</p:sld>
-</file>
-
-<file path=ppt/slides/slide9.xml><?xml version="1.0" encoding="utf-8"?>
-<p:sld xmlns:a="http://schemas.openxmlformats.org/drawingml/2006/main" xmlns:r="http://schemas.openxmlformats.org/officeDocument/2006/relationships" xmlns:p="http://schemas.openxmlformats.org/presentationml/2006/main">
-  <p:cSld>
-    <p:bg>
-      <p:bgPr>
-        <a:solidFill>
-          <a:schemeClr val="bg1"/>
-        </a:solidFill>
-        <a:effectLst/>
-      </p:bgPr>
-    </p:bg>
-    <p:spTree>
-      <p:nvGrpSpPr>
-        <p:cNvPr id="1" name=""/>
-        <p:cNvGrpSpPr/>
-        <p:nvPr/>
-      </p:nvGrpSpPr>
-      <p:grpSpPr>
-        <a:xfrm>
-          <a:off x="0" y="0"/>
-          <a:ext cx="0" cy="0"/>
-          <a:chOff x="0" y="0"/>
-          <a:chExt cx="0" cy="0"/>
-        </a:xfrm>
-      </p:grpSpPr>
-      <p:sp>
-        <p:nvSpPr>
-          <p:cNvPr id="10" name="Rectangle 9">
-            <a:extLst>
-              <a:ext uri="{FF2B5EF4-FFF2-40B4-BE49-F238E27FC236}">
-                <a16:creationId xmlns:a16="http://schemas.microsoft.com/office/drawing/2014/main" id="{AB45A142-4255-493C-8284-5D566C121B10}"/>
-              </a:ext>
-              <a:ext uri="{C183D7F6-B498-43B3-948B-1728B52AA6E4}">
-                <adec:decorative xmlns:adec="http://schemas.microsoft.com/office/drawing/2017/decorative" val="1"/>
-              </a:ext>
-            </a:extLst>
-          </p:cNvPr>
-          <p:cNvSpPr>
-            <a:spLocks noGrp="1" noRot="1" noChangeAspect="1" noMove="1" noResize="1" noEditPoints="1" noAdjustHandles="1" noChangeArrowheads="1" noChangeShapeType="1" noTextEdit="1"/>
-          </p:cNvSpPr>
-          <p:nvPr>
-            <p:extLst>
-              <p:ext uri="{386F3935-93C4-4BCD-93E2-E3B085C9AB24}">
-                <p16:designElem xmlns:p16="http://schemas.microsoft.com/office/powerpoint/2015/main" val="1"/>
-              </p:ext>
-            </p:extLst>
-          </p:nvPr>
-        </p:nvSpPr>
-        <p:spPr bwMode="ltGray">
-          <a:xfrm>
-            <a:off x="336884" y="321177"/>
-            <a:ext cx="4332307" cy="6179552"/>
-          </a:xfrm>
-          <a:prstGeom prst="rect">
-            <a:avLst/>
-          </a:prstGeom>
-          <a:solidFill>
-            <a:srgbClr val="404040">
-              <a:alpha val="89804"/>
-            </a:srgbClr>
-          </a:solidFill>
-          <a:ln w="127000" cap="sq" cmpd="thinThick">
-            <a:solidFill>
-              <a:srgbClr val="595959">
-                <a:alpha val="80000"/>
-              </a:srgbClr>
-            </a:solidFill>
-          </a:ln>
-        </p:spPr>
-        <p:style>
-          <a:lnRef idx="2">
-            <a:schemeClr val="accent1">
-              <a:shade val="50000"/>
-            </a:schemeClr>
-          </a:lnRef>
-          <a:fillRef idx="1">
-            <a:schemeClr val="accent1"/>
-          </a:fillRef>
-          <a:effectRef idx="0">
-            <a:schemeClr val="accent1"/>
-          </a:effectRef>
-          <a:fontRef idx="minor">
-            <a:schemeClr val="lt1"/>
-          </a:fontRef>
-        </p:style>
-        <p:txBody>
-          <a:bodyPr rtlCol="0" anchor="ctr"/>
-          <a:lstStyle/>
-          <a:p>
-            <a:pPr algn="ctr"/>
-            <a:endParaRPr lang="en-US"/>
-          </a:p>
-        </p:txBody>
-      </p:sp>
-      <p:sp>
-        <p:nvSpPr>
-          <p:cNvPr id="2" name="Title 1">
-            <a:extLst>
-              <a:ext uri="{FF2B5EF4-FFF2-40B4-BE49-F238E27FC236}">
-                <a16:creationId xmlns:a16="http://schemas.microsoft.com/office/drawing/2014/main" id="{C8FC1685-9CE9-4FC7-B8FD-2C646D30D7E1}"/>
-              </a:ext>
-            </a:extLst>
-          </p:cNvPr>
-          <p:cNvSpPr>
-            <a:spLocks noGrp="1"/>
-          </p:cNvSpPr>
-          <p:nvPr>
-            <p:ph type="title"/>
-          </p:nvPr>
-        </p:nvSpPr>
-        <p:spPr>
-          <a:xfrm>
-            <a:off x="655721" y="1692613"/>
-            <a:ext cx="3657600" cy="2887579"/>
-          </a:xfrm>
-        </p:spPr>
-        <p:txBody>
-          <a:bodyPr vert="horz" lIns="91440" tIns="45720" rIns="91440" bIns="45720" rtlCol="0" anchor="b">
-            <a:normAutofit fontScale="90000"/>
-          </a:bodyPr>
-          <a:lstStyle/>
-          <a:p>
-            <a:pPr algn="ctr"/>
-            <a:r>
-              <a:rPr lang="en-US" sz="4800" kern="1200" dirty="0">
-                <a:solidFill>
-                  <a:srgbClr val="FFFFFF"/>
-                </a:solidFill>
-                <a:latin typeface="+mj-lt"/>
-                <a:ea typeface="+mj-ea"/>
-                <a:cs typeface="+mj-cs"/>
-              </a:rPr>
-              <a:t>User Interface Layer</a:t>
-            </a:r>
-            <a:br>
-              <a:rPr lang="en-US" sz="4800" kern="1200" dirty="0">
-                <a:solidFill>
-                  <a:srgbClr val="FFFFFF"/>
-                </a:solidFill>
-                <a:latin typeface="+mj-lt"/>
-                <a:ea typeface="+mj-ea"/>
-                <a:cs typeface="+mj-cs"/>
-              </a:rPr>
-            </a:br>
-            <a:br>
-              <a:rPr lang="en-US" sz="4800" kern="1200" dirty="0">
-                <a:solidFill>
-                  <a:srgbClr val="FFFFFF"/>
-                </a:solidFill>
-                <a:latin typeface="+mj-lt"/>
-                <a:ea typeface="+mj-ea"/>
-                <a:cs typeface="+mj-cs"/>
-              </a:rPr>
-            </a:br>
-            <a:br>
-              <a:rPr lang="en-US" sz="4800" kern="1200" dirty="0">
-                <a:solidFill>
-                  <a:srgbClr val="FFFFFF"/>
-                </a:solidFill>
-                <a:latin typeface="+mj-lt"/>
-                <a:ea typeface="+mj-ea"/>
-                <a:cs typeface="+mj-cs"/>
-              </a:rPr>
-            </a:br>
-            <a:r>
-              <a:rPr lang="en-US" sz="4800" kern="1200" dirty="0">
-                <a:solidFill>
-                  <a:srgbClr val="FFFFFF"/>
-                </a:solidFill>
-                <a:latin typeface="+mj-lt"/>
-                <a:ea typeface="+mj-ea"/>
-                <a:cs typeface="+mj-cs"/>
-              </a:rPr>
-              <a:t>Home Page</a:t>
-            </a:r>
-          </a:p>
-        </p:txBody>
-      </p:sp>
-      <p:cxnSp>
-        <p:nvCxnSpPr>
-          <p:cNvPr id="12" name="Straight Connector 11">
-            <a:extLst>
-              <a:ext uri="{FF2B5EF4-FFF2-40B4-BE49-F238E27FC236}">
-                <a16:creationId xmlns:a16="http://schemas.microsoft.com/office/drawing/2014/main" id="{38FB9660-F42F-4313-BBC4-47C007FE484C}"/>
-              </a:ext>
-              <a:ext uri="{C183D7F6-B498-43B3-948B-1728B52AA6E4}">
-                <adec:decorative xmlns:adec="http://schemas.microsoft.com/office/drawing/2017/decorative" val="1"/>
-              </a:ext>
-            </a:extLst>
-          </p:cNvPr>
-          <p:cNvCxnSpPr>
-            <a:cxnSpLocks noGrp="1" noRot="1" noChangeAspect="1" noMove="1" noResize="1" noEditPoints="1" noAdjustHandles="1" noChangeArrowheads="1" noChangeShapeType="1"/>
-          </p:cNvCxnSpPr>
-          <p:nvPr>
-            <p:extLst>
-              <p:ext uri="{386F3935-93C4-4BCD-93E2-E3B085C9AB24}">
-                <p16:designElem xmlns:p16="http://schemas.microsoft.com/office/powerpoint/2015/main" val="1"/>
-              </p:ext>
-            </p:extLst>
-          </p:nvPr>
-        </p:nvCxnSpPr>
-        <p:spPr>
-          <a:xfrm>
-            <a:off x="1191126" y="3910267"/>
-            <a:ext cx="2586790" cy="0"/>
-          </a:xfrm>
-          <a:prstGeom prst="line">
-            <a:avLst/>
-          </a:prstGeom>
-          <a:ln w="22225">
-            <a:solidFill>
-              <a:srgbClr val="D9D9D9"/>
-            </a:solidFill>
-          </a:ln>
-        </p:spPr>
-        <p:style>
-          <a:lnRef idx="1">
-            <a:schemeClr val="accent1"/>
-          </a:lnRef>
-          <a:fillRef idx="0">
-            <a:schemeClr val="accent1"/>
-          </a:fillRef>
-          <a:effectRef idx="0">
-            <a:schemeClr val="accent1"/>
-          </a:effectRef>
-          <a:fontRef idx="minor">
-            <a:schemeClr val="tx1"/>
-          </a:fontRef>
-        </p:style>
-      </p:cxnSp>
-      <p:pic>
-        <p:nvPicPr>
-          <p:cNvPr id="5" name="Content Placeholder 4" descr="A screenshot of a social media post&#10;&#10;Description automatically generated">
-            <a:extLst>
-              <a:ext uri="{FF2B5EF4-FFF2-40B4-BE49-F238E27FC236}">
-                <a16:creationId xmlns:a16="http://schemas.microsoft.com/office/drawing/2014/main" id="{6446407D-C3B0-4987-85B4-0250B78BAC1C}"/>
-              </a:ext>
-            </a:extLst>
-          </p:cNvPr>
-          <p:cNvPicPr>
-            <a:picLocks noGrp="1" noChangeAspect="1"/>
-          </p:cNvPicPr>
-          <p:nvPr>
-            <p:ph idx="1"/>
-          </p:nvPr>
-        </p:nvPicPr>
-        <p:blipFill>
-          <a:blip r:embed="rId2">
-            <a:extLst>
-              <a:ext uri="{28A0092B-C50C-407E-A947-70E740481C1C}">
-                <a14:useLocalDpi xmlns:a14="http://schemas.microsoft.com/office/drawing/2010/main" val="0"/>
-              </a:ext>
-            </a:extLst>
-          </a:blip>
-          <a:stretch>
-            <a:fillRect/>
-          </a:stretch>
-        </p:blipFill>
-        <p:spPr>
-          <a:xfrm>
-            <a:off x="5153822" y="1565211"/>
-            <a:ext cx="6553545" cy="3735520"/>
-          </a:xfrm>
-          <a:prstGeom prst="rect">
-            <a:avLst/>
-          </a:prstGeom>
-        </p:spPr>
-      </p:pic>
-    </p:spTree>
-    <p:extLst>
-      <p:ext uri="{BB962C8B-B14F-4D97-AF65-F5344CB8AC3E}">
-        <p14:creationId xmlns:p14="http://schemas.microsoft.com/office/powerpoint/2010/main" val="2127735490"/>
       </p:ext>
     </p:extLst>
   </p:cSld>

--- a/Presentation.pptx
+++ b/Presentation.pptx
@@ -17,7 +17,7 @@
     <p:sldId id="267" r:id="rId11"/>
     <p:sldId id="258" r:id="rId12"/>
     <p:sldId id="259" r:id="rId13"/>
-    <p:sldId id="260" r:id="rId14"/>
+    <p:sldId id="270" r:id="rId14"/>
   </p:sldIdLst>
   <p:sldSz cx="12192000" cy="6858000"/>
   <p:notesSz cx="6858000" cy="9144000"/>
@@ -2574,788 +2574,6 @@
     <dgm:txLinClrLst/>
     <dgm:txFillClrLst meth="repeat">
       <a:schemeClr val="bg1"/>
-    </dgm:txFillClrLst>
-    <dgm:txEffectClrLst/>
-  </dgm:styleLbl>
-</dgm:colorsDef>
-</file>
-
-<file path=ppt/diagrams/colors4.xml><?xml version="1.0" encoding="utf-8"?>
-<dgm:colorsDef xmlns:dgm="http://schemas.openxmlformats.org/drawingml/2006/diagram" xmlns:a="http://schemas.openxmlformats.org/drawingml/2006/main" uniqueId="urn:microsoft.com/office/officeart/2005/8/colors/colorful5">
-  <dgm:title val=""/>
-  <dgm:desc val=""/>
-  <dgm:catLst>
-    <dgm:cat type="colorful" pri="10500"/>
-  </dgm:catLst>
-  <dgm:styleLbl name="node0">
-    <dgm:fillClrLst meth="repeat">
-      <a:schemeClr val="accent4"/>
-    </dgm:fillClrLst>
-    <dgm:linClrLst meth="repeat">
-      <a:schemeClr val="lt1"/>
-    </dgm:linClrLst>
-    <dgm:effectClrLst/>
-    <dgm:txLinClrLst/>
-    <dgm:txFillClrLst/>
-    <dgm:txEffectClrLst/>
-  </dgm:styleLbl>
-  <dgm:styleLbl name="node1">
-    <dgm:fillClrLst>
-      <a:schemeClr val="accent5"/>
-      <a:schemeClr val="accent6"/>
-    </dgm:fillClrLst>
-    <dgm:linClrLst meth="repeat">
-      <a:schemeClr val="lt1"/>
-    </dgm:linClrLst>
-    <dgm:effectClrLst/>
-    <dgm:txLinClrLst/>
-    <dgm:txFillClrLst/>
-    <dgm:txEffectClrLst/>
-  </dgm:styleLbl>
-  <dgm:styleLbl name="alignNode1">
-    <dgm:fillClrLst>
-      <a:schemeClr val="accent5"/>
-      <a:schemeClr val="accent6"/>
-    </dgm:fillClrLst>
-    <dgm:linClrLst>
-      <a:schemeClr val="accent5"/>
-      <a:schemeClr val="accent6"/>
-    </dgm:linClrLst>
-    <dgm:effectClrLst/>
-    <dgm:txLinClrLst/>
-    <dgm:txFillClrLst/>
-    <dgm:txEffectClrLst/>
-  </dgm:styleLbl>
-  <dgm:styleLbl name="lnNode1">
-    <dgm:fillClrLst>
-      <a:schemeClr val="accent5"/>
-      <a:schemeClr val="accent6"/>
-    </dgm:fillClrLst>
-    <dgm:linClrLst meth="repeat">
-      <a:schemeClr val="lt1"/>
-    </dgm:linClrLst>
-    <dgm:effectClrLst/>
-    <dgm:txLinClrLst/>
-    <dgm:txFillClrLst/>
-    <dgm:txEffectClrLst/>
-  </dgm:styleLbl>
-  <dgm:styleLbl name="vennNode1">
-    <dgm:fillClrLst>
-      <a:schemeClr val="accent5">
-        <a:alpha val="50000"/>
-      </a:schemeClr>
-      <a:schemeClr val="accent6">
-        <a:alpha val="50000"/>
-      </a:schemeClr>
-    </dgm:fillClrLst>
-    <dgm:linClrLst meth="repeat">
-      <a:schemeClr val="lt1"/>
-    </dgm:linClrLst>
-    <dgm:effectClrLst/>
-    <dgm:txLinClrLst/>
-    <dgm:txFillClrLst/>
-    <dgm:txEffectClrLst/>
-  </dgm:styleLbl>
-  <dgm:styleLbl name="node2">
-    <dgm:fillClrLst>
-      <a:schemeClr val="accent6"/>
-    </dgm:fillClrLst>
-    <dgm:linClrLst meth="repeat">
-      <a:schemeClr val="lt1"/>
-    </dgm:linClrLst>
-    <dgm:effectClrLst/>
-    <dgm:txLinClrLst/>
-    <dgm:txFillClrLst/>
-    <dgm:txEffectClrLst/>
-  </dgm:styleLbl>
-  <dgm:styleLbl name="node3">
-    <dgm:fillClrLst>
-      <a:schemeClr val="accent1"/>
-    </dgm:fillClrLst>
-    <dgm:linClrLst meth="repeat">
-      <a:schemeClr val="lt1"/>
-    </dgm:linClrLst>
-    <dgm:effectClrLst/>
-    <dgm:txLinClrLst/>
-    <dgm:txFillClrLst/>
-    <dgm:txEffectClrLst/>
-  </dgm:styleLbl>
-  <dgm:styleLbl name="node4">
-    <dgm:fillClrLst>
-      <a:schemeClr val="accent2"/>
-    </dgm:fillClrLst>
-    <dgm:linClrLst meth="repeat">
-      <a:schemeClr val="lt1"/>
-    </dgm:linClrLst>
-    <dgm:effectClrLst/>
-    <dgm:txLinClrLst/>
-    <dgm:txFillClrLst/>
-    <dgm:txEffectClrLst/>
-  </dgm:styleLbl>
-  <dgm:styleLbl name="fgImgPlace1">
-    <dgm:fillClrLst>
-      <a:schemeClr val="accent5">
-        <a:tint val="50000"/>
-      </a:schemeClr>
-      <a:schemeClr val="accent6">
-        <a:tint val="50000"/>
-      </a:schemeClr>
-    </dgm:fillClrLst>
-    <dgm:linClrLst meth="repeat">
-      <a:schemeClr val="lt1"/>
-    </dgm:linClrLst>
-    <dgm:effectClrLst/>
-    <dgm:txLinClrLst/>
-    <dgm:txFillClrLst meth="repeat">
-      <a:schemeClr val="lt1"/>
-    </dgm:txFillClrLst>
-    <dgm:txEffectClrLst/>
-  </dgm:styleLbl>
-  <dgm:styleLbl name="alignImgPlace1">
-    <dgm:fillClrLst>
-      <a:schemeClr val="accent5">
-        <a:tint val="50000"/>
-      </a:schemeClr>
-      <a:schemeClr val="accent6">
-        <a:tint val="20000"/>
-      </a:schemeClr>
-    </dgm:fillClrLst>
-    <dgm:linClrLst meth="repeat">
-      <a:schemeClr val="lt1"/>
-    </dgm:linClrLst>
-    <dgm:effectClrLst/>
-    <dgm:txLinClrLst/>
-    <dgm:txFillClrLst meth="repeat">
-      <a:schemeClr val="lt1"/>
-    </dgm:txFillClrLst>
-    <dgm:txEffectClrLst/>
-  </dgm:styleLbl>
-  <dgm:styleLbl name="bgImgPlace1">
-    <dgm:fillClrLst>
-      <a:schemeClr val="accent5">
-        <a:tint val="50000"/>
-      </a:schemeClr>
-      <a:schemeClr val="accent6">
-        <a:tint val="20000"/>
-      </a:schemeClr>
-    </dgm:fillClrLst>
-    <dgm:linClrLst meth="repeat">
-      <a:schemeClr val="lt1"/>
-    </dgm:linClrLst>
-    <dgm:effectClrLst/>
-    <dgm:txLinClrLst/>
-    <dgm:txFillClrLst meth="repeat">
-      <a:schemeClr val="lt1"/>
-    </dgm:txFillClrLst>
-    <dgm:txEffectClrLst/>
-  </dgm:styleLbl>
-  <dgm:styleLbl name="sibTrans2D1">
-    <dgm:fillClrLst>
-      <a:schemeClr val="accent5"/>
-      <a:schemeClr val="accent6"/>
-    </dgm:fillClrLst>
-    <dgm:linClrLst meth="repeat">
-      <a:schemeClr val="lt1"/>
-    </dgm:linClrLst>
-    <dgm:effectClrLst/>
-    <dgm:txLinClrLst/>
-    <dgm:txFillClrLst/>
-    <dgm:txEffectClrLst/>
-  </dgm:styleLbl>
-  <dgm:styleLbl name="fgSibTrans2D1">
-    <dgm:fillClrLst>
-      <a:schemeClr val="accent5"/>
-      <a:schemeClr val="accent6"/>
-    </dgm:fillClrLst>
-    <dgm:linClrLst meth="repeat">
-      <a:schemeClr val="lt1"/>
-    </dgm:linClrLst>
-    <dgm:effectClrLst/>
-    <dgm:txLinClrLst/>
-    <dgm:txFillClrLst meth="repeat">
-      <a:schemeClr val="lt1"/>
-    </dgm:txFillClrLst>
-    <dgm:txEffectClrLst/>
-  </dgm:styleLbl>
-  <dgm:styleLbl name="bgSibTrans2D1">
-    <dgm:fillClrLst>
-      <a:schemeClr val="accent5"/>
-      <a:schemeClr val="accent6"/>
-    </dgm:fillClrLst>
-    <dgm:linClrLst meth="repeat">
-      <a:schemeClr val="lt1"/>
-    </dgm:linClrLst>
-    <dgm:effectClrLst/>
-    <dgm:txLinClrLst/>
-    <dgm:txFillClrLst meth="repeat">
-      <a:schemeClr val="lt1"/>
-    </dgm:txFillClrLst>
-    <dgm:txEffectClrLst/>
-  </dgm:styleLbl>
-  <dgm:styleLbl name="sibTrans1D1">
-    <dgm:fillClrLst/>
-    <dgm:linClrLst>
-      <a:schemeClr val="accent5"/>
-      <a:schemeClr val="accent6"/>
-    </dgm:linClrLst>
-    <dgm:effectClrLst/>
-    <dgm:txLinClrLst/>
-    <dgm:txFillClrLst meth="repeat">
-      <a:schemeClr val="tx1"/>
-    </dgm:txFillClrLst>
-    <dgm:txEffectClrLst/>
-  </dgm:styleLbl>
-  <dgm:styleLbl name="callout">
-    <dgm:fillClrLst meth="repeat">
-      <a:schemeClr val="accent5"/>
-    </dgm:fillClrLst>
-    <dgm:linClrLst meth="repeat">
-      <a:schemeClr val="accent5">
-        <a:tint val="50000"/>
-      </a:schemeClr>
-    </dgm:linClrLst>
-    <dgm:effectClrLst/>
-    <dgm:txLinClrLst/>
-    <dgm:txFillClrLst meth="repeat">
-      <a:schemeClr val="tx1"/>
-    </dgm:txFillClrLst>
-    <dgm:txEffectClrLst/>
-  </dgm:styleLbl>
-  <dgm:styleLbl name="asst0">
-    <dgm:fillClrLst meth="repeat">
-      <a:schemeClr val="accent5"/>
-    </dgm:fillClrLst>
-    <dgm:linClrLst meth="repeat">
-      <a:schemeClr val="lt1">
-        <a:shade val="80000"/>
-      </a:schemeClr>
-    </dgm:linClrLst>
-    <dgm:effectClrLst/>
-    <dgm:txLinClrLst/>
-    <dgm:txFillClrLst/>
-    <dgm:txEffectClrLst/>
-  </dgm:styleLbl>
-  <dgm:styleLbl name="asst1">
-    <dgm:fillClrLst meth="repeat">
-      <a:schemeClr val="accent6"/>
-    </dgm:fillClrLst>
-    <dgm:linClrLst meth="repeat">
-      <a:schemeClr val="lt1">
-        <a:shade val="80000"/>
-      </a:schemeClr>
-    </dgm:linClrLst>
-    <dgm:effectClrLst/>
-    <dgm:txLinClrLst/>
-    <dgm:txFillClrLst/>
-    <dgm:txEffectClrLst/>
-  </dgm:styleLbl>
-  <dgm:styleLbl name="asst2">
-    <dgm:fillClrLst>
-      <a:schemeClr val="accent1"/>
-    </dgm:fillClrLst>
-    <dgm:linClrLst meth="repeat">
-      <a:schemeClr val="lt1"/>
-    </dgm:linClrLst>
-    <dgm:effectClrLst/>
-    <dgm:txLinClrLst/>
-    <dgm:txFillClrLst/>
-    <dgm:txEffectClrLst/>
-  </dgm:styleLbl>
-  <dgm:styleLbl name="asst3">
-    <dgm:fillClrLst>
-      <a:schemeClr val="accent2"/>
-    </dgm:fillClrLst>
-    <dgm:linClrLst meth="repeat">
-      <a:schemeClr val="lt1"/>
-    </dgm:linClrLst>
-    <dgm:effectClrLst/>
-    <dgm:txLinClrLst/>
-    <dgm:txFillClrLst/>
-    <dgm:txEffectClrLst/>
-  </dgm:styleLbl>
-  <dgm:styleLbl name="asst4">
-    <dgm:fillClrLst>
-      <a:schemeClr val="accent3"/>
-    </dgm:fillClrLst>
-    <dgm:linClrLst meth="repeat">
-      <a:schemeClr val="lt1"/>
-    </dgm:linClrLst>
-    <dgm:effectClrLst/>
-    <dgm:txLinClrLst/>
-    <dgm:txFillClrLst/>
-    <dgm:txEffectClrLst/>
-  </dgm:styleLbl>
-  <dgm:styleLbl name="parChTrans2D1">
-    <dgm:fillClrLst meth="repeat">
-      <a:schemeClr val="accent5"/>
-    </dgm:fillClrLst>
-    <dgm:linClrLst meth="repeat">
-      <a:schemeClr val="lt1"/>
-    </dgm:linClrLst>
-    <dgm:effectClrLst/>
-    <dgm:txLinClrLst/>
-    <dgm:txFillClrLst meth="repeat">
-      <a:schemeClr val="lt1"/>
-    </dgm:txFillClrLst>
-    <dgm:txEffectClrLst/>
-  </dgm:styleLbl>
-  <dgm:styleLbl name="parChTrans2D2">
-    <dgm:fillClrLst meth="repeat">
-      <a:schemeClr val="accent6"/>
-    </dgm:fillClrLst>
-    <dgm:linClrLst meth="repeat">
-      <a:schemeClr val="lt1"/>
-    </dgm:linClrLst>
-    <dgm:effectClrLst/>
-    <dgm:txLinClrLst/>
-    <dgm:txFillClrLst/>
-    <dgm:txEffectClrLst/>
-  </dgm:styleLbl>
-  <dgm:styleLbl name="parChTrans2D3">
-    <dgm:fillClrLst meth="repeat">
-      <a:schemeClr val="accent6"/>
-    </dgm:fillClrLst>
-    <dgm:linClrLst meth="repeat">
-      <a:schemeClr val="lt1"/>
-    </dgm:linClrLst>
-    <dgm:effectClrLst/>
-    <dgm:txLinClrLst/>
-    <dgm:txFillClrLst/>
-    <dgm:txEffectClrLst/>
-  </dgm:styleLbl>
-  <dgm:styleLbl name="parChTrans2D4">
-    <dgm:fillClrLst meth="repeat">
-      <a:schemeClr val="accent1"/>
-    </dgm:fillClrLst>
-    <dgm:linClrLst meth="repeat">
-      <a:schemeClr val="lt1"/>
-    </dgm:linClrLst>
-    <dgm:effectClrLst/>
-    <dgm:txLinClrLst/>
-    <dgm:txFillClrLst meth="repeat">
-      <a:schemeClr val="lt1"/>
-    </dgm:txFillClrLst>
-    <dgm:txEffectClrLst/>
-  </dgm:styleLbl>
-  <dgm:styleLbl name="parChTrans1D1">
-    <dgm:fillClrLst meth="repeat">
-      <a:schemeClr val="accent5"/>
-    </dgm:fillClrLst>
-    <dgm:linClrLst meth="repeat">
-      <a:schemeClr val="accent5"/>
-    </dgm:linClrLst>
-    <dgm:effectClrLst/>
-    <dgm:txLinClrLst/>
-    <dgm:txFillClrLst meth="repeat">
-      <a:schemeClr val="tx1"/>
-    </dgm:txFillClrLst>
-    <dgm:txEffectClrLst/>
-  </dgm:styleLbl>
-  <dgm:styleLbl name="parChTrans1D2">
-    <dgm:fillClrLst meth="repeat">
-      <a:schemeClr val="accent6">
-        <a:tint val="90000"/>
-      </a:schemeClr>
-    </dgm:fillClrLst>
-    <dgm:linClrLst meth="repeat">
-      <a:schemeClr val="accent6"/>
-    </dgm:linClrLst>
-    <dgm:effectClrLst/>
-    <dgm:txLinClrLst/>
-    <dgm:txFillClrLst meth="repeat">
-      <a:schemeClr val="tx1"/>
-    </dgm:txFillClrLst>
-    <dgm:txEffectClrLst/>
-  </dgm:styleLbl>
-  <dgm:styleLbl name="parChTrans1D3">
-    <dgm:fillClrLst meth="repeat">
-      <a:schemeClr val="accent6">
-        <a:tint val="70000"/>
-      </a:schemeClr>
-    </dgm:fillClrLst>
-    <dgm:linClrLst meth="repeat">
-      <a:schemeClr val="accent1"/>
-    </dgm:linClrLst>
-    <dgm:effectClrLst/>
-    <dgm:txLinClrLst/>
-    <dgm:txFillClrLst meth="repeat">
-      <a:schemeClr val="tx1"/>
-    </dgm:txFillClrLst>
-    <dgm:txEffectClrLst/>
-  </dgm:styleLbl>
-  <dgm:styleLbl name="parChTrans1D4">
-    <dgm:fillClrLst meth="repeat">
-      <a:schemeClr val="accent6">
-        <a:tint val="50000"/>
-      </a:schemeClr>
-    </dgm:fillClrLst>
-    <dgm:linClrLst meth="repeat">
-      <a:schemeClr val="accent2"/>
-    </dgm:linClrLst>
-    <dgm:effectClrLst/>
-    <dgm:txLinClrLst/>
-    <dgm:txFillClrLst meth="repeat">
-      <a:schemeClr val="tx1"/>
-    </dgm:txFillClrLst>
-    <dgm:txEffectClrLst/>
-  </dgm:styleLbl>
-  <dgm:styleLbl name="fgAcc1">
-    <dgm:fillClrLst meth="repeat">
-      <a:schemeClr val="lt1">
-        <a:alpha val="90000"/>
-      </a:schemeClr>
-    </dgm:fillClrLst>
-    <dgm:linClrLst>
-      <a:schemeClr val="accent5"/>
-      <a:schemeClr val="accent6"/>
-    </dgm:linClrLst>
-    <dgm:effectClrLst/>
-    <dgm:txLinClrLst/>
-    <dgm:txFillClrLst meth="repeat">
-      <a:schemeClr val="dk1"/>
-    </dgm:txFillClrLst>
-    <dgm:txEffectClrLst/>
-  </dgm:styleLbl>
-  <dgm:styleLbl name="conFgAcc1">
-    <dgm:fillClrLst meth="repeat">
-      <a:schemeClr val="lt1">
-        <a:alpha val="90000"/>
-      </a:schemeClr>
-    </dgm:fillClrLst>
-    <dgm:linClrLst>
-      <a:schemeClr val="accent5"/>
-      <a:schemeClr val="accent6"/>
-    </dgm:linClrLst>
-    <dgm:effectClrLst/>
-    <dgm:txLinClrLst/>
-    <dgm:txFillClrLst meth="repeat">
-      <a:schemeClr val="dk1"/>
-    </dgm:txFillClrLst>
-    <dgm:txEffectClrLst/>
-  </dgm:styleLbl>
-  <dgm:styleLbl name="alignAcc1">
-    <dgm:fillClrLst meth="repeat">
-      <a:schemeClr val="lt1">
-        <a:alpha val="90000"/>
-      </a:schemeClr>
-    </dgm:fillClrLst>
-    <dgm:linClrLst>
-      <a:schemeClr val="accent5"/>
-      <a:schemeClr val="accent6"/>
-    </dgm:linClrLst>
-    <dgm:effectClrLst/>
-    <dgm:txLinClrLst/>
-    <dgm:txFillClrLst meth="repeat">
-      <a:schemeClr val="dk1"/>
-    </dgm:txFillClrLst>
-    <dgm:txEffectClrLst/>
-  </dgm:styleLbl>
-  <dgm:styleLbl name="trAlignAcc1">
-    <dgm:fillClrLst meth="repeat">
-      <a:schemeClr val="lt1">
-        <a:alpha val="40000"/>
-      </a:schemeClr>
-    </dgm:fillClrLst>
-    <dgm:linClrLst meth="repeat">
-      <a:schemeClr val="accent5"/>
-    </dgm:linClrLst>
-    <dgm:effectClrLst/>
-    <dgm:txLinClrLst/>
-    <dgm:txFillClrLst meth="repeat">
-      <a:schemeClr val="dk1"/>
-    </dgm:txFillClrLst>
-    <dgm:txEffectClrLst/>
-  </dgm:styleLbl>
-  <dgm:styleLbl name="bgAcc1">
-    <dgm:fillClrLst meth="repeat">
-      <a:schemeClr val="lt1">
-        <a:alpha val="90000"/>
-      </a:schemeClr>
-    </dgm:fillClrLst>
-    <dgm:linClrLst>
-      <a:schemeClr val="accent5"/>
-      <a:schemeClr val="accent6"/>
-    </dgm:linClrLst>
-    <dgm:effectClrLst/>
-    <dgm:txLinClrLst/>
-    <dgm:txFillClrLst meth="repeat">
-      <a:schemeClr val="dk1"/>
-    </dgm:txFillClrLst>
-    <dgm:txEffectClrLst/>
-  </dgm:styleLbl>
-  <dgm:styleLbl name="solidFgAcc1">
-    <dgm:fillClrLst meth="repeat">
-      <a:schemeClr val="lt1"/>
-    </dgm:fillClrLst>
-    <dgm:linClrLst>
-      <a:schemeClr val="accent5"/>
-      <a:schemeClr val="accent6"/>
-    </dgm:linClrLst>
-    <dgm:effectClrLst/>
-    <dgm:txLinClrLst/>
-    <dgm:txFillClrLst meth="repeat">
-      <a:schemeClr val="dk1"/>
-    </dgm:txFillClrLst>
-    <dgm:txEffectClrLst/>
-  </dgm:styleLbl>
-  <dgm:styleLbl name="solidAlignAcc1">
-    <dgm:fillClrLst meth="repeat">
-      <a:schemeClr val="lt1"/>
-    </dgm:fillClrLst>
-    <dgm:linClrLst>
-      <a:schemeClr val="accent5"/>
-      <a:schemeClr val="accent6"/>
-    </dgm:linClrLst>
-    <dgm:effectClrLst/>
-    <dgm:txLinClrLst/>
-    <dgm:txFillClrLst meth="repeat">
-      <a:schemeClr val="dk1"/>
-    </dgm:txFillClrLst>
-    <dgm:txEffectClrLst/>
-  </dgm:styleLbl>
-  <dgm:styleLbl name="solidBgAcc1">
-    <dgm:fillClrLst meth="repeat">
-      <a:schemeClr val="lt1"/>
-    </dgm:fillClrLst>
-    <dgm:linClrLst>
-      <a:schemeClr val="accent5"/>
-      <a:schemeClr val="accent6"/>
-    </dgm:linClrLst>
-    <dgm:effectClrLst/>
-    <dgm:txLinClrLst/>
-    <dgm:txFillClrLst meth="repeat">
-      <a:schemeClr val="dk1"/>
-    </dgm:txFillClrLst>
-    <dgm:txEffectClrLst/>
-  </dgm:styleLbl>
-  <dgm:styleLbl name="fgAccFollowNode1">
-    <dgm:fillClrLst>
-      <a:schemeClr val="accent5">
-        <a:tint val="40000"/>
-        <a:alpha val="90000"/>
-      </a:schemeClr>
-      <a:schemeClr val="accent6">
-        <a:tint val="40000"/>
-        <a:alpha val="90000"/>
-      </a:schemeClr>
-    </dgm:fillClrLst>
-    <dgm:linClrLst>
-      <a:schemeClr val="accent5">
-        <a:tint val="40000"/>
-        <a:alpha val="90000"/>
-      </a:schemeClr>
-      <a:schemeClr val="accent5">
-        <a:tint val="40000"/>
-        <a:alpha val="90000"/>
-      </a:schemeClr>
-    </dgm:linClrLst>
-    <dgm:effectClrLst/>
-    <dgm:txLinClrLst/>
-    <dgm:txFillClrLst meth="repeat">
-      <a:schemeClr val="dk1"/>
-    </dgm:txFillClrLst>
-    <dgm:txEffectClrLst/>
-  </dgm:styleLbl>
-  <dgm:styleLbl name="alignAccFollowNode1">
-    <dgm:fillClrLst>
-      <a:schemeClr val="accent5">
-        <a:tint val="40000"/>
-        <a:alpha val="90000"/>
-      </a:schemeClr>
-      <a:schemeClr val="accent6">
-        <a:tint val="40000"/>
-        <a:alpha val="90000"/>
-      </a:schemeClr>
-    </dgm:fillClrLst>
-    <dgm:linClrLst>
-      <a:schemeClr val="accent5">
-        <a:tint val="40000"/>
-        <a:alpha val="90000"/>
-      </a:schemeClr>
-      <a:schemeClr val="accent6">
-        <a:tint val="40000"/>
-        <a:alpha val="90000"/>
-      </a:schemeClr>
-    </dgm:linClrLst>
-    <dgm:effectClrLst/>
-    <dgm:txLinClrLst/>
-    <dgm:txFillClrLst meth="repeat">
-      <a:schemeClr val="dk1"/>
-    </dgm:txFillClrLst>
-    <dgm:txEffectClrLst/>
-  </dgm:styleLbl>
-  <dgm:styleLbl name="bgAccFollowNode1">
-    <dgm:fillClrLst>
-      <a:schemeClr val="accent5">
-        <a:tint val="40000"/>
-        <a:alpha val="90000"/>
-      </a:schemeClr>
-      <a:schemeClr val="accent6">
-        <a:tint val="40000"/>
-        <a:alpha val="90000"/>
-      </a:schemeClr>
-    </dgm:fillClrLst>
-    <dgm:linClrLst>
-      <a:schemeClr val="accent5">
-        <a:tint val="40000"/>
-        <a:alpha val="90000"/>
-      </a:schemeClr>
-      <a:schemeClr val="accent6">
-        <a:tint val="40000"/>
-        <a:alpha val="90000"/>
-      </a:schemeClr>
-    </dgm:linClrLst>
-    <dgm:effectClrLst/>
-    <dgm:txLinClrLst/>
-    <dgm:txFillClrLst meth="repeat">
-      <a:schemeClr val="dk1"/>
-    </dgm:txFillClrLst>
-    <dgm:txEffectClrLst/>
-  </dgm:styleLbl>
-  <dgm:styleLbl name="fgAcc0">
-    <dgm:fillClrLst meth="repeat">
-      <a:schemeClr val="lt1">
-        <a:alpha val="90000"/>
-      </a:schemeClr>
-    </dgm:fillClrLst>
-    <dgm:linClrLst>
-      <a:schemeClr val="accent4"/>
-    </dgm:linClrLst>
-    <dgm:effectClrLst/>
-    <dgm:txLinClrLst/>
-    <dgm:txFillClrLst meth="repeat">
-      <a:schemeClr val="dk1"/>
-    </dgm:txFillClrLst>
-    <dgm:txEffectClrLst/>
-  </dgm:styleLbl>
-  <dgm:styleLbl name="fgAcc2">
-    <dgm:fillClrLst meth="repeat">
-      <a:schemeClr val="lt1">
-        <a:alpha val="90000"/>
-      </a:schemeClr>
-    </dgm:fillClrLst>
-    <dgm:linClrLst>
-      <a:schemeClr val="accent6"/>
-    </dgm:linClrLst>
-    <dgm:effectClrLst/>
-    <dgm:txLinClrLst/>
-    <dgm:txFillClrLst meth="repeat">
-      <a:schemeClr val="dk1"/>
-    </dgm:txFillClrLst>
-    <dgm:txEffectClrLst/>
-  </dgm:styleLbl>
-  <dgm:styleLbl name="fgAcc3">
-    <dgm:fillClrLst meth="repeat">
-      <a:schemeClr val="lt1">
-        <a:alpha val="90000"/>
-      </a:schemeClr>
-    </dgm:fillClrLst>
-    <dgm:linClrLst>
-      <a:schemeClr val="accent1"/>
-    </dgm:linClrLst>
-    <dgm:effectClrLst/>
-    <dgm:txLinClrLst/>
-    <dgm:txFillClrLst meth="repeat">
-      <a:schemeClr val="dk1"/>
-    </dgm:txFillClrLst>
-    <dgm:txEffectClrLst/>
-  </dgm:styleLbl>
-  <dgm:styleLbl name="fgAcc4">
-    <dgm:fillClrLst meth="repeat">
-      <a:schemeClr val="lt1">
-        <a:alpha val="90000"/>
-      </a:schemeClr>
-    </dgm:fillClrLst>
-    <dgm:linClrLst>
-      <a:schemeClr val="accent2"/>
-    </dgm:linClrLst>
-    <dgm:effectClrLst/>
-    <dgm:txLinClrLst/>
-    <dgm:txFillClrLst meth="repeat">
-      <a:schemeClr val="dk1"/>
-    </dgm:txFillClrLst>
-    <dgm:txEffectClrLst/>
-  </dgm:styleLbl>
-  <dgm:styleLbl name="bgShp">
-    <dgm:fillClrLst meth="repeat">
-      <a:schemeClr val="accent5">
-        <a:tint val="40000"/>
-      </a:schemeClr>
-    </dgm:fillClrLst>
-    <dgm:linClrLst meth="repeat">
-      <a:schemeClr val="dk1"/>
-    </dgm:linClrLst>
-    <dgm:effectClrLst/>
-    <dgm:txLinClrLst/>
-    <dgm:txFillClrLst meth="repeat">
-      <a:schemeClr val="dk1"/>
-    </dgm:txFillClrLst>
-    <dgm:txEffectClrLst/>
-  </dgm:styleLbl>
-  <dgm:styleLbl name="dkBgShp">
-    <dgm:fillClrLst meth="repeat">
-      <a:schemeClr val="accent5">
-        <a:shade val="90000"/>
-      </a:schemeClr>
-    </dgm:fillClrLst>
-    <dgm:linClrLst meth="repeat">
-      <a:schemeClr val="dk1"/>
-    </dgm:linClrLst>
-    <dgm:effectClrLst/>
-    <dgm:txLinClrLst/>
-    <dgm:txFillClrLst meth="repeat">
-      <a:schemeClr val="lt1"/>
-    </dgm:txFillClrLst>
-    <dgm:txEffectClrLst/>
-  </dgm:styleLbl>
-  <dgm:styleLbl name="trBgShp">
-    <dgm:fillClrLst meth="repeat">
-      <a:schemeClr val="accent5">
-        <a:tint val="50000"/>
-        <a:alpha val="40000"/>
-      </a:schemeClr>
-    </dgm:fillClrLst>
-    <dgm:linClrLst meth="repeat">
-      <a:schemeClr val="accent5"/>
-    </dgm:linClrLst>
-    <dgm:effectClrLst/>
-    <dgm:txLinClrLst/>
-    <dgm:txFillClrLst meth="repeat">
-      <a:schemeClr val="lt1"/>
-    </dgm:txFillClrLst>
-    <dgm:txEffectClrLst/>
-  </dgm:styleLbl>
-  <dgm:styleLbl name="fgShp">
-    <dgm:fillClrLst meth="repeat">
-      <a:schemeClr val="accent5">
-        <a:tint val="40000"/>
-      </a:schemeClr>
-    </dgm:fillClrLst>
-    <dgm:linClrLst meth="repeat">
-      <a:schemeClr val="lt1"/>
-    </dgm:linClrLst>
-    <dgm:effectClrLst/>
-    <dgm:txLinClrLst/>
-    <dgm:txFillClrLst meth="repeat">
-      <a:schemeClr val="dk1"/>
-    </dgm:txFillClrLst>
-    <dgm:txEffectClrLst/>
-  </dgm:styleLbl>
-  <dgm:styleLbl name="revTx">
-    <dgm:fillClrLst meth="repeat">
-      <a:schemeClr val="lt1">
-        <a:alpha val="0"/>
-      </a:schemeClr>
-    </dgm:fillClrLst>
-    <dgm:linClrLst meth="repeat">
-      <a:schemeClr val="dk1">
-        <a:alpha val="0"/>
-      </a:schemeClr>
-    </dgm:linClrLst>
-    <dgm:effectClrLst/>
-    <dgm:txLinClrLst/>
-    <dgm:txFillClrLst meth="repeat">
-      <a:schemeClr val="tx1"/>
     </dgm:txFillClrLst>
     <dgm:txEffectClrLst/>
   </dgm:styleLbl>
@@ -4509,239 +3727,6 @@
     <dgm:cxn modelId="{C4E64D82-486B-439E-AEDC-0E495791C606}" type="presParOf" srcId="{2B0B4A4F-6A71-493C-8737-6F48285D14DF}" destId="{C5E91C71-96F6-4955-8B41-4318D0F0FD60}" srcOrd="1" destOrd="0" presId="urn:microsoft.com/office/officeart/2018/2/layout/IconVerticalSolidList"/>
     <dgm:cxn modelId="{559E6A00-D293-4759-A5F8-1A9266E03AB2}" type="presParOf" srcId="{2B0B4A4F-6A71-493C-8737-6F48285D14DF}" destId="{A45C2C83-711D-4698-8C07-B9BE68F15603}" srcOrd="2" destOrd="0" presId="urn:microsoft.com/office/officeart/2018/2/layout/IconVerticalSolidList"/>
     <dgm:cxn modelId="{B9B4820B-2E7C-4749-A678-16703CE03332}" type="presParOf" srcId="{2B0B4A4F-6A71-493C-8737-6F48285D14DF}" destId="{C3594FB1-B887-48E6-9314-E3DD5F40F28C}" srcOrd="3" destOrd="0" presId="urn:microsoft.com/office/officeart/2018/2/layout/IconVerticalSolidList"/>
-  </dgm:cxnLst>
-  <dgm:bg/>
-  <dgm:whole/>
-  <dgm:extLst>
-    <a:ext uri="http://schemas.microsoft.com/office/drawing/2008/diagram">
-      <dsp:dataModelExt xmlns:dsp="http://schemas.microsoft.com/office/drawing/2008/diagram" relId="rId6" minVer="http://schemas.openxmlformats.org/drawingml/2006/diagram"/>
-    </a:ext>
-  </dgm:extLst>
-</dgm:dataModel>
-</file>
-
-<file path=ppt/diagrams/data4.xml><?xml version="1.0" encoding="utf-8"?>
-<dgm:dataModel xmlns:dgm="http://schemas.openxmlformats.org/drawingml/2006/diagram" xmlns:a="http://schemas.openxmlformats.org/drawingml/2006/main">
-  <dgm:ptLst>
-    <dgm:pt modelId="{B598DA57-BD9D-476C-97C4-92B6E3F11856}" type="doc">
-      <dgm:prSet loTypeId="urn:microsoft.com/office/officeart/2005/8/layout/vList2" loCatId="list" qsTypeId="urn:microsoft.com/office/officeart/2005/8/quickstyle/simple1" qsCatId="simple" csTypeId="urn:microsoft.com/office/officeart/2005/8/colors/colorful5" csCatId="colorful"/>
-      <dgm:spPr/>
-      <dgm:t>
-        <a:bodyPr/>
-        <a:lstStyle/>
-        <a:p>
-          <a:endParaRPr lang="en-US"/>
-        </a:p>
-      </dgm:t>
-    </dgm:pt>
-    <dgm:pt modelId="{035DEB91-21D0-463C-99EC-9FADC962570E}">
-      <dgm:prSet/>
-      <dgm:spPr/>
-      <dgm:t>
-        <a:bodyPr/>
-        <a:lstStyle/>
-        <a:p>
-          <a:r>
-            <a:rPr lang="en-US"/>
-            <a:t>Human resource management system</a:t>
-          </a:r>
-        </a:p>
-      </dgm:t>
-    </dgm:pt>
-    <dgm:pt modelId="{977B390F-0BBB-45C5-9562-7F282C4C3A5E}" type="parTrans" cxnId="{D0920107-EBA4-4C49-95BC-61D884F6AF49}">
-      <dgm:prSet/>
-      <dgm:spPr/>
-      <dgm:t>
-        <a:bodyPr/>
-        <a:lstStyle/>
-        <a:p>
-          <a:endParaRPr lang="en-US"/>
-        </a:p>
-      </dgm:t>
-    </dgm:pt>
-    <dgm:pt modelId="{0CA1EAC3-3D2A-4472-BACF-2D032F8DEADF}" type="sibTrans" cxnId="{D0920107-EBA4-4C49-95BC-61D884F6AF49}">
-      <dgm:prSet/>
-      <dgm:spPr/>
-      <dgm:t>
-        <a:bodyPr/>
-        <a:lstStyle/>
-        <a:p>
-          <a:endParaRPr lang="en-US"/>
-        </a:p>
-      </dgm:t>
-    </dgm:pt>
-    <dgm:pt modelId="{EB1F5BEA-EF24-4070-B4FD-A21771724F0D}">
-      <dgm:prSet/>
-      <dgm:spPr/>
-      <dgm:t>
-        <a:bodyPr/>
-        <a:lstStyle/>
-        <a:p>
-          <a:r>
-            <a:rPr lang="en-US" u="sng">
-              <a:hlinkClick xmlns:r="http://schemas.openxmlformats.org/officeDocument/2006/relationships" r:id="rId1"/>
-            </a:rPr>
-            <a:t>https://en.wikipedia.org/wiki/Human_resource_management_system</a:t>
-          </a:r>
-          <a:endParaRPr lang="en-US"/>
-        </a:p>
-      </dgm:t>
-    </dgm:pt>
-    <dgm:pt modelId="{21DB7001-07FB-4672-97F2-2C4CA520A41C}" type="parTrans" cxnId="{C09B5AFA-BC09-4B14-8D3D-FA191A83D336}">
-      <dgm:prSet/>
-      <dgm:spPr/>
-      <dgm:t>
-        <a:bodyPr/>
-        <a:lstStyle/>
-        <a:p>
-          <a:endParaRPr lang="en-US"/>
-        </a:p>
-      </dgm:t>
-    </dgm:pt>
-    <dgm:pt modelId="{1C235002-D961-457B-9B59-0DD25393A00E}" type="sibTrans" cxnId="{C09B5AFA-BC09-4B14-8D3D-FA191A83D336}">
-      <dgm:prSet/>
-      <dgm:spPr/>
-      <dgm:t>
-        <a:bodyPr/>
-        <a:lstStyle/>
-        <a:p>
-          <a:endParaRPr lang="en-US"/>
-        </a:p>
-      </dgm:t>
-    </dgm:pt>
-    <dgm:pt modelId="{AD4AA2AB-BB9D-4ED8-A9EB-270270E095F2}">
-      <dgm:prSet/>
-      <dgm:spPr/>
-      <dgm:t>
-        <a:bodyPr/>
-        <a:lstStyle/>
-        <a:p>
-          <a:r>
-            <a:rPr lang="en-US"/>
-            <a:t>Human Resources Management System (HRMS)</a:t>
-          </a:r>
-        </a:p>
-      </dgm:t>
-    </dgm:pt>
-    <dgm:pt modelId="{4FB1068E-1E0B-4821-A7EF-A628DC829C83}" type="parTrans" cxnId="{47E5C9C1-F4C4-44D5-88BF-25AC8CA87D58}">
-      <dgm:prSet/>
-      <dgm:spPr/>
-      <dgm:t>
-        <a:bodyPr/>
-        <a:lstStyle/>
-        <a:p>
-          <a:endParaRPr lang="en-US"/>
-        </a:p>
-      </dgm:t>
-    </dgm:pt>
-    <dgm:pt modelId="{CAA7E180-67FB-4202-A111-1134F7D3F117}" type="sibTrans" cxnId="{47E5C9C1-F4C4-44D5-88BF-25AC8CA87D58}">
-      <dgm:prSet/>
-      <dgm:spPr/>
-      <dgm:t>
-        <a:bodyPr/>
-        <a:lstStyle/>
-        <a:p>
-          <a:endParaRPr lang="en-US"/>
-        </a:p>
-      </dgm:t>
-    </dgm:pt>
-    <dgm:pt modelId="{2E992433-96F3-4786-8ECF-594C40125B1F}">
-      <dgm:prSet/>
-      <dgm:spPr/>
-      <dgm:t>
-        <a:bodyPr/>
-        <a:lstStyle/>
-        <a:p>
-          <a:r>
-            <a:rPr lang="en-US" u="sng">
-              <a:hlinkClick xmlns:r="http://schemas.openxmlformats.org/officeDocument/2006/relationships" r:id="rId2"/>
-            </a:rPr>
-            <a:t>https://www.bamboohr.com/hr-glossary/human-resources-management-system-hrms/</a:t>
-          </a:r>
-          <a:endParaRPr lang="en-US"/>
-        </a:p>
-      </dgm:t>
-    </dgm:pt>
-    <dgm:pt modelId="{1D75D33F-4F1E-4DEE-A58D-D5B82179D971}" type="parTrans" cxnId="{F649E195-FA9B-4BF0-AF69-4B125C5B8DEE}">
-      <dgm:prSet/>
-      <dgm:spPr/>
-      <dgm:t>
-        <a:bodyPr/>
-        <a:lstStyle/>
-        <a:p>
-          <a:endParaRPr lang="en-US"/>
-        </a:p>
-      </dgm:t>
-    </dgm:pt>
-    <dgm:pt modelId="{3A6EA4EF-1CE8-45CE-805E-A8F68FCFFAD5}" type="sibTrans" cxnId="{F649E195-FA9B-4BF0-AF69-4B125C5B8DEE}">
-      <dgm:prSet/>
-      <dgm:spPr/>
-      <dgm:t>
-        <a:bodyPr/>
-        <a:lstStyle/>
-        <a:p>
-          <a:endParaRPr lang="en-US"/>
-        </a:p>
-      </dgm:t>
-    </dgm:pt>
-    <dgm:pt modelId="{9632E9F0-8876-4EFE-9857-5FC4E45FBDCC}" type="pres">
-      <dgm:prSet presAssocID="{B598DA57-BD9D-476C-97C4-92B6E3F11856}" presName="linear" presStyleCnt="0">
-        <dgm:presLayoutVars>
-          <dgm:animLvl val="lvl"/>
-          <dgm:resizeHandles val="exact"/>
-        </dgm:presLayoutVars>
-      </dgm:prSet>
-      <dgm:spPr/>
-    </dgm:pt>
-    <dgm:pt modelId="{6654E7B3-2139-4EDF-B54F-920CBE824401}" type="pres">
-      <dgm:prSet presAssocID="{035DEB91-21D0-463C-99EC-9FADC962570E}" presName="parentText" presStyleLbl="node1" presStyleIdx="0" presStyleCnt="2">
-        <dgm:presLayoutVars>
-          <dgm:chMax val="0"/>
-          <dgm:bulletEnabled val="1"/>
-        </dgm:presLayoutVars>
-      </dgm:prSet>
-      <dgm:spPr/>
-    </dgm:pt>
-    <dgm:pt modelId="{B057E04C-0C10-432B-A512-1E9456A7DA18}" type="pres">
-      <dgm:prSet presAssocID="{035DEB91-21D0-463C-99EC-9FADC962570E}" presName="childText" presStyleLbl="revTx" presStyleIdx="0" presStyleCnt="2">
-        <dgm:presLayoutVars>
-          <dgm:bulletEnabled val="1"/>
-        </dgm:presLayoutVars>
-      </dgm:prSet>
-      <dgm:spPr/>
-    </dgm:pt>
-    <dgm:pt modelId="{B3C7CD9C-AEDE-41D3-8374-F8050EF45F29}" type="pres">
-      <dgm:prSet presAssocID="{AD4AA2AB-BB9D-4ED8-A9EB-270270E095F2}" presName="parentText" presStyleLbl="node1" presStyleIdx="1" presStyleCnt="2">
-        <dgm:presLayoutVars>
-          <dgm:chMax val="0"/>
-          <dgm:bulletEnabled val="1"/>
-        </dgm:presLayoutVars>
-      </dgm:prSet>
-      <dgm:spPr/>
-    </dgm:pt>
-    <dgm:pt modelId="{FE7B3F16-0546-40B4-8813-0B1EDCF425B0}" type="pres">
-      <dgm:prSet presAssocID="{AD4AA2AB-BB9D-4ED8-A9EB-270270E095F2}" presName="childText" presStyleLbl="revTx" presStyleIdx="1" presStyleCnt="2">
-        <dgm:presLayoutVars>
-          <dgm:bulletEnabled val="1"/>
-        </dgm:presLayoutVars>
-      </dgm:prSet>
-      <dgm:spPr/>
-    </dgm:pt>
-  </dgm:ptLst>
-  <dgm:cxnLst>
-    <dgm:cxn modelId="{427EE601-E27F-4FCF-87A2-07E36D9FE33D}" type="presOf" srcId="{035DEB91-21D0-463C-99EC-9FADC962570E}" destId="{6654E7B3-2139-4EDF-B54F-920CBE824401}" srcOrd="0" destOrd="0" presId="urn:microsoft.com/office/officeart/2005/8/layout/vList2"/>
-    <dgm:cxn modelId="{D0920107-EBA4-4C49-95BC-61D884F6AF49}" srcId="{B598DA57-BD9D-476C-97C4-92B6E3F11856}" destId="{035DEB91-21D0-463C-99EC-9FADC962570E}" srcOrd="0" destOrd="0" parTransId="{977B390F-0BBB-45C5-9562-7F282C4C3A5E}" sibTransId="{0CA1EAC3-3D2A-4472-BACF-2D032F8DEADF}"/>
-    <dgm:cxn modelId="{367D9095-F85C-4697-9C92-F93E829B9397}" type="presOf" srcId="{AD4AA2AB-BB9D-4ED8-A9EB-270270E095F2}" destId="{B3C7CD9C-AEDE-41D3-8374-F8050EF45F29}" srcOrd="0" destOrd="0" presId="urn:microsoft.com/office/officeart/2005/8/layout/vList2"/>
-    <dgm:cxn modelId="{F649E195-FA9B-4BF0-AF69-4B125C5B8DEE}" srcId="{AD4AA2AB-BB9D-4ED8-A9EB-270270E095F2}" destId="{2E992433-96F3-4786-8ECF-594C40125B1F}" srcOrd="0" destOrd="0" parTransId="{1D75D33F-4F1E-4DEE-A58D-D5B82179D971}" sibTransId="{3A6EA4EF-1CE8-45CE-805E-A8F68FCFFAD5}"/>
-    <dgm:cxn modelId="{96112C9C-6AEE-4A45-AFB4-C6AAF9A8A210}" type="presOf" srcId="{EB1F5BEA-EF24-4070-B4FD-A21771724F0D}" destId="{B057E04C-0C10-432B-A512-1E9456A7DA18}" srcOrd="0" destOrd="0" presId="urn:microsoft.com/office/officeart/2005/8/layout/vList2"/>
-    <dgm:cxn modelId="{47E5C9C1-F4C4-44D5-88BF-25AC8CA87D58}" srcId="{B598DA57-BD9D-476C-97C4-92B6E3F11856}" destId="{AD4AA2AB-BB9D-4ED8-A9EB-270270E095F2}" srcOrd="1" destOrd="0" parTransId="{4FB1068E-1E0B-4821-A7EF-A628DC829C83}" sibTransId="{CAA7E180-67FB-4202-A111-1134F7D3F117}"/>
-    <dgm:cxn modelId="{9E32DCC4-9666-4088-B33C-8154BBD722D5}" type="presOf" srcId="{B598DA57-BD9D-476C-97C4-92B6E3F11856}" destId="{9632E9F0-8876-4EFE-9857-5FC4E45FBDCC}" srcOrd="0" destOrd="0" presId="urn:microsoft.com/office/officeart/2005/8/layout/vList2"/>
-    <dgm:cxn modelId="{DE5CFBF4-45FD-482C-A43E-178BE966A9CD}" type="presOf" srcId="{2E992433-96F3-4786-8ECF-594C40125B1F}" destId="{FE7B3F16-0546-40B4-8813-0B1EDCF425B0}" srcOrd="0" destOrd="0" presId="urn:microsoft.com/office/officeart/2005/8/layout/vList2"/>
-    <dgm:cxn modelId="{C09B5AFA-BC09-4B14-8D3D-FA191A83D336}" srcId="{035DEB91-21D0-463C-99EC-9FADC962570E}" destId="{EB1F5BEA-EF24-4070-B4FD-A21771724F0D}" srcOrd="0" destOrd="0" parTransId="{21DB7001-07FB-4672-97F2-2C4CA520A41C}" sibTransId="{1C235002-D961-457B-9B59-0DD25393A00E}"/>
-    <dgm:cxn modelId="{061E9945-43ED-4064-AF18-26340A12934D}" type="presParOf" srcId="{9632E9F0-8876-4EFE-9857-5FC4E45FBDCC}" destId="{6654E7B3-2139-4EDF-B54F-920CBE824401}" srcOrd="0" destOrd="0" presId="urn:microsoft.com/office/officeart/2005/8/layout/vList2"/>
-    <dgm:cxn modelId="{7330E8C6-9900-426C-B976-91EA08BE35CD}" type="presParOf" srcId="{9632E9F0-8876-4EFE-9857-5FC4E45FBDCC}" destId="{B057E04C-0C10-432B-A512-1E9456A7DA18}" srcOrd="1" destOrd="0" presId="urn:microsoft.com/office/officeart/2005/8/layout/vList2"/>
-    <dgm:cxn modelId="{767D3299-B5D4-49C6-9635-4F4D5960AB8B}" type="presParOf" srcId="{9632E9F0-8876-4EFE-9857-5FC4E45FBDCC}" destId="{B3C7CD9C-AEDE-41D3-8374-F8050EF45F29}" srcOrd="2" destOrd="0" presId="urn:microsoft.com/office/officeart/2005/8/layout/vList2"/>
-    <dgm:cxn modelId="{8A6A474A-9563-4503-96E9-F3595D458CCB}" type="presParOf" srcId="{9632E9F0-8876-4EFE-9857-5FC4E45FBDCC}" destId="{FE7B3F16-0546-40B4-8813-0B1EDCF425B0}" srcOrd="3" destOrd="0" presId="urn:microsoft.com/office/officeart/2005/8/layout/vList2"/>
   </dgm:cxnLst>
   <dgm:bg/>
   <dgm:whole/>
@@ -6246,300 +5231,6 @@
       <dsp:txXfrm>
         <a:off x="2039300" y="3163416"/>
         <a:ext cx="4474303" cy="1765627"/>
-      </dsp:txXfrm>
-    </dsp:sp>
-  </dsp:spTree>
-</dsp:drawing>
-</file>
-
-<file path=ppt/diagrams/drawing4.xml><?xml version="1.0" encoding="utf-8"?>
-<dsp:drawing xmlns:dgm="http://schemas.openxmlformats.org/drawingml/2006/diagram" xmlns:dsp="http://schemas.microsoft.com/office/drawing/2008/diagram" xmlns:a="http://schemas.openxmlformats.org/drawingml/2006/main">
-  <dsp:spTree>
-    <dsp:nvGrpSpPr>
-      <dsp:cNvPr id="0" name=""/>
-      <dsp:cNvGrpSpPr/>
-    </dsp:nvGrpSpPr>
-    <dsp:grpSpPr/>
-    <dsp:sp modelId="{6654E7B3-2139-4EDF-B54F-920CBE824401}">
-      <dsp:nvSpPr>
-        <dsp:cNvPr id="0" name=""/>
-        <dsp:cNvSpPr/>
-      </dsp:nvSpPr>
-      <dsp:spPr>
-        <a:xfrm>
-          <a:off x="0" y="2015195"/>
-          <a:ext cx="6513603" cy="503685"/>
-        </a:xfrm>
-        <a:prstGeom prst="roundRect">
-          <a:avLst/>
-        </a:prstGeom>
-        <a:solidFill>
-          <a:schemeClr val="accent5">
-            <a:hueOff val="0"/>
-            <a:satOff val="0"/>
-            <a:lumOff val="0"/>
-            <a:alphaOff val="0"/>
-          </a:schemeClr>
-        </a:solidFill>
-        <a:ln w="12700" cap="flat" cmpd="sng" algn="ctr">
-          <a:solidFill>
-            <a:schemeClr val="lt1">
-              <a:hueOff val="0"/>
-              <a:satOff val="0"/>
-              <a:lumOff val="0"/>
-              <a:alphaOff val="0"/>
-            </a:schemeClr>
-          </a:solidFill>
-          <a:prstDash val="solid"/>
-          <a:miter lim="800000"/>
-        </a:ln>
-        <a:effectLst/>
-      </dsp:spPr>
-      <dsp:style>
-        <a:lnRef idx="2">
-          <a:scrgbClr r="0" g="0" b="0"/>
-        </a:lnRef>
-        <a:fillRef idx="1">
-          <a:scrgbClr r="0" g="0" b="0"/>
-        </a:fillRef>
-        <a:effectRef idx="0">
-          <a:scrgbClr r="0" g="0" b="0"/>
-        </a:effectRef>
-        <a:fontRef idx="minor">
-          <a:schemeClr val="lt1"/>
-        </a:fontRef>
-      </dsp:style>
-      <dsp:txBody>
-        <a:bodyPr spcFirstLastPara="0" vert="horz" wrap="square" lIns="80010" tIns="80010" rIns="80010" bIns="80010" numCol="1" spcCol="1270" anchor="ctr" anchorCtr="0">
-          <a:noAutofit/>
-        </a:bodyPr>
-        <a:lstStyle/>
-        <a:p>
-          <a:pPr marL="0" lvl="0" indent="0" algn="l" defTabSz="933450">
-            <a:lnSpc>
-              <a:spcPct val="90000"/>
-            </a:lnSpc>
-            <a:spcBef>
-              <a:spcPct val="0"/>
-            </a:spcBef>
-            <a:spcAft>
-              <a:spcPct val="35000"/>
-            </a:spcAft>
-            <a:buNone/>
-          </a:pPr>
-          <a:r>
-            <a:rPr lang="en-US" sz="2100" kern="1200"/>
-            <a:t>Human resource management system</a:t>
-          </a:r>
-        </a:p>
-      </dsp:txBody>
-      <dsp:txXfrm>
-        <a:off x="24588" y="2039783"/>
-        <a:ext cx="6464427" cy="454509"/>
-      </dsp:txXfrm>
-    </dsp:sp>
-    <dsp:sp modelId="{B057E04C-0C10-432B-A512-1E9456A7DA18}">
-      <dsp:nvSpPr>
-        <dsp:cNvPr id="0" name=""/>
-        <dsp:cNvSpPr/>
-      </dsp:nvSpPr>
-      <dsp:spPr>
-        <a:xfrm>
-          <a:off x="0" y="2518880"/>
-          <a:ext cx="6513603" cy="347760"/>
-        </a:xfrm>
-        <a:prstGeom prst="rect">
-          <a:avLst/>
-        </a:prstGeom>
-        <a:noFill/>
-        <a:ln>
-          <a:noFill/>
-        </a:ln>
-        <a:effectLst/>
-      </dsp:spPr>
-      <dsp:style>
-        <a:lnRef idx="0">
-          <a:scrgbClr r="0" g="0" b="0"/>
-        </a:lnRef>
-        <a:fillRef idx="0">
-          <a:scrgbClr r="0" g="0" b="0"/>
-        </a:fillRef>
-        <a:effectRef idx="0">
-          <a:scrgbClr r="0" g="0" b="0"/>
-        </a:effectRef>
-        <a:fontRef idx="minor"/>
-      </dsp:style>
-      <dsp:txBody>
-        <a:bodyPr spcFirstLastPara="0" vert="horz" wrap="square" lIns="206807" tIns="26670" rIns="149352" bIns="26670" numCol="1" spcCol="1270" anchor="t" anchorCtr="0">
-          <a:noAutofit/>
-        </a:bodyPr>
-        <a:lstStyle/>
-        <a:p>
-          <a:pPr marL="171450" lvl="1" indent="-171450" algn="l" defTabSz="711200">
-            <a:lnSpc>
-              <a:spcPct val="90000"/>
-            </a:lnSpc>
-            <a:spcBef>
-              <a:spcPct val="0"/>
-            </a:spcBef>
-            <a:spcAft>
-              <a:spcPct val="20000"/>
-            </a:spcAft>
-            <a:buChar char="•"/>
-          </a:pPr>
-          <a:r>
-            <a:rPr lang="en-US" sz="1600" u="sng" kern="1200">
-              <a:hlinkClick xmlns:r="http://schemas.openxmlformats.org/officeDocument/2006/relationships" r:id="rId1"/>
-            </a:rPr>
-            <a:t>https://en.wikipedia.org/wiki/Human_resource_management_system</a:t>
-          </a:r>
-          <a:endParaRPr lang="en-US" sz="1600" kern="1200"/>
-        </a:p>
-      </dsp:txBody>
-      <dsp:txXfrm>
-        <a:off x="0" y="2518880"/>
-        <a:ext cx="6513603" cy="347760"/>
-      </dsp:txXfrm>
-    </dsp:sp>
-    <dsp:sp modelId="{B3C7CD9C-AEDE-41D3-8374-F8050EF45F29}">
-      <dsp:nvSpPr>
-        <dsp:cNvPr id="0" name=""/>
-        <dsp:cNvSpPr/>
-      </dsp:nvSpPr>
-      <dsp:spPr>
-        <a:xfrm>
-          <a:off x="0" y="2866640"/>
-          <a:ext cx="6513603" cy="503685"/>
-        </a:xfrm>
-        <a:prstGeom prst="roundRect">
-          <a:avLst/>
-        </a:prstGeom>
-        <a:solidFill>
-          <a:schemeClr val="accent5">
-            <a:hueOff val="-6758543"/>
-            <a:satOff val="-17419"/>
-            <a:lumOff val="-11765"/>
-            <a:alphaOff val="0"/>
-          </a:schemeClr>
-        </a:solidFill>
-        <a:ln w="12700" cap="flat" cmpd="sng" algn="ctr">
-          <a:solidFill>
-            <a:schemeClr val="lt1">
-              <a:hueOff val="0"/>
-              <a:satOff val="0"/>
-              <a:lumOff val="0"/>
-              <a:alphaOff val="0"/>
-            </a:schemeClr>
-          </a:solidFill>
-          <a:prstDash val="solid"/>
-          <a:miter lim="800000"/>
-        </a:ln>
-        <a:effectLst/>
-      </dsp:spPr>
-      <dsp:style>
-        <a:lnRef idx="2">
-          <a:scrgbClr r="0" g="0" b="0"/>
-        </a:lnRef>
-        <a:fillRef idx="1">
-          <a:scrgbClr r="0" g="0" b="0"/>
-        </a:fillRef>
-        <a:effectRef idx="0">
-          <a:scrgbClr r="0" g="0" b="0"/>
-        </a:effectRef>
-        <a:fontRef idx="minor">
-          <a:schemeClr val="lt1"/>
-        </a:fontRef>
-      </dsp:style>
-      <dsp:txBody>
-        <a:bodyPr spcFirstLastPara="0" vert="horz" wrap="square" lIns="80010" tIns="80010" rIns="80010" bIns="80010" numCol="1" spcCol="1270" anchor="ctr" anchorCtr="0">
-          <a:noAutofit/>
-        </a:bodyPr>
-        <a:lstStyle/>
-        <a:p>
-          <a:pPr marL="0" lvl="0" indent="0" algn="l" defTabSz="933450">
-            <a:lnSpc>
-              <a:spcPct val="90000"/>
-            </a:lnSpc>
-            <a:spcBef>
-              <a:spcPct val="0"/>
-            </a:spcBef>
-            <a:spcAft>
-              <a:spcPct val="35000"/>
-            </a:spcAft>
-            <a:buNone/>
-          </a:pPr>
-          <a:r>
-            <a:rPr lang="en-US" sz="2100" kern="1200"/>
-            <a:t>Human Resources Management System (HRMS)</a:t>
-          </a:r>
-        </a:p>
-      </dsp:txBody>
-      <dsp:txXfrm>
-        <a:off x="24588" y="2891228"/>
-        <a:ext cx="6464427" cy="454509"/>
-      </dsp:txXfrm>
-    </dsp:sp>
-    <dsp:sp modelId="{FE7B3F16-0546-40B4-8813-0B1EDCF425B0}">
-      <dsp:nvSpPr>
-        <dsp:cNvPr id="0" name=""/>
-        <dsp:cNvSpPr/>
-      </dsp:nvSpPr>
-      <dsp:spPr>
-        <a:xfrm>
-          <a:off x="0" y="3370325"/>
-          <a:ext cx="6513603" cy="499904"/>
-        </a:xfrm>
-        <a:prstGeom prst="rect">
-          <a:avLst/>
-        </a:prstGeom>
-        <a:noFill/>
-        <a:ln>
-          <a:noFill/>
-        </a:ln>
-        <a:effectLst/>
-      </dsp:spPr>
-      <dsp:style>
-        <a:lnRef idx="0">
-          <a:scrgbClr r="0" g="0" b="0"/>
-        </a:lnRef>
-        <a:fillRef idx="0">
-          <a:scrgbClr r="0" g="0" b="0"/>
-        </a:fillRef>
-        <a:effectRef idx="0">
-          <a:scrgbClr r="0" g="0" b="0"/>
-        </a:effectRef>
-        <a:fontRef idx="minor"/>
-      </dsp:style>
-      <dsp:txBody>
-        <a:bodyPr spcFirstLastPara="0" vert="horz" wrap="square" lIns="206807" tIns="26670" rIns="149352" bIns="26670" numCol="1" spcCol="1270" anchor="t" anchorCtr="0">
-          <a:noAutofit/>
-        </a:bodyPr>
-        <a:lstStyle/>
-        <a:p>
-          <a:pPr marL="171450" lvl="1" indent="-171450" algn="l" defTabSz="711200">
-            <a:lnSpc>
-              <a:spcPct val="90000"/>
-            </a:lnSpc>
-            <a:spcBef>
-              <a:spcPct val="0"/>
-            </a:spcBef>
-            <a:spcAft>
-              <a:spcPct val="20000"/>
-            </a:spcAft>
-            <a:buChar char="•"/>
-          </a:pPr>
-          <a:r>
-            <a:rPr lang="en-US" sz="1600" u="sng" kern="1200">
-              <a:hlinkClick xmlns:r="http://schemas.openxmlformats.org/officeDocument/2006/relationships" r:id="rId2"/>
-            </a:rPr>
-            <a:t>https://www.bamboohr.com/hr-glossary/human-resources-management-system-hrms/</a:t>
-          </a:r>
-          <a:endParaRPr lang="en-US" sz="1600" kern="1200"/>
-        </a:p>
-      </dsp:txBody>
-      <dsp:txXfrm>
-        <a:off x="0" y="3370325"/>
-        <a:ext cx="6513603" cy="499904"/>
       </dsp:txXfrm>
     </dsp:sp>
   </dsp:spTree>
@@ -8275,173 +6966,6 @@
 </dgm:layoutDef>
 </file>
 
-<file path=ppt/diagrams/layout4.xml><?xml version="1.0" encoding="utf-8"?>
-<dgm:layoutDef xmlns:dgm="http://schemas.openxmlformats.org/drawingml/2006/diagram" xmlns:a="http://schemas.openxmlformats.org/drawingml/2006/main" uniqueId="urn:microsoft.com/office/officeart/2005/8/layout/vList2">
-  <dgm:title val=""/>
-  <dgm:desc val=""/>
-  <dgm:catLst>
-    <dgm:cat type="list" pri="3000"/>
-    <dgm:cat type="convert" pri="1000"/>
-  </dgm:catLst>
-  <dgm:sampData>
-    <dgm:dataModel>
-      <dgm:ptLst>
-        <dgm:pt modelId="0" type="doc"/>
-        <dgm:pt modelId="1">
-          <dgm:prSet phldr="1"/>
-        </dgm:pt>
-        <dgm:pt modelId="11">
-          <dgm:prSet phldr="1"/>
-        </dgm:pt>
-        <dgm:pt modelId="2">
-          <dgm:prSet phldr="1"/>
-        </dgm:pt>
-        <dgm:pt modelId="21">
-          <dgm:prSet phldr="1"/>
-        </dgm:pt>
-      </dgm:ptLst>
-      <dgm:cxnLst>
-        <dgm:cxn modelId="4" srcId="0" destId="1" srcOrd="0" destOrd="0"/>
-        <dgm:cxn modelId="5" srcId="0" destId="2" srcOrd="1" destOrd="0"/>
-        <dgm:cxn modelId="12" srcId="1" destId="11" srcOrd="0" destOrd="0"/>
-        <dgm:cxn modelId="23" srcId="2" destId="21" srcOrd="0" destOrd="0"/>
-      </dgm:cxnLst>
-      <dgm:bg/>
-      <dgm:whole/>
-    </dgm:dataModel>
-  </dgm:sampData>
-  <dgm:styleData>
-    <dgm:dataModel>
-      <dgm:ptLst>
-        <dgm:pt modelId="0" type="doc"/>
-        <dgm:pt modelId="1"/>
-        <dgm:pt modelId="2"/>
-      </dgm:ptLst>
-      <dgm:cxnLst>
-        <dgm:cxn modelId="3" srcId="0" destId="1" srcOrd="0" destOrd="0"/>
-        <dgm:cxn modelId="4" srcId="0" destId="2" srcOrd="1" destOrd="0"/>
-      </dgm:cxnLst>
-      <dgm:bg/>
-      <dgm:whole/>
-    </dgm:dataModel>
-  </dgm:styleData>
-  <dgm:clrData>
-    <dgm:dataModel>
-      <dgm:ptLst>
-        <dgm:pt modelId="0" type="doc"/>
-        <dgm:pt modelId="1"/>
-        <dgm:pt modelId="2"/>
-        <dgm:pt modelId="3"/>
-        <dgm:pt modelId="4"/>
-      </dgm:ptLst>
-      <dgm:cxnLst>
-        <dgm:cxn modelId="5" srcId="0" destId="1" srcOrd="0" destOrd="0"/>
-        <dgm:cxn modelId="6" srcId="0" destId="2" srcOrd="1" destOrd="0"/>
-        <dgm:cxn modelId="7" srcId="0" destId="3" srcOrd="2" destOrd="0"/>
-        <dgm:cxn modelId="8" srcId="0" destId="4" srcOrd="3" destOrd="0"/>
-      </dgm:cxnLst>
-      <dgm:bg/>
-      <dgm:whole/>
-    </dgm:dataModel>
-  </dgm:clrData>
-  <dgm:layoutNode name="linear">
-    <dgm:varLst>
-      <dgm:animLvl val="lvl"/>
-      <dgm:resizeHandles val="exact"/>
-    </dgm:varLst>
-    <dgm:alg type="lin">
-      <dgm:param type="linDir" val="fromT"/>
-      <dgm:param type="vertAlign" val="mid"/>
-    </dgm:alg>
-    <dgm:shape xmlns:r="http://schemas.openxmlformats.org/officeDocument/2006/relationships" r:blip="">
-      <dgm:adjLst/>
-    </dgm:shape>
-    <dgm:presOf/>
-    <dgm:constrLst>
-      <dgm:constr type="w" for="ch" forName="parentText" refType="w"/>
-      <dgm:constr type="h" for="ch" forName="parentText" refType="primFontSz" refFor="ch" refForName="parentText" fact="0.52"/>
-      <dgm:constr type="w" for="ch" forName="childText" refType="w"/>
-      <dgm:constr type="h" for="ch" forName="childText" refType="primFontSz" refFor="ch" refForName="parentText" fact="0.46"/>
-      <dgm:constr type="h" for="ch" forName="parentText" op="equ"/>
-      <dgm:constr type="primFontSz" for="ch" forName="parentText" op="equ" val="65"/>
-      <dgm:constr type="primFontSz" for="ch" forName="childText" refType="primFontSz" refFor="ch" refForName="parentText" op="equ"/>
-      <dgm:constr type="h" for="ch" forName="spacer" refType="primFontSz" refFor="ch" refForName="parentText" fact="0.08"/>
-    </dgm:constrLst>
-    <dgm:ruleLst>
-      <dgm:rule type="primFontSz" for="ch" forName="parentText" val="5" fact="NaN" max="NaN"/>
-    </dgm:ruleLst>
-    <dgm:forEach name="Name0" axis="ch" ptType="node">
-      <dgm:layoutNode name="parentText" styleLbl="node1">
-        <dgm:varLst>
-          <dgm:chMax val="0"/>
-          <dgm:bulletEnabled val="1"/>
-        </dgm:varLst>
-        <dgm:alg type="tx">
-          <dgm:param type="parTxLTRAlign" val="l"/>
-          <dgm:param type="parTxRTLAlign" val="r"/>
-        </dgm:alg>
-        <dgm:shape xmlns:r="http://schemas.openxmlformats.org/officeDocument/2006/relationships" type="roundRect" r:blip="">
-          <dgm:adjLst/>
-        </dgm:shape>
-        <dgm:presOf axis="self"/>
-        <dgm:constrLst>
-          <dgm:constr type="tMarg" refType="primFontSz" fact="0.3"/>
-          <dgm:constr type="bMarg" refType="primFontSz" fact="0.3"/>
-          <dgm:constr type="lMarg" refType="primFontSz" fact="0.3"/>
-          <dgm:constr type="rMarg" refType="primFontSz" fact="0.3"/>
-        </dgm:constrLst>
-        <dgm:ruleLst>
-          <dgm:rule type="h" val="INF" fact="NaN" max="NaN"/>
-        </dgm:ruleLst>
-      </dgm:layoutNode>
-      <dgm:choose name="Name1">
-        <dgm:if name="Name2" axis="ch" ptType="node" func="cnt" op="gte" val="1">
-          <dgm:layoutNode name="childText" styleLbl="revTx">
-            <dgm:varLst>
-              <dgm:bulletEnabled val="1"/>
-            </dgm:varLst>
-            <dgm:alg type="tx">
-              <dgm:param type="stBulletLvl" val="1"/>
-              <dgm:param type="lnSpAfChP" val="20"/>
-            </dgm:alg>
-            <dgm:shape xmlns:r="http://schemas.openxmlformats.org/officeDocument/2006/relationships" type="rect" r:blip="">
-              <dgm:adjLst/>
-            </dgm:shape>
-            <dgm:presOf axis="des" ptType="node"/>
-            <dgm:constrLst>
-              <dgm:constr type="tMarg" refType="primFontSz" fact="0.1"/>
-              <dgm:constr type="bMarg" refType="primFontSz" fact="0.1"/>
-              <dgm:constr type="lMarg" refType="w" fact="0.09"/>
-            </dgm:constrLst>
-            <dgm:ruleLst>
-              <dgm:rule type="h" val="INF" fact="NaN" max="NaN"/>
-            </dgm:ruleLst>
-          </dgm:layoutNode>
-        </dgm:if>
-        <dgm:else name="Name3">
-          <dgm:choose name="Name4">
-            <dgm:if name="Name5" axis="par ch" ptType="doc node" func="cnt" op="gte" val="2">
-              <dgm:forEach name="Name6" axis="followSib" ptType="sibTrans" cnt="1">
-                <dgm:layoutNode name="spacer">
-                  <dgm:alg type="sp"/>
-                  <dgm:shape xmlns:r="http://schemas.openxmlformats.org/officeDocument/2006/relationships" r:blip="">
-                    <dgm:adjLst/>
-                  </dgm:shape>
-                  <dgm:presOf/>
-                  <dgm:constrLst/>
-                  <dgm:ruleLst/>
-                </dgm:layoutNode>
-              </dgm:forEach>
-            </dgm:if>
-            <dgm:else name="Name7"/>
-          </dgm:choose>
-        </dgm:else>
-      </dgm:choose>
-    </dgm:forEach>
-  </dgm:layoutNode>
-</dgm:layoutDef>
-</file>
-
 <file path=ppt/diagrams/quickStyle1.xml><?xml version="1.0" encoding="utf-8"?>
 <dgm:styleDef xmlns:dgm="http://schemas.openxmlformats.org/drawingml/2006/diagram" xmlns:a="http://schemas.openxmlformats.org/drawingml/2006/main" uniqueId="urn:microsoft.com/office/officeart/2005/8/quickstyle/simple1">
   <dgm:title val=""/>
@@ -10511,1040 +9035,6 @@
 </file>
 
 <file path=ppt/diagrams/quickStyle3.xml><?xml version="1.0" encoding="utf-8"?>
-<dgm:styleDef xmlns:dgm="http://schemas.openxmlformats.org/drawingml/2006/diagram" xmlns:a="http://schemas.openxmlformats.org/drawingml/2006/main" uniqueId="urn:microsoft.com/office/officeart/2005/8/quickstyle/simple1">
-  <dgm:title val=""/>
-  <dgm:desc val=""/>
-  <dgm:catLst>
-    <dgm:cat type="simple" pri="10100"/>
-  </dgm:catLst>
-  <dgm:scene3d>
-    <a:camera prst="orthographicFront"/>
-    <a:lightRig rig="threePt" dir="t"/>
-  </dgm:scene3d>
-  <dgm:styleLbl name="node0">
-    <dgm:scene3d>
-      <a:camera prst="orthographicFront"/>
-      <a:lightRig rig="threePt" dir="t"/>
-    </dgm:scene3d>
-    <dgm:sp3d/>
-    <dgm:txPr/>
-    <dgm:style>
-      <a:lnRef idx="2">
-        <a:scrgbClr r="0" g="0" b="0"/>
-      </a:lnRef>
-      <a:fillRef idx="1">
-        <a:scrgbClr r="0" g="0" b="0"/>
-      </a:fillRef>
-      <a:effectRef idx="0">
-        <a:scrgbClr r="0" g="0" b="0"/>
-      </a:effectRef>
-      <a:fontRef idx="minor">
-        <a:schemeClr val="lt1"/>
-      </a:fontRef>
-    </dgm:style>
-  </dgm:styleLbl>
-  <dgm:styleLbl name="lnNode1">
-    <dgm:scene3d>
-      <a:camera prst="orthographicFront"/>
-      <a:lightRig rig="threePt" dir="t"/>
-    </dgm:scene3d>
-    <dgm:sp3d/>
-    <dgm:txPr/>
-    <dgm:style>
-      <a:lnRef idx="2">
-        <a:scrgbClr r="0" g="0" b="0"/>
-      </a:lnRef>
-      <a:fillRef idx="1">
-        <a:scrgbClr r="0" g="0" b="0"/>
-      </a:fillRef>
-      <a:effectRef idx="0">
-        <a:scrgbClr r="0" g="0" b="0"/>
-      </a:effectRef>
-      <a:fontRef idx="minor">
-        <a:schemeClr val="lt1"/>
-      </a:fontRef>
-    </dgm:style>
-  </dgm:styleLbl>
-  <dgm:styleLbl name="vennNode1">
-    <dgm:scene3d>
-      <a:camera prst="orthographicFront"/>
-      <a:lightRig rig="threePt" dir="t"/>
-    </dgm:scene3d>
-    <dgm:sp3d/>
-    <dgm:txPr/>
-    <dgm:style>
-      <a:lnRef idx="2">
-        <a:scrgbClr r="0" g="0" b="0"/>
-      </a:lnRef>
-      <a:fillRef idx="1">
-        <a:scrgbClr r="0" g="0" b="0"/>
-      </a:fillRef>
-      <a:effectRef idx="0">
-        <a:scrgbClr r="0" g="0" b="0"/>
-      </a:effectRef>
-      <a:fontRef idx="minor">
-        <a:schemeClr val="tx1"/>
-      </a:fontRef>
-    </dgm:style>
-  </dgm:styleLbl>
-  <dgm:styleLbl name="alignNode1">
-    <dgm:scene3d>
-      <a:camera prst="orthographicFront"/>
-      <a:lightRig rig="threePt" dir="t"/>
-    </dgm:scene3d>
-    <dgm:sp3d/>
-    <dgm:txPr/>
-    <dgm:style>
-      <a:lnRef idx="2">
-        <a:scrgbClr r="0" g="0" b="0"/>
-      </a:lnRef>
-      <a:fillRef idx="1">
-        <a:scrgbClr r="0" g="0" b="0"/>
-      </a:fillRef>
-      <a:effectRef idx="0">
-        <a:scrgbClr r="0" g="0" b="0"/>
-      </a:effectRef>
-      <a:fontRef idx="minor">
-        <a:schemeClr val="lt1"/>
-      </a:fontRef>
-    </dgm:style>
-  </dgm:styleLbl>
-  <dgm:styleLbl name="node1">
-    <dgm:scene3d>
-      <a:camera prst="orthographicFront"/>
-      <a:lightRig rig="threePt" dir="t"/>
-    </dgm:scene3d>
-    <dgm:sp3d/>
-    <dgm:txPr/>
-    <dgm:style>
-      <a:lnRef idx="2">
-        <a:scrgbClr r="0" g="0" b="0"/>
-      </a:lnRef>
-      <a:fillRef idx="1">
-        <a:scrgbClr r="0" g="0" b="0"/>
-      </a:fillRef>
-      <a:effectRef idx="0">
-        <a:scrgbClr r="0" g="0" b="0"/>
-      </a:effectRef>
-      <a:fontRef idx="minor">
-        <a:schemeClr val="lt1"/>
-      </a:fontRef>
-    </dgm:style>
-  </dgm:styleLbl>
-  <dgm:styleLbl name="node2">
-    <dgm:scene3d>
-      <a:camera prst="orthographicFront"/>
-      <a:lightRig rig="threePt" dir="t"/>
-    </dgm:scene3d>
-    <dgm:sp3d/>
-    <dgm:txPr/>
-    <dgm:style>
-      <a:lnRef idx="2">
-        <a:scrgbClr r="0" g="0" b="0"/>
-      </a:lnRef>
-      <a:fillRef idx="1">
-        <a:scrgbClr r="0" g="0" b="0"/>
-      </a:fillRef>
-      <a:effectRef idx="0">
-        <a:scrgbClr r="0" g="0" b="0"/>
-      </a:effectRef>
-      <a:fontRef idx="minor">
-        <a:schemeClr val="lt1"/>
-      </a:fontRef>
-    </dgm:style>
-  </dgm:styleLbl>
-  <dgm:styleLbl name="node3">
-    <dgm:scene3d>
-      <a:camera prst="orthographicFront"/>
-      <a:lightRig rig="threePt" dir="t"/>
-    </dgm:scene3d>
-    <dgm:sp3d/>
-    <dgm:txPr/>
-    <dgm:style>
-      <a:lnRef idx="2">
-        <a:scrgbClr r="0" g="0" b="0"/>
-      </a:lnRef>
-      <a:fillRef idx="1">
-        <a:scrgbClr r="0" g="0" b="0"/>
-      </a:fillRef>
-      <a:effectRef idx="0">
-        <a:scrgbClr r="0" g="0" b="0"/>
-      </a:effectRef>
-      <a:fontRef idx="minor">
-        <a:schemeClr val="lt1"/>
-      </a:fontRef>
-    </dgm:style>
-  </dgm:styleLbl>
-  <dgm:styleLbl name="node4">
-    <dgm:scene3d>
-      <a:camera prst="orthographicFront"/>
-      <a:lightRig rig="threePt" dir="t"/>
-    </dgm:scene3d>
-    <dgm:sp3d/>
-    <dgm:txPr/>
-    <dgm:style>
-      <a:lnRef idx="2">
-        <a:scrgbClr r="0" g="0" b="0"/>
-      </a:lnRef>
-      <a:fillRef idx="1">
-        <a:scrgbClr r="0" g="0" b="0"/>
-      </a:fillRef>
-      <a:effectRef idx="0">
-        <a:scrgbClr r="0" g="0" b="0"/>
-      </a:effectRef>
-      <a:fontRef idx="minor">
-        <a:schemeClr val="lt1"/>
-      </a:fontRef>
-    </dgm:style>
-  </dgm:styleLbl>
-  <dgm:styleLbl name="fgImgPlace1">
-    <dgm:scene3d>
-      <a:camera prst="orthographicFront"/>
-      <a:lightRig rig="threePt" dir="t"/>
-    </dgm:scene3d>
-    <dgm:sp3d/>
-    <dgm:txPr/>
-    <dgm:style>
-      <a:lnRef idx="2">
-        <a:scrgbClr r="0" g="0" b="0"/>
-      </a:lnRef>
-      <a:fillRef idx="1">
-        <a:scrgbClr r="0" g="0" b="0"/>
-      </a:fillRef>
-      <a:effectRef idx="0">
-        <a:scrgbClr r="0" g="0" b="0"/>
-      </a:effectRef>
-      <a:fontRef idx="minor"/>
-    </dgm:style>
-  </dgm:styleLbl>
-  <dgm:styleLbl name="alignImgPlace1">
-    <dgm:scene3d>
-      <a:camera prst="orthographicFront"/>
-      <a:lightRig rig="threePt" dir="t"/>
-    </dgm:scene3d>
-    <dgm:sp3d/>
-    <dgm:txPr/>
-    <dgm:style>
-      <a:lnRef idx="2">
-        <a:scrgbClr r="0" g="0" b="0"/>
-      </a:lnRef>
-      <a:fillRef idx="1">
-        <a:scrgbClr r="0" g="0" b="0"/>
-      </a:fillRef>
-      <a:effectRef idx="0">
-        <a:scrgbClr r="0" g="0" b="0"/>
-      </a:effectRef>
-      <a:fontRef idx="minor"/>
-    </dgm:style>
-  </dgm:styleLbl>
-  <dgm:styleLbl name="bgImgPlace1">
-    <dgm:scene3d>
-      <a:camera prst="orthographicFront"/>
-      <a:lightRig rig="threePt" dir="t"/>
-    </dgm:scene3d>
-    <dgm:sp3d/>
-    <dgm:txPr/>
-    <dgm:style>
-      <a:lnRef idx="2">
-        <a:scrgbClr r="0" g="0" b="0"/>
-      </a:lnRef>
-      <a:fillRef idx="1">
-        <a:scrgbClr r="0" g="0" b="0"/>
-      </a:fillRef>
-      <a:effectRef idx="0">
-        <a:scrgbClr r="0" g="0" b="0"/>
-      </a:effectRef>
-      <a:fontRef idx="minor"/>
-    </dgm:style>
-  </dgm:styleLbl>
-  <dgm:styleLbl name="sibTrans2D1">
-    <dgm:scene3d>
-      <a:camera prst="orthographicFront"/>
-      <a:lightRig rig="threePt" dir="t"/>
-    </dgm:scene3d>
-    <dgm:sp3d/>
-    <dgm:txPr/>
-    <dgm:style>
-      <a:lnRef idx="0">
-        <a:scrgbClr r="0" g="0" b="0"/>
-      </a:lnRef>
-      <a:fillRef idx="1">
-        <a:scrgbClr r="0" g="0" b="0"/>
-      </a:fillRef>
-      <a:effectRef idx="0">
-        <a:scrgbClr r="0" g="0" b="0"/>
-      </a:effectRef>
-      <a:fontRef idx="minor">
-        <a:schemeClr val="lt1"/>
-      </a:fontRef>
-    </dgm:style>
-  </dgm:styleLbl>
-  <dgm:styleLbl name="fgSibTrans2D1">
-    <dgm:scene3d>
-      <a:camera prst="orthographicFront"/>
-      <a:lightRig rig="threePt" dir="t"/>
-    </dgm:scene3d>
-    <dgm:sp3d/>
-    <dgm:txPr/>
-    <dgm:style>
-      <a:lnRef idx="0">
-        <a:scrgbClr r="0" g="0" b="0"/>
-      </a:lnRef>
-      <a:fillRef idx="1">
-        <a:scrgbClr r="0" g="0" b="0"/>
-      </a:fillRef>
-      <a:effectRef idx="0">
-        <a:scrgbClr r="0" g="0" b="0"/>
-      </a:effectRef>
-      <a:fontRef idx="minor">
-        <a:schemeClr val="lt1"/>
-      </a:fontRef>
-    </dgm:style>
-  </dgm:styleLbl>
-  <dgm:styleLbl name="bgSibTrans2D1">
-    <dgm:scene3d>
-      <a:camera prst="orthographicFront"/>
-      <a:lightRig rig="threePt" dir="t"/>
-    </dgm:scene3d>
-    <dgm:sp3d/>
-    <dgm:txPr/>
-    <dgm:style>
-      <a:lnRef idx="0">
-        <a:scrgbClr r="0" g="0" b="0"/>
-      </a:lnRef>
-      <a:fillRef idx="1">
-        <a:scrgbClr r="0" g="0" b="0"/>
-      </a:fillRef>
-      <a:effectRef idx="0">
-        <a:scrgbClr r="0" g="0" b="0"/>
-      </a:effectRef>
-      <a:fontRef idx="minor">
-        <a:schemeClr val="lt1"/>
-      </a:fontRef>
-    </dgm:style>
-  </dgm:styleLbl>
-  <dgm:styleLbl name="sibTrans1D1">
-    <dgm:scene3d>
-      <a:camera prst="orthographicFront"/>
-      <a:lightRig rig="threePt" dir="t"/>
-    </dgm:scene3d>
-    <dgm:sp3d/>
-    <dgm:txPr/>
-    <dgm:style>
-      <a:lnRef idx="1">
-        <a:scrgbClr r="0" g="0" b="0"/>
-      </a:lnRef>
-      <a:fillRef idx="0">
-        <a:scrgbClr r="0" g="0" b="0"/>
-      </a:fillRef>
-      <a:effectRef idx="0">
-        <a:scrgbClr r="0" g="0" b="0"/>
-      </a:effectRef>
-      <a:fontRef idx="minor"/>
-    </dgm:style>
-  </dgm:styleLbl>
-  <dgm:styleLbl name="callout">
-    <dgm:scene3d>
-      <a:camera prst="orthographicFront"/>
-      <a:lightRig rig="threePt" dir="t"/>
-    </dgm:scene3d>
-    <dgm:sp3d/>
-    <dgm:txPr/>
-    <dgm:style>
-      <a:lnRef idx="2">
-        <a:scrgbClr r="0" g="0" b="0"/>
-      </a:lnRef>
-      <a:fillRef idx="1">
-        <a:scrgbClr r="0" g="0" b="0"/>
-      </a:fillRef>
-      <a:effectRef idx="0">
-        <a:scrgbClr r="0" g="0" b="0"/>
-      </a:effectRef>
-      <a:fontRef idx="minor"/>
-    </dgm:style>
-  </dgm:styleLbl>
-  <dgm:styleLbl name="asst0">
-    <dgm:scene3d>
-      <a:camera prst="orthographicFront"/>
-      <a:lightRig rig="threePt" dir="t"/>
-    </dgm:scene3d>
-    <dgm:sp3d/>
-    <dgm:txPr/>
-    <dgm:style>
-      <a:lnRef idx="2">
-        <a:scrgbClr r="0" g="0" b="0"/>
-      </a:lnRef>
-      <a:fillRef idx="1">
-        <a:scrgbClr r="0" g="0" b="0"/>
-      </a:fillRef>
-      <a:effectRef idx="0">
-        <a:scrgbClr r="0" g="0" b="0"/>
-      </a:effectRef>
-      <a:fontRef idx="minor">
-        <a:schemeClr val="lt1"/>
-      </a:fontRef>
-    </dgm:style>
-  </dgm:styleLbl>
-  <dgm:styleLbl name="asst1">
-    <dgm:scene3d>
-      <a:camera prst="orthographicFront"/>
-      <a:lightRig rig="threePt" dir="t"/>
-    </dgm:scene3d>
-    <dgm:sp3d/>
-    <dgm:txPr/>
-    <dgm:style>
-      <a:lnRef idx="2">
-        <a:scrgbClr r="0" g="0" b="0"/>
-      </a:lnRef>
-      <a:fillRef idx="1">
-        <a:scrgbClr r="0" g="0" b="0"/>
-      </a:fillRef>
-      <a:effectRef idx="0">
-        <a:scrgbClr r="0" g="0" b="0"/>
-      </a:effectRef>
-      <a:fontRef idx="minor">
-        <a:schemeClr val="lt1"/>
-      </a:fontRef>
-    </dgm:style>
-  </dgm:styleLbl>
-  <dgm:styleLbl name="asst2">
-    <dgm:scene3d>
-      <a:camera prst="orthographicFront"/>
-      <a:lightRig rig="threePt" dir="t"/>
-    </dgm:scene3d>
-    <dgm:sp3d/>
-    <dgm:txPr/>
-    <dgm:style>
-      <a:lnRef idx="2">
-        <a:scrgbClr r="0" g="0" b="0"/>
-      </a:lnRef>
-      <a:fillRef idx="1">
-        <a:scrgbClr r="0" g="0" b="0"/>
-      </a:fillRef>
-      <a:effectRef idx="0">
-        <a:scrgbClr r="0" g="0" b="0"/>
-      </a:effectRef>
-      <a:fontRef idx="minor">
-        <a:schemeClr val="lt1"/>
-      </a:fontRef>
-    </dgm:style>
-  </dgm:styleLbl>
-  <dgm:styleLbl name="asst3">
-    <dgm:scene3d>
-      <a:camera prst="orthographicFront"/>
-      <a:lightRig rig="threePt" dir="t"/>
-    </dgm:scene3d>
-    <dgm:sp3d/>
-    <dgm:txPr/>
-    <dgm:style>
-      <a:lnRef idx="2">
-        <a:scrgbClr r="0" g="0" b="0"/>
-      </a:lnRef>
-      <a:fillRef idx="1">
-        <a:scrgbClr r="0" g="0" b="0"/>
-      </a:fillRef>
-      <a:effectRef idx="0">
-        <a:scrgbClr r="0" g="0" b="0"/>
-      </a:effectRef>
-      <a:fontRef idx="minor">
-        <a:schemeClr val="lt1"/>
-      </a:fontRef>
-    </dgm:style>
-  </dgm:styleLbl>
-  <dgm:styleLbl name="asst4">
-    <dgm:scene3d>
-      <a:camera prst="orthographicFront"/>
-      <a:lightRig rig="threePt" dir="t"/>
-    </dgm:scene3d>
-    <dgm:sp3d/>
-    <dgm:txPr/>
-    <dgm:style>
-      <a:lnRef idx="2">
-        <a:scrgbClr r="0" g="0" b="0"/>
-      </a:lnRef>
-      <a:fillRef idx="1">
-        <a:scrgbClr r="0" g="0" b="0"/>
-      </a:fillRef>
-      <a:effectRef idx="0">
-        <a:scrgbClr r="0" g="0" b="0"/>
-      </a:effectRef>
-      <a:fontRef idx="minor">
-        <a:schemeClr val="lt1"/>
-      </a:fontRef>
-    </dgm:style>
-  </dgm:styleLbl>
-  <dgm:styleLbl name="parChTrans2D1">
-    <dgm:scene3d>
-      <a:camera prst="orthographicFront"/>
-      <a:lightRig rig="threePt" dir="t"/>
-    </dgm:scene3d>
-    <dgm:sp3d/>
-    <dgm:txPr/>
-    <dgm:style>
-      <a:lnRef idx="2">
-        <a:scrgbClr r="0" g="0" b="0"/>
-      </a:lnRef>
-      <a:fillRef idx="1">
-        <a:scrgbClr r="0" g="0" b="0"/>
-      </a:fillRef>
-      <a:effectRef idx="0">
-        <a:scrgbClr r="0" g="0" b="0"/>
-      </a:effectRef>
-      <a:fontRef idx="minor">
-        <a:schemeClr val="lt1"/>
-      </a:fontRef>
-    </dgm:style>
-  </dgm:styleLbl>
-  <dgm:styleLbl name="parChTrans2D2">
-    <dgm:scene3d>
-      <a:camera prst="orthographicFront"/>
-      <a:lightRig rig="threePt" dir="t"/>
-    </dgm:scene3d>
-    <dgm:sp3d/>
-    <dgm:txPr/>
-    <dgm:style>
-      <a:lnRef idx="2">
-        <a:scrgbClr r="0" g="0" b="0"/>
-      </a:lnRef>
-      <a:fillRef idx="1">
-        <a:scrgbClr r="0" g="0" b="0"/>
-      </a:fillRef>
-      <a:effectRef idx="0">
-        <a:scrgbClr r="0" g="0" b="0"/>
-      </a:effectRef>
-      <a:fontRef idx="minor">
-        <a:schemeClr val="lt1"/>
-      </a:fontRef>
-    </dgm:style>
-  </dgm:styleLbl>
-  <dgm:styleLbl name="parChTrans2D3">
-    <dgm:scene3d>
-      <a:camera prst="orthographicFront"/>
-      <a:lightRig rig="threePt" dir="t"/>
-    </dgm:scene3d>
-    <dgm:sp3d/>
-    <dgm:txPr/>
-    <dgm:style>
-      <a:lnRef idx="2">
-        <a:scrgbClr r="0" g="0" b="0"/>
-      </a:lnRef>
-      <a:fillRef idx="1">
-        <a:scrgbClr r="0" g="0" b="0"/>
-      </a:fillRef>
-      <a:effectRef idx="0">
-        <a:scrgbClr r="0" g="0" b="0"/>
-      </a:effectRef>
-      <a:fontRef idx="minor">
-        <a:schemeClr val="lt1"/>
-      </a:fontRef>
-    </dgm:style>
-  </dgm:styleLbl>
-  <dgm:styleLbl name="parChTrans2D4">
-    <dgm:scene3d>
-      <a:camera prst="orthographicFront"/>
-      <a:lightRig rig="threePt" dir="t"/>
-    </dgm:scene3d>
-    <dgm:sp3d/>
-    <dgm:txPr/>
-    <dgm:style>
-      <a:lnRef idx="2">
-        <a:scrgbClr r="0" g="0" b="0"/>
-      </a:lnRef>
-      <a:fillRef idx="1">
-        <a:scrgbClr r="0" g="0" b="0"/>
-      </a:fillRef>
-      <a:effectRef idx="0">
-        <a:scrgbClr r="0" g="0" b="0"/>
-      </a:effectRef>
-      <a:fontRef idx="minor">
-        <a:schemeClr val="lt1"/>
-      </a:fontRef>
-    </dgm:style>
-  </dgm:styleLbl>
-  <dgm:styleLbl name="parChTrans1D1">
-    <dgm:scene3d>
-      <a:camera prst="orthographicFront"/>
-      <a:lightRig rig="threePt" dir="t"/>
-    </dgm:scene3d>
-    <dgm:sp3d/>
-    <dgm:txPr/>
-    <dgm:style>
-      <a:lnRef idx="2">
-        <a:scrgbClr r="0" g="0" b="0"/>
-      </a:lnRef>
-      <a:fillRef idx="0">
-        <a:scrgbClr r="0" g="0" b="0"/>
-      </a:fillRef>
-      <a:effectRef idx="0">
-        <a:scrgbClr r="0" g="0" b="0"/>
-      </a:effectRef>
-      <a:fontRef idx="minor"/>
-    </dgm:style>
-  </dgm:styleLbl>
-  <dgm:styleLbl name="parChTrans1D2">
-    <dgm:scene3d>
-      <a:camera prst="orthographicFront"/>
-      <a:lightRig rig="threePt" dir="t"/>
-    </dgm:scene3d>
-    <dgm:sp3d/>
-    <dgm:txPr/>
-    <dgm:style>
-      <a:lnRef idx="2">
-        <a:scrgbClr r="0" g="0" b="0"/>
-      </a:lnRef>
-      <a:fillRef idx="0">
-        <a:scrgbClr r="0" g="0" b="0"/>
-      </a:fillRef>
-      <a:effectRef idx="0">
-        <a:scrgbClr r="0" g="0" b="0"/>
-      </a:effectRef>
-      <a:fontRef idx="minor"/>
-    </dgm:style>
-  </dgm:styleLbl>
-  <dgm:styleLbl name="parChTrans1D3">
-    <dgm:scene3d>
-      <a:camera prst="orthographicFront"/>
-      <a:lightRig rig="threePt" dir="t"/>
-    </dgm:scene3d>
-    <dgm:sp3d/>
-    <dgm:txPr/>
-    <dgm:style>
-      <a:lnRef idx="2">
-        <a:scrgbClr r="0" g="0" b="0"/>
-      </a:lnRef>
-      <a:fillRef idx="0">
-        <a:scrgbClr r="0" g="0" b="0"/>
-      </a:fillRef>
-      <a:effectRef idx="0">
-        <a:scrgbClr r="0" g="0" b="0"/>
-      </a:effectRef>
-      <a:fontRef idx="minor"/>
-    </dgm:style>
-  </dgm:styleLbl>
-  <dgm:styleLbl name="parChTrans1D4">
-    <dgm:scene3d>
-      <a:camera prst="orthographicFront"/>
-      <a:lightRig rig="threePt" dir="t"/>
-    </dgm:scene3d>
-    <dgm:sp3d/>
-    <dgm:txPr/>
-    <dgm:style>
-      <a:lnRef idx="2">
-        <a:scrgbClr r="0" g="0" b="0"/>
-      </a:lnRef>
-      <a:fillRef idx="0">
-        <a:scrgbClr r="0" g="0" b="0"/>
-      </a:fillRef>
-      <a:effectRef idx="0">
-        <a:scrgbClr r="0" g="0" b="0"/>
-      </a:effectRef>
-      <a:fontRef idx="minor"/>
-    </dgm:style>
-  </dgm:styleLbl>
-  <dgm:styleLbl name="fgAcc1">
-    <dgm:scene3d>
-      <a:camera prst="orthographicFront"/>
-      <a:lightRig rig="threePt" dir="t"/>
-    </dgm:scene3d>
-    <dgm:sp3d/>
-    <dgm:txPr/>
-    <dgm:style>
-      <a:lnRef idx="2">
-        <a:scrgbClr r="0" g="0" b="0"/>
-      </a:lnRef>
-      <a:fillRef idx="1">
-        <a:scrgbClr r="0" g="0" b="0"/>
-      </a:fillRef>
-      <a:effectRef idx="0">
-        <a:scrgbClr r="0" g="0" b="0"/>
-      </a:effectRef>
-      <a:fontRef idx="minor"/>
-    </dgm:style>
-  </dgm:styleLbl>
-  <dgm:styleLbl name="conFgAcc1">
-    <dgm:scene3d>
-      <a:camera prst="orthographicFront"/>
-      <a:lightRig rig="threePt" dir="t"/>
-    </dgm:scene3d>
-    <dgm:sp3d/>
-    <dgm:txPr/>
-    <dgm:style>
-      <a:lnRef idx="2">
-        <a:scrgbClr r="0" g="0" b="0"/>
-      </a:lnRef>
-      <a:fillRef idx="1">
-        <a:scrgbClr r="0" g="0" b="0"/>
-      </a:fillRef>
-      <a:effectRef idx="0">
-        <a:scrgbClr r="0" g="0" b="0"/>
-      </a:effectRef>
-      <a:fontRef idx="minor"/>
-    </dgm:style>
-  </dgm:styleLbl>
-  <dgm:styleLbl name="alignAcc1">
-    <dgm:scene3d>
-      <a:camera prst="orthographicFront"/>
-      <a:lightRig rig="threePt" dir="t"/>
-    </dgm:scene3d>
-    <dgm:sp3d/>
-    <dgm:txPr/>
-    <dgm:style>
-      <a:lnRef idx="2">
-        <a:scrgbClr r="0" g="0" b="0"/>
-      </a:lnRef>
-      <a:fillRef idx="1">
-        <a:scrgbClr r="0" g="0" b="0"/>
-      </a:fillRef>
-      <a:effectRef idx="0">
-        <a:scrgbClr r="0" g="0" b="0"/>
-      </a:effectRef>
-      <a:fontRef idx="minor"/>
-    </dgm:style>
-  </dgm:styleLbl>
-  <dgm:styleLbl name="trAlignAcc1">
-    <dgm:scene3d>
-      <a:camera prst="orthographicFront"/>
-      <a:lightRig rig="threePt" dir="t"/>
-    </dgm:scene3d>
-    <dgm:sp3d/>
-    <dgm:txPr/>
-    <dgm:style>
-      <a:lnRef idx="1">
-        <a:scrgbClr r="0" g="0" b="0"/>
-      </a:lnRef>
-      <a:fillRef idx="1">
-        <a:scrgbClr r="0" g="0" b="0"/>
-      </a:fillRef>
-      <a:effectRef idx="0">
-        <a:scrgbClr r="0" g="0" b="0"/>
-      </a:effectRef>
-      <a:fontRef idx="minor"/>
-    </dgm:style>
-  </dgm:styleLbl>
-  <dgm:styleLbl name="bgAcc1">
-    <dgm:scene3d>
-      <a:camera prst="orthographicFront"/>
-      <a:lightRig rig="threePt" dir="t"/>
-    </dgm:scene3d>
-    <dgm:sp3d/>
-    <dgm:txPr/>
-    <dgm:style>
-      <a:lnRef idx="2">
-        <a:scrgbClr r="0" g="0" b="0"/>
-      </a:lnRef>
-      <a:fillRef idx="1">
-        <a:scrgbClr r="0" g="0" b="0"/>
-      </a:fillRef>
-      <a:effectRef idx="0">
-        <a:scrgbClr r="0" g="0" b="0"/>
-      </a:effectRef>
-      <a:fontRef idx="minor"/>
-    </dgm:style>
-  </dgm:styleLbl>
-  <dgm:styleLbl name="solidFgAcc1">
-    <dgm:scene3d>
-      <a:camera prst="orthographicFront"/>
-      <a:lightRig rig="threePt" dir="t"/>
-    </dgm:scene3d>
-    <dgm:sp3d/>
-    <dgm:txPr/>
-    <dgm:style>
-      <a:lnRef idx="2">
-        <a:scrgbClr r="0" g="0" b="0"/>
-      </a:lnRef>
-      <a:fillRef idx="1">
-        <a:scrgbClr r="0" g="0" b="0"/>
-      </a:fillRef>
-      <a:effectRef idx="0">
-        <a:scrgbClr r="0" g="0" b="0"/>
-      </a:effectRef>
-      <a:fontRef idx="minor"/>
-    </dgm:style>
-  </dgm:styleLbl>
-  <dgm:styleLbl name="solidAlignAcc1">
-    <dgm:scene3d>
-      <a:camera prst="orthographicFront"/>
-      <a:lightRig rig="threePt" dir="t"/>
-    </dgm:scene3d>
-    <dgm:sp3d/>
-    <dgm:txPr/>
-    <dgm:style>
-      <a:lnRef idx="2">
-        <a:scrgbClr r="0" g="0" b="0"/>
-      </a:lnRef>
-      <a:fillRef idx="1">
-        <a:scrgbClr r="0" g="0" b="0"/>
-      </a:fillRef>
-      <a:effectRef idx="0">
-        <a:scrgbClr r="0" g="0" b="0"/>
-      </a:effectRef>
-      <a:fontRef idx="minor"/>
-    </dgm:style>
-  </dgm:styleLbl>
-  <dgm:styleLbl name="solidBgAcc1">
-    <dgm:scene3d>
-      <a:camera prst="orthographicFront"/>
-      <a:lightRig rig="threePt" dir="t"/>
-    </dgm:scene3d>
-    <dgm:sp3d/>
-    <dgm:txPr/>
-    <dgm:style>
-      <a:lnRef idx="2">
-        <a:scrgbClr r="0" g="0" b="0"/>
-      </a:lnRef>
-      <a:fillRef idx="1">
-        <a:scrgbClr r="0" g="0" b="0"/>
-      </a:fillRef>
-      <a:effectRef idx="0">
-        <a:scrgbClr r="0" g="0" b="0"/>
-      </a:effectRef>
-      <a:fontRef idx="minor"/>
-    </dgm:style>
-  </dgm:styleLbl>
-  <dgm:styleLbl name="fgAccFollowNode1">
-    <dgm:scene3d>
-      <a:camera prst="orthographicFront"/>
-      <a:lightRig rig="threePt" dir="t"/>
-    </dgm:scene3d>
-    <dgm:sp3d/>
-    <dgm:txPr/>
-    <dgm:style>
-      <a:lnRef idx="2">
-        <a:scrgbClr r="0" g="0" b="0"/>
-      </a:lnRef>
-      <a:fillRef idx="1">
-        <a:scrgbClr r="0" g="0" b="0"/>
-      </a:fillRef>
-      <a:effectRef idx="0">
-        <a:scrgbClr r="0" g="0" b="0"/>
-      </a:effectRef>
-      <a:fontRef idx="minor"/>
-    </dgm:style>
-  </dgm:styleLbl>
-  <dgm:styleLbl name="alignAccFollowNode1">
-    <dgm:scene3d>
-      <a:camera prst="orthographicFront"/>
-      <a:lightRig rig="threePt" dir="t"/>
-    </dgm:scene3d>
-    <dgm:sp3d/>
-    <dgm:txPr/>
-    <dgm:style>
-      <a:lnRef idx="2">
-        <a:scrgbClr r="0" g="0" b="0"/>
-      </a:lnRef>
-      <a:fillRef idx="1">
-        <a:scrgbClr r="0" g="0" b="0"/>
-      </a:fillRef>
-      <a:effectRef idx="0">
-        <a:scrgbClr r="0" g="0" b="0"/>
-      </a:effectRef>
-      <a:fontRef idx="minor"/>
-    </dgm:style>
-  </dgm:styleLbl>
-  <dgm:styleLbl name="bgAccFollowNode1">
-    <dgm:scene3d>
-      <a:camera prst="orthographicFront"/>
-      <a:lightRig rig="threePt" dir="t"/>
-    </dgm:scene3d>
-    <dgm:sp3d/>
-    <dgm:txPr/>
-    <dgm:style>
-      <a:lnRef idx="2">
-        <a:scrgbClr r="0" g="0" b="0"/>
-      </a:lnRef>
-      <a:fillRef idx="1">
-        <a:scrgbClr r="0" g="0" b="0"/>
-      </a:fillRef>
-      <a:effectRef idx="0">
-        <a:scrgbClr r="0" g="0" b="0"/>
-      </a:effectRef>
-      <a:fontRef idx="minor"/>
-    </dgm:style>
-  </dgm:styleLbl>
-  <dgm:styleLbl name="fgAcc0">
-    <dgm:scene3d>
-      <a:camera prst="orthographicFront"/>
-      <a:lightRig rig="threePt" dir="t"/>
-    </dgm:scene3d>
-    <dgm:sp3d/>
-    <dgm:txPr/>
-    <dgm:style>
-      <a:lnRef idx="2">
-        <a:scrgbClr r="0" g="0" b="0"/>
-      </a:lnRef>
-      <a:fillRef idx="1">
-        <a:scrgbClr r="0" g="0" b="0"/>
-      </a:fillRef>
-      <a:effectRef idx="0">
-        <a:scrgbClr r="0" g="0" b="0"/>
-      </a:effectRef>
-      <a:fontRef idx="minor"/>
-    </dgm:style>
-  </dgm:styleLbl>
-  <dgm:styleLbl name="fgAcc2">
-    <dgm:scene3d>
-      <a:camera prst="orthographicFront"/>
-      <a:lightRig rig="threePt" dir="t"/>
-    </dgm:scene3d>
-    <dgm:sp3d/>
-    <dgm:txPr/>
-    <dgm:style>
-      <a:lnRef idx="2">
-        <a:scrgbClr r="0" g="0" b="0"/>
-      </a:lnRef>
-      <a:fillRef idx="1">
-        <a:scrgbClr r="0" g="0" b="0"/>
-      </a:fillRef>
-      <a:effectRef idx="0">
-        <a:scrgbClr r="0" g="0" b="0"/>
-      </a:effectRef>
-      <a:fontRef idx="minor"/>
-    </dgm:style>
-  </dgm:styleLbl>
-  <dgm:styleLbl name="fgAcc3">
-    <dgm:scene3d>
-      <a:camera prst="orthographicFront"/>
-      <a:lightRig rig="threePt" dir="t"/>
-    </dgm:scene3d>
-    <dgm:sp3d/>
-    <dgm:txPr/>
-    <dgm:style>
-      <a:lnRef idx="2">
-        <a:scrgbClr r="0" g="0" b="0"/>
-      </a:lnRef>
-      <a:fillRef idx="1">
-        <a:scrgbClr r="0" g="0" b="0"/>
-      </a:fillRef>
-      <a:effectRef idx="0">
-        <a:scrgbClr r="0" g="0" b="0"/>
-      </a:effectRef>
-      <a:fontRef idx="minor"/>
-    </dgm:style>
-  </dgm:styleLbl>
-  <dgm:styleLbl name="fgAcc4">
-    <dgm:scene3d>
-      <a:camera prst="orthographicFront"/>
-      <a:lightRig rig="threePt" dir="t"/>
-    </dgm:scene3d>
-    <dgm:sp3d/>
-    <dgm:txPr/>
-    <dgm:style>
-      <a:lnRef idx="2">
-        <a:scrgbClr r="0" g="0" b="0"/>
-      </a:lnRef>
-      <a:fillRef idx="1">
-        <a:scrgbClr r="0" g="0" b="0"/>
-      </a:fillRef>
-      <a:effectRef idx="0">
-        <a:scrgbClr r="0" g="0" b="0"/>
-      </a:effectRef>
-      <a:fontRef idx="minor"/>
-    </dgm:style>
-  </dgm:styleLbl>
-  <dgm:styleLbl name="bgShp">
-    <dgm:scene3d>
-      <a:camera prst="orthographicFront"/>
-      <a:lightRig rig="threePt" dir="t"/>
-    </dgm:scene3d>
-    <dgm:sp3d/>
-    <dgm:txPr/>
-    <dgm:style>
-      <a:lnRef idx="0">
-        <a:scrgbClr r="0" g="0" b="0"/>
-      </a:lnRef>
-      <a:fillRef idx="1">
-        <a:scrgbClr r="0" g="0" b="0"/>
-      </a:fillRef>
-      <a:effectRef idx="0">
-        <a:scrgbClr r="0" g="0" b="0"/>
-      </a:effectRef>
-      <a:fontRef idx="minor"/>
-    </dgm:style>
-  </dgm:styleLbl>
-  <dgm:styleLbl name="dkBgShp">
-    <dgm:scene3d>
-      <a:camera prst="orthographicFront"/>
-      <a:lightRig rig="threePt" dir="t"/>
-    </dgm:scene3d>
-    <dgm:sp3d/>
-    <dgm:txPr/>
-    <dgm:style>
-      <a:lnRef idx="0">
-        <a:scrgbClr r="0" g="0" b="0"/>
-      </a:lnRef>
-      <a:fillRef idx="1">
-        <a:scrgbClr r="0" g="0" b="0"/>
-      </a:fillRef>
-      <a:effectRef idx="0">
-        <a:scrgbClr r="0" g="0" b="0"/>
-      </a:effectRef>
-      <a:fontRef idx="minor"/>
-    </dgm:style>
-  </dgm:styleLbl>
-  <dgm:styleLbl name="trBgShp">
-    <dgm:scene3d>
-      <a:camera prst="orthographicFront"/>
-      <a:lightRig rig="threePt" dir="t"/>
-    </dgm:scene3d>
-    <dgm:sp3d/>
-    <dgm:txPr/>
-    <dgm:style>
-      <a:lnRef idx="0">
-        <a:scrgbClr r="0" g="0" b="0"/>
-      </a:lnRef>
-      <a:fillRef idx="1">
-        <a:scrgbClr r="0" g="0" b="0"/>
-      </a:fillRef>
-      <a:effectRef idx="0">
-        <a:scrgbClr r="0" g="0" b="0"/>
-      </a:effectRef>
-      <a:fontRef idx="minor"/>
-    </dgm:style>
-  </dgm:styleLbl>
-  <dgm:styleLbl name="fgShp">
-    <dgm:scene3d>
-      <a:camera prst="orthographicFront"/>
-      <a:lightRig rig="threePt" dir="t"/>
-    </dgm:scene3d>
-    <dgm:sp3d/>
-    <dgm:txPr/>
-    <dgm:style>
-      <a:lnRef idx="2">
-        <a:scrgbClr r="0" g="0" b="0"/>
-      </a:lnRef>
-      <a:fillRef idx="1">
-        <a:scrgbClr r="0" g="0" b="0"/>
-      </a:fillRef>
-      <a:effectRef idx="0">
-        <a:scrgbClr r="0" g="0" b="0"/>
-      </a:effectRef>
-      <a:fontRef idx="minor"/>
-    </dgm:style>
-  </dgm:styleLbl>
-  <dgm:styleLbl name="revTx">
-    <dgm:scene3d>
-      <a:camera prst="orthographicFront"/>
-      <a:lightRig rig="threePt" dir="t"/>
-    </dgm:scene3d>
-    <dgm:sp3d/>
-    <dgm:txPr/>
-    <dgm:style>
-      <a:lnRef idx="0">
-        <a:scrgbClr r="0" g="0" b="0"/>
-      </a:lnRef>
-      <a:fillRef idx="0">
-        <a:scrgbClr r="0" g="0" b="0"/>
-      </a:fillRef>
-      <a:effectRef idx="0">
-        <a:scrgbClr r="0" g="0" b="0"/>
-      </a:effectRef>
-      <a:fontRef idx="minor"/>
-    </dgm:style>
-  </dgm:styleLbl>
-</dgm:styleDef>
-</file>
-
-<file path=ppt/diagrams/quickStyle4.xml><?xml version="1.0" encoding="utf-8"?>
 <dgm:styleDef xmlns:dgm="http://schemas.openxmlformats.org/drawingml/2006/diagram" xmlns:a="http://schemas.openxmlformats.org/drawingml/2006/main" uniqueId="urn:microsoft.com/office/officeart/2005/8/quickstyle/simple1">
   <dgm:title val=""/>
   <dgm:desc val=""/>
@@ -16889,10 +14379,129 @@
       </p:grpSpPr>
       <p:sp>
         <p:nvSpPr>
-          <p:cNvPr id="10" name="Freeform: Shape 9">
+          <p:cNvPr id="2" name="Title 1">
             <a:extLst>
               <a:ext uri="{FF2B5EF4-FFF2-40B4-BE49-F238E27FC236}">
-                <a16:creationId xmlns:a16="http://schemas.microsoft.com/office/drawing/2014/main" id="{46C2E80F-49A6-4372-B103-219D417A55ED}"/>
+                <a16:creationId xmlns:a16="http://schemas.microsoft.com/office/drawing/2014/main" id="{D79B62D4-59D8-4B50-A147-A4AF94A85425}"/>
+              </a:ext>
+            </a:extLst>
+          </p:cNvPr>
+          <p:cNvSpPr>
+            <a:spLocks noGrp="1"/>
+          </p:cNvSpPr>
+          <p:nvPr>
+            <p:ph type="title"/>
+          </p:nvPr>
+        </p:nvSpPr>
+        <p:spPr>
+          <a:xfrm>
+            <a:off x="1136428" y="627564"/>
+            <a:ext cx="7474172" cy="1325563"/>
+          </a:xfrm>
+        </p:spPr>
+        <p:txBody>
+          <a:bodyPr>
+            <a:normAutofit/>
+          </a:bodyPr>
+          <a:lstStyle/>
+          <a:p>
+            <a:r>
+              <a:rPr lang="en-US" dirty="0"/>
+              <a:t>References </a:t>
+            </a:r>
+            <a:endParaRPr lang="en-GB" dirty="0"/>
+          </a:p>
+        </p:txBody>
+      </p:sp>
+      <p:sp>
+        <p:nvSpPr>
+          <p:cNvPr id="3" name="Content Placeholder 2">
+            <a:extLst>
+              <a:ext uri="{FF2B5EF4-FFF2-40B4-BE49-F238E27FC236}">
+                <a16:creationId xmlns:a16="http://schemas.microsoft.com/office/drawing/2014/main" id="{8CBB78B5-1E96-473A-A7F3-30108686308A}"/>
+              </a:ext>
+            </a:extLst>
+          </p:cNvPr>
+          <p:cNvSpPr>
+            <a:spLocks noGrp="1"/>
+          </p:cNvSpPr>
+          <p:nvPr>
+            <p:ph idx="1"/>
+          </p:nvPr>
+        </p:nvSpPr>
+        <p:spPr>
+          <a:xfrm>
+            <a:off x="1136429" y="2278173"/>
+            <a:ext cx="6467867" cy="3450613"/>
+          </a:xfrm>
+        </p:spPr>
+        <p:txBody>
+          <a:bodyPr anchor="ctr">
+            <a:normAutofit/>
+          </a:bodyPr>
+          <a:lstStyle/>
+          <a:p>
+            <a:pPr lvl="0"/>
+            <a:r>
+              <a:rPr lang="en-US" sz="2200" dirty="0"/>
+              <a:t>GitHub Repository for the Prototype</a:t>
+            </a:r>
+          </a:p>
+          <a:p>
+            <a:pPr lvl="1"/>
+            <a:r>
+              <a:rPr lang="en-GB" sz="2200" dirty="0">
+                <a:hlinkClick r:id="rId2"/>
+              </a:rPr>
+              <a:t>https://github.com/nijatmursali/ObjectOriented</a:t>
+            </a:r>
+            <a:endParaRPr lang="en-US" sz="2200" dirty="0"/>
+          </a:p>
+          <a:p>
+            <a:pPr lvl="0"/>
+            <a:r>
+              <a:rPr lang="en-US" sz="2200" dirty="0"/>
+              <a:t>Human resource management system</a:t>
+            </a:r>
+          </a:p>
+          <a:p>
+            <a:pPr lvl="1"/>
+            <a:r>
+              <a:rPr lang="en-US" sz="2200" u="sng" dirty="0">
+                <a:hlinkClick r:id="rId3"/>
+              </a:rPr>
+              <a:t>https://en.wikipedia.org/wiki/Human_resource_management_system</a:t>
+            </a:r>
+            <a:endParaRPr lang="en-US" sz="2200" dirty="0"/>
+          </a:p>
+          <a:p>
+            <a:pPr lvl="0"/>
+            <a:r>
+              <a:rPr lang="en-US" sz="2200" dirty="0"/>
+              <a:t>Human Resources Management System (HRMS)</a:t>
+            </a:r>
+          </a:p>
+          <a:p>
+            <a:pPr lvl="1"/>
+            <a:r>
+              <a:rPr lang="en-US" sz="2200" u="sng" dirty="0">
+                <a:hlinkClick r:id="rId4"/>
+              </a:rPr>
+              <a:t>https://www.bamboohr.com/hr-glossary/human-resources-management-system-hrms/</a:t>
+            </a:r>
+            <a:endParaRPr lang="en-US" sz="2200" dirty="0"/>
+          </a:p>
+          <a:p>
+            <a:endParaRPr lang="en-GB" sz="2200" dirty="0"/>
+          </a:p>
+        </p:txBody>
+      </p:sp>
+      <p:sp>
+        <p:nvSpPr>
+          <p:cNvPr id="10" name="Rectangle 9">
+            <a:extLst>
+              <a:ext uri="{FF2B5EF4-FFF2-40B4-BE49-F238E27FC236}">
+                <a16:creationId xmlns:a16="http://schemas.microsoft.com/office/drawing/2014/main" id="{59A309A7-1751-4ABE-A3C1-EEC40366AD89}"/>
               </a:ext>
               <a:ext uri="{C183D7F6-B498-43B3-948B-1728B52AA6E4}">
                 <adec:decorative xmlns:adec="http://schemas.microsoft.com/office/drawing/2017/decorative" val="1"/>
@@ -16912,401 +14521,14 @@
         </p:nvSpPr>
         <p:spPr>
           <a:xfrm>
-            <a:off x="484096" y="470925"/>
-            <a:ext cx="4381009" cy="5892104"/>
+            <a:off x="10088880" y="0"/>
+            <a:ext cx="2103120" cy="6858000"/>
           </a:xfrm>
-          <a:custGeom>
+          <a:prstGeom prst="rect">
             <a:avLst/>
-            <a:gdLst>
-              <a:gd name="connsiteX0" fmla="*/ 0 w 4381009"/>
-              <a:gd name="connsiteY0" fmla="*/ 0 h 5892104"/>
-              <a:gd name="connsiteX1" fmla="*/ 4157628 w 4381009"/>
-              <a:gd name="connsiteY1" fmla="*/ 0 h 5892104"/>
-              <a:gd name="connsiteX2" fmla="*/ 4169302 w 4381009"/>
-              <a:gd name="connsiteY2" fmla="*/ 68659 h 5892104"/>
-              <a:gd name="connsiteX3" fmla="*/ 4191571 w 4381009"/>
-              <a:gd name="connsiteY3" fmla="*/ 205472 h 5892104"/>
-              <a:gd name="connsiteX4" fmla="*/ 4213368 w 4381009"/>
-              <a:gd name="connsiteY4" fmla="*/ 342890 h 5892104"/>
-              <a:gd name="connsiteX5" fmla="*/ 4232030 w 4381009"/>
-              <a:gd name="connsiteY5" fmla="*/ 480913 h 5892104"/>
-              <a:gd name="connsiteX6" fmla="*/ 4250848 w 4381009"/>
-              <a:gd name="connsiteY6" fmla="*/ 618332 h 5892104"/>
-              <a:gd name="connsiteX7" fmla="*/ 4268412 w 4381009"/>
-              <a:gd name="connsiteY7" fmla="*/ 756355 h 5892104"/>
-              <a:gd name="connsiteX8" fmla="*/ 4283467 w 4381009"/>
-              <a:gd name="connsiteY8" fmla="*/ 892563 h 5892104"/>
-              <a:gd name="connsiteX9" fmla="*/ 4297737 w 4381009"/>
-              <a:gd name="connsiteY9" fmla="*/ 1030587 h 5892104"/>
-              <a:gd name="connsiteX10" fmla="*/ 4310754 w 4381009"/>
-              <a:gd name="connsiteY10" fmla="*/ 1168005 h 5892104"/>
-              <a:gd name="connsiteX11" fmla="*/ 4322045 w 4381009"/>
-              <a:gd name="connsiteY11" fmla="*/ 1303002 h 5892104"/>
-              <a:gd name="connsiteX12" fmla="*/ 4333336 w 4381009"/>
-              <a:gd name="connsiteY12" fmla="*/ 1439815 h 5892104"/>
-              <a:gd name="connsiteX13" fmla="*/ 4342745 w 4381009"/>
-              <a:gd name="connsiteY13" fmla="*/ 1574812 h 5892104"/>
-              <a:gd name="connsiteX14" fmla="*/ 4350115 w 4381009"/>
-              <a:gd name="connsiteY14" fmla="*/ 1709808 h 5892104"/>
-              <a:gd name="connsiteX15" fmla="*/ 4357799 w 4381009"/>
-              <a:gd name="connsiteY15" fmla="*/ 1844200 h 5892104"/>
-              <a:gd name="connsiteX16" fmla="*/ 4364229 w 4381009"/>
-              <a:gd name="connsiteY16" fmla="*/ 1977381 h 5892104"/>
-              <a:gd name="connsiteX17" fmla="*/ 4368777 w 4381009"/>
-              <a:gd name="connsiteY17" fmla="*/ 2109351 h 5892104"/>
-              <a:gd name="connsiteX18" fmla="*/ 4372697 w 4381009"/>
-              <a:gd name="connsiteY18" fmla="*/ 2241321 h 5892104"/>
-              <a:gd name="connsiteX19" fmla="*/ 4376461 w 4381009"/>
-              <a:gd name="connsiteY19" fmla="*/ 2372080 h 5892104"/>
-              <a:gd name="connsiteX20" fmla="*/ 4378186 w 4381009"/>
-              <a:gd name="connsiteY20" fmla="*/ 2501023 h 5892104"/>
-              <a:gd name="connsiteX21" fmla="*/ 4380068 w 4381009"/>
-              <a:gd name="connsiteY21" fmla="*/ 2629966 h 5892104"/>
-              <a:gd name="connsiteX22" fmla="*/ 4381009 w 4381009"/>
-              <a:gd name="connsiteY22" fmla="*/ 2757093 h 5892104"/>
-              <a:gd name="connsiteX23" fmla="*/ 4380068 w 4381009"/>
-              <a:gd name="connsiteY23" fmla="*/ 2883010 h 5892104"/>
-              <a:gd name="connsiteX24" fmla="*/ 4380068 w 4381009"/>
-              <a:gd name="connsiteY24" fmla="*/ 3007715 h 5892104"/>
-              <a:gd name="connsiteX25" fmla="*/ 4378186 w 4381009"/>
-              <a:gd name="connsiteY25" fmla="*/ 3131210 h 5892104"/>
-              <a:gd name="connsiteX26" fmla="*/ 4375363 w 4381009"/>
-              <a:gd name="connsiteY26" fmla="*/ 3252283 h 5892104"/>
-              <a:gd name="connsiteX27" fmla="*/ 4372697 w 4381009"/>
-              <a:gd name="connsiteY27" fmla="*/ 3372146 h 5892104"/>
-              <a:gd name="connsiteX28" fmla="*/ 4369718 w 4381009"/>
-              <a:gd name="connsiteY28" fmla="*/ 3489587 h 5892104"/>
-              <a:gd name="connsiteX29" fmla="*/ 4365170 w 4381009"/>
-              <a:gd name="connsiteY29" fmla="*/ 3606423 h 5892104"/>
-              <a:gd name="connsiteX30" fmla="*/ 4360309 w 4381009"/>
-              <a:gd name="connsiteY30" fmla="*/ 3721443 h 5892104"/>
-              <a:gd name="connsiteX31" fmla="*/ 4355918 w 4381009"/>
-              <a:gd name="connsiteY31" fmla="*/ 3834041 h 5892104"/>
-              <a:gd name="connsiteX32" fmla="*/ 4343529 w 4381009"/>
-              <a:gd name="connsiteY32" fmla="*/ 4053789 h 5892104"/>
-              <a:gd name="connsiteX33" fmla="*/ 4330356 w 4381009"/>
-              <a:gd name="connsiteY33" fmla="*/ 4264457 h 5892104"/>
-              <a:gd name="connsiteX34" fmla="*/ 4316556 w 4381009"/>
-              <a:gd name="connsiteY34" fmla="*/ 4466650 h 5892104"/>
-              <a:gd name="connsiteX35" fmla="*/ 4301344 w 4381009"/>
-              <a:gd name="connsiteY35" fmla="*/ 4657946 h 5892104"/>
-              <a:gd name="connsiteX36" fmla="*/ 4285506 w 4381009"/>
-              <a:gd name="connsiteY36" fmla="*/ 4840767 h 5892104"/>
-              <a:gd name="connsiteX37" fmla="*/ 4268412 w 4381009"/>
-              <a:gd name="connsiteY37" fmla="*/ 5010269 h 5892104"/>
-              <a:gd name="connsiteX38" fmla="*/ 4251633 w 4381009"/>
-              <a:gd name="connsiteY38" fmla="*/ 5169481 h 5892104"/>
-              <a:gd name="connsiteX39" fmla="*/ 4234853 w 4381009"/>
-              <a:gd name="connsiteY39" fmla="*/ 5315980 h 5892104"/>
-              <a:gd name="connsiteX40" fmla="*/ 4219014 w 4381009"/>
-              <a:gd name="connsiteY40" fmla="*/ 5450371 h 5892104"/>
-              <a:gd name="connsiteX41" fmla="*/ 4203959 w 4381009"/>
-              <a:gd name="connsiteY41" fmla="*/ 5569628 h 5892104"/>
-              <a:gd name="connsiteX42" fmla="*/ 4189689 w 4381009"/>
-              <a:gd name="connsiteY42" fmla="*/ 5677384 h 5892104"/>
-              <a:gd name="connsiteX43" fmla="*/ 4177770 w 4381009"/>
-              <a:gd name="connsiteY43" fmla="*/ 5768189 h 5892104"/>
-              <a:gd name="connsiteX44" fmla="*/ 4166479 w 4381009"/>
-              <a:gd name="connsiteY44" fmla="*/ 5844465 h 5892104"/>
-              <a:gd name="connsiteX45" fmla="*/ 4159132 w 4381009"/>
-              <a:gd name="connsiteY45" fmla="*/ 5892104 h 5892104"/>
-              <a:gd name="connsiteX46" fmla="*/ 0 w 4381009"/>
-              <a:gd name="connsiteY46" fmla="*/ 5892104 h 5892104"/>
-            </a:gdLst>
-            <a:ahLst/>
-            <a:cxnLst>
-              <a:cxn ang="0">
-                <a:pos x="connsiteX0" y="connsiteY0"/>
-              </a:cxn>
-              <a:cxn ang="0">
-                <a:pos x="connsiteX1" y="connsiteY1"/>
-              </a:cxn>
-              <a:cxn ang="0">
-                <a:pos x="connsiteX2" y="connsiteY2"/>
-              </a:cxn>
-              <a:cxn ang="0">
-                <a:pos x="connsiteX3" y="connsiteY3"/>
-              </a:cxn>
-              <a:cxn ang="0">
-                <a:pos x="connsiteX4" y="connsiteY4"/>
-              </a:cxn>
-              <a:cxn ang="0">
-                <a:pos x="connsiteX5" y="connsiteY5"/>
-              </a:cxn>
-              <a:cxn ang="0">
-                <a:pos x="connsiteX6" y="connsiteY6"/>
-              </a:cxn>
-              <a:cxn ang="0">
-                <a:pos x="connsiteX7" y="connsiteY7"/>
-              </a:cxn>
-              <a:cxn ang="0">
-                <a:pos x="connsiteX8" y="connsiteY8"/>
-              </a:cxn>
-              <a:cxn ang="0">
-                <a:pos x="connsiteX9" y="connsiteY9"/>
-              </a:cxn>
-              <a:cxn ang="0">
-                <a:pos x="connsiteX10" y="connsiteY10"/>
-              </a:cxn>
-              <a:cxn ang="0">
-                <a:pos x="connsiteX11" y="connsiteY11"/>
-              </a:cxn>
-              <a:cxn ang="0">
-                <a:pos x="connsiteX12" y="connsiteY12"/>
-              </a:cxn>
-              <a:cxn ang="0">
-                <a:pos x="connsiteX13" y="connsiteY13"/>
-              </a:cxn>
-              <a:cxn ang="0">
-                <a:pos x="connsiteX14" y="connsiteY14"/>
-              </a:cxn>
-              <a:cxn ang="0">
-                <a:pos x="connsiteX15" y="connsiteY15"/>
-              </a:cxn>
-              <a:cxn ang="0">
-                <a:pos x="connsiteX16" y="connsiteY16"/>
-              </a:cxn>
-              <a:cxn ang="0">
-                <a:pos x="connsiteX17" y="connsiteY17"/>
-              </a:cxn>
-              <a:cxn ang="0">
-                <a:pos x="connsiteX18" y="connsiteY18"/>
-              </a:cxn>
-              <a:cxn ang="0">
-                <a:pos x="connsiteX19" y="connsiteY19"/>
-              </a:cxn>
-              <a:cxn ang="0">
-                <a:pos x="connsiteX20" y="connsiteY20"/>
-              </a:cxn>
-              <a:cxn ang="0">
-                <a:pos x="connsiteX21" y="connsiteY21"/>
-              </a:cxn>
-              <a:cxn ang="0">
-                <a:pos x="connsiteX22" y="connsiteY22"/>
-              </a:cxn>
-              <a:cxn ang="0">
-                <a:pos x="connsiteX23" y="connsiteY23"/>
-              </a:cxn>
-              <a:cxn ang="0">
-                <a:pos x="connsiteX24" y="connsiteY24"/>
-              </a:cxn>
-              <a:cxn ang="0">
-                <a:pos x="connsiteX25" y="connsiteY25"/>
-              </a:cxn>
-              <a:cxn ang="0">
-                <a:pos x="connsiteX26" y="connsiteY26"/>
-              </a:cxn>
-              <a:cxn ang="0">
-                <a:pos x="connsiteX27" y="connsiteY27"/>
-              </a:cxn>
-              <a:cxn ang="0">
-                <a:pos x="connsiteX28" y="connsiteY28"/>
-              </a:cxn>
-              <a:cxn ang="0">
-                <a:pos x="connsiteX29" y="connsiteY29"/>
-              </a:cxn>
-              <a:cxn ang="0">
-                <a:pos x="connsiteX30" y="connsiteY30"/>
-              </a:cxn>
-              <a:cxn ang="0">
-                <a:pos x="connsiteX31" y="connsiteY31"/>
-              </a:cxn>
-              <a:cxn ang="0">
-                <a:pos x="connsiteX32" y="connsiteY32"/>
-              </a:cxn>
-              <a:cxn ang="0">
-                <a:pos x="connsiteX33" y="connsiteY33"/>
-              </a:cxn>
-              <a:cxn ang="0">
-                <a:pos x="connsiteX34" y="connsiteY34"/>
-              </a:cxn>
-              <a:cxn ang="0">
-                <a:pos x="connsiteX35" y="connsiteY35"/>
-              </a:cxn>
-              <a:cxn ang="0">
-                <a:pos x="connsiteX36" y="connsiteY36"/>
-              </a:cxn>
-              <a:cxn ang="0">
-                <a:pos x="connsiteX37" y="connsiteY37"/>
-              </a:cxn>
-              <a:cxn ang="0">
-                <a:pos x="connsiteX38" y="connsiteY38"/>
-              </a:cxn>
-              <a:cxn ang="0">
-                <a:pos x="connsiteX39" y="connsiteY39"/>
-              </a:cxn>
-              <a:cxn ang="0">
-                <a:pos x="connsiteX40" y="connsiteY40"/>
-              </a:cxn>
-              <a:cxn ang="0">
-                <a:pos x="connsiteX41" y="connsiteY41"/>
-              </a:cxn>
-              <a:cxn ang="0">
-                <a:pos x="connsiteX42" y="connsiteY42"/>
-              </a:cxn>
-              <a:cxn ang="0">
-                <a:pos x="connsiteX43" y="connsiteY43"/>
-              </a:cxn>
-              <a:cxn ang="0">
-                <a:pos x="connsiteX44" y="connsiteY44"/>
-              </a:cxn>
-              <a:cxn ang="0">
-                <a:pos x="connsiteX45" y="connsiteY45"/>
-              </a:cxn>
-              <a:cxn ang="0">
-                <a:pos x="connsiteX46" y="connsiteY46"/>
-              </a:cxn>
-            </a:cxnLst>
-            <a:rect l="l" t="t" r="r" b="b"/>
-            <a:pathLst>
-              <a:path w="4381009" h="5892104">
-                <a:moveTo>
-                  <a:pt x="0" y="0"/>
-                </a:moveTo>
-                <a:lnTo>
-                  <a:pt x="4157628" y="0"/>
-                </a:lnTo>
-                <a:lnTo>
-                  <a:pt x="4169302" y="68659"/>
-                </a:lnTo>
-                <a:lnTo>
-                  <a:pt x="4191571" y="205472"/>
-                </a:lnTo>
-                <a:lnTo>
-                  <a:pt x="4213368" y="342890"/>
-                </a:lnTo>
-                <a:lnTo>
-                  <a:pt x="4232030" y="480913"/>
-                </a:lnTo>
-                <a:lnTo>
-                  <a:pt x="4250848" y="618332"/>
-                </a:lnTo>
-                <a:lnTo>
-                  <a:pt x="4268412" y="756355"/>
-                </a:lnTo>
-                <a:lnTo>
-                  <a:pt x="4283467" y="892563"/>
-                </a:lnTo>
-                <a:lnTo>
-                  <a:pt x="4297737" y="1030587"/>
-                </a:lnTo>
-                <a:lnTo>
-                  <a:pt x="4310754" y="1168005"/>
-                </a:lnTo>
-                <a:lnTo>
-                  <a:pt x="4322045" y="1303002"/>
-                </a:lnTo>
-                <a:lnTo>
-                  <a:pt x="4333336" y="1439815"/>
-                </a:lnTo>
-                <a:lnTo>
-                  <a:pt x="4342745" y="1574812"/>
-                </a:lnTo>
-                <a:lnTo>
-                  <a:pt x="4350115" y="1709808"/>
-                </a:lnTo>
-                <a:lnTo>
-                  <a:pt x="4357799" y="1844200"/>
-                </a:lnTo>
-                <a:lnTo>
-                  <a:pt x="4364229" y="1977381"/>
-                </a:lnTo>
-                <a:lnTo>
-                  <a:pt x="4368777" y="2109351"/>
-                </a:lnTo>
-                <a:lnTo>
-                  <a:pt x="4372697" y="2241321"/>
-                </a:lnTo>
-                <a:lnTo>
-                  <a:pt x="4376461" y="2372080"/>
-                </a:lnTo>
-                <a:lnTo>
-                  <a:pt x="4378186" y="2501023"/>
-                </a:lnTo>
-                <a:lnTo>
-                  <a:pt x="4380068" y="2629966"/>
-                </a:lnTo>
-                <a:lnTo>
-                  <a:pt x="4381009" y="2757093"/>
-                </a:lnTo>
-                <a:lnTo>
-                  <a:pt x="4380068" y="2883010"/>
-                </a:lnTo>
-                <a:lnTo>
-                  <a:pt x="4380068" y="3007715"/>
-                </a:lnTo>
-                <a:lnTo>
-                  <a:pt x="4378186" y="3131210"/>
-                </a:lnTo>
-                <a:lnTo>
-                  <a:pt x="4375363" y="3252283"/>
-                </a:lnTo>
-                <a:lnTo>
-                  <a:pt x="4372697" y="3372146"/>
-                </a:lnTo>
-                <a:lnTo>
-                  <a:pt x="4369718" y="3489587"/>
-                </a:lnTo>
-                <a:lnTo>
-                  <a:pt x="4365170" y="3606423"/>
-                </a:lnTo>
-                <a:lnTo>
-                  <a:pt x="4360309" y="3721443"/>
-                </a:lnTo>
-                <a:lnTo>
-                  <a:pt x="4355918" y="3834041"/>
-                </a:lnTo>
-                <a:lnTo>
-                  <a:pt x="4343529" y="4053789"/>
-                </a:lnTo>
-                <a:lnTo>
-                  <a:pt x="4330356" y="4264457"/>
-                </a:lnTo>
-                <a:lnTo>
-                  <a:pt x="4316556" y="4466650"/>
-                </a:lnTo>
-                <a:lnTo>
-                  <a:pt x="4301344" y="4657946"/>
-                </a:lnTo>
-                <a:lnTo>
-                  <a:pt x="4285506" y="4840767"/>
-                </a:lnTo>
-                <a:lnTo>
-                  <a:pt x="4268412" y="5010269"/>
-                </a:lnTo>
-                <a:lnTo>
-                  <a:pt x="4251633" y="5169481"/>
-                </a:lnTo>
-                <a:lnTo>
-                  <a:pt x="4234853" y="5315980"/>
-                </a:lnTo>
-                <a:lnTo>
-                  <a:pt x="4219014" y="5450371"/>
-                </a:lnTo>
-                <a:lnTo>
-                  <a:pt x="4203959" y="5569628"/>
-                </a:lnTo>
-                <a:lnTo>
-                  <a:pt x="4189689" y="5677384"/>
-                </a:lnTo>
-                <a:lnTo>
-                  <a:pt x="4177770" y="5768189"/>
-                </a:lnTo>
-                <a:lnTo>
-                  <a:pt x="4166479" y="5844465"/>
-                </a:lnTo>
-                <a:lnTo>
-                  <a:pt x="4159132" y="5892104"/>
-                </a:lnTo>
-                <a:lnTo>
-                  <a:pt x="0" y="5892104"/>
-                </a:lnTo>
-                <a:close/>
-              </a:path>
-            </a:pathLst>
-          </a:custGeom>
+          </a:prstGeom>
           <a:solidFill>
-            <a:srgbClr val="404040"/>
+            <a:schemeClr val="accent1"/>
           </a:solidFill>
           <a:ln>
             <a:noFill/>
@@ -17329,124 +14551,122 @@
           </a:fontRef>
         </p:style>
         <p:txBody>
-          <a:bodyPr wrap="square" rtlCol="0" anchor="ctr">
-            <a:noAutofit/>
-          </a:bodyPr>
+          <a:bodyPr rtlCol="0" anchor="ctr"/>
           <a:lstStyle/>
           <a:p>
-            <a:pPr marL="0" marR="0" lvl="0" indent="0" algn="ctr" defTabSz="457200" rtl="0" eaLnBrk="1" fontAlgn="auto" latinLnBrk="0" hangingPunct="1">
-              <a:lnSpc>
-                <a:spcPct val="100000"/>
-              </a:lnSpc>
-              <a:spcBef>
-                <a:spcPts val="0"/>
-              </a:spcBef>
-              <a:spcAft>
-                <a:spcPts val="0"/>
-              </a:spcAft>
-              <a:buClrTx/>
-              <a:buSzTx/>
-              <a:buFontTx/>
-              <a:buNone/>
-              <a:tabLst/>
-              <a:defRPr/>
-            </a:pPr>
-            <a:endParaRPr kumimoji="0" lang="en-US" sz="1800" b="0" i="0" u="none" strike="noStrike" kern="1200" cap="none" spc="0" normalizeH="0" baseline="0" noProof="0">
-              <a:ln>
-                <a:noFill/>
-              </a:ln>
-              <a:solidFill>
-                <a:prstClr val="white"/>
-              </a:solidFill>
-              <a:effectLst/>
-              <a:uLnTx/>
-              <a:uFillTx/>
-              <a:latin typeface="Calibri" panose="020F0502020204030204"/>
-              <a:ea typeface="+mn-ea"/>
-              <a:cs typeface="+mn-cs"/>
-            </a:endParaRPr>
+            <a:pPr algn="ctr"/>
+            <a:endParaRPr lang="en-US"/>
           </a:p>
         </p:txBody>
       </p:sp>
       <p:sp>
         <p:nvSpPr>
-          <p:cNvPr id="2" name="Title 1">
+          <p:cNvPr id="12" name="Oval 11">
             <a:extLst>
               <a:ext uri="{FF2B5EF4-FFF2-40B4-BE49-F238E27FC236}">
-                <a16:creationId xmlns:a16="http://schemas.microsoft.com/office/drawing/2014/main" id="{8E5C7B9B-48D9-469B-8196-696F11D4A4D4}"/>
+                <a16:creationId xmlns:a16="http://schemas.microsoft.com/office/drawing/2014/main" id="{967D8EB6-EAE1-4F9C-B398-83321E287204}"/>
+              </a:ext>
+              <a:ext uri="{C183D7F6-B498-43B3-948B-1728B52AA6E4}">
+                <adec:decorative xmlns:adec="http://schemas.microsoft.com/office/drawing/2017/decorative" val="1"/>
               </a:ext>
             </a:extLst>
           </p:cNvPr>
           <p:cNvSpPr>
-            <a:spLocks noGrp="1"/>
+            <a:spLocks noGrp="1" noRot="1" noChangeAspect="1" noMove="1" noResize="1" noEditPoints="1" noAdjustHandles="1" noChangeArrowheads="1" noChangeShapeType="1" noTextEdit="1"/>
           </p:cNvSpPr>
           <p:nvPr>
-            <p:ph type="title"/>
+            <p:extLst>
+              <p:ext uri="{386F3935-93C4-4BCD-93E2-E3B085C9AB24}">
+                <p16:designElem xmlns:p16="http://schemas.microsoft.com/office/powerpoint/2015/main" val="1"/>
+              </p:ext>
+            </p:extLst>
           </p:nvPr>
         </p:nvSpPr>
         <p:spPr>
           <a:xfrm>
-            <a:off x="863029" y="1012004"/>
-            <a:ext cx="3416158" cy="4795408"/>
+            <a:off x="8915400" y="2358913"/>
+            <a:ext cx="2140172" cy="2140172"/>
           </a:xfrm>
+          <a:prstGeom prst="ellipse">
+            <a:avLst/>
+          </a:prstGeom>
+          <a:solidFill>
+            <a:srgbClr val="FFFFFF"/>
+          </a:solidFill>
+          <a:ln w="22225">
+            <a:solidFill>
+              <a:schemeClr val="accent1"/>
+            </a:solidFill>
+          </a:ln>
         </p:spPr>
+        <p:style>
+          <a:lnRef idx="2">
+            <a:schemeClr val="accent1">
+              <a:shade val="50000"/>
+            </a:schemeClr>
+          </a:lnRef>
+          <a:fillRef idx="1">
+            <a:schemeClr val="accent1"/>
+          </a:fillRef>
+          <a:effectRef idx="0">
+            <a:schemeClr val="accent1"/>
+          </a:effectRef>
+          <a:fontRef idx="minor">
+            <a:schemeClr val="lt1"/>
+          </a:fontRef>
+        </p:style>
         <p:txBody>
-          <a:bodyPr>
-            <a:normAutofit/>
-          </a:bodyPr>
+          <a:bodyPr rtlCol="0" anchor="ctr"/>
           <a:lstStyle/>
           <a:p>
-            <a:r>
-              <a:rPr lang="en-US">
-                <a:solidFill>
-                  <a:srgbClr val="FFFFFF"/>
-                </a:solidFill>
-              </a:rPr>
-              <a:t>References </a:t>
-            </a:r>
-            <a:endParaRPr lang="en-GB">
-              <a:solidFill>
-                <a:srgbClr val="FFFFFF"/>
-              </a:solidFill>
-            </a:endParaRPr>
+            <a:pPr algn="ctr"/>
+            <a:endParaRPr lang="en-US"/>
           </a:p>
         </p:txBody>
       </p:sp>
-      <p:graphicFrame>
-        <p:nvGraphicFramePr>
-          <p:cNvPr id="24" name="Content Placeholder 2">
+      <p:pic>
+        <p:nvPicPr>
+          <p:cNvPr id="7" name="Graphic 6" descr="Users">
             <a:extLst>
               <a:ext uri="{FF2B5EF4-FFF2-40B4-BE49-F238E27FC236}">
-                <a16:creationId xmlns:a16="http://schemas.microsoft.com/office/drawing/2014/main" id="{2FD1FFA7-9027-409D-AE67-2670191654AE}"/>
+                <a16:creationId xmlns:a16="http://schemas.microsoft.com/office/drawing/2014/main" id="{CCA3D136-5368-4235-B5FB-E338A98774B5}"/>
               </a:ext>
             </a:extLst>
           </p:cNvPr>
-          <p:cNvGraphicFramePr>
-            <a:graphicFrameLocks noGrp="1"/>
-          </p:cNvGraphicFramePr>
-          <p:nvPr>
-            <p:ph idx="1"/>
-            <p:extLst>
-              <p:ext uri="{D42A27DB-BD31-4B8C-83A1-F6EECF244321}">
-                <p14:modId xmlns:p14="http://schemas.microsoft.com/office/powerpoint/2010/main" val="1258662108"/>
-              </p:ext>
-            </p:extLst>
-          </p:nvPr>
-        </p:nvGraphicFramePr>
-        <p:xfrm>
-          <a:off x="5194300" y="470924"/>
-          <a:ext cx="6513604" cy="5885426"/>
-        </p:xfrm>
-        <a:graphic>
-          <a:graphicData uri="http://schemas.openxmlformats.org/drawingml/2006/diagram">
-            <dgm:relIds xmlns:dgm="http://schemas.openxmlformats.org/drawingml/2006/diagram" xmlns:r="http://schemas.openxmlformats.org/officeDocument/2006/relationships" r:dm="rId2" r:lo="rId3" r:qs="rId4" r:cs="rId5"/>
-          </a:graphicData>
-        </a:graphic>
-      </p:graphicFrame>
+          <p:cNvPicPr>
+            <a:picLocks noChangeAspect="1"/>
+          </p:cNvPicPr>
+          <p:nvPr/>
+        </p:nvPicPr>
+        <p:blipFill>
+          <a:blip r:embed="rId5">
+            <a:extLst>
+              <a:ext uri="{28A0092B-C50C-407E-A947-70E740481C1C}">
+                <a14:useLocalDpi xmlns:a14="http://schemas.microsoft.com/office/drawing/2010/main" val="0"/>
+              </a:ext>
+              <a:ext uri="{96DAC541-7B7A-43D3-8B79-37D633B846F1}">
+                <asvg:svgBlip xmlns:asvg="http://schemas.microsoft.com/office/drawing/2016/SVG/main" r:embed="rId6"/>
+              </a:ext>
+            </a:extLst>
+          </a:blip>
+          <a:stretch>
+            <a:fillRect/>
+          </a:stretch>
+        </p:blipFill>
+        <p:spPr>
+          <a:xfrm>
+            <a:off x="9413987" y="2857501"/>
+            <a:ext cx="1142998" cy="1142998"/>
+          </a:xfrm>
+          <a:prstGeom prst="rect">
+            <a:avLst/>
+          </a:prstGeom>
+        </p:spPr>
+      </p:pic>
     </p:spTree>
     <p:extLst>
       <p:ext uri="{BB962C8B-B14F-4D97-AF65-F5344CB8AC3E}">
-        <p14:creationId xmlns:p14="http://schemas.microsoft.com/office/powerpoint/2010/main" val="3166727878"/>
+        <p14:creationId xmlns:p14="http://schemas.microsoft.com/office/powerpoint/2010/main" val="2228817115"/>
       </p:ext>
     </p:extLst>
   </p:cSld>
